--- a/TestingBasics/Database Testing.pptx
+++ b/TestingBasics/Database Testing.pptx
@@ -5,7 +5,7 @@
     <p:sldMasterId id="2147483648" r:id="rId1"/>
   </p:sldMasterIdLst>
   <p:notesMasterIdLst>
-    <p:notesMasterId r:id="rId18"/>
+    <p:notesMasterId r:id="rId16"/>
   </p:notesMasterIdLst>
   <p:sldIdLst>
     <p:sldId id="263" r:id="rId2"/>
@@ -14,16 +14,14 @@
     <p:sldId id="318" r:id="rId5"/>
     <p:sldId id="331" r:id="rId6"/>
     <p:sldId id="335" r:id="rId7"/>
-    <p:sldId id="336" r:id="rId8"/>
-    <p:sldId id="322" r:id="rId9"/>
-    <p:sldId id="332" r:id="rId10"/>
-    <p:sldId id="333" r:id="rId11"/>
-    <p:sldId id="314" r:id="rId12"/>
-    <p:sldId id="315" r:id="rId13"/>
-    <p:sldId id="321" r:id="rId14"/>
-    <p:sldId id="334" r:id="rId15"/>
-    <p:sldId id="330" r:id="rId16"/>
-    <p:sldId id="319" r:id="rId17"/>
+    <p:sldId id="322" r:id="rId8"/>
+    <p:sldId id="332" r:id="rId9"/>
+    <p:sldId id="333" r:id="rId10"/>
+    <p:sldId id="321" r:id="rId11"/>
+    <p:sldId id="334" r:id="rId12"/>
+    <p:sldId id="330" r:id="rId13"/>
+    <p:sldId id="319" r:id="rId14"/>
+    <p:sldId id="336" r:id="rId15"/>
   </p:sldIdLst>
   <p:sldSz cx="11520488" cy="6480175"/>
   <p:notesSz cx="6858000" cy="9144000"/>
@@ -5373,1500 +5371,6 @@
 </dgm:colorsDef>
 </file>
 
-<file path=ppt/diagrams/colors8.xml><?xml version="1.0" encoding="utf-8"?>
-<dgm:colorsDef xmlns:dgm="http://schemas.openxmlformats.org/drawingml/2006/diagram" xmlns:a="http://schemas.openxmlformats.org/drawingml/2006/main" uniqueId="urn:microsoft.com/office/officeart/2005/8/colors/accent1_2">
-  <dgm:title val=""/>
-  <dgm:desc val=""/>
-  <dgm:catLst>
-    <dgm:cat type="accent1" pri="11200"/>
-  </dgm:catLst>
-  <dgm:styleLbl name="node0">
-    <dgm:fillClrLst meth="repeat">
-      <a:schemeClr val="accent1"/>
-    </dgm:fillClrLst>
-    <dgm:linClrLst meth="repeat">
-      <a:schemeClr val="lt1"/>
-    </dgm:linClrLst>
-    <dgm:effectClrLst/>
-    <dgm:txLinClrLst/>
-    <dgm:txFillClrLst/>
-    <dgm:txEffectClrLst/>
-  </dgm:styleLbl>
-  <dgm:styleLbl name="alignNode1">
-    <dgm:fillClrLst meth="repeat">
-      <a:schemeClr val="accent1"/>
-    </dgm:fillClrLst>
-    <dgm:linClrLst meth="repeat">
-      <a:schemeClr val="accent1"/>
-    </dgm:linClrLst>
-    <dgm:effectClrLst/>
-    <dgm:txLinClrLst/>
-    <dgm:txFillClrLst/>
-    <dgm:txEffectClrLst/>
-  </dgm:styleLbl>
-  <dgm:styleLbl name="node1">
-    <dgm:fillClrLst meth="repeat">
-      <a:schemeClr val="accent1"/>
-    </dgm:fillClrLst>
-    <dgm:linClrLst meth="repeat">
-      <a:schemeClr val="lt1"/>
-    </dgm:linClrLst>
-    <dgm:effectClrLst/>
-    <dgm:txLinClrLst/>
-    <dgm:txFillClrLst/>
-    <dgm:txEffectClrLst/>
-  </dgm:styleLbl>
-  <dgm:styleLbl name="lnNode1">
-    <dgm:fillClrLst meth="repeat">
-      <a:schemeClr val="accent1"/>
-    </dgm:fillClrLst>
-    <dgm:linClrLst meth="repeat">
-      <a:schemeClr val="lt1"/>
-    </dgm:linClrLst>
-    <dgm:effectClrLst/>
-    <dgm:txLinClrLst/>
-    <dgm:txFillClrLst/>
-    <dgm:txEffectClrLst/>
-  </dgm:styleLbl>
-  <dgm:styleLbl name="vennNode1">
-    <dgm:fillClrLst meth="repeat">
-      <a:schemeClr val="accent1">
-        <a:alpha val="50000"/>
-      </a:schemeClr>
-    </dgm:fillClrLst>
-    <dgm:linClrLst meth="repeat">
-      <a:schemeClr val="lt1"/>
-    </dgm:linClrLst>
-    <dgm:effectClrLst/>
-    <dgm:txLinClrLst/>
-    <dgm:txFillClrLst/>
-    <dgm:txEffectClrLst/>
-  </dgm:styleLbl>
-  <dgm:styleLbl name="node2">
-    <dgm:fillClrLst meth="repeat">
-      <a:schemeClr val="accent1"/>
-    </dgm:fillClrLst>
-    <dgm:linClrLst meth="repeat">
-      <a:schemeClr val="lt1"/>
-    </dgm:linClrLst>
-    <dgm:effectClrLst/>
-    <dgm:txLinClrLst/>
-    <dgm:txFillClrLst/>
-    <dgm:txEffectClrLst/>
-  </dgm:styleLbl>
-  <dgm:styleLbl name="node3">
-    <dgm:fillClrLst meth="repeat">
-      <a:schemeClr val="accent1"/>
-    </dgm:fillClrLst>
-    <dgm:linClrLst meth="repeat">
-      <a:schemeClr val="lt1"/>
-    </dgm:linClrLst>
-    <dgm:effectClrLst/>
-    <dgm:txLinClrLst/>
-    <dgm:txFillClrLst/>
-    <dgm:txEffectClrLst/>
-  </dgm:styleLbl>
-  <dgm:styleLbl name="node4">
-    <dgm:fillClrLst meth="repeat">
-      <a:schemeClr val="accent1"/>
-    </dgm:fillClrLst>
-    <dgm:linClrLst meth="repeat">
-      <a:schemeClr val="lt1"/>
-    </dgm:linClrLst>
-    <dgm:effectClrLst/>
-    <dgm:txLinClrLst/>
-    <dgm:txFillClrLst/>
-    <dgm:txEffectClrLst/>
-  </dgm:styleLbl>
-  <dgm:styleLbl name="fgImgPlace1">
-    <dgm:fillClrLst meth="repeat">
-      <a:schemeClr val="accent1">
-        <a:tint val="50000"/>
-      </a:schemeClr>
-    </dgm:fillClrLst>
-    <dgm:linClrLst meth="repeat">
-      <a:schemeClr val="lt1"/>
-    </dgm:linClrLst>
-    <dgm:effectClrLst/>
-    <dgm:txLinClrLst/>
-    <dgm:txFillClrLst meth="repeat">
-      <a:schemeClr val="lt1"/>
-    </dgm:txFillClrLst>
-    <dgm:txEffectClrLst/>
-  </dgm:styleLbl>
-  <dgm:styleLbl name="alignImgPlace1">
-    <dgm:fillClrLst meth="repeat">
-      <a:schemeClr val="accent1">
-        <a:tint val="50000"/>
-      </a:schemeClr>
-    </dgm:fillClrLst>
-    <dgm:linClrLst meth="repeat">
-      <a:schemeClr val="lt1"/>
-    </dgm:linClrLst>
-    <dgm:effectClrLst/>
-    <dgm:txLinClrLst/>
-    <dgm:txFillClrLst meth="repeat">
-      <a:schemeClr val="lt1"/>
-    </dgm:txFillClrLst>
-    <dgm:txEffectClrLst/>
-  </dgm:styleLbl>
-  <dgm:styleLbl name="bgImgPlace1">
-    <dgm:fillClrLst meth="repeat">
-      <a:schemeClr val="accent1">
-        <a:tint val="50000"/>
-      </a:schemeClr>
-    </dgm:fillClrLst>
-    <dgm:linClrLst meth="repeat">
-      <a:schemeClr val="lt1"/>
-    </dgm:linClrLst>
-    <dgm:effectClrLst/>
-    <dgm:txLinClrLst/>
-    <dgm:txFillClrLst meth="repeat">
-      <a:schemeClr val="lt1"/>
-    </dgm:txFillClrLst>
-    <dgm:txEffectClrLst/>
-  </dgm:styleLbl>
-  <dgm:styleLbl name="sibTrans2D1">
-    <dgm:fillClrLst meth="repeat">
-      <a:schemeClr val="accent1">
-        <a:tint val="60000"/>
-      </a:schemeClr>
-    </dgm:fillClrLst>
-    <dgm:linClrLst meth="repeat">
-      <a:schemeClr val="accent1">
-        <a:tint val="60000"/>
-      </a:schemeClr>
-    </dgm:linClrLst>
-    <dgm:effectClrLst/>
-    <dgm:txLinClrLst/>
-    <dgm:txFillClrLst/>
-    <dgm:txEffectClrLst/>
-  </dgm:styleLbl>
-  <dgm:styleLbl name="fgSibTrans2D1">
-    <dgm:fillClrLst meth="repeat">
-      <a:schemeClr val="accent1">
-        <a:tint val="60000"/>
-      </a:schemeClr>
-    </dgm:fillClrLst>
-    <dgm:linClrLst meth="repeat">
-      <a:schemeClr val="accent1">
-        <a:tint val="60000"/>
-      </a:schemeClr>
-    </dgm:linClrLst>
-    <dgm:effectClrLst/>
-    <dgm:txLinClrLst/>
-    <dgm:txFillClrLst/>
-    <dgm:txEffectClrLst/>
-  </dgm:styleLbl>
-  <dgm:styleLbl name="bgSibTrans2D1">
-    <dgm:fillClrLst meth="repeat">
-      <a:schemeClr val="accent1">
-        <a:tint val="60000"/>
-      </a:schemeClr>
-    </dgm:fillClrLst>
-    <dgm:linClrLst meth="repeat">
-      <a:schemeClr val="accent1">
-        <a:tint val="60000"/>
-      </a:schemeClr>
-    </dgm:linClrLst>
-    <dgm:effectClrLst/>
-    <dgm:txLinClrLst/>
-    <dgm:txFillClrLst/>
-    <dgm:txEffectClrLst/>
-  </dgm:styleLbl>
-  <dgm:styleLbl name="sibTrans1D1">
-    <dgm:fillClrLst meth="repeat">
-      <a:schemeClr val="accent1"/>
-    </dgm:fillClrLst>
-    <dgm:linClrLst meth="repeat">
-      <a:schemeClr val="accent1"/>
-    </dgm:linClrLst>
-    <dgm:effectClrLst/>
-    <dgm:txLinClrLst/>
-    <dgm:txFillClrLst meth="repeat">
-      <a:schemeClr val="tx1"/>
-    </dgm:txFillClrLst>
-    <dgm:txEffectClrLst/>
-  </dgm:styleLbl>
-  <dgm:styleLbl name="callout">
-    <dgm:fillClrLst meth="repeat">
-      <a:schemeClr val="accent1"/>
-    </dgm:fillClrLst>
-    <dgm:linClrLst meth="repeat">
-      <a:schemeClr val="accent1">
-        <a:tint val="50000"/>
-      </a:schemeClr>
-    </dgm:linClrLst>
-    <dgm:effectClrLst/>
-    <dgm:txLinClrLst/>
-    <dgm:txFillClrLst meth="repeat">
-      <a:schemeClr val="tx1"/>
-    </dgm:txFillClrLst>
-    <dgm:txEffectClrLst/>
-  </dgm:styleLbl>
-  <dgm:styleLbl name="asst0">
-    <dgm:fillClrLst meth="repeat">
-      <a:schemeClr val="accent1"/>
-    </dgm:fillClrLst>
-    <dgm:linClrLst meth="repeat">
-      <a:schemeClr val="lt1"/>
-    </dgm:linClrLst>
-    <dgm:effectClrLst/>
-    <dgm:txLinClrLst/>
-    <dgm:txFillClrLst/>
-    <dgm:txEffectClrLst/>
-  </dgm:styleLbl>
-  <dgm:styleLbl name="asst1">
-    <dgm:fillClrLst meth="repeat">
-      <a:schemeClr val="accent1"/>
-    </dgm:fillClrLst>
-    <dgm:linClrLst meth="repeat">
-      <a:schemeClr val="lt1"/>
-    </dgm:linClrLst>
-    <dgm:effectClrLst/>
-    <dgm:txLinClrLst/>
-    <dgm:txFillClrLst/>
-    <dgm:txEffectClrLst/>
-  </dgm:styleLbl>
-  <dgm:styleLbl name="asst2">
-    <dgm:fillClrLst meth="repeat">
-      <a:schemeClr val="accent1"/>
-    </dgm:fillClrLst>
-    <dgm:linClrLst meth="repeat">
-      <a:schemeClr val="lt1"/>
-    </dgm:linClrLst>
-    <dgm:effectClrLst/>
-    <dgm:txLinClrLst/>
-    <dgm:txFillClrLst/>
-    <dgm:txEffectClrLst/>
-  </dgm:styleLbl>
-  <dgm:styleLbl name="asst3">
-    <dgm:fillClrLst meth="repeat">
-      <a:schemeClr val="accent1"/>
-    </dgm:fillClrLst>
-    <dgm:linClrLst meth="repeat">
-      <a:schemeClr val="lt1"/>
-    </dgm:linClrLst>
-    <dgm:effectClrLst/>
-    <dgm:txLinClrLst/>
-    <dgm:txFillClrLst/>
-    <dgm:txEffectClrLst/>
-  </dgm:styleLbl>
-  <dgm:styleLbl name="asst4">
-    <dgm:fillClrLst meth="repeat">
-      <a:schemeClr val="accent1"/>
-    </dgm:fillClrLst>
-    <dgm:linClrLst meth="repeat">
-      <a:schemeClr val="lt1"/>
-    </dgm:linClrLst>
-    <dgm:effectClrLst/>
-    <dgm:txLinClrLst/>
-    <dgm:txFillClrLst/>
-    <dgm:txEffectClrLst/>
-  </dgm:styleLbl>
-  <dgm:styleLbl name="parChTrans2D1">
-    <dgm:fillClrLst meth="repeat">
-      <a:schemeClr val="accent1">
-        <a:tint val="60000"/>
-      </a:schemeClr>
-    </dgm:fillClrLst>
-    <dgm:linClrLst meth="repeat">
-      <a:schemeClr val="accent1">
-        <a:tint val="60000"/>
-      </a:schemeClr>
-    </dgm:linClrLst>
-    <dgm:effectClrLst/>
-    <dgm:txLinClrLst/>
-    <dgm:txFillClrLst meth="repeat">
-      <a:schemeClr val="lt1"/>
-    </dgm:txFillClrLst>
-    <dgm:txEffectClrLst/>
-  </dgm:styleLbl>
-  <dgm:styleLbl name="parChTrans2D2">
-    <dgm:fillClrLst meth="repeat">
-      <a:schemeClr val="accent1"/>
-    </dgm:fillClrLst>
-    <dgm:linClrLst meth="repeat">
-      <a:schemeClr val="accent1"/>
-    </dgm:linClrLst>
-    <dgm:effectClrLst/>
-    <dgm:txLinClrLst/>
-    <dgm:txFillClrLst meth="repeat">
-      <a:schemeClr val="lt1"/>
-    </dgm:txFillClrLst>
-    <dgm:txEffectClrLst/>
-  </dgm:styleLbl>
-  <dgm:styleLbl name="parChTrans2D3">
-    <dgm:fillClrLst meth="repeat">
-      <a:schemeClr val="accent1"/>
-    </dgm:fillClrLst>
-    <dgm:linClrLst meth="repeat">
-      <a:schemeClr val="accent1"/>
-    </dgm:linClrLst>
-    <dgm:effectClrLst/>
-    <dgm:txLinClrLst/>
-    <dgm:txFillClrLst meth="repeat">
-      <a:schemeClr val="lt1"/>
-    </dgm:txFillClrLst>
-    <dgm:txEffectClrLst/>
-  </dgm:styleLbl>
-  <dgm:styleLbl name="parChTrans2D4">
-    <dgm:fillClrLst meth="repeat">
-      <a:schemeClr val="accent1"/>
-    </dgm:fillClrLst>
-    <dgm:linClrLst meth="repeat">
-      <a:schemeClr val="accent1"/>
-    </dgm:linClrLst>
-    <dgm:effectClrLst/>
-    <dgm:txLinClrLst/>
-    <dgm:txFillClrLst meth="repeat">
-      <a:schemeClr val="lt1"/>
-    </dgm:txFillClrLst>
-    <dgm:txEffectClrLst/>
-  </dgm:styleLbl>
-  <dgm:styleLbl name="parChTrans1D1">
-    <dgm:fillClrLst meth="repeat">
-      <a:schemeClr val="accent1"/>
-    </dgm:fillClrLst>
-    <dgm:linClrLst meth="repeat">
-      <a:schemeClr val="accent1">
-        <a:shade val="60000"/>
-      </a:schemeClr>
-    </dgm:linClrLst>
-    <dgm:effectClrLst/>
-    <dgm:txLinClrLst/>
-    <dgm:txFillClrLst meth="repeat">
-      <a:schemeClr val="tx1"/>
-    </dgm:txFillClrLst>
-    <dgm:txEffectClrLst/>
-  </dgm:styleLbl>
-  <dgm:styleLbl name="parChTrans1D2">
-    <dgm:fillClrLst meth="repeat">
-      <a:schemeClr val="accent1"/>
-    </dgm:fillClrLst>
-    <dgm:linClrLst meth="repeat">
-      <a:schemeClr val="accent1">
-        <a:shade val="60000"/>
-      </a:schemeClr>
-    </dgm:linClrLst>
-    <dgm:effectClrLst/>
-    <dgm:txLinClrLst/>
-    <dgm:txFillClrLst meth="repeat">
-      <a:schemeClr val="tx1"/>
-    </dgm:txFillClrLst>
-    <dgm:txEffectClrLst/>
-  </dgm:styleLbl>
-  <dgm:styleLbl name="parChTrans1D3">
-    <dgm:fillClrLst meth="repeat">
-      <a:schemeClr val="accent1"/>
-    </dgm:fillClrLst>
-    <dgm:linClrLst meth="repeat">
-      <a:schemeClr val="accent1">
-        <a:shade val="80000"/>
-      </a:schemeClr>
-    </dgm:linClrLst>
-    <dgm:effectClrLst/>
-    <dgm:txLinClrLst/>
-    <dgm:txFillClrLst meth="repeat">
-      <a:schemeClr val="tx1"/>
-    </dgm:txFillClrLst>
-    <dgm:txEffectClrLst/>
-  </dgm:styleLbl>
-  <dgm:styleLbl name="parChTrans1D4">
-    <dgm:fillClrLst meth="repeat">
-      <a:schemeClr val="accent1"/>
-    </dgm:fillClrLst>
-    <dgm:linClrLst meth="repeat">
-      <a:schemeClr val="accent1">
-        <a:shade val="80000"/>
-      </a:schemeClr>
-    </dgm:linClrLst>
-    <dgm:effectClrLst/>
-    <dgm:txLinClrLst/>
-    <dgm:txFillClrLst meth="repeat">
-      <a:schemeClr val="tx1"/>
-    </dgm:txFillClrLst>
-    <dgm:txEffectClrLst/>
-  </dgm:styleLbl>
-  <dgm:styleLbl name="fgAcc1">
-    <dgm:fillClrLst meth="repeat">
-      <a:schemeClr val="lt1">
-        <a:alpha val="90000"/>
-      </a:schemeClr>
-    </dgm:fillClrLst>
-    <dgm:linClrLst meth="repeat">
-      <a:schemeClr val="accent1"/>
-    </dgm:linClrLst>
-    <dgm:effectClrLst/>
-    <dgm:txLinClrLst/>
-    <dgm:txFillClrLst meth="repeat">
-      <a:schemeClr val="dk1"/>
-    </dgm:txFillClrLst>
-    <dgm:txEffectClrLst/>
-  </dgm:styleLbl>
-  <dgm:styleLbl name="conFgAcc1">
-    <dgm:fillClrLst meth="repeat">
-      <a:schemeClr val="lt1">
-        <a:alpha val="90000"/>
-      </a:schemeClr>
-    </dgm:fillClrLst>
-    <dgm:linClrLst meth="repeat">
-      <a:schemeClr val="accent1"/>
-    </dgm:linClrLst>
-    <dgm:effectClrLst/>
-    <dgm:txLinClrLst/>
-    <dgm:txFillClrLst meth="repeat">
-      <a:schemeClr val="dk1"/>
-    </dgm:txFillClrLst>
-    <dgm:txEffectClrLst/>
-  </dgm:styleLbl>
-  <dgm:styleLbl name="alignAcc1">
-    <dgm:fillClrLst meth="repeat">
-      <a:schemeClr val="lt1">
-        <a:alpha val="90000"/>
-      </a:schemeClr>
-    </dgm:fillClrLst>
-    <dgm:linClrLst meth="repeat">
-      <a:schemeClr val="accent1"/>
-    </dgm:linClrLst>
-    <dgm:effectClrLst/>
-    <dgm:txLinClrLst/>
-    <dgm:txFillClrLst meth="repeat">
-      <a:schemeClr val="dk1"/>
-    </dgm:txFillClrLst>
-    <dgm:txEffectClrLst/>
-  </dgm:styleLbl>
-  <dgm:styleLbl name="trAlignAcc1">
-    <dgm:fillClrLst meth="repeat">
-      <a:schemeClr val="lt1">
-        <a:alpha val="40000"/>
-      </a:schemeClr>
-    </dgm:fillClrLst>
-    <dgm:linClrLst meth="repeat">
-      <a:schemeClr val="accent1"/>
-    </dgm:linClrLst>
-    <dgm:effectClrLst/>
-    <dgm:txLinClrLst/>
-    <dgm:txFillClrLst meth="repeat">
-      <a:schemeClr val="dk1"/>
-    </dgm:txFillClrLst>
-    <dgm:txEffectClrLst/>
-  </dgm:styleLbl>
-  <dgm:styleLbl name="bgAcc1">
-    <dgm:fillClrLst meth="repeat">
-      <a:schemeClr val="lt1">
-        <a:alpha val="90000"/>
-      </a:schemeClr>
-    </dgm:fillClrLst>
-    <dgm:linClrLst meth="repeat">
-      <a:schemeClr val="accent1"/>
-    </dgm:linClrLst>
-    <dgm:effectClrLst/>
-    <dgm:txLinClrLst/>
-    <dgm:txFillClrLst meth="repeat">
-      <a:schemeClr val="dk1"/>
-    </dgm:txFillClrLst>
-    <dgm:txEffectClrLst/>
-  </dgm:styleLbl>
-  <dgm:styleLbl name="solidFgAcc1">
-    <dgm:fillClrLst meth="repeat">
-      <a:schemeClr val="lt1"/>
-    </dgm:fillClrLst>
-    <dgm:linClrLst meth="repeat">
-      <a:schemeClr val="accent1"/>
-    </dgm:linClrLst>
-    <dgm:effectClrLst/>
-    <dgm:txLinClrLst/>
-    <dgm:txFillClrLst meth="repeat">
-      <a:schemeClr val="dk1"/>
-    </dgm:txFillClrLst>
-    <dgm:txEffectClrLst/>
-  </dgm:styleLbl>
-  <dgm:styleLbl name="solidAlignAcc1">
-    <dgm:fillClrLst meth="repeat">
-      <a:schemeClr val="lt1"/>
-    </dgm:fillClrLst>
-    <dgm:linClrLst meth="repeat">
-      <a:schemeClr val="accent1"/>
-    </dgm:linClrLst>
-    <dgm:effectClrLst/>
-    <dgm:txLinClrLst/>
-    <dgm:txFillClrLst meth="repeat">
-      <a:schemeClr val="dk1"/>
-    </dgm:txFillClrLst>
-    <dgm:txEffectClrLst/>
-  </dgm:styleLbl>
-  <dgm:styleLbl name="solidBgAcc1">
-    <dgm:fillClrLst meth="repeat">
-      <a:schemeClr val="lt1"/>
-    </dgm:fillClrLst>
-    <dgm:linClrLst meth="repeat">
-      <a:schemeClr val="accent1"/>
-    </dgm:linClrLst>
-    <dgm:effectClrLst/>
-    <dgm:txLinClrLst/>
-    <dgm:txFillClrLst meth="repeat">
-      <a:schemeClr val="dk1"/>
-    </dgm:txFillClrLst>
-    <dgm:txEffectClrLst/>
-  </dgm:styleLbl>
-  <dgm:styleLbl name="fgAccFollowNode1">
-    <dgm:fillClrLst meth="repeat">
-      <a:schemeClr val="accent1">
-        <a:alpha val="90000"/>
-        <a:tint val="40000"/>
-      </a:schemeClr>
-    </dgm:fillClrLst>
-    <dgm:linClrLst meth="repeat">
-      <a:schemeClr val="accent1">
-        <a:alpha val="90000"/>
-        <a:tint val="40000"/>
-      </a:schemeClr>
-    </dgm:linClrLst>
-    <dgm:effectClrLst/>
-    <dgm:txLinClrLst/>
-    <dgm:txFillClrLst meth="repeat">
-      <a:schemeClr val="dk1"/>
-    </dgm:txFillClrLst>
-    <dgm:txEffectClrLst/>
-  </dgm:styleLbl>
-  <dgm:styleLbl name="alignAccFollowNode1">
-    <dgm:fillClrLst meth="repeat">
-      <a:schemeClr val="accent1">
-        <a:alpha val="90000"/>
-        <a:tint val="40000"/>
-      </a:schemeClr>
-    </dgm:fillClrLst>
-    <dgm:linClrLst meth="repeat">
-      <a:schemeClr val="accent1">
-        <a:alpha val="90000"/>
-        <a:tint val="40000"/>
-      </a:schemeClr>
-    </dgm:linClrLst>
-    <dgm:effectClrLst/>
-    <dgm:txLinClrLst/>
-    <dgm:txFillClrLst meth="repeat">
-      <a:schemeClr val="dk1"/>
-    </dgm:txFillClrLst>
-    <dgm:txEffectClrLst/>
-  </dgm:styleLbl>
-  <dgm:styleLbl name="bgAccFollowNode1">
-    <dgm:fillClrLst meth="repeat">
-      <a:schemeClr val="accent1">
-        <a:alpha val="90000"/>
-        <a:tint val="40000"/>
-      </a:schemeClr>
-    </dgm:fillClrLst>
-    <dgm:linClrLst meth="repeat">
-      <a:schemeClr val="accent1">
-        <a:alpha val="90000"/>
-        <a:tint val="40000"/>
-      </a:schemeClr>
-    </dgm:linClrLst>
-    <dgm:effectClrLst/>
-    <dgm:txLinClrLst/>
-    <dgm:txFillClrLst meth="repeat">
-      <a:schemeClr val="dk1"/>
-    </dgm:txFillClrLst>
-    <dgm:txEffectClrLst/>
-  </dgm:styleLbl>
-  <dgm:styleLbl name="fgAcc0">
-    <dgm:fillClrLst meth="repeat">
-      <a:schemeClr val="lt1">
-        <a:alpha val="90000"/>
-      </a:schemeClr>
-    </dgm:fillClrLst>
-    <dgm:linClrLst meth="repeat">
-      <a:schemeClr val="accent1"/>
-    </dgm:linClrLst>
-    <dgm:effectClrLst/>
-    <dgm:txLinClrLst/>
-    <dgm:txFillClrLst meth="repeat">
-      <a:schemeClr val="dk1"/>
-    </dgm:txFillClrLst>
-    <dgm:txEffectClrLst/>
-  </dgm:styleLbl>
-  <dgm:styleLbl name="fgAcc2">
-    <dgm:fillClrLst meth="repeat">
-      <a:schemeClr val="lt1">
-        <a:alpha val="90000"/>
-      </a:schemeClr>
-    </dgm:fillClrLst>
-    <dgm:linClrLst meth="repeat">
-      <a:schemeClr val="accent1"/>
-    </dgm:linClrLst>
-    <dgm:effectClrLst/>
-    <dgm:txLinClrLst/>
-    <dgm:txFillClrLst meth="repeat">
-      <a:schemeClr val="dk1"/>
-    </dgm:txFillClrLst>
-    <dgm:txEffectClrLst/>
-  </dgm:styleLbl>
-  <dgm:styleLbl name="fgAcc3">
-    <dgm:fillClrLst meth="repeat">
-      <a:schemeClr val="lt1">
-        <a:alpha val="90000"/>
-      </a:schemeClr>
-    </dgm:fillClrLst>
-    <dgm:linClrLst meth="repeat">
-      <a:schemeClr val="accent1"/>
-    </dgm:linClrLst>
-    <dgm:effectClrLst/>
-    <dgm:txLinClrLst/>
-    <dgm:txFillClrLst meth="repeat">
-      <a:schemeClr val="dk1"/>
-    </dgm:txFillClrLst>
-    <dgm:txEffectClrLst/>
-  </dgm:styleLbl>
-  <dgm:styleLbl name="fgAcc4">
-    <dgm:fillClrLst meth="repeat">
-      <a:schemeClr val="lt1">
-        <a:alpha val="90000"/>
-      </a:schemeClr>
-    </dgm:fillClrLst>
-    <dgm:linClrLst meth="repeat">
-      <a:schemeClr val="accent1"/>
-    </dgm:linClrLst>
-    <dgm:effectClrLst/>
-    <dgm:txLinClrLst/>
-    <dgm:txFillClrLst meth="repeat">
-      <a:schemeClr val="dk1"/>
-    </dgm:txFillClrLst>
-    <dgm:txEffectClrLst/>
-  </dgm:styleLbl>
-  <dgm:styleLbl name="bgShp">
-    <dgm:fillClrLst meth="repeat">
-      <a:schemeClr val="accent1">
-        <a:tint val="40000"/>
-      </a:schemeClr>
-    </dgm:fillClrLst>
-    <dgm:linClrLst meth="repeat">
-      <a:schemeClr val="accent1"/>
-    </dgm:linClrLst>
-    <dgm:effectClrLst/>
-    <dgm:txLinClrLst/>
-    <dgm:txFillClrLst meth="repeat">
-      <a:schemeClr val="dk1"/>
-    </dgm:txFillClrLst>
-    <dgm:txEffectClrLst/>
-  </dgm:styleLbl>
-  <dgm:styleLbl name="dkBgShp">
-    <dgm:fillClrLst meth="repeat">
-      <a:schemeClr val="accent1">
-        <a:shade val="80000"/>
-      </a:schemeClr>
-    </dgm:fillClrLst>
-    <dgm:linClrLst meth="repeat">
-      <a:schemeClr val="accent1"/>
-    </dgm:linClrLst>
-    <dgm:effectClrLst/>
-    <dgm:txLinClrLst/>
-    <dgm:txFillClrLst meth="repeat">
-      <a:schemeClr val="lt1"/>
-    </dgm:txFillClrLst>
-    <dgm:txEffectClrLst/>
-  </dgm:styleLbl>
-  <dgm:styleLbl name="trBgShp">
-    <dgm:fillClrLst meth="repeat">
-      <a:schemeClr val="accent1">
-        <a:tint val="50000"/>
-        <a:alpha val="40000"/>
-      </a:schemeClr>
-    </dgm:fillClrLst>
-    <dgm:linClrLst meth="repeat">
-      <a:schemeClr val="accent1"/>
-    </dgm:linClrLst>
-    <dgm:effectClrLst/>
-    <dgm:txLinClrLst/>
-    <dgm:txFillClrLst meth="repeat">
-      <a:schemeClr val="lt1"/>
-    </dgm:txFillClrLst>
-    <dgm:txEffectClrLst/>
-  </dgm:styleLbl>
-  <dgm:styleLbl name="fgShp">
-    <dgm:fillClrLst meth="repeat">
-      <a:schemeClr val="accent1">
-        <a:tint val="60000"/>
-      </a:schemeClr>
-    </dgm:fillClrLst>
-    <dgm:linClrLst meth="repeat">
-      <a:schemeClr val="lt1"/>
-    </dgm:linClrLst>
-    <dgm:effectClrLst/>
-    <dgm:txLinClrLst/>
-    <dgm:txFillClrLst meth="repeat">
-      <a:schemeClr val="dk1"/>
-    </dgm:txFillClrLst>
-    <dgm:txEffectClrLst/>
-  </dgm:styleLbl>
-  <dgm:styleLbl name="revTx">
-    <dgm:fillClrLst meth="repeat">
-      <a:schemeClr val="lt1">
-        <a:alpha val="0"/>
-      </a:schemeClr>
-    </dgm:fillClrLst>
-    <dgm:linClrLst meth="repeat">
-      <a:schemeClr val="dk1">
-        <a:alpha val="0"/>
-      </a:schemeClr>
-    </dgm:linClrLst>
-    <dgm:effectClrLst/>
-    <dgm:txLinClrLst/>
-    <dgm:txFillClrLst meth="repeat">
-      <a:schemeClr val="tx1"/>
-    </dgm:txFillClrLst>
-    <dgm:txEffectClrLst/>
-  </dgm:styleLbl>
-</dgm:colorsDef>
-</file>
-
-<file path=ppt/diagrams/colors9.xml><?xml version="1.0" encoding="utf-8"?>
-<dgm:colorsDef xmlns:dgm="http://schemas.openxmlformats.org/drawingml/2006/diagram" xmlns:a="http://schemas.openxmlformats.org/drawingml/2006/main" uniqueId="urn:microsoft.com/office/officeart/2005/8/colors/accent1_2">
-  <dgm:title val=""/>
-  <dgm:desc val=""/>
-  <dgm:catLst>
-    <dgm:cat type="accent1" pri="11200"/>
-  </dgm:catLst>
-  <dgm:styleLbl name="node0">
-    <dgm:fillClrLst meth="repeat">
-      <a:schemeClr val="accent1"/>
-    </dgm:fillClrLst>
-    <dgm:linClrLst meth="repeat">
-      <a:schemeClr val="lt1"/>
-    </dgm:linClrLst>
-    <dgm:effectClrLst/>
-    <dgm:txLinClrLst/>
-    <dgm:txFillClrLst/>
-    <dgm:txEffectClrLst/>
-  </dgm:styleLbl>
-  <dgm:styleLbl name="alignNode1">
-    <dgm:fillClrLst meth="repeat">
-      <a:schemeClr val="accent1"/>
-    </dgm:fillClrLst>
-    <dgm:linClrLst meth="repeat">
-      <a:schemeClr val="accent1"/>
-    </dgm:linClrLst>
-    <dgm:effectClrLst/>
-    <dgm:txLinClrLst/>
-    <dgm:txFillClrLst/>
-    <dgm:txEffectClrLst/>
-  </dgm:styleLbl>
-  <dgm:styleLbl name="node1">
-    <dgm:fillClrLst meth="repeat">
-      <a:schemeClr val="accent1"/>
-    </dgm:fillClrLst>
-    <dgm:linClrLst meth="repeat">
-      <a:schemeClr val="lt1"/>
-    </dgm:linClrLst>
-    <dgm:effectClrLst/>
-    <dgm:txLinClrLst/>
-    <dgm:txFillClrLst/>
-    <dgm:txEffectClrLst/>
-  </dgm:styleLbl>
-  <dgm:styleLbl name="lnNode1">
-    <dgm:fillClrLst meth="repeat">
-      <a:schemeClr val="accent1"/>
-    </dgm:fillClrLst>
-    <dgm:linClrLst meth="repeat">
-      <a:schemeClr val="lt1"/>
-    </dgm:linClrLst>
-    <dgm:effectClrLst/>
-    <dgm:txLinClrLst/>
-    <dgm:txFillClrLst/>
-    <dgm:txEffectClrLst/>
-  </dgm:styleLbl>
-  <dgm:styleLbl name="vennNode1">
-    <dgm:fillClrLst meth="repeat">
-      <a:schemeClr val="accent1">
-        <a:alpha val="50000"/>
-      </a:schemeClr>
-    </dgm:fillClrLst>
-    <dgm:linClrLst meth="repeat">
-      <a:schemeClr val="lt1"/>
-    </dgm:linClrLst>
-    <dgm:effectClrLst/>
-    <dgm:txLinClrLst/>
-    <dgm:txFillClrLst/>
-    <dgm:txEffectClrLst/>
-  </dgm:styleLbl>
-  <dgm:styleLbl name="node2">
-    <dgm:fillClrLst meth="repeat">
-      <a:schemeClr val="accent1"/>
-    </dgm:fillClrLst>
-    <dgm:linClrLst meth="repeat">
-      <a:schemeClr val="lt1"/>
-    </dgm:linClrLst>
-    <dgm:effectClrLst/>
-    <dgm:txLinClrLst/>
-    <dgm:txFillClrLst/>
-    <dgm:txEffectClrLst/>
-  </dgm:styleLbl>
-  <dgm:styleLbl name="node3">
-    <dgm:fillClrLst meth="repeat">
-      <a:schemeClr val="accent1"/>
-    </dgm:fillClrLst>
-    <dgm:linClrLst meth="repeat">
-      <a:schemeClr val="lt1"/>
-    </dgm:linClrLst>
-    <dgm:effectClrLst/>
-    <dgm:txLinClrLst/>
-    <dgm:txFillClrLst/>
-    <dgm:txEffectClrLst/>
-  </dgm:styleLbl>
-  <dgm:styleLbl name="node4">
-    <dgm:fillClrLst meth="repeat">
-      <a:schemeClr val="accent1"/>
-    </dgm:fillClrLst>
-    <dgm:linClrLst meth="repeat">
-      <a:schemeClr val="lt1"/>
-    </dgm:linClrLst>
-    <dgm:effectClrLst/>
-    <dgm:txLinClrLst/>
-    <dgm:txFillClrLst/>
-    <dgm:txEffectClrLst/>
-  </dgm:styleLbl>
-  <dgm:styleLbl name="fgImgPlace1">
-    <dgm:fillClrLst meth="repeat">
-      <a:schemeClr val="accent1">
-        <a:tint val="50000"/>
-      </a:schemeClr>
-    </dgm:fillClrLst>
-    <dgm:linClrLst meth="repeat">
-      <a:schemeClr val="lt1"/>
-    </dgm:linClrLst>
-    <dgm:effectClrLst/>
-    <dgm:txLinClrLst/>
-    <dgm:txFillClrLst meth="repeat">
-      <a:schemeClr val="lt1"/>
-    </dgm:txFillClrLst>
-    <dgm:txEffectClrLst/>
-  </dgm:styleLbl>
-  <dgm:styleLbl name="alignImgPlace1">
-    <dgm:fillClrLst meth="repeat">
-      <a:schemeClr val="accent1">
-        <a:tint val="50000"/>
-      </a:schemeClr>
-    </dgm:fillClrLst>
-    <dgm:linClrLst meth="repeat">
-      <a:schemeClr val="lt1"/>
-    </dgm:linClrLst>
-    <dgm:effectClrLst/>
-    <dgm:txLinClrLst/>
-    <dgm:txFillClrLst meth="repeat">
-      <a:schemeClr val="lt1"/>
-    </dgm:txFillClrLst>
-    <dgm:txEffectClrLst/>
-  </dgm:styleLbl>
-  <dgm:styleLbl name="bgImgPlace1">
-    <dgm:fillClrLst meth="repeat">
-      <a:schemeClr val="accent1">
-        <a:tint val="50000"/>
-      </a:schemeClr>
-    </dgm:fillClrLst>
-    <dgm:linClrLst meth="repeat">
-      <a:schemeClr val="lt1"/>
-    </dgm:linClrLst>
-    <dgm:effectClrLst/>
-    <dgm:txLinClrLst/>
-    <dgm:txFillClrLst meth="repeat">
-      <a:schemeClr val="lt1"/>
-    </dgm:txFillClrLst>
-    <dgm:txEffectClrLst/>
-  </dgm:styleLbl>
-  <dgm:styleLbl name="sibTrans2D1">
-    <dgm:fillClrLst meth="repeat">
-      <a:schemeClr val="accent1">
-        <a:tint val="60000"/>
-      </a:schemeClr>
-    </dgm:fillClrLst>
-    <dgm:linClrLst meth="repeat">
-      <a:schemeClr val="accent1">
-        <a:tint val="60000"/>
-      </a:schemeClr>
-    </dgm:linClrLst>
-    <dgm:effectClrLst/>
-    <dgm:txLinClrLst/>
-    <dgm:txFillClrLst/>
-    <dgm:txEffectClrLst/>
-  </dgm:styleLbl>
-  <dgm:styleLbl name="fgSibTrans2D1">
-    <dgm:fillClrLst meth="repeat">
-      <a:schemeClr val="accent1">
-        <a:tint val="60000"/>
-      </a:schemeClr>
-    </dgm:fillClrLst>
-    <dgm:linClrLst meth="repeat">
-      <a:schemeClr val="accent1">
-        <a:tint val="60000"/>
-      </a:schemeClr>
-    </dgm:linClrLst>
-    <dgm:effectClrLst/>
-    <dgm:txLinClrLst/>
-    <dgm:txFillClrLst/>
-    <dgm:txEffectClrLst/>
-  </dgm:styleLbl>
-  <dgm:styleLbl name="bgSibTrans2D1">
-    <dgm:fillClrLst meth="repeat">
-      <a:schemeClr val="accent1">
-        <a:tint val="60000"/>
-      </a:schemeClr>
-    </dgm:fillClrLst>
-    <dgm:linClrLst meth="repeat">
-      <a:schemeClr val="accent1">
-        <a:tint val="60000"/>
-      </a:schemeClr>
-    </dgm:linClrLst>
-    <dgm:effectClrLst/>
-    <dgm:txLinClrLst/>
-    <dgm:txFillClrLst/>
-    <dgm:txEffectClrLst/>
-  </dgm:styleLbl>
-  <dgm:styleLbl name="sibTrans1D1">
-    <dgm:fillClrLst meth="repeat">
-      <a:schemeClr val="accent1"/>
-    </dgm:fillClrLst>
-    <dgm:linClrLst meth="repeat">
-      <a:schemeClr val="accent1"/>
-    </dgm:linClrLst>
-    <dgm:effectClrLst/>
-    <dgm:txLinClrLst/>
-    <dgm:txFillClrLst meth="repeat">
-      <a:schemeClr val="tx1"/>
-    </dgm:txFillClrLst>
-    <dgm:txEffectClrLst/>
-  </dgm:styleLbl>
-  <dgm:styleLbl name="callout">
-    <dgm:fillClrLst meth="repeat">
-      <a:schemeClr val="accent1"/>
-    </dgm:fillClrLst>
-    <dgm:linClrLst meth="repeat">
-      <a:schemeClr val="accent1">
-        <a:tint val="50000"/>
-      </a:schemeClr>
-    </dgm:linClrLst>
-    <dgm:effectClrLst/>
-    <dgm:txLinClrLst/>
-    <dgm:txFillClrLst meth="repeat">
-      <a:schemeClr val="tx1"/>
-    </dgm:txFillClrLst>
-    <dgm:txEffectClrLst/>
-  </dgm:styleLbl>
-  <dgm:styleLbl name="asst0">
-    <dgm:fillClrLst meth="repeat">
-      <a:schemeClr val="accent1"/>
-    </dgm:fillClrLst>
-    <dgm:linClrLst meth="repeat">
-      <a:schemeClr val="lt1"/>
-    </dgm:linClrLst>
-    <dgm:effectClrLst/>
-    <dgm:txLinClrLst/>
-    <dgm:txFillClrLst/>
-    <dgm:txEffectClrLst/>
-  </dgm:styleLbl>
-  <dgm:styleLbl name="asst1">
-    <dgm:fillClrLst meth="repeat">
-      <a:schemeClr val="accent1"/>
-    </dgm:fillClrLst>
-    <dgm:linClrLst meth="repeat">
-      <a:schemeClr val="lt1"/>
-    </dgm:linClrLst>
-    <dgm:effectClrLst/>
-    <dgm:txLinClrLst/>
-    <dgm:txFillClrLst/>
-    <dgm:txEffectClrLst/>
-  </dgm:styleLbl>
-  <dgm:styleLbl name="asst2">
-    <dgm:fillClrLst meth="repeat">
-      <a:schemeClr val="accent1"/>
-    </dgm:fillClrLst>
-    <dgm:linClrLst meth="repeat">
-      <a:schemeClr val="lt1"/>
-    </dgm:linClrLst>
-    <dgm:effectClrLst/>
-    <dgm:txLinClrLst/>
-    <dgm:txFillClrLst/>
-    <dgm:txEffectClrLst/>
-  </dgm:styleLbl>
-  <dgm:styleLbl name="asst3">
-    <dgm:fillClrLst meth="repeat">
-      <a:schemeClr val="accent1"/>
-    </dgm:fillClrLst>
-    <dgm:linClrLst meth="repeat">
-      <a:schemeClr val="lt1"/>
-    </dgm:linClrLst>
-    <dgm:effectClrLst/>
-    <dgm:txLinClrLst/>
-    <dgm:txFillClrLst/>
-    <dgm:txEffectClrLst/>
-  </dgm:styleLbl>
-  <dgm:styleLbl name="asst4">
-    <dgm:fillClrLst meth="repeat">
-      <a:schemeClr val="accent1"/>
-    </dgm:fillClrLst>
-    <dgm:linClrLst meth="repeat">
-      <a:schemeClr val="lt1"/>
-    </dgm:linClrLst>
-    <dgm:effectClrLst/>
-    <dgm:txLinClrLst/>
-    <dgm:txFillClrLst/>
-    <dgm:txEffectClrLst/>
-  </dgm:styleLbl>
-  <dgm:styleLbl name="parChTrans2D1">
-    <dgm:fillClrLst meth="repeat">
-      <a:schemeClr val="accent1">
-        <a:tint val="60000"/>
-      </a:schemeClr>
-    </dgm:fillClrLst>
-    <dgm:linClrLst meth="repeat">
-      <a:schemeClr val="accent1">
-        <a:tint val="60000"/>
-      </a:schemeClr>
-    </dgm:linClrLst>
-    <dgm:effectClrLst/>
-    <dgm:txLinClrLst/>
-    <dgm:txFillClrLst meth="repeat">
-      <a:schemeClr val="lt1"/>
-    </dgm:txFillClrLst>
-    <dgm:txEffectClrLst/>
-  </dgm:styleLbl>
-  <dgm:styleLbl name="parChTrans2D2">
-    <dgm:fillClrLst meth="repeat">
-      <a:schemeClr val="accent1"/>
-    </dgm:fillClrLst>
-    <dgm:linClrLst meth="repeat">
-      <a:schemeClr val="accent1"/>
-    </dgm:linClrLst>
-    <dgm:effectClrLst/>
-    <dgm:txLinClrLst/>
-    <dgm:txFillClrLst meth="repeat">
-      <a:schemeClr val="lt1"/>
-    </dgm:txFillClrLst>
-    <dgm:txEffectClrLst/>
-  </dgm:styleLbl>
-  <dgm:styleLbl name="parChTrans2D3">
-    <dgm:fillClrLst meth="repeat">
-      <a:schemeClr val="accent1"/>
-    </dgm:fillClrLst>
-    <dgm:linClrLst meth="repeat">
-      <a:schemeClr val="accent1"/>
-    </dgm:linClrLst>
-    <dgm:effectClrLst/>
-    <dgm:txLinClrLst/>
-    <dgm:txFillClrLst meth="repeat">
-      <a:schemeClr val="lt1"/>
-    </dgm:txFillClrLst>
-    <dgm:txEffectClrLst/>
-  </dgm:styleLbl>
-  <dgm:styleLbl name="parChTrans2D4">
-    <dgm:fillClrLst meth="repeat">
-      <a:schemeClr val="accent1"/>
-    </dgm:fillClrLst>
-    <dgm:linClrLst meth="repeat">
-      <a:schemeClr val="accent1"/>
-    </dgm:linClrLst>
-    <dgm:effectClrLst/>
-    <dgm:txLinClrLst/>
-    <dgm:txFillClrLst meth="repeat">
-      <a:schemeClr val="lt1"/>
-    </dgm:txFillClrLst>
-    <dgm:txEffectClrLst/>
-  </dgm:styleLbl>
-  <dgm:styleLbl name="parChTrans1D1">
-    <dgm:fillClrLst meth="repeat">
-      <a:schemeClr val="accent1"/>
-    </dgm:fillClrLst>
-    <dgm:linClrLst meth="repeat">
-      <a:schemeClr val="accent1">
-        <a:shade val="60000"/>
-      </a:schemeClr>
-    </dgm:linClrLst>
-    <dgm:effectClrLst/>
-    <dgm:txLinClrLst/>
-    <dgm:txFillClrLst meth="repeat">
-      <a:schemeClr val="tx1"/>
-    </dgm:txFillClrLst>
-    <dgm:txEffectClrLst/>
-  </dgm:styleLbl>
-  <dgm:styleLbl name="parChTrans1D2">
-    <dgm:fillClrLst meth="repeat">
-      <a:schemeClr val="accent1"/>
-    </dgm:fillClrLst>
-    <dgm:linClrLst meth="repeat">
-      <a:schemeClr val="accent1">
-        <a:shade val="60000"/>
-      </a:schemeClr>
-    </dgm:linClrLst>
-    <dgm:effectClrLst/>
-    <dgm:txLinClrLst/>
-    <dgm:txFillClrLst meth="repeat">
-      <a:schemeClr val="tx1"/>
-    </dgm:txFillClrLst>
-    <dgm:txEffectClrLst/>
-  </dgm:styleLbl>
-  <dgm:styleLbl name="parChTrans1D3">
-    <dgm:fillClrLst meth="repeat">
-      <a:schemeClr val="accent1"/>
-    </dgm:fillClrLst>
-    <dgm:linClrLst meth="repeat">
-      <a:schemeClr val="accent1">
-        <a:shade val="80000"/>
-      </a:schemeClr>
-    </dgm:linClrLst>
-    <dgm:effectClrLst/>
-    <dgm:txLinClrLst/>
-    <dgm:txFillClrLst meth="repeat">
-      <a:schemeClr val="tx1"/>
-    </dgm:txFillClrLst>
-    <dgm:txEffectClrLst/>
-  </dgm:styleLbl>
-  <dgm:styleLbl name="parChTrans1D4">
-    <dgm:fillClrLst meth="repeat">
-      <a:schemeClr val="accent1"/>
-    </dgm:fillClrLst>
-    <dgm:linClrLst meth="repeat">
-      <a:schemeClr val="accent1">
-        <a:shade val="80000"/>
-      </a:schemeClr>
-    </dgm:linClrLst>
-    <dgm:effectClrLst/>
-    <dgm:txLinClrLst/>
-    <dgm:txFillClrLst meth="repeat">
-      <a:schemeClr val="tx1"/>
-    </dgm:txFillClrLst>
-    <dgm:txEffectClrLst/>
-  </dgm:styleLbl>
-  <dgm:styleLbl name="fgAcc1">
-    <dgm:fillClrLst meth="repeat">
-      <a:schemeClr val="lt1">
-        <a:alpha val="90000"/>
-      </a:schemeClr>
-    </dgm:fillClrLst>
-    <dgm:linClrLst meth="repeat">
-      <a:schemeClr val="accent1"/>
-    </dgm:linClrLst>
-    <dgm:effectClrLst/>
-    <dgm:txLinClrLst/>
-    <dgm:txFillClrLst meth="repeat">
-      <a:schemeClr val="dk1"/>
-    </dgm:txFillClrLst>
-    <dgm:txEffectClrLst/>
-  </dgm:styleLbl>
-  <dgm:styleLbl name="conFgAcc1">
-    <dgm:fillClrLst meth="repeat">
-      <a:schemeClr val="lt1">
-        <a:alpha val="90000"/>
-      </a:schemeClr>
-    </dgm:fillClrLst>
-    <dgm:linClrLst meth="repeat">
-      <a:schemeClr val="accent1"/>
-    </dgm:linClrLst>
-    <dgm:effectClrLst/>
-    <dgm:txLinClrLst/>
-    <dgm:txFillClrLst meth="repeat">
-      <a:schemeClr val="dk1"/>
-    </dgm:txFillClrLst>
-    <dgm:txEffectClrLst/>
-  </dgm:styleLbl>
-  <dgm:styleLbl name="alignAcc1">
-    <dgm:fillClrLst meth="repeat">
-      <a:schemeClr val="lt1">
-        <a:alpha val="90000"/>
-      </a:schemeClr>
-    </dgm:fillClrLst>
-    <dgm:linClrLst meth="repeat">
-      <a:schemeClr val="accent1"/>
-    </dgm:linClrLst>
-    <dgm:effectClrLst/>
-    <dgm:txLinClrLst/>
-    <dgm:txFillClrLst meth="repeat">
-      <a:schemeClr val="dk1"/>
-    </dgm:txFillClrLst>
-    <dgm:txEffectClrLst/>
-  </dgm:styleLbl>
-  <dgm:styleLbl name="trAlignAcc1">
-    <dgm:fillClrLst meth="repeat">
-      <a:schemeClr val="lt1">
-        <a:alpha val="40000"/>
-      </a:schemeClr>
-    </dgm:fillClrLst>
-    <dgm:linClrLst meth="repeat">
-      <a:schemeClr val="accent1"/>
-    </dgm:linClrLst>
-    <dgm:effectClrLst/>
-    <dgm:txLinClrLst/>
-    <dgm:txFillClrLst meth="repeat">
-      <a:schemeClr val="dk1"/>
-    </dgm:txFillClrLst>
-    <dgm:txEffectClrLst/>
-  </dgm:styleLbl>
-  <dgm:styleLbl name="bgAcc1">
-    <dgm:fillClrLst meth="repeat">
-      <a:schemeClr val="lt1">
-        <a:alpha val="90000"/>
-      </a:schemeClr>
-    </dgm:fillClrLst>
-    <dgm:linClrLst meth="repeat">
-      <a:schemeClr val="accent1"/>
-    </dgm:linClrLst>
-    <dgm:effectClrLst/>
-    <dgm:txLinClrLst/>
-    <dgm:txFillClrLst meth="repeat">
-      <a:schemeClr val="dk1"/>
-    </dgm:txFillClrLst>
-    <dgm:txEffectClrLst/>
-  </dgm:styleLbl>
-  <dgm:styleLbl name="solidFgAcc1">
-    <dgm:fillClrLst meth="repeat">
-      <a:schemeClr val="lt1"/>
-    </dgm:fillClrLst>
-    <dgm:linClrLst meth="repeat">
-      <a:schemeClr val="accent1"/>
-    </dgm:linClrLst>
-    <dgm:effectClrLst/>
-    <dgm:txLinClrLst/>
-    <dgm:txFillClrLst meth="repeat">
-      <a:schemeClr val="dk1"/>
-    </dgm:txFillClrLst>
-    <dgm:txEffectClrLst/>
-  </dgm:styleLbl>
-  <dgm:styleLbl name="solidAlignAcc1">
-    <dgm:fillClrLst meth="repeat">
-      <a:schemeClr val="lt1"/>
-    </dgm:fillClrLst>
-    <dgm:linClrLst meth="repeat">
-      <a:schemeClr val="accent1"/>
-    </dgm:linClrLst>
-    <dgm:effectClrLst/>
-    <dgm:txLinClrLst/>
-    <dgm:txFillClrLst meth="repeat">
-      <a:schemeClr val="dk1"/>
-    </dgm:txFillClrLst>
-    <dgm:txEffectClrLst/>
-  </dgm:styleLbl>
-  <dgm:styleLbl name="solidBgAcc1">
-    <dgm:fillClrLst meth="repeat">
-      <a:schemeClr val="lt1"/>
-    </dgm:fillClrLst>
-    <dgm:linClrLst meth="repeat">
-      <a:schemeClr val="accent1"/>
-    </dgm:linClrLst>
-    <dgm:effectClrLst/>
-    <dgm:txLinClrLst/>
-    <dgm:txFillClrLst meth="repeat">
-      <a:schemeClr val="dk1"/>
-    </dgm:txFillClrLst>
-    <dgm:txEffectClrLst/>
-  </dgm:styleLbl>
-  <dgm:styleLbl name="fgAccFollowNode1">
-    <dgm:fillClrLst meth="repeat">
-      <a:schemeClr val="accent1">
-        <a:alpha val="90000"/>
-        <a:tint val="40000"/>
-      </a:schemeClr>
-    </dgm:fillClrLst>
-    <dgm:linClrLst meth="repeat">
-      <a:schemeClr val="accent1">
-        <a:alpha val="90000"/>
-        <a:tint val="40000"/>
-      </a:schemeClr>
-    </dgm:linClrLst>
-    <dgm:effectClrLst/>
-    <dgm:txLinClrLst/>
-    <dgm:txFillClrLst meth="repeat">
-      <a:schemeClr val="dk1"/>
-    </dgm:txFillClrLst>
-    <dgm:txEffectClrLst/>
-  </dgm:styleLbl>
-  <dgm:styleLbl name="alignAccFollowNode1">
-    <dgm:fillClrLst meth="repeat">
-      <a:schemeClr val="accent1">
-        <a:alpha val="90000"/>
-        <a:tint val="40000"/>
-      </a:schemeClr>
-    </dgm:fillClrLst>
-    <dgm:linClrLst meth="repeat">
-      <a:schemeClr val="accent1">
-        <a:alpha val="90000"/>
-        <a:tint val="40000"/>
-      </a:schemeClr>
-    </dgm:linClrLst>
-    <dgm:effectClrLst/>
-    <dgm:txLinClrLst/>
-    <dgm:txFillClrLst meth="repeat">
-      <a:schemeClr val="dk1"/>
-    </dgm:txFillClrLst>
-    <dgm:txEffectClrLst/>
-  </dgm:styleLbl>
-  <dgm:styleLbl name="bgAccFollowNode1">
-    <dgm:fillClrLst meth="repeat">
-      <a:schemeClr val="accent1">
-        <a:alpha val="90000"/>
-        <a:tint val="40000"/>
-      </a:schemeClr>
-    </dgm:fillClrLst>
-    <dgm:linClrLst meth="repeat">
-      <a:schemeClr val="accent1">
-        <a:alpha val="90000"/>
-        <a:tint val="40000"/>
-      </a:schemeClr>
-    </dgm:linClrLst>
-    <dgm:effectClrLst/>
-    <dgm:txLinClrLst/>
-    <dgm:txFillClrLst meth="repeat">
-      <a:schemeClr val="dk1"/>
-    </dgm:txFillClrLst>
-    <dgm:txEffectClrLst/>
-  </dgm:styleLbl>
-  <dgm:styleLbl name="fgAcc0">
-    <dgm:fillClrLst meth="repeat">
-      <a:schemeClr val="lt1">
-        <a:alpha val="90000"/>
-      </a:schemeClr>
-    </dgm:fillClrLst>
-    <dgm:linClrLst meth="repeat">
-      <a:schemeClr val="accent1"/>
-    </dgm:linClrLst>
-    <dgm:effectClrLst/>
-    <dgm:txLinClrLst/>
-    <dgm:txFillClrLst meth="repeat">
-      <a:schemeClr val="dk1"/>
-    </dgm:txFillClrLst>
-    <dgm:txEffectClrLst/>
-  </dgm:styleLbl>
-  <dgm:styleLbl name="fgAcc2">
-    <dgm:fillClrLst meth="repeat">
-      <a:schemeClr val="lt1">
-        <a:alpha val="90000"/>
-      </a:schemeClr>
-    </dgm:fillClrLst>
-    <dgm:linClrLst meth="repeat">
-      <a:schemeClr val="accent1"/>
-    </dgm:linClrLst>
-    <dgm:effectClrLst/>
-    <dgm:txLinClrLst/>
-    <dgm:txFillClrLst meth="repeat">
-      <a:schemeClr val="dk1"/>
-    </dgm:txFillClrLst>
-    <dgm:txEffectClrLst/>
-  </dgm:styleLbl>
-  <dgm:styleLbl name="fgAcc3">
-    <dgm:fillClrLst meth="repeat">
-      <a:schemeClr val="lt1">
-        <a:alpha val="90000"/>
-      </a:schemeClr>
-    </dgm:fillClrLst>
-    <dgm:linClrLst meth="repeat">
-      <a:schemeClr val="accent1"/>
-    </dgm:linClrLst>
-    <dgm:effectClrLst/>
-    <dgm:txLinClrLst/>
-    <dgm:txFillClrLst meth="repeat">
-      <a:schemeClr val="dk1"/>
-    </dgm:txFillClrLst>
-    <dgm:txEffectClrLst/>
-  </dgm:styleLbl>
-  <dgm:styleLbl name="fgAcc4">
-    <dgm:fillClrLst meth="repeat">
-      <a:schemeClr val="lt1">
-        <a:alpha val="90000"/>
-      </a:schemeClr>
-    </dgm:fillClrLst>
-    <dgm:linClrLst meth="repeat">
-      <a:schemeClr val="accent1"/>
-    </dgm:linClrLst>
-    <dgm:effectClrLst/>
-    <dgm:txLinClrLst/>
-    <dgm:txFillClrLst meth="repeat">
-      <a:schemeClr val="dk1"/>
-    </dgm:txFillClrLst>
-    <dgm:txEffectClrLst/>
-  </dgm:styleLbl>
-  <dgm:styleLbl name="bgShp">
-    <dgm:fillClrLst meth="repeat">
-      <a:schemeClr val="accent1">
-        <a:tint val="40000"/>
-      </a:schemeClr>
-    </dgm:fillClrLst>
-    <dgm:linClrLst meth="repeat">
-      <a:schemeClr val="accent1"/>
-    </dgm:linClrLst>
-    <dgm:effectClrLst/>
-    <dgm:txLinClrLst/>
-    <dgm:txFillClrLst meth="repeat">
-      <a:schemeClr val="dk1"/>
-    </dgm:txFillClrLst>
-    <dgm:txEffectClrLst/>
-  </dgm:styleLbl>
-  <dgm:styleLbl name="dkBgShp">
-    <dgm:fillClrLst meth="repeat">
-      <a:schemeClr val="accent1">
-        <a:shade val="80000"/>
-      </a:schemeClr>
-    </dgm:fillClrLst>
-    <dgm:linClrLst meth="repeat">
-      <a:schemeClr val="accent1"/>
-    </dgm:linClrLst>
-    <dgm:effectClrLst/>
-    <dgm:txLinClrLst/>
-    <dgm:txFillClrLst meth="repeat">
-      <a:schemeClr val="lt1"/>
-    </dgm:txFillClrLst>
-    <dgm:txEffectClrLst/>
-  </dgm:styleLbl>
-  <dgm:styleLbl name="trBgShp">
-    <dgm:fillClrLst meth="repeat">
-      <a:schemeClr val="accent1">
-        <a:tint val="50000"/>
-        <a:alpha val="40000"/>
-      </a:schemeClr>
-    </dgm:fillClrLst>
-    <dgm:linClrLst meth="repeat">
-      <a:schemeClr val="accent1"/>
-    </dgm:linClrLst>
-    <dgm:effectClrLst/>
-    <dgm:txLinClrLst/>
-    <dgm:txFillClrLst meth="repeat">
-      <a:schemeClr val="lt1"/>
-    </dgm:txFillClrLst>
-    <dgm:txEffectClrLst/>
-  </dgm:styleLbl>
-  <dgm:styleLbl name="fgShp">
-    <dgm:fillClrLst meth="repeat">
-      <a:schemeClr val="accent1">
-        <a:tint val="60000"/>
-      </a:schemeClr>
-    </dgm:fillClrLst>
-    <dgm:linClrLst meth="repeat">
-      <a:schemeClr val="lt1"/>
-    </dgm:linClrLst>
-    <dgm:effectClrLst/>
-    <dgm:txLinClrLst/>
-    <dgm:txFillClrLst meth="repeat">
-      <a:schemeClr val="dk1"/>
-    </dgm:txFillClrLst>
-    <dgm:txEffectClrLst/>
-  </dgm:styleLbl>
-  <dgm:styleLbl name="revTx">
-    <dgm:fillClrLst meth="repeat">
-      <a:schemeClr val="lt1">
-        <a:alpha val="0"/>
-      </a:schemeClr>
-    </dgm:fillClrLst>
-    <dgm:linClrLst meth="repeat">
-      <a:schemeClr val="dk1">
-        <a:alpha val="0"/>
-      </a:schemeClr>
-    </dgm:linClrLst>
-    <dgm:effectClrLst/>
-    <dgm:txLinClrLst/>
-    <dgm:txFillClrLst meth="repeat">
-      <a:schemeClr val="tx1"/>
-    </dgm:txFillClrLst>
-    <dgm:txEffectClrLst/>
-  </dgm:styleLbl>
-</dgm:colorsDef>
-</file>
-
 <file path=ppt/diagrams/data1.xml><?xml version="1.0" encoding="utf-8"?>
 <dgm:dataModel xmlns:dgm="http://schemas.openxmlformats.org/drawingml/2006/diagram" xmlns:a="http://schemas.openxmlformats.org/drawingml/2006/main">
   <dgm:ptLst>
@@ -6890,7 +5394,7 @@
         <a:p>
           <a:r>
             <a:rPr lang="en-US" dirty="0"/>
-            <a:t>Performance Testing</a:t>
+            <a:t>Integration</a:t>
           </a:r>
         </a:p>
       </dgm:t>
@@ -6926,7 +5430,7 @@
         <a:p>
           <a:r>
             <a:rPr lang="en-US" dirty="0"/>
-            <a:t>Integration Testing</a:t>
+            <a:t>Functional</a:t>
           </a:r>
         </a:p>
       </dgm:t>
@@ -7393,237 +5897,6 @@
 </file>
 
 <file path=ppt/diagrams/data3.xml><?xml version="1.0" encoding="utf-8"?>
-<dgm:dataModel xmlns:dgm="http://schemas.openxmlformats.org/drawingml/2006/diagram" xmlns:a="http://schemas.openxmlformats.org/drawingml/2006/main">
-  <dgm:ptLst>
-    <dgm:pt modelId="{97DE98F9-C437-4D0B-AF5E-3D9A9C756755}" type="doc">
-      <dgm:prSet loTypeId="urn:microsoft.com/office/officeart/2005/8/layout/radial3" loCatId="cycle" qsTypeId="urn:microsoft.com/office/officeart/2005/8/quickstyle/3d3" qsCatId="3D" csTypeId="urn:microsoft.com/office/officeart/2005/8/colors/accent1_2" csCatId="accent1" phldr="1"/>
-      <dgm:spPr/>
-      <dgm:t>
-        <a:bodyPr/>
-        <a:lstStyle/>
-        <a:p>
-          <a:endParaRPr lang="en-US"/>
-        </a:p>
-      </dgm:t>
-    </dgm:pt>
-    <dgm:pt modelId="{F3B5C7B0-E014-4B05-B0F1-58CD5099FE27}">
-      <dgm:prSet phldrT="[Text]"/>
-      <dgm:spPr/>
-      <dgm:t>
-        <a:bodyPr/>
-        <a:lstStyle/>
-        <a:p>
-          <a:r>
-            <a:rPr lang="en-US" dirty="0"/>
-            <a:t>Database</a:t>
-          </a:r>
-        </a:p>
-      </dgm:t>
-    </dgm:pt>
-    <dgm:pt modelId="{DA3D6BA5-3903-433A-A60C-59CA981A679D}" type="parTrans" cxnId="{4C101A2D-81F3-4297-BD90-6AFA4F076237}">
-      <dgm:prSet/>
-      <dgm:spPr/>
-      <dgm:t>
-        <a:bodyPr/>
-        <a:lstStyle/>
-        <a:p>
-          <a:endParaRPr lang="en-US"/>
-        </a:p>
-      </dgm:t>
-    </dgm:pt>
-    <dgm:pt modelId="{800C81CE-9174-45DD-BE03-98880A834B36}" type="sibTrans" cxnId="{4C101A2D-81F3-4297-BD90-6AFA4F076237}">
-      <dgm:prSet/>
-      <dgm:spPr/>
-      <dgm:t>
-        <a:bodyPr/>
-        <a:lstStyle/>
-        <a:p>
-          <a:endParaRPr lang="en-US"/>
-        </a:p>
-      </dgm:t>
-    </dgm:pt>
-    <dgm:pt modelId="{6CB57551-CC43-4B52-9349-6D45D71A11D7}">
-      <dgm:prSet phldrT="[Text]"/>
-      <dgm:spPr/>
-      <dgm:t>
-        <a:bodyPr/>
-        <a:lstStyle/>
-        <a:p>
-          <a:r>
-            <a:rPr lang="en-US" dirty="0"/>
-            <a:t>Web Service</a:t>
-          </a:r>
-        </a:p>
-      </dgm:t>
-    </dgm:pt>
-    <dgm:pt modelId="{16D0249C-0AD1-41D0-869C-62A8EC2B2C4A}" type="parTrans" cxnId="{11557321-C717-49BE-8485-4821A0CE0C05}">
-      <dgm:prSet/>
-      <dgm:spPr/>
-      <dgm:t>
-        <a:bodyPr/>
-        <a:lstStyle/>
-        <a:p>
-          <a:endParaRPr lang="en-US"/>
-        </a:p>
-      </dgm:t>
-    </dgm:pt>
-    <dgm:pt modelId="{FEAD4CBD-11F1-4C53-A465-D1760501C180}" type="sibTrans" cxnId="{11557321-C717-49BE-8485-4821A0CE0C05}">
-      <dgm:prSet/>
-      <dgm:spPr/>
-      <dgm:t>
-        <a:bodyPr/>
-        <a:lstStyle/>
-        <a:p>
-          <a:endParaRPr lang="en-US"/>
-        </a:p>
-      </dgm:t>
-    </dgm:pt>
-    <dgm:pt modelId="{654ED632-A0B1-4592-BE5E-2F466CE9EAF6}">
-      <dgm:prSet phldrT="[Text]"/>
-      <dgm:spPr/>
-      <dgm:t>
-        <a:bodyPr/>
-        <a:lstStyle/>
-        <a:p>
-          <a:r>
-            <a:rPr lang="en-US" dirty="0"/>
-            <a:t>Application</a:t>
-          </a:r>
-        </a:p>
-      </dgm:t>
-    </dgm:pt>
-    <dgm:pt modelId="{AF96EAAE-191A-43FA-8405-34A9E9D7AB85}" type="sibTrans" cxnId="{FF390ED6-109D-4BE5-B52D-A1A1B48858E4}">
-      <dgm:prSet/>
-      <dgm:spPr/>
-      <dgm:t>
-        <a:bodyPr/>
-        <a:lstStyle/>
-        <a:p>
-          <a:endParaRPr lang="en-US"/>
-        </a:p>
-      </dgm:t>
-    </dgm:pt>
-    <dgm:pt modelId="{93B0FFB7-83FE-40DF-BDDD-000970767FD2}" type="parTrans" cxnId="{FF390ED6-109D-4BE5-B52D-A1A1B48858E4}">
-      <dgm:prSet/>
-      <dgm:spPr/>
-      <dgm:t>
-        <a:bodyPr/>
-        <a:lstStyle/>
-        <a:p>
-          <a:endParaRPr lang="en-US"/>
-        </a:p>
-      </dgm:t>
-    </dgm:pt>
-    <dgm:pt modelId="{F052DC92-7BA5-426A-A555-935310DBA8DC}">
-      <dgm:prSet phldrT="[Text]"/>
-      <dgm:spPr/>
-      <dgm:t>
-        <a:bodyPr/>
-        <a:lstStyle/>
-        <a:p>
-          <a:r>
-            <a:rPr lang="en-US" dirty="0"/>
-            <a:t>SSIS</a:t>
-          </a:r>
-        </a:p>
-      </dgm:t>
-    </dgm:pt>
-    <dgm:pt modelId="{9DF8B052-E72F-4E90-A8CC-9F8447E4D42E}" type="sibTrans" cxnId="{539AFF1E-E4B2-494D-BE0E-95F36B154BED}">
-      <dgm:prSet/>
-      <dgm:spPr/>
-      <dgm:t>
-        <a:bodyPr/>
-        <a:lstStyle/>
-        <a:p>
-          <a:endParaRPr lang="en-US"/>
-        </a:p>
-      </dgm:t>
-    </dgm:pt>
-    <dgm:pt modelId="{53C02399-C4F8-4DBA-B910-B8953EFA7728}" type="parTrans" cxnId="{539AFF1E-E4B2-494D-BE0E-95F36B154BED}">
-      <dgm:prSet/>
-      <dgm:spPr/>
-      <dgm:t>
-        <a:bodyPr/>
-        <a:lstStyle/>
-        <a:p>
-          <a:endParaRPr lang="en-US"/>
-        </a:p>
-      </dgm:t>
-    </dgm:pt>
-    <dgm:pt modelId="{FFD02267-A261-4ED8-A45E-83B4B611B6CD}" type="pres">
-      <dgm:prSet presAssocID="{97DE98F9-C437-4D0B-AF5E-3D9A9C756755}" presName="composite" presStyleCnt="0">
-        <dgm:presLayoutVars>
-          <dgm:chMax val="1"/>
-          <dgm:dir/>
-          <dgm:resizeHandles val="exact"/>
-        </dgm:presLayoutVars>
-      </dgm:prSet>
-      <dgm:spPr/>
-    </dgm:pt>
-    <dgm:pt modelId="{12380340-0D16-497F-81A4-F9F61C4C8631}" type="pres">
-      <dgm:prSet presAssocID="{97DE98F9-C437-4D0B-AF5E-3D9A9C756755}" presName="radial" presStyleCnt="0">
-        <dgm:presLayoutVars>
-          <dgm:animLvl val="ctr"/>
-        </dgm:presLayoutVars>
-      </dgm:prSet>
-      <dgm:spPr/>
-    </dgm:pt>
-    <dgm:pt modelId="{7E58058E-AE97-40B4-BCCE-88FF5E66A281}" type="pres">
-      <dgm:prSet presAssocID="{F3B5C7B0-E014-4B05-B0F1-58CD5099FE27}" presName="centerShape" presStyleLbl="vennNode1" presStyleIdx="0" presStyleCnt="4"/>
-      <dgm:spPr/>
-    </dgm:pt>
-    <dgm:pt modelId="{0F76AE90-AD74-4461-AC7A-8F1CB36A671A}" type="pres">
-      <dgm:prSet presAssocID="{654ED632-A0B1-4592-BE5E-2F466CE9EAF6}" presName="node" presStyleLbl="vennNode1" presStyleIdx="1" presStyleCnt="4">
-        <dgm:presLayoutVars>
-          <dgm:bulletEnabled val="1"/>
-        </dgm:presLayoutVars>
-      </dgm:prSet>
-      <dgm:spPr/>
-    </dgm:pt>
-    <dgm:pt modelId="{9BF57F81-7569-4B73-A381-7744839FC2D3}" type="pres">
-      <dgm:prSet presAssocID="{F052DC92-7BA5-426A-A555-935310DBA8DC}" presName="node" presStyleLbl="vennNode1" presStyleIdx="2" presStyleCnt="4">
-        <dgm:presLayoutVars>
-          <dgm:bulletEnabled val="1"/>
-        </dgm:presLayoutVars>
-      </dgm:prSet>
-      <dgm:spPr/>
-    </dgm:pt>
-    <dgm:pt modelId="{B8AEAA56-F098-43AD-8DA0-F03104CE8572}" type="pres">
-      <dgm:prSet presAssocID="{6CB57551-CC43-4B52-9349-6D45D71A11D7}" presName="node" presStyleLbl="vennNode1" presStyleIdx="3" presStyleCnt="4">
-        <dgm:presLayoutVars>
-          <dgm:bulletEnabled val="1"/>
-        </dgm:presLayoutVars>
-      </dgm:prSet>
-      <dgm:spPr/>
-    </dgm:pt>
-  </dgm:ptLst>
-  <dgm:cxnLst>
-    <dgm:cxn modelId="{539AFF1E-E4B2-494D-BE0E-95F36B154BED}" srcId="{F3B5C7B0-E014-4B05-B0F1-58CD5099FE27}" destId="{F052DC92-7BA5-426A-A555-935310DBA8DC}" srcOrd="1" destOrd="0" parTransId="{53C02399-C4F8-4DBA-B910-B8953EFA7728}" sibTransId="{9DF8B052-E72F-4E90-A8CC-9F8447E4D42E}"/>
-    <dgm:cxn modelId="{11557321-C717-49BE-8485-4821A0CE0C05}" srcId="{F3B5C7B0-E014-4B05-B0F1-58CD5099FE27}" destId="{6CB57551-CC43-4B52-9349-6D45D71A11D7}" srcOrd="2" destOrd="0" parTransId="{16D0249C-0AD1-41D0-869C-62A8EC2B2C4A}" sibTransId="{FEAD4CBD-11F1-4C53-A465-D1760501C180}"/>
-    <dgm:cxn modelId="{4C101A2D-81F3-4297-BD90-6AFA4F076237}" srcId="{97DE98F9-C437-4D0B-AF5E-3D9A9C756755}" destId="{F3B5C7B0-E014-4B05-B0F1-58CD5099FE27}" srcOrd="0" destOrd="0" parTransId="{DA3D6BA5-3903-433A-A60C-59CA981A679D}" sibTransId="{800C81CE-9174-45DD-BE03-98880A834B36}"/>
-    <dgm:cxn modelId="{2D65793B-D048-425B-90B7-E6538547CECE}" type="presOf" srcId="{97DE98F9-C437-4D0B-AF5E-3D9A9C756755}" destId="{FFD02267-A261-4ED8-A45E-83B4B611B6CD}" srcOrd="0" destOrd="0" presId="urn:microsoft.com/office/officeart/2005/8/layout/radial3"/>
-    <dgm:cxn modelId="{5DF19751-6909-43B0-91A4-B765EEFB3D9A}" type="presOf" srcId="{F052DC92-7BA5-426A-A555-935310DBA8DC}" destId="{9BF57F81-7569-4B73-A381-7744839FC2D3}" srcOrd="0" destOrd="0" presId="urn:microsoft.com/office/officeart/2005/8/layout/radial3"/>
-    <dgm:cxn modelId="{AB0D38A5-0739-418A-AAD4-FF19CB9399E7}" type="presOf" srcId="{6CB57551-CC43-4B52-9349-6D45D71A11D7}" destId="{B8AEAA56-F098-43AD-8DA0-F03104CE8572}" srcOrd="0" destOrd="0" presId="urn:microsoft.com/office/officeart/2005/8/layout/radial3"/>
-    <dgm:cxn modelId="{FF390ED6-109D-4BE5-B52D-A1A1B48858E4}" srcId="{F3B5C7B0-E014-4B05-B0F1-58CD5099FE27}" destId="{654ED632-A0B1-4592-BE5E-2F466CE9EAF6}" srcOrd="0" destOrd="0" parTransId="{93B0FFB7-83FE-40DF-BDDD-000970767FD2}" sibTransId="{AF96EAAE-191A-43FA-8405-34A9E9D7AB85}"/>
-    <dgm:cxn modelId="{9709E9F7-D20C-443C-B2C3-7322E6F0F3DB}" type="presOf" srcId="{F3B5C7B0-E014-4B05-B0F1-58CD5099FE27}" destId="{7E58058E-AE97-40B4-BCCE-88FF5E66A281}" srcOrd="0" destOrd="0" presId="urn:microsoft.com/office/officeart/2005/8/layout/radial3"/>
-    <dgm:cxn modelId="{0A0090FC-F8C9-4237-8368-3A3C19FD953E}" type="presOf" srcId="{654ED632-A0B1-4592-BE5E-2F466CE9EAF6}" destId="{0F76AE90-AD74-4461-AC7A-8F1CB36A671A}" srcOrd="0" destOrd="0" presId="urn:microsoft.com/office/officeart/2005/8/layout/radial3"/>
-    <dgm:cxn modelId="{41B1D0AA-32A0-4E51-9595-6D54502F4D16}" type="presParOf" srcId="{FFD02267-A261-4ED8-A45E-83B4B611B6CD}" destId="{12380340-0D16-497F-81A4-F9F61C4C8631}" srcOrd="0" destOrd="0" presId="urn:microsoft.com/office/officeart/2005/8/layout/radial3"/>
-    <dgm:cxn modelId="{732EE214-5B6B-4FEA-8427-4BEED5A3E439}" type="presParOf" srcId="{12380340-0D16-497F-81A4-F9F61C4C8631}" destId="{7E58058E-AE97-40B4-BCCE-88FF5E66A281}" srcOrd="0" destOrd="0" presId="urn:microsoft.com/office/officeart/2005/8/layout/radial3"/>
-    <dgm:cxn modelId="{BBA92CA8-3A72-4C40-BA98-C28938ABC444}" type="presParOf" srcId="{12380340-0D16-497F-81A4-F9F61C4C8631}" destId="{0F76AE90-AD74-4461-AC7A-8F1CB36A671A}" srcOrd="1" destOrd="0" presId="urn:microsoft.com/office/officeart/2005/8/layout/radial3"/>
-    <dgm:cxn modelId="{4A8EBC33-2F97-4559-BAC3-2ED5A6FB6C00}" type="presParOf" srcId="{12380340-0D16-497F-81A4-F9F61C4C8631}" destId="{9BF57F81-7569-4B73-A381-7744839FC2D3}" srcOrd="2" destOrd="0" presId="urn:microsoft.com/office/officeart/2005/8/layout/radial3"/>
-    <dgm:cxn modelId="{E039509B-9D34-4856-A230-8C0B753CF36D}" type="presParOf" srcId="{12380340-0D16-497F-81A4-F9F61C4C8631}" destId="{B8AEAA56-F098-43AD-8DA0-F03104CE8572}" srcOrd="3" destOrd="0" presId="urn:microsoft.com/office/officeart/2005/8/layout/radial3"/>
-  </dgm:cxnLst>
-  <dgm:bg/>
-  <dgm:whole/>
-  <dgm:extLst>
-    <a:ext uri="http://schemas.microsoft.com/office/drawing/2008/diagram">
-      <dsp:dataModelExt xmlns:dsp="http://schemas.microsoft.com/office/drawing/2008/diagram" relId="rId6" minVer="http://schemas.openxmlformats.org/drawingml/2006/diagram"/>
-    </a:ext>
-  </dgm:extLst>
-</dgm:dataModel>
-</file>
-
-<file path=ppt/diagrams/data4.xml><?xml version="1.0" encoding="utf-8"?>
 <dgm:dataModel xmlns:dgm="http://schemas.openxmlformats.org/drawingml/2006/diagram" xmlns:a="http://schemas.openxmlformats.org/drawingml/2006/main">
   <dgm:ptLst>
     <dgm:pt modelId="{AAAC8E02-5D9D-490B-9DBD-CC85A46DB884}" type="doc">
@@ -8262,7 +6535,7 @@
 </dgm:dataModel>
 </file>
 
-<file path=ppt/diagrams/data5.xml><?xml version="1.0" encoding="utf-8"?>
+<file path=ppt/diagrams/data4.xml><?xml version="1.0" encoding="utf-8"?>
 <dgm:dataModel xmlns:dgm="http://schemas.openxmlformats.org/drawingml/2006/diagram" xmlns:a="http://schemas.openxmlformats.org/drawingml/2006/main">
   <dgm:ptLst>
     <dgm:pt modelId="{E2084379-6D0C-47F3-88B2-A6D8F622D64F}" type="doc">
@@ -8590,225 +6863,7 @@
 </dgm:dataModel>
 </file>
 
-<file path=ppt/diagrams/data6.xml><?xml version="1.0" encoding="utf-8"?>
-<dgm:dataModel xmlns:dgm="http://schemas.openxmlformats.org/drawingml/2006/diagram" xmlns:a="http://schemas.openxmlformats.org/drawingml/2006/main">
-  <dgm:ptLst>
-    <dgm:pt modelId="{08388B0B-940E-4B44-A025-03F3E6F1C923}" type="doc">
-      <dgm:prSet loTypeId="urn:microsoft.com/office/officeart/2005/8/layout/radial3" loCatId="cycle" qsTypeId="urn:microsoft.com/office/officeart/2005/8/quickstyle/simple4" qsCatId="simple" csTypeId="urn:microsoft.com/office/officeart/2005/8/colors/accent1_2" csCatId="accent1" phldr="1"/>
-      <dgm:spPr/>
-      <dgm:t>
-        <a:bodyPr/>
-        <a:lstStyle/>
-        <a:p>
-          <a:endParaRPr lang="en-US"/>
-        </a:p>
-      </dgm:t>
-    </dgm:pt>
-    <dgm:pt modelId="{63ACF38E-3148-46B7-9184-4A5746ACBBA5}">
-      <dgm:prSet phldrT="[Text]"/>
-      <dgm:spPr/>
-      <dgm:t>
-        <a:bodyPr/>
-        <a:lstStyle/>
-        <a:p>
-          <a:r>
-            <a:rPr lang="en-US" dirty="0"/>
-            <a:t>Pester</a:t>
-          </a:r>
-        </a:p>
-      </dgm:t>
-    </dgm:pt>
-    <dgm:pt modelId="{E6567135-A675-44B8-9FD5-26B347FBBA69}" type="parTrans" cxnId="{1951CA4B-AFA2-40C9-A113-B03A362E62E0}">
-      <dgm:prSet/>
-      <dgm:spPr/>
-      <dgm:t>
-        <a:bodyPr/>
-        <a:lstStyle/>
-        <a:p>
-          <a:endParaRPr lang="en-US"/>
-        </a:p>
-      </dgm:t>
-    </dgm:pt>
-    <dgm:pt modelId="{88100C87-EAFB-453A-920F-2EE76ABE2510}" type="sibTrans" cxnId="{1951CA4B-AFA2-40C9-A113-B03A362E62E0}">
-      <dgm:prSet/>
-      <dgm:spPr/>
-      <dgm:t>
-        <a:bodyPr/>
-        <a:lstStyle/>
-        <a:p>
-          <a:endParaRPr lang="en-US"/>
-        </a:p>
-      </dgm:t>
-    </dgm:pt>
-    <dgm:pt modelId="{EC0DEA1C-4D2E-486A-A4EC-90DF10A2325B}">
-      <dgm:prSet phldrT="[Text]"/>
-      <dgm:spPr/>
-      <dgm:t>
-        <a:bodyPr/>
-        <a:lstStyle/>
-        <a:p>
-          <a:endParaRPr lang="en-US" dirty="0"/>
-        </a:p>
-      </dgm:t>
-    </dgm:pt>
-    <dgm:pt modelId="{37ADBF44-4513-47AE-9DD2-79918BF04ED0}" type="parTrans" cxnId="{B63F6A43-14A6-492B-8A8A-C75F26E630C5}">
-      <dgm:prSet/>
-      <dgm:spPr/>
-      <dgm:t>
-        <a:bodyPr/>
-        <a:lstStyle/>
-        <a:p>
-          <a:endParaRPr lang="en-US"/>
-        </a:p>
-      </dgm:t>
-    </dgm:pt>
-    <dgm:pt modelId="{6092DCBA-184E-429F-80F1-ADBF6FE86CDE}" type="sibTrans" cxnId="{B63F6A43-14A6-492B-8A8A-C75F26E630C5}">
-      <dgm:prSet/>
-      <dgm:spPr/>
-      <dgm:t>
-        <a:bodyPr/>
-        <a:lstStyle/>
-        <a:p>
-          <a:endParaRPr lang="en-US"/>
-        </a:p>
-      </dgm:t>
-    </dgm:pt>
-    <dgm:pt modelId="{9922758A-0575-4051-9130-9A228B68A876}">
-      <dgm:prSet phldrT="[Text]"/>
-      <dgm:spPr/>
-      <dgm:t>
-        <a:bodyPr/>
-        <a:lstStyle/>
-        <a:p>
-          <a:r>
-            <a:rPr lang="en-US" dirty="0"/>
-            <a:t>Produces Test Results Artifact</a:t>
-          </a:r>
-        </a:p>
-      </dgm:t>
-    </dgm:pt>
-    <dgm:pt modelId="{38866A01-0140-4560-8FE4-C876A47B0925}" type="parTrans" cxnId="{2DC03293-2D6D-4BAB-92D8-00790029A167}">
-      <dgm:prSet/>
-      <dgm:spPr/>
-      <dgm:t>
-        <a:bodyPr/>
-        <a:lstStyle/>
-        <a:p>
-          <a:endParaRPr lang="en-US"/>
-        </a:p>
-      </dgm:t>
-    </dgm:pt>
-    <dgm:pt modelId="{E75AB8B0-FAF4-4198-B8E1-DB0A0CFF845D}" type="sibTrans" cxnId="{2DC03293-2D6D-4BAB-92D8-00790029A167}">
-      <dgm:prSet/>
-      <dgm:spPr/>
-      <dgm:t>
-        <a:bodyPr/>
-        <a:lstStyle/>
-        <a:p>
-          <a:endParaRPr lang="en-US"/>
-        </a:p>
-      </dgm:t>
-    </dgm:pt>
-    <dgm:pt modelId="{9C4FED85-005C-484B-9894-79E54A2CA42C}">
-      <dgm:prSet phldrT="[Text]"/>
-      <dgm:spPr/>
-      <dgm:t>
-        <a:bodyPr/>
-        <a:lstStyle/>
-        <a:p>
-          <a:r>
-            <a:rPr lang="en-US"/>
-            <a:t>BDD Testing </a:t>
-          </a:r>
-          <a:r>
-            <a:rPr lang="en-US" dirty="0"/>
-            <a:t>Framework</a:t>
-          </a:r>
-        </a:p>
-      </dgm:t>
-    </dgm:pt>
-    <dgm:pt modelId="{B8267EA4-EE3F-446A-9442-E5CF4439DF86}" type="parTrans" cxnId="{53FCF18D-710C-432A-AD3D-E4FB6A9CF1A4}">
-      <dgm:prSet/>
-      <dgm:spPr/>
-    </dgm:pt>
-    <dgm:pt modelId="{A039493F-D8A0-4803-BCFC-4537C32F4FE5}" type="sibTrans" cxnId="{53FCF18D-710C-432A-AD3D-E4FB6A9CF1A4}">
-      <dgm:prSet/>
-      <dgm:spPr/>
-    </dgm:pt>
-    <dgm:pt modelId="{427FE7BE-4C47-4D26-85EB-C1CC059A6ACB}" type="pres">
-      <dgm:prSet presAssocID="{08388B0B-940E-4B44-A025-03F3E6F1C923}" presName="composite" presStyleCnt="0">
-        <dgm:presLayoutVars>
-          <dgm:chMax val="1"/>
-          <dgm:dir/>
-          <dgm:resizeHandles val="exact"/>
-        </dgm:presLayoutVars>
-      </dgm:prSet>
-      <dgm:spPr/>
-    </dgm:pt>
-    <dgm:pt modelId="{62E79E0C-E242-4E30-918F-2475FF873B3F}" type="pres">
-      <dgm:prSet presAssocID="{08388B0B-940E-4B44-A025-03F3E6F1C923}" presName="radial" presStyleCnt="0">
-        <dgm:presLayoutVars>
-          <dgm:animLvl val="ctr"/>
-        </dgm:presLayoutVars>
-      </dgm:prSet>
-      <dgm:spPr/>
-    </dgm:pt>
-    <dgm:pt modelId="{2570C487-7346-48D6-813E-3A771C69ACE1}" type="pres">
-      <dgm:prSet presAssocID="{63ACF38E-3148-46B7-9184-4A5746ACBBA5}" presName="centerShape" presStyleLbl="vennNode1" presStyleIdx="0" presStyleCnt="4"/>
-      <dgm:spPr/>
-    </dgm:pt>
-    <dgm:pt modelId="{29742DFD-CA7F-47CE-852F-C43FF73D4AE0}" type="pres">
-      <dgm:prSet presAssocID="{9C4FED85-005C-484B-9894-79E54A2CA42C}" presName="node" presStyleLbl="vennNode1" presStyleIdx="1" presStyleCnt="4">
-        <dgm:presLayoutVars>
-          <dgm:bulletEnabled val="1"/>
-        </dgm:presLayoutVars>
-      </dgm:prSet>
-      <dgm:spPr/>
-    </dgm:pt>
-    <dgm:pt modelId="{C2ECF1F8-453F-4432-8496-AE0901FDFFC1}" type="pres">
-      <dgm:prSet presAssocID="{EC0DEA1C-4D2E-486A-A4EC-90DF10A2325B}" presName="node" presStyleLbl="vennNode1" presStyleIdx="2" presStyleCnt="4">
-        <dgm:presLayoutVars>
-          <dgm:bulletEnabled val="1"/>
-        </dgm:presLayoutVars>
-      </dgm:prSet>
-      <dgm:spPr/>
-    </dgm:pt>
-    <dgm:pt modelId="{1C665733-C199-462C-9A6F-32DD4AC505A4}" type="pres">
-      <dgm:prSet presAssocID="{9922758A-0575-4051-9130-9A228B68A876}" presName="node" presStyleLbl="vennNode1" presStyleIdx="3" presStyleCnt="4">
-        <dgm:presLayoutVars>
-          <dgm:bulletEnabled val="1"/>
-        </dgm:presLayoutVars>
-      </dgm:prSet>
-      <dgm:spPr/>
-    </dgm:pt>
-  </dgm:ptLst>
-  <dgm:cxnLst>
-    <dgm:cxn modelId="{E4FF955D-391A-4CFC-BBF3-21F34A815275}" type="presOf" srcId="{63ACF38E-3148-46B7-9184-4A5746ACBBA5}" destId="{2570C487-7346-48D6-813E-3A771C69ACE1}" srcOrd="0" destOrd="0" presId="urn:microsoft.com/office/officeart/2005/8/layout/radial3"/>
-    <dgm:cxn modelId="{1BF3B85D-FF0F-43BD-A010-A836BD203DD5}" type="presOf" srcId="{EC0DEA1C-4D2E-486A-A4EC-90DF10A2325B}" destId="{C2ECF1F8-453F-4432-8496-AE0901FDFFC1}" srcOrd="0" destOrd="0" presId="urn:microsoft.com/office/officeart/2005/8/layout/radial3"/>
-    <dgm:cxn modelId="{B63F6A43-14A6-492B-8A8A-C75F26E630C5}" srcId="{63ACF38E-3148-46B7-9184-4A5746ACBBA5}" destId="{EC0DEA1C-4D2E-486A-A4EC-90DF10A2325B}" srcOrd="1" destOrd="0" parTransId="{37ADBF44-4513-47AE-9DD2-79918BF04ED0}" sibTransId="{6092DCBA-184E-429F-80F1-ADBF6FE86CDE}"/>
-    <dgm:cxn modelId="{1951CA4B-AFA2-40C9-A113-B03A362E62E0}" srcId="{08388B0B-940E-4B44-A025-03F3E6F1C923}" destId="{63ACF38E-3148-46B7-9184-4A5746ACBBA5}" srcOrd="0" destOrd="0" parTransId="{E6567135-A675-44B8-9FD5-26B347FBBA69}" sibTransId="{88100C87-EAFB-453A-920F-2EE76ABE2510}"/>
-    <dgm:cxn modelId="{215B1477-5141-4941-9B36-F6E5B50AA8BE}" type="presOf" srcId="{9C4FED85-005C-484B-9894-79E54A2CA42C}" destId="{29742DFD-CA7F-47CE-852F-C43FF73D4AE0}" srcOrd="0" destOrd="0" presId="urn:microsoft.com/office/officeart/2005/8/layout/radial3"/>
-    <dgm:cxn modelId="{2470EE7F-26E3-4F9E-9B34-95F68F96E7F9}" type="presOf" srcId="{08388B0B-940E-4B44-A025-03F3E6F1C923}" destId="{427FE7BE-4C47-4D26-85EB-C1CC059A6ACB}" srcOrd="0" destOrd="0" presId="urn:microsoft.com/office/officeart/2005/8/layout/radial3"/>
-    <dgm:cxn modelId="{53FCF18D-710C-432A-AD3D-E4FB6A9CF1A4}" srcId="{63ACF38E-3148-46B7-9184-4A5746ACBBA5}" destId="{9C4FED85-005C-484B-9894-79E54A2CA42C}" srcOrd="0" destOrd="0" parTransId="{B8267EA4-EE3F-446A-9442-E5CF4439DF86}" sibTransId="{A039493F-D8A0-4803-BCFC-4537C32F4FE5}"/>
-    <dgm:cxn modelId="{2DC03293-2D6D-4BAB-92D8-00790029A167}" srcId="{63ACF38E-3148-46B7-9184-4A5746ACBBA5}" destId="{9922758A-0575-4051-9130-9A228B68A876}" srcOrd="2" destOrd="0" parTransId="{38866A01-0140-4560-8FE4-C876A47B0925}" sibTransId="{E75AB8B0-FAF4-4198-B8E1-DB0A0CFF845D}"/>
-    <dgm:cxn modelId="{99DC4D94-5940-4A29-A41E-0CA106C114D3}" type="presOf" srcId="{9922758A-0575-4051-9130-9A228B68A876}" destId="{1C665733-C199-462C-9A6F-32DD4AC505A4}" srcOrd="0" destOrd="0" presId="urn:microsoft.com/office/officeart/2005/8/layout/radial3"/>
-    <dgm:cxn modelId="{C06A3B32-A15E-487B-BAC6-1AE3795DA55D}" type="presParOf" srcId="{427FE7BE-4C47-4D26-85EB-C1CC059A6ACB}" destId="{62E79E0C-E242-4E30-918F-2475FF873B3F}" srcOrd="0" destOrd="0" presId="urn:microsoft.com/office/officeart/2005/8/layout/radial3"/>
-    <dgm:cxn modelId="{C03878FD-C7CB-48DF-9862-851554174B2D}" type="presParOf" srcId="{62E79E0C-E242-4E30-918F-2475FF873B3F}" destId="{2570C487-7346-48D6-813E-3A771C69ACE1}" srcOrd="0" destOrd="0" presId="urn:microsoft.com/office/officeart/2005/8/layout/radial3"/>
-    <dgm:cxn modelId="{EE03EDC1-FAD0-4B47-8B39-69AF7E7146DA}" type="presParOf" srcId="{62E79E0C-E242-4E30-918F-2475FF873B3F}" destId="{29742DFD-CA7F-47CE-852F-C43FF73D4AE0}" srcOrd="1" destOrd="0" presId="urn:microsoft.com/office/officeart/2005/8/layout/radial3"/>
-    <dgm:cxn modelId="{FCCE6BCB-1AFC-41E9-85F2-586C652DCA9A}" type="presParOf" srcId="{62E79E0C-E242-4E30-918F-2475FF873B3F}" destId="{C2ECF1F8-453F-4432-8496-AE0901FDFFC1}" srcOrd="2" destOrd="0" presId="urn:microsoft.com/office/officeart/2005/8/layout/radial3"/>
-    <dgm:cxn modelId="{C1F5F96B-CE35-4C6B-8241-47251313326F}" type="presParOf" srcId="{62E79E0C-E242-4E30-918F-2475FF873B3F}" destId="{1C665733-C199-462C-9A6F-32DD4AC505A4}" srcOrd="3" destOrd="0" presId="urn:microsoft.com/office/officeart/2005/8/layout/radial3"/>
-  </dgm:cxnLst>
-  <dgm:bg/>
-  <dgm:whole/>
-  <dgm:extLst>
-    <a:ext uri="http://schemas.microsoft.com/office/drawing/2008/diagram">
-      <dsp:dataModelExt xmlns:dsp="http://schemas.microsoft.com/office/drawing/2008/diagram" relId="rId6" minVer="http://schemas.openxmlformats.org/drawingml/2006/diagram"/>
-    </a:ext>
-  </dgm:extLst>
-</dgm:dataModel>
-</file>
-
-<file path=ppt/diagrams/data7.xml><?xml version="1.0" encoding="utf-8"?>
+<file path=ppt/diagrams/data5.xml><?xml version="1.0" encoding="utf-8"?>
 <dgm:dataModel xmlns:dgm="http://schemas.openxmlformats.org/drawingml/2006/diagram" xmlns:a="http://schemas.openxmlformats.org/drawingml/2006/main">
   <dgm:ptLst>
     <dgm:pt modelId="{6C1659A3-B14D-422E-BE73-428699475829}" type="doc">
@@ -9487,7 +7542,7 @@
 </dgm:dataModel>
 </file>
 
-<file path=ppt/diagrams/data8.xml><?xml version="1.0" encoding="utf-8"?>
+<file path=ppt/diagrams/data6.xml><?xml version="1.0" encoding="utf-8"?>
 <dgm:dataModel xmlns:dgm="http://schemas.openxmlformats.org/drawingml/2006/diagram" xmlns:a="http://schemas.openxmlformats.org/drawingml/2006/main">
   <dgm:ptLst>
     <dgm:pt modelId="{4A929554-7FA0-4AD4-ABEB-0CA56CD1EF96}" type="doc">
@@ -10058,7 +8113,7 @@
 </dgm:dataModel>
 </file>
 
-<file path=ppt/diagrams/data9.xml><?xml version="1.0" encoding="utf-8"?>
+<file path=ppt/diagrams/data7.xml><?xml version="1.0" encoding="utf-8"?>
 <dgm:dataModel xmlns:dgm="http://schemas.openxmlformats.org/drawingml/2006/diagram" xmlns:a="http://schemas.openxmlformats.org/drawingml/2006/main">
   <dgm:ptLst>
     <dgm:pt modelId="{082E775F-B70C-4EF8-AF34-A42A9CAADC7D}" type="doc">
@@ -10760,12 +8815,12 @@
         </a:fontRef>
       </dsp:style>
       <dsp:txBody>
-        <a:bodyPr spcFirstLastPara="0" vert="horz" wrap="square" lIns="44450" tIns="44450" rIns="44450" bIns="44450" numCol="1" spcCol="1270" anchor="ctr" anchorCtr="0">
+        <a:bodyPr spcFirstLastPara="0" vert="horz" wrap="square" lIns="68580" tIns="68580" rIns="68580" bIns="68580" numCol="1" spcCol="1270" anchor="ctr" anchorCtr="0">
           <a:noAutofit/>
         </a:bodyPr>
         <a:lstStyle/>
         <a:p>
-          <a:pPr marL="0" lvl="0" indent="0" algn="ctr" defTabSz="1555750">
+          <a:pPr marL="0" lvl="0" indent="0" algn="ctr" defTabSz="2400300">
             <a:lnSpc>
               <a:spcPct val="90000"/>
             </a:lnSpc>
@@ -10778,7 +8833,7 @@
             <a:buNone/>
           </a:pPr>
           <a:r>
-            <a:rPr lang="en-US" sz="3500" kern="1200" dirty="0"/>
+            <a:rPr lang="en-US" sz="5400" kern="1200" dirty="0"/>
             <a:t>UAT</a:t>
           </a:r>
         </a:p>
@@ -10871,12 +8926,12 @@
         </a:fontRef>
       </dsp:style>
       <dsp:txBody>
-        <a:bodyPr spcFirstLastPara="0" vert="horz" wrap="square" lIns="44450" tIns="44450" rIns="44450" bIns="44450" numCol="1" spcCol="1270" anchor="ctr" anchorCtr="0">
+        <a:bodyPr spcFirstLastPara="0" vert="horz" wrap="square" lIns="68580" tIns="68580" rIns="68580" bIns="68580" numCol="1" spcCol="1270" anchor="ctr" anchorCtr="0">
           <a:noAutofit/>
         </a:bodyPr>
         <a:lstStyle/>
         <a:p>
-          <a:pPr marL="0" lvl="0" indent="0" algn="ctr" defTabSz="1555750">
+          <a:pPr marL="0" lvl="0" indent="0" algn="ctr" defTabSz="2400300">
             <a:lnSpc>
               <a:spcPct val="90000"/>
             </a:lnSpc>
@@ -10889,8 +8944,8 @@
             <a:buNone/>
           </a:pPr>
           <a:r>
-            <a:rPr lang="en-US" sz="3500" kern="1200" dirty="0"/>
-            <a:t>Performance Testing</a:t>
+            <a:rPr lang="en-US" sz="5400" kern="1200" dirty="0"/>
+            <a:t>Integration</a:t>
           </a:r>
         </a:p>
       </dsp:txBody>
@@ -10982,12 +9037,12 @@
         </a:fontRef>
       </dsp:style>
       <dsp:txBody>
-        <a:bodyPr spcFirstLastPara="0" vert="horz" wrap="square" lIns="44450" tIns="44450" rIns="44450" bIns="44450" numCol="1" spcCol="1270" anchor="ctr" anchorCtr="0">
+        <a:bodyPr spcFirstLastPara="0" vert="horz" wrap="square" lIns="68580" tIns="68580" rIns="68580" bIns="68580" numCol="1" spcCol="1270" anchor="ctr" anchorCtr="0">
           <a:noAutofit/>
         </a:bodyPr>
         <a:lstStyle/>
         <a:p>
-          <a:pPr marL="0" lvl="0" indent="0" algn="ctr" defTabSz="1555750">
+          <a:pPr marL="0" lvl="0" indent="0" algn="ctr" defTabSz="2400300">
             <a:lnSpc>
               <a:spcPct val="90000"/>
             </a:lnSpc>
@@ -11000,8 +9055,8 @@
             <a:buNone/>
           </a:pPr>
           <a:r>
-            <a:rPr lang="en-US" sz="3500" kern="1200" dirty="0"/>
-            <a:t>Integration Testing</a:t>
+            <a:rPr lang="en-US" sz="5400" kern="1200" dirty="0"/>
+            <a:t>Functional</a:t>
           </a:r>
         </a:p>
       </dsp:txBody>
@@ -11093,12 +9148,12 @@
         </a:fontRef>
       </dsp:style>
       <dsp:txBody>
-        <a:bodyPr spcFirstLastPara="0" vert="horz" wrap="square" lIns="44450" tIns="44450" rIns="44450" bIns="44450" numCol="1" spcCol="1270" anchor="ctr" anchorCtr="0">
+        <a:bodyPr spcFirstLastPara="0" vert="horz" wrap="square" lIns="68580" tIns="68580" rIns="68580" bIns="68580" numCol="1" spcCol="1270" anchor="ctr" anchorCtr="0">
           <a:noAutofit/>
         </a:bodyPr>
         <a:lstStyle/>
         <a:p>
-          <a:pPr marL="0" lvl="0" indent="0" algn="ctr" defTabSz="1555750">
+          <a:pPr marL="0" lvl="0" indent="0" algn="ctr" defTabSz="2400300">
             <a:lnSpc>
               <a:spcPct val="90000"/>
             </a:lnSpc>
@@ -11111,7 +9166,7 @@
             <a:buNone/>
           </a:pPr>
           <a:r>
-            <a:rPr lang="en-US" sz="3500" kern="1200" dirty="0"/>
+            <a:rPr lang="en-US" sz="5400" kern="1200" dirty="0"/>
             <a:t>Unit Testing</a:t>
           </a:r>
         </a:p>
@@ -11654,346 +9709,6 @@
 </file>
 
 <file path=ppt/diagrams/drawing3.xml><?xml version="1.0" encoding="utf-8"?>
-<dsp:drawing xmlns:dgm="http://schemas.openxmlformats.org/drawingml/2006/diagram" xmlns:dsp="http://schemas.microsoft.com/office/drawing/2008/diagram" xmlns:a="http://schemas.openxmlformats.org/drawingml/2006/main">
-  <dsp:spTree>
-    <dsp:nvGrpSpPr>
-      <dsp:cNvPr id="0" name=""/>
-      <dsp:cNvGrpSpPr/>
-    </dsp:nvGrpSpPr>
-    <dsp:grpSpPr/>
-    <dsp:sp modelId="{7E58058E-AE97-40B4-BCCE-88FF5E66A281}">
-      <dsp:nvSpPr>
-        <dsp:cNvPr id="0" name=""/>
-        <dsp:cNvSpPr/>
-      </dsp:nvSpPr>
-      <dsp:spPr>
-        <a:xfrm>
-          <a:off x="3962533" y="1370191"/>
-          <a:ext cx="2874695" cy="2874695"/>
-        </a:xfrm>
-        <a:prstGeom prst="ellipse">
-          <a:avLst/>
-        </a:prstGeom>
-        <a:solidFill>
-          <a:schemeClr val="accent1">
-            <a:alpha val="50000"/>
-            <a:hueOff val="0"/>
-            <a:satOff val="0"/>
-            <a:lumOff val="0"/>
-            <a:alphaOff val="0"/>
-          </a:schemeClr>
-        </a:solidFill>
-        <a:ln>
-          <a:noFill/>
-        </a:ln>
-        <a:effectLst/>
-        <a:scene3d>
-          <a:camera prst="orthographicFront">
-            <a:rot lat="0" lon="0" rev="0"/>
-          </a:camera>
-          <a:lightRig rig="contrasting" dir="t">
-            <a:rot lat="0" lon="0" rev="1200000"/>
-          </a:lightRig>
-        </a:scene3d>
-        <a:sp3d contourW="12700" prstMaterial="clear">
-          <a:bevelT w="177800" h="254000"/>
-          <a:bevelB w="152400"/>
-        </a:sp3d>
-      </dsp:spPr>
-      <dsp:style>
-        <a:lnRef idx="0">
-          <a:scrgbClr r="0" g="0" b="0"/>
-        </a:lnRef>
-        <a:fillRef idx="1">
-          <a:scrgbClr r="0" g="0" b="0"/>
-        </a:fillRef>
-        <a:effectRef idx="0">
-          <a:scrgbClr r="0" g="0" b="0"/>
-        </a:effectRef>
-        <a:fontRef idx="minor">
-          <a:schemeClr val="tx1"/>
-        </a:fontRef>
-      </dsp:style>
-      <dsp:txBody>
-        <a:bodyPr spcFirstLastPara="0" vert="horz" wrap="square" lIns="46990" tIns="46990" rIns="46990" bIns="46990" numCol="1" spcCol="1270" anchor="ctr" anchorCtr="0">
-          <a:noAutofit/>
-        </a:bodyPr>
-        <a:lstStyle/>
-        <a:p>
-          <a:pPr marL="0" lvl="0" indent="0" algn="ctr" defTabSz="1644650">
-            <a:lnSpc>
-              <a:spcPct val="90000"/>
-            </a:lnSpc>
-            <a:spcBef>
-              <a:spcPct val="0"/>
-            </a:spcBef>
-            <a:spcAft>
-              <a:spcPct val="35000"/>
-            </a:spcAft>
-            <a:buNone/>
-          </a:pPr>
-          <a:r>
-            <a:rPr lang="en-US" sz="3700" kern="1200" dirty="0"/>
-            <a:t>Database</a:t>
-          </a:r>
-        </a:p>
-      </dsp:txBody>
-      <dsp:txXfrm>
-        <a:off x="4383522" y="1791180"/>
-        <a:ext cx="2032717" cy="2032717"/>
-      </dsp:txXfrm>
-    </dsp:sp>
-    <dsp:sp modelId="{0F76AE90-AD74-4461-AC7A-8F1CB36A671A}">
-      <dsp:nvSpPr>
-        <dsp:cNvPr id="0" name=""/>
-        <dsp:cNvSpPr/>
-      </dsp:nvSpPr>
-      <dsp:spPr>
-        <a:xfrm>
-          <a:off x="4681207" y="218607"/>
-          <a:ext cx="1437347" cy="1437347"/>
-        </a:xfrm>
-        <a:prstGeom prst="ellipse">
-          <a:avLst/>
-        </a:prstGeom>
-        <a:solidFill>
-          <a:schemeClr val="accent1">
-            <a:alpha val="50000"/>
-            <a:hueOff val="0"/>
-            <a:satOff val="0"/>
-            <a:lumOff val="0"/>
-            <a:alphaOff val="0"/>
-          </a:schemeClr>
-        </a:solidFill>
-        <a:ln>
-          <a:noFill/>
-        </a:ln>
-        <a:effectLst/>
-        <a:scene3d>
-          <a:camera prst="orthographicFront">
-            <a:rot lat="0" lon="0" rev="0"/>
-          </a:camera>
-          <a:lightRig rig="contrasting" dir="t">
-            <a:rot lat="0" lon="0" rev="1200000"/>
-          </a:lightRig>
-        </a:scene3d>
-        <a:sp3d contourW="12700" prstMaterial="clear">
-          <a:bevelT w="177800" h="254000"/>
-          <a:bevelB w="152400"/>
-        </a:sp3d>
-      </dsp:spPr>
-      <dsp:style>
-        <a:lnRef idx="0">
-          <a:scrgbClr r="0" g="0" b="0"/>
-        </a:lnRef>
-        <a:fillRef idx="1">
-          <a:scrgbClr r="0" g="0" b="0"/>
-        </a:fillRef>
-        <a:effectRef idx="0">
-          <a:scrgbClr r="0" g="0" b="0"/>
-        </a:effectRef>
-        <a:fontRef idx="minor">
-          <a:schemeClr val="tx1"/>
-        </a:fontRef>
-      </dsp:style>
-      <dsp:txBody>
-        <a:bodyPr spcFirstLastPara="0" vert="horz" wrap="square" lIns="19050" tIns="19050" rIns="19050" bIns="19050" numCol="1" spcCol="1270" anchor="ctr" anchorCtr="0">
-          <a:noAutofit/>
-        </a:bodyPr>
-        <a:lstStyle/>
-        <a:p>
-          <a:pPr marL="0" lvl="0" indent="0" algn="ctr" defTabSz="666750">
-            <a:lnSpc>
-              <a:spcPct val="90000"/>
-            </a:lnSpc>
-            <a:spcBef>
-              <a:spcPct val="0"/>
-            </a:spcBef>
-            <a:spcAft>
-              <a:spcPct val="35000"/>
-            </a:spcAft>
-            <a:buNone/>
-          </a:pPr>
-          <a:r>
-            <a:rPr lang="en-US" sz="1500" kern="1200" dirty="0"/>
-            <a:t>Application</a:t>
-          </a:r>
-        </a:p>
-      </dsp:txBody>
-      <dsp:txXfrm>
-        <a:off x="4891702" y="429102"/>
-        <a:ext cx="1016357" cy="1016357"/>
-      </dsp:txXfrm>
-    </dsp:sp>
-    <dsp:sp modelId="{9BF57F81-7569-4B73-A381-7744839FC2D3}">
-      <dsp:nvSpPr>
-        <dsp:cNvPr id="0" name=""/>
-        <dsp:cNvSpPr/>
-      </dsp:nvSpPr>
-      <dsp:spPr>
-        <a:xfrm>
-          <a:off x="6300898" y="3023994"/>
-          <a:ext cx="1437347" cy="1437347"/>
-        </a:xfrm>
-        <a:prstGeom prst="ellipse">
-          <a:avLst/>
-        </a:prstGeom>
-        <a:solidFill>
-          <a:schemeClr val="accent1">
-            <a:alpha val="50000"/>
-            <a:hueOff val="0"/>
-            <a:satOff val="0"/>
-            <a:lumOff val="0"/>
-            <a:alphaOff val="0"/>
-          </a:schemeClr>
-        </a:solidFill>
-        <a:ln>
-          <a:noFill/>
-        </a:ln>
-        <a:effectLst/>
-        <a:scene3d>
-          <a:camera prst="orthographicFront">
-            <a:rot lat="0" lon="0" rev="0"/>
-          </a:camera>
-          <a:lightRig rig="contrasting" dir="t">
-            <a:rot lat="0" lon="0" rev="1200000"/>
-          </a:lightRig>
-        </a:scene3d>
-        <a:sp3d contourW="12700" prstMaterial="clear">
-          <a:bevelT w="177800" h="254000"/>
-          <a:bevelB w="152400"/>
-        </a:sp3d>
-      </dsp:spPr>
-      <dsp:style>
-        <a:lnRef idx="0">
-          <a:scrgbClr r="0" g="0" b="0"/>
-        </a:lnRef>
-        <a:fillRef idx="1">
-          <a:scrgbClr r="0" g="0" b="0"/>
-        </a:fillRef>
-        <a:effectRef idx="0">
-          <a:scrgbClr r="0" g="0" b="0"/>
-        </a:effectRef>
-        <a:fontRef idx="minor">
-          <a:schemeClr val="tx1"/>
-        </a:fontRef>
-      </dsp:style>
-      <dsp:txBody>
-        <a:bodyPr spcFirstLastPara="0" vert="horz" wrap="square" lIns="19050" tIns="19050" rIns="19050" bIns="19050" numCol="1" spcCol="1270" anchor="ctr" anchorCtr="0">
-          <a:noAutofit/>
-        </a:bodyPr>
-        <a:lstStyle/>
-        <a:p>
-          <a:pPr marL="0" lvl="0" indent="0" algn="ctr" defTabSz="666750">
-            <a:lnSpc>
-              <a:spcPct val="90000"/>
-            </a:lnSpc>
-            <a:spcBef>
-              <a:spcPct val="0"/>
-            </a:spcBef>
-            <a:spcAft>
-              <a:spcPct val="35000"/>
-            </a:spcAft>
-            <a:buNone/>
-          </a:pPr>
-          <a:r>
-            <a:rPr lang="en-US" sz="1500" kern="1200" dirty="0"/>
-            <a:t>SSIS</a:t>
-          </a:r>
-        </a:p>
-      </dsp:txBody>
-      <dsp:txXfrm>
-        <a:off x="6511393" y="3234489"/>
-        <a:ext cx="1016357" cy="1016357"/>
-      </dsp:txXfrm>
-    </dsp:sp>
-    <dsp:sp modelId="{B8AEAA56-F098-43AD-8DA0-F03104CE8572}">
-      <dsp:nvSpPr>
-        <dsp:cNvPr id="0" name=""/>
-        <dsp:cNvSpPr/>
-      </dsp:nvSpPr>
-      <dsp:spPr>
-        <a:xfrm>
-          <a:off x="3061515" y="3023994"/>
-          <a:ext cx="1437347" cy="1437347"/>
-        </a:xfrm>
-        <a:prstGeom prst="ellipse">
-          <a:avLst/>
-        </a:prstGeom>
-        <a:solidFill>
-          <a:schemeClr val="accent1">
-            <a:alpha val="50000"/>
-            <a:hueOff val="0"/>
-            <a:satOff val="0"/>
-            <a:lumOff val="0"/>
-            <a:alphaOff val="0"/>
-          </a:schemeClr>
-        </a:solidFill>
-        <a:ln>
-          <a:noFill/>
-        </a:ln>
-        <a:effectLst/>
-        <a:scene3d>
-          <a:camera prst="orthographicFront">
-            <a:rot lat="0" lon="0" rev="0"/>
-          </a:camera>
-          <a:lightRig rig="contrasting" dir="t">
-            <a:rot lat="0" lon="0" rev="1200000"/>
-          </a:lightRig>
-        </a:scene3d>
-        <a:sp3d contourW="12700" prstMaterial="clear">
-          <a:bevelT w="177800" h="254000"/>
-          <a:bevelB w="152400"/>
-        </a:sp3d>
-      </dsp:spPr>
-      <dsp:style>
-        <a:lnRef idx="0">
-          <a:scrgbClr r="0" g="0" b="0"/>
-        </a:lnRef>
-        <a:fillRef idx="1">
-          <a:scrgbClr r="0" g="0" b="0"/>
-        </a:fillRef>
-        <a:effectRef idx="0">
-          <a:scrgbClr r="0" g="0" b="0"/>
-        </a:effectRef>
-        <a:fontRef idx="minor">
-          <a:schemeClr val="tx1"/>
-        </a:fontRef>
-      </dsp:style>
-      <dsp:txBody>
-        <a:bodyPr spcFirstLastPara="0" vert="horz" wrap="square" lIns="19050" tIns="19050" rIns="19050" bIns="19050" numCol="1" spcCol="1270" anchor="ctr" anchorCtr="0">
-          <a:noAutofit/>
-        </a:bodyPr>
-        <a:lstStyle/>
-        <a:p>
-          <a:pPr marL="0" lvl="0" indent="0" algn="ctr" defTabSz="666750">
-            <a:lnSpc>
-              <a:spcPct val="90000"/>
-            </a:lnSpc>
-            <a:spcBef>
-              <a:spcPct val="0"/>
-            </a:spcBef>
-            <a:spcAft>
-              <a:spcPct val="35000"/>
-            </a:spcAft>
-            <a:buNone/>
-          </a:pPr>
-          <a:r>
-            <a:rPr lang="en-US" sz="1500" kern="1200" dirty="0"/>
-            <a:t>Web Service</a:t>
-          </a:r>
-        </a:p>
-      </dsp:txBody>
-      <dsp:txXfrm>
-        <a:off x="3272010" y="3234489"/>
-        <a:ext cx="1016357" cy="1016357"/>
-      </dsp:txXfrm>
-    </dsp:sp>
-  </dsp:spTree>
-</dsp:drawing>
-</file>
-
-<file path=ppt/diagrams/drawing4.xml><?xml version="1.0" encoding="utf-8"?>
 <dsp:drawing xmlns:dgm="http://schemas.openxmlformats.org/drawingml/2006/diagram" xmlns:dsp="http://schemas.microsoft.com/office/drawing/2008/diagram" xmlns:a="http://schemas.openxmlformats.org/drawingml/2006/main">
   <dsp:spTree>
     <dsp:nvGrpSpPr>
@@ -13148,7 +10863,7 @@
 </dsp:drawing>
 </file>
 
-<file path=ppt/diagrams/drawing5.xml><?xml version="1.0" encoding="utf-8"?>
+<file path=ppt/diagrams/drawing4.xml><?xml version="1.0" encoding="utf-8"?>
 <dsp:drawing xmlns:dgm="http://schemas.openxmlformats.org/drawingml/2006/diagram" xmlns:dsp="http://schemas.microsoft.com/office/drawing/2008/diagram" xmlns:a="http://schemas.openxmlformats.org/drawingml/2006/main">
   <dsp:spTree>
     <dsp:nvGrpSpPr>
@@ -13705,380 +11420,7 @@
 </dsp:drawing>
 </file>
 
-<file path=ppt/diagrams/drawing6.xml><?xml version="1.0" encoding="utf-8"?>
-<dsp:drawing xmlns:dgm="http://schemas.openxmlformats.org/drawingml/2006/diagram" xmlns:dsp="http://schemas.microsoft.com/office/drawing/2008/diagram" xmlns:a="http://schemas.openxmlformats.org/drawingml/2006/main">
-  <dsp:spTree>
-    <dsp:nvGrpSpPr>
-      <dsp:cNvPr id="0" name=""/>
-      <dsp:cNvGrpSpPr/>
-    </dsp:nvGrpSpPr>
-    <dsp:grpSpPr/>
-    <dsp:sp modelId="{2570C487-7346-48D6-813E-3A771C69ACE1}">
-      <dsp:nvSpPr>
-        <dsp:cNvPr id="0" name=""/>
-        <dsp:cNvSpPr/>
-      </dsp:nvSpPr>
-      <dsp:spPr>
-        <a:xfrm>
-          <a:off x="3830396" y="1390177"/>
-          <a:ext cx="2916626" cy="2916626"/>
-        </a:xfrm>
-        <a:prstGeom prst="ellipse">
-          <a:avLst/>
-        </a:prstGeom>
-        <a:gradFill rotWithShape="0">
-          <a:gsLst>
-            <a:gs pos="0">
-              <a:schemeClr val="accent1">
-                <a:alpha val="50000"/>
-                <a:hueOff val="0"/>
-                <a:satOff val="0"/>
-                <a:lumOff val="0"/>
-                <a:alphaOff val="0"/>
-                <a:tint val="100000"/>
-                <a:shade val="100000"/>
-                <a:satMod val="130000"/>
-              </a:schemeClr>
-            </a:gs>
-            <a:gs pos="100000">
-              <a:schemeClr val="accent1">
-                <a:alpha val="50000"/>
-                <a:hueOff val="0"/>
-                <a:satOff val="0"/>
-                <a:lumOff val="0"/>
-                <a:alphaOff val="0"/>
-                <a:tint val="50000"/>
-                <a:shade val="100000"/>
-                <a:satMod val="350000"/>
-              </a:schemeClr>
-            </a:gs>
-          </a:gsLst>
-          <a:lin ang="16200000" scaled="0"/>
-        </a:gradFill>
-        <a:ln>
-          <a:noFill/>
-        </a:ln>
-        <a:effectLst/>
-      </dsp:spPr>
-      <dsp:style>
-        <a:lnRef idx="0">
-          <a:scrgbClr r="0" g="0" b="0"/>
-        </a:lnRef>
-        <a:fillRef idx="3">
-          <a:scrgbClr r="0" g="0" b="0"/>
-        </a:fillRef>
-        <a:effectRef idx="0">
-          <a:scrgbClr r="0" g="0" b="0"/>
-        </a:effectRef>
-        <a:fontRef idx="minor">
-          <a:schemeClr val="tx1"/>
-        </a:fontRef>
-      </dsp:style>
-      <dsp:txBody>
-        <a:bodyPr spcFirstLastPara="0" vert="horz" wrap="square" lIns="71120" tIns="71120" rIns="71120" bIns="71120" numCol="1" spcCol="1270" anchor="ctr" anchorCtr="0">
-          <a:noAutofit/>
-        </a:bodyPr>
-        <a:lstStyle/>
-        <a:p>
-          <a:pPr marL="0" lvl="0" indent="0" algn="ctr" defTabSz="2489200">
-            <a:lnSpc>
-              <a:spcPct val="90000"/>
-            </a:lnSpc>
-            <a:spcBef>
-              <a:spcPct val="0"/>
-            </a:spcBef>
-            <a:spcAft>
-              <a:spcPct val="35000"/>
-            </a:spcAft>
-            <a:buNone/>
-          </a:pPr>
-          <a:r>
-            <a:rPr lang="en-US" sz="5600" kern="1200" dirty="0"/>
-            <a:t>Pester</a:t>
-          </a:r>
-        </a:p>
-      </dsp:txBody>
-      <dsp:txXfrm>
-        <a:off x="4257526" y="1817307"/>
-        <a:ext cx="2062366" cy="2062366"/>
-      </dsp:txXfrm>
-    </dsp:sp>
-    <dsp:sp modelId="{29742DFD-CA7F-47CE-852F-C43FF73D4AE0}">
-      <dsp:nvSpPr>
-        <dsp:cNvPr id="0" name=""/>
-        <dsp:cNvSpPr/>
-      </dsp:nvSpPr>
-      <dsp:spPr>
-        <a:xfrm>
-          <a:off x="4559552" y="221795"/>
-          <a:ext cx="1458313" cy="1458313"/>
-        </a:xfrm>
-        <a:prstGeom prst="ellipse">
-          <a:avLst/>
-        </a:prstGeom>
-        <a:gradFill rotWithShape="0">
-          <a:gsLst>
-            <a:gs pos="0">
-              <a:schemeClr val="accent1">
-                <a:alpha val="50000"/>
-                <a:hueOff val="0"/>
-                <a:satOff val="0"/>
-                <a:lumOff val="0"/>
-                <a:alphaOff val="0"/>
-                <a:tint val="100000"/>
-                <a:shade val="100000"/>
-                <a:satMod val="130000"/>
-              </a:schemeClr>
-            </a:gs>
-            <a:gs pos="100000">
-              <a:schemeClr val="accent1">
-                <a:alpha val="50000"/>
-                <a:hueOff val="0"/>
-                <a:satOff val="0"/>
-                <a:lumOff val="0"/>
-                <a:alphaOff val="0"/>
-                <a:tint val="50000"/>
-                <a:shade val="100000"/>
-                <a:satMod val="350000"/>
-              </a:schemeClr>
-            </a:gs>
-          </a:gsLst>
-          <a:lin ang="16200000" scaled="0"/>
-        </a:gradFill>
-        <a:ln>
-          <a:noFill/>
-        </a:ln>
-        <a:effectLst/>
-      </dsp:spPr>
-      <dsp:style>
-        <a:lnRef idx="0">
-          <a:scrgbClr r="0" g="0" b="0"/>
-        </a:lnRef>
-        <a:fillRef idx="3">
-          <a:scrgbClr r="0" g="0" b="0"/>
-        </a:fillRef>
-        <a:effectRef idx="0">
-          <a:scrgbClr r="0" g="0" b="0"/>
-        </a:effectRef>
-        <a:fontRef idx="minor">
-          <a:schemeClr val="tx1"/>
-        </a:fontRef>
-      </dsp:style>
-      <dsp:txBody>
-        <a:bodyPr spcFirstLastPara="0" vert="horz" wrap="square" lIns="19050" tIns="19050" rIns="19050" bIns="19050" numCol="1" spcCol="1270" anchor="ctr" anchorCtr="0">
-          <a:noAutofit/>
-        </a:bodyPr>
-        <a:lstStyle/>
-        <a:p>
-          <a:pPr marL="0" lvl="0" indent="0" algn="ctr" defTabSz="666750">
-            <a:lnSpc>
-              <a:spcPct val="90000"/>
-            </a:lnSpc>
-            <a:spcBef>
-              <a:spcPct val="0"/>
-            </a:spcBef>
-            <a:spcAft>
-              <a:spcPct val="35000"/>
-            </a:spcAft>
-            <a:buNone/>
-          </a:pPr>
-          <a:r>
-            <a:rPr lang="en-US" sz="1500" kern="1200"/>
-            <a:t>BDD Testing </a:t>
-          </a:r>
-          <a:r>
-            <a:rPr lang="en-US" sz="1500" kern="1200" dirty="0"/>
-            <a:t>Framework</a:t>
-          </a:r>
-        </a:p>
-      </dsp:txBody>
-      <dsp:txXfrm>
-        <a:off x="4773117" y="435360"/>
-        <a:ext cx="1031183" cy="1031183"/>
-      </dsp:txXfrm>
-    </dsp:sp>
-    <dsp:sp modelId="{C2ECF1F8-453F-4432-8496-AE0901FDFFC1}">
-      <dsp:nvSpPr>
-        <dsp:cNvPr id="0" name=""/>
-        <dsp:cNvSpPr/>
-      </dsp:nvSpPr>
-      <dsp:spPr>
-        <a:xfrm>
-          <a:off x="6202869" y="3068103"/>
-          <a:ext cx="1458313" cy="1458313"/>
-        </a:xfrm>
-        <a:prstGeom prst="ellipse">
-          <a:avLst/>
-        </a:prstGeom>
-        <a:gradFill rotWithShape="0">
-          <a:gsLst>
-            <a:gs pos="0">
-              <a:schemeClr val="accent1">
-                <a:alpha val="50000"/>
-                <a:hueOff val="0"/>
-                <a:satOff val="0"/>
-                <a:lumOff val="0"/>
-                <a:alphaOff val="0"/>
-                <a:tint val="100000"/>
-                <a:shade val="100000"/>
-                <a:satMod val="130000"/>
-              </a:schemeClr>
-            </a:gs>
-            <a:gs pos="100000">
-              <a:schemeClr val="accent1">
-                <a:alpha val="50000"/>
-                <a:hueOff val="0"/>
-                <a:satOff val="0"/>
-                <a:lumOff val="0"/>
-                <a:alphaOff val="0"/>
-                <a:tint val="50000"/>
-                <a:shade val="100000"/>
-                <a:satMod val="350000"/>
-              </a:schemeClr>
-            </a:gs>
-          </a:gsLst>
-          <a:lin ang="16200000" scaled="0"/>
-        </a:gradFill>
-        <a:ln>
-          <a:noFill/>
-        </a:ln>
-        <a:effectLst/>
-      </dsp:spPr>
-      <dsp:style>
-        <a:lnRef idx="0">
-          <a:scrgbClr r="0" g="0" b="0"/>
-        </a:lnRef>
-        <a:fillRef idx="3">
-          <a:scrgbClr r="0" g="0" b="0"/>
-        </a:fillRef>
-        <a:effectRef idx="0">
-          <a:scrgbClr r="0" g="0" b="0"/>
-        </a:effectRef>
-        <a:fontRef idx="minor">
-          <a:schemeClr val="tx1"/>
-        </a:fontRef>
-      </dsp:style>
-      <dsp:txBody>
-        <a:bodyPr spcFirstLastPara="0" vert="horz" wrap="square" lIns="19050" tIns="19050" rIns="19050" bIns="19050" numCol="1" spcCol="1270" anchor="ctr" anchorCtr="0">
-          <a:noAutofit/>
-        </a:bodyPr>
-        <a:lstStyle/>
-        <a:p>
-          <a:pPr marL="0" lvl="0" indent="0" algn="ctr" defTabSz="666750">
-            <a:lnSpc>
-              <a:spcPct val="90000"/>
-            </a:lnSpc>
-            <a:spcBef>
-              <a:spcPct val="0"/>
-            </a:spcBef>
-            <a:spcAft>
-              <a:spcPct val="35000"/>
-            </a:spcAft>
-            <a:buNone/>
-          </a:pPr>
-          <a:endParaRPr lang="en-US" sz="1500" kern="1200" dirty="0"/>
-        </a:p>
-      </dsp:txBody>
-      <dsp:txXfrm>
-        <a:off x="6416434" y="3281668"/>
-        <a:ext cx="1031183" cy="1031183"/>
-      </dsp:txXfrm>
-    </dsp:sp>
-    <dsp:sp modelId="{1C665733-C199-462C-9A6F-32DD4AC505A4}">
-      <dsp:nvSpPr>
-        <dsp:cNvPr id="0" name=""/>
-        <dsp:cNvSpPr/>
-      </dsp:nvSpPr>
-      <dsp:spPr>
-        <a:xfrm>
-          <a:off x="2916236" y="3068103"/>
-          <a:ext cx="1458313" cy="1458313"/>
-        </a:xfrm>
-        <a:prstGeom prst="ellipse">
-          <a:avLst/>
-        </a:prstGeom>
-        <a:gradFill rotWithShape="0">
-          <a:gsLst>
-            <a:gs pos="0">
-              <a:schemeClr val="accent1">
-                <a:alpha val="50000"/>
-                <a:hueOff val="0"/>
-                <a:satOff val="0"/>
-                <a:lumOff val="0"/>
-                <a:alphaOff val="0"/>
-                <a:tint val="100000"/>
-                <a:shade val="100000"/>
-                <a:satMod val="130000"/>
-              </a:schemeClr>
-            </a:gs>
-            <a:gs pos="100000">
-              <a:schemeClr val="accent1">
-                <a:alpha val="50000"/>
-                <a:hueOff val="0"/>
-                <a:satOff val="0"/>
-                <a:lumOff val="0"/>
-                <a:alphaOff val="0"/>
-                <a:tint val="50000"/>
-                <a:shade val="100000"/>
-                <a:satMod val="350000"/>
-              </a:schemeClr>
-            </a:gs>
-          </a:gsLst>
-          <a:lin ang="16200000" scaled="0"/>
-        </a:gradFill>
-        <a:ln>
-          <a:noFill/>
-        </a:ln>
-        <a:effectLst/>
-      </dsp:spPr>
-      <dsp:style>
-        <a:lnRef idx="0">
-          <a:scrgbClr r="0" g="0" b="0"/>
-        </a:lnRef>
-        <a:fillRef idx="3">
-          <a:scrgbClr r="0" g="0" b="0"/>
-        </a:fillRef>
-        <a:effectRef idx="0">
-          <a:scrgbClr r="0" g="0" b="0"/>
-        </a:effectRef>
-        <a:fontRef idx="minor">
-          <a:schemeClr val="tx1"/>
-        </a:fontRef>
-      </dsp:style>
-      <dsp:txBody>
-        <a:bodyPr spcFirstLastPara="0" vert="horz" wrap="square" lIns="19050" tIns="19050" rIns="19050" bIns="19050" numCol="1" spcCol="1270" anchor="ctr" anchorCtr="0">
-          <a:noAutofit/>
-        </a:bodyPr>
-        <a:lstStyle/>
-        <a:p>
-          <a:pPr marL="0" lvl="0" indent="0" algn="ctr" defTabSz="666750">
-            <a:lnSpc>
-              <a:spcPct val="90000"/>
-            </a:lnSpc>
-            <a:spcBef>
-              <a:spcPct val="0"/>
-            </a:spcBef>
-            <a:spcAft>
-              <a:spcPct val="35000"/>
-            </a:spcAft>
-            <a:buNone/>
-          </a:pPr>
-          <a:r>
-            <a:rPr lang="en-US" sz="1500" kern="1200" dirty="0"/>
-            <a:t>Produces Test Results Artifact</a:t>
-          </a:r>
-        </a:p>
-      </dsp:txBody>
-      <dsp:txXfrm>
-        <a:off x="3129801" y="3281668"/>
-        <a:ext cx="1031183" cy="1031183"/>
-      </dsp:txXfrm>
-    </dsp:sp>
-  </dsp:spTree>
-</dsp:drawing>
-</file>
-
-<file path=ppt/diagrams/drawing7.xml><?xml version="1.0" encoding="utf-8"?>
+<file path=ppt/diagrams/drawing5.xml><?xml version="1.0" encoding="utf-8"?>
 <dsp:drawing xmlns:dgm="http://schemas.openxmlformats.org/drawingml/2006/diagram" xmlns:dsp="http://schemas.microsoft.com/office/drawing/2008/diagram" xmlns:a="http://schemas.openxmlformats.org/drawingml/2006/main">
   <dsp:spTree>
     <dsp:nvGrpSpPr>
@@ -14860,7 +12202,7 @@
 </dsp:drawing>
 </file>
 
-<file path=ppt/diagrams/drawing8.xml><?xml version="1.0" encoding="utf-8"?>
+<file path=ppt/diagrams/drawing6.xml><?xml version="1.0" encoding="utf-8"?>
 <dsp:drawing xmlns:dgm="http://schemas.openxmlformats.org/drawingml/2006/diagram" xmlns:dsp="http://schemas.microsoft.com/office/drawing/2008/diagram" xmlns:a="http://schemas.openxmlformats.org/drawingml/2006/main">
   <dsp:spTree>
     <dsp:nvGrpSpPr>
@@ -15550,7 +12892,7 @@
 </dsp:drawing>
 </file>
 
-<file path=ppt/diagrams/drawing9.xml><?xml version="1.0" encoding="utf-8"?>
+<file path=ppt/diagrams/drawing7.xml><?xml version="1.0" encoding="utf-8"?>
 <dsp:drawing xmlns:dgm="http://schemas.openxmlformats.org/drawingml/2006/diagram" xmlns:dsp="http://schemas.microsoft.com/office/drawing/2008/diagram" xmlns:a="http://schemas.openxmlformats.org/drawingml/2006/main">
   <dsp:spTree>
     <dsp:nvGrpSpPr>
@@ -19027,197 +16369,6 @@
 </file>
 
 <file path=ppt/diagrams/layout3.xml><?xml version="1.0" encoding="utf-8"?>
-<dgm:layoutDef xmlns:dgm="http://schemas.openxmlformats.org/drawingml/2006/diagram" xmlns:a="http://schemas.openxmlformats.org/drawingml/2006/main" uniqueId="urn:microsoft.com/office/officeart/2005/8/layout/radial3">
-  <dgm:title val=""/>
-  <dgm:desc val=""/>
-  <dgm:catLst>
-    <dgm:cat type="relationship" pri="31000"/>
-    <dgm:cat type="cycle" pri="12000"/>
-  </dgm:catLst>
-  <dgm:sampData>
-    <dgm:dataModel>
-      <dgm:ptLst>
-        <dgm:pt modelId="0" type="doc"/>
-        <dgm:pt modelId="1">
-          <dgm:prSet phldr="1"/>
-        </dgm:pt>
-        <dgm:pt modelId="11">
-          <dgm:prSet phldr="1"/>
-        </dgm:pt>
-        <dgm:pt modelId="12">
-          <dgm:prSet phldr="1"/>
-        </dgm:pt>
-        <dgm:pt modelId="13">
-          <dgm:prSet phldr="1"/>
-        </dgm:pt>
-        <dgm:pt modelId="14">
-          <dgm:prSet phldr="1"/>
-        </dgm:pt>
-      </dgm:ptLst>
-      <dgm:cxnLst>
-        <dgm:cxn modelId="2" srcId="0" destId="1" srcOrd="0" destOrd="0"/>
-        <dgm:cxn modelId="3" srcId="1" destId="11" srcOrd="0" destOrd="0"/>
-        <dgm:cxn modelId="4" srcId="1" destId="12" srcOrd="1" destOrd="0"/>
-        <dgm:cxn modelId="5" srcId="1" destId="13" srcOrd="2" destOrd="0"/>
-        <dgm:cxn modelId="6" srcId="1" destId="14" srcOrd="3" destOrd="0"/>
-      </dgm:cxnLst>
-      <dgm:bg/>
-      <dgm:whole/>
-    </dgm:dataModel>
-  </dgm:sampData>
-  <dgm:styleData>
-    <dgm:dataModel>
-      <dgm:ptLst>
-        <dgm:pt modelId="0" type="doc"/>
-        <dgm:pt modelId="1"/>
-        <dgm:pt modelId="11"/>
-        <dgm:pt modelId="12"/>
-        <dgm:pt modelId="13"/>
-      </dgm:ptLst>
-      <dgm:cxnLst>
-        <dgm:cxn modelId="2" srcId="0" destId="1" srcOrd="0" destOrd="0"/>
-        <dgm:cxn modelId="15" srcId="1" destId="11" srcOrd="0" destOrd="0"/>
-        <dgm:cxn modelId="16" srcId="1" destId="12" srcOrd="1" destOrd="0"/>
-        <dgm:cxn modelId="17" srcId="1" destId="13" srcOrd="2" destOrd="0"/>
-      </dgm:cxnLst>
-      <dgm:bg/>
-      <dgm:whole/>
-    </dgm:dataModel>
-  </dgm:styleData>
-  <dgm:clrData>
-    <dgm:dataModel>
-      <dgm:ptLst>
-        <dgm:pt modelId="0" type="doc"/>
-        <dgm:pt modelId="1"/>
-        <dgm:pt modelId="11"/>
-        <dgm:pt modelId="12"/>
-        <dgm:pt modelId="13"/>
-        <dgm:pt modelId="14"/>
-        <dgm:pt modelId="15"/>
-        <dgm:pt modelId="16"/>
-      </dgm:ptLst>
-      <dgm:cxnLst>
-        <dgm:cxn modelId="2" srcId="0" destId="1" srcOrd="0" destOrd="0"/>
-        <dgm:cxn modelId="16" srcId="1" destId="11" srcOrd="0" destOrd="0"/>
-        <dgm:cxn modelId="17" srcId="1" destId="12" srcOrd="1" destOrd="0"/>
-        <dgm:cxn modelId="18" srcId="1" destId="13" srcOrd="2" destOrd="0"/>
-        <dgm:cxn modelId="19" srcId="1" destId="14" srcOrd="3" destOrd="0"/>
-        <dgm:cxn modelId="20" srcId="1" destId="15" srcOrd="4" destOrd="0"/>
-        <dgm:cxn modelId="21" srcId="1" destId="16" srcOrd="5" destOrd="0"/>
-      </dgm:cxnLst>
-      <dgm:bg/>
-      <dgm:whole/>
-    </dgm:dataModel>
-  </dgm:clrData>
-  <dgm:layoutNode name="composite">
-    <dgm:varLst>
-      <dgm:chMax val="1"/>
-      <dgm:dir/>
-      <dgm:resizeHandles val="exact"/>
-    </dgm:varLst>
-    <dgm:alg type="composite">
-      <dgm:param type="ar" val="1"/>
-    </dgm:alg>
-    <dgm:shape xmlns:r="http://schemas.openxmlformats.org/officeDocument/2006/relationships" r:blip="">
-      <dgm:adjLst/>
-    </dgm:shape>
-    <dgm:presOf/>
-    <dgm:constrLst/>
-    <dgm:ruleLst/>
-    <dgm:layoutNode name="radial">
-      <dgm:varLst>
-        <dgm:animLvl val="ctr"/>
-      </dgm:varLst>
-      <dgm:choose name="Name0">
-        <dgm:if name="Name1" func="var" arg="dir" op="equ" val="norm">
-          <dgm:choose name="Name2">
-            <dgm:if name="Name3" axis="ch ch" ptType="node node" st="1 1" cnt="1 0" func="cnt" op="lte" val="1">
-              <dgm:alg type="cycle">
-                <dgm:param type="stAng" val="90"/>
-                <dgm:param type="spanAng" val="360"/>
-                <dgm:param type="ctrShpMap" val="fNode"/>
-              </dgm:alg>
-            </dgm:if>
-            <dgm:else name="Name4">
-              <dgm:alg type="cycle">
-                <dgm:param type="stAng" val="0"/>
-                <dgm:param type="spanAng" val="360"/>
-                <dgm:param type="ctrShpMap" val="fNode"/>
-              </dgm:alg>
-            </dgm:else>
-          </dgm:choose>
-        </dgm:if>
-        <dgm:else name="Name5">
-          <dgm:alg type="cycle">
-            <dgm:param type="stAng" val="0"/>
-            <dgm:param type="spanAng" val="-360"/>
-            <dgm:param type="ctrShpMap" val="fNode"/>
-          </dgm:alg>
-        </dgm:else>
-      </dgm:choose>
-      <dgm:shape xmlns:r="http://schemas.openxmlformats.org/officeDocument/2006/relationships" r:blip="">
-        <dgm:adjLst/>
-      </dgm:shape>
-      <dgm:presOf/>
-      <dgm:constrLst>
-        <dgm:constr type="w" for="ch" forName="centerShape" refType="w"/>
-        <dgm:constr type="h" for="ch" forName="centerShape" refType="h"/>
-        <dgm:constr type="w" for="ch" forName="node" refType="w" fact="0.5"/>
-        <dgm:constr type="h" for="ch" forName="node" refType="h" fact="0.5"/>
-        <dgm:constr type="sp" refType="w" refFor="ch" refForName="node" fact="-0.2"/>
-        <dgm:constr type="sibSp" refType="w" refFor="ch" refForName="node" fact="-0.2"/>
-        <dgm:constr type="primFontSz" for="ch" forName="centerShape" val="65"/>
-        <dgm:constr type="primFontSz" for="des" forName="node" val="65"/>
-        <dgm:constr type="primFontSz" for="ch" forName="node" refType="primFontSz" refFor="ch" refForName="centerShape" op="lte"/>
-      </dgm:constrLst>
-      <dgm:ruleLst/>
-      <dgm:forEach name="Name6" axis="ch" ptType="node" cnt="1">
-        <dgm:layoutNode name="centerShape" styleLbl="vennNode1">
-          <dgm:alg type="tx"/>
-          <dgm:shape xmlns:r="http://schemas.openxmlformats.org/officeDocument/2006/relationships" type="ellipse" r:blip="">
-            <dgm:adjLst/>
-          </dgm:shape>
-          <dgm:presOf axis="self"/>
-          <dgm:constrLst>
-            <dgm:constr type="tMarg" refType="primFontSz" fact="0.1"/>
-            <dgm:constr type="bMarg" refType="primFontSz" fact="0.1"/>
-            <dgm:constr type="lMarg" refType="primFontSz" fact="0.1"/>
-            <dgm:constr type="rMarg" refType="primFontSz" fact="0.1"/>
-          </dgm:constrLst>
-          <dgm:ruleLst>
-            <dgm:rule type="primFontSz" val="5" fact="NaN" max="NaN"/>
-          </dgm:ruleLst>
-        </dgm:layoutNode>
-        <dgm:forEach name="Name7" axis="ch" ptType="node">
-          <dgm:layoutNode name="node" styleLbl="vennNode1">
-            <dgm:varLst>
-              <dgm:bulletEnabled val="1"/>
-            </dgm:varLst>
-            <dgm:alg type="tx">
-              <dgm:param type="txAnchorVertCh" val="mid"/>
-            </dgm:alg>
-            <dgm:shape xmlns:r="http://schemas.openxmlformats.org/officeDocument/2006/relationships" type="ellipse" r:blip="">
-              <dgm:adjLst/>
-            </dgm:shape>
-            <dgm:presOf axis="desOrSelf" ptType="node"/>
-            <dgm:constrLst>
-              <dgm:constr type="tMarg" refType="primFontSz" fact="0.1"/>
-              <dgm:constr type="bMarg" refType="primFontSz" fact="0.1"/>
-              <dgm:constr type="lMarg" refType="primFontSz" fact="0.1"/>
-              <dgm:constr type="rMarg" refType="primFontSz" fact="0.1"/>
-            </dgm:constrLst>
-            <dgm:ruleLst>
-              <dgm:rule type="primFontSz" val="5" fact="NaN" max="NaN"/>
-            </dgm:ruleLst>
-          </dgm:layoutNode>
-        </dgm:forEach>
-      </dgm:forEach>
-    </dgm:layoutNode>
-  </dgm:layoutNode>
-</dgm:layoutDef>
-</file>
-
-<file path=ppt/diagrams/layout4.xml><?xml version="1.0" encoding="utf-8"?>
 <dgm:layoutDef xmlns:dgm="http://schemas.openxmlformats.org/drawingml/2006/diagram" xmlns:a="http://schemas.openxmlformats.org/drawingml/2006/main" uniqueId="urn:microsoft.com/office/officeart/2005/8/layout/lProcess2">
   <dgm:title val=""/>
   <dgm:desc val=""/>
@@ -19444,7 +16595,7 @@
 </dgm:layoutDef>
 </file>
 
-<file path=ppt/diagrams/layout5.xml><?xml version="1.0" encoding="utf-8"?>
+<file path=ppt/diagrams/layout4.xml><?xml version="1.0" encoding="utf-8"?>
 <dgm:layoutDef xmlns:dgm="http://schemas.openxmlformats.org/drawingml/2006/diagram" xmlns:a="http://schemas.openxmlformats.org/drawingml/2006/main" uniqueId="urn:microsoft.com/office/officeart/2008/layout/LinedList">
   <dgm:title val=""/>
   <dgm:desc val=""/>
@@ -19910,198 +17061,7 @@
 </dgm:layoutDef>
 </file>
 
-<file path=ppt/diagrams/layout6.xml><?xml version="1.0" encoding="utf-8"?>
-<dgm:layoutDef xmlns:dgm="http://schemas.openxmlformats.org/drawingml/2006/diagram" xmlns:a="http://schemas.openxmlformats.org/drawingml/2006/main" uniqueId="urn:microsoft.com/office/officeart/2005/8/layout/radial3">
-  <dgm:title val=""/>
-  <dgm:desc val=""/>
-  <dgm:catLst>
-    <dgm:cat type="relationship" pri="31000"/>
-    <dgm:cat type="cycle" pri="12000"/>
-  </dgm:catLst>
-  <dgm:sampData>
-    <dgm:dataModel>
-      <dgm:ptLst>
-        <dgm:pt modelId="0" type="doc"/>
-        <dgm:pt modelId="1">
-          <dgm:prSet phldr="1"/>
-        </dgm:pt>
-        <dgm:pt modelId="11">
-          <dgm:prSet phldr="1"/>
-        </dgm:pt>
-        <dgm:pt modelId="12">
-          <dgm:prSet phldr="1"/>
-        </dgm:pt>
-        <dgm:pt modelId="13">
-          <dgm:prSet phldr="1"/>
-        </dgm:pt>
-        <dgm:pt modelId="14">
-          <dgm:prSet phldr="1"/>
-        </dgm:pt>
-      </dgm:ptLst>
-      <dgm:cxnLst>
-        <dgm:cxn modelId="2" srcId="0" destId="1" srcOrd="0" destOrd="0"/>
-        <dgm:cxn modelId="3" srcId="1" destId="11" srcOrd="0" destOrd="0"/>
-        <dgm:cxn modelId="4" srcId="1" destId="12" srcOrd="1" destOrd="0"/>
-        <dgm:cxn modelId="5" srcId="1" destId="13" srcOrd="2" destOrd="0"/>
-        <dgm:cxn modelId="6" srcId="1" destId="14" srcOrd="3" destOrd="0"/>
-      </dgm:cxnLst>
-      <dgm:bg/>
-      <dgm:whole/>
-    </dgm:dataModel>
-  </dgm:sampData>
-  <dgm:styleData>
-    <dgm:dataModel>
-      <dgm:ptLst>
-        <dgm:pt modelId="0" type="doc"/>
-        <dgm:pt modelId="1"/>
-        <dgm:pt modelId="11"/>
-        <dgm:pt modelId="12"/>
-        <dgm:pt modelId="13"/>
-      </dgm:ptLst>
-      <dgm:cxnLst>
-        <dgm:cxn modelId="2" srcId="0" destId="1" srcOrd="0" destOrd="0"/>
-        <dgm:cxn modelId="15" srcId="1" destId="11" srcOrd="0" destOrd="0"/>
-        <dgm:cxn modelId="16" srcId="1" destId="12" srcOrd="1" destOrd="0"/>
-        <dgm:cxn modelId="17" srcId="1" destId="13" srcOrd="2" destOrd="0"/>
-      </dgm:cxnLst>
-      <dgm:bg/>
-      <dgm:whole/>
-    </dgm:dataModel>
-  </dgm:styleData>
-  <dgm:clrData>
-    <dgm:dataModel>
-      <dgm:ptLst>
-        <dgm:pt modelId="0" type="doc"/>
-        <dgm:pt modelId="1"/>
-        <dgm:pt modelId="11"/>
-        <dgm:pt modelId="12"/>
-        <dgm:pt modelId="13"/>
-        <dgm:pt modelId="14"/>
-        <dgm:pt modelId="15"/>
-        <dgm:pt modelId="16"/>
-      </dgm:ptLst>
-      <dgm:cxnLst>
-        <dgm:cxn modelId="2" srcId="0" destId="1" srcOrd="0" destOrd="0"/>
-        <dgm:cxn modelId="16" srcId="1" destId="11" srcOrd="0" destOrd="0"/>
-        <dgm:cxn modelId="17" srcId="1" destId="12" srcOrd="1" destOrd="0"/>
-        <dgm:cxn modelId="18" srcId="1" destId="13" srcOrd="2" destOrd="0"/>
-        <dgm:cxn modelId="19" srcId="1" destId="14" srcOrd="3" destOrd="0"/>
-        <dgm:cxn modelId="20" srcId="1" destId="15" srcOrd="4" destOrd="0"/>
-        <dgm:cxn modelId="21" srcId="1" destId="16" srcOrd="5" destOrd="0"/>
-      </dgm:cxnLst>
-      <dgm:bg/>
-      <dgm:whole/>
-    </dgm:dataModel>
-  </dgm:clrData>
-  <dgm:layoutNode name="composite">
-    <dgm:varLst>
-      <dgm:chMax val="1"/>
-      <dgm:dir/>
-      <dgm:resizeHandles val="exact"/>
-    </dgm:varLst>
-    <dgm:alg type="composite">
-      <dgm:param type="ar" val="1"/>
-    </dgm:alg>
-    <dgm:shape xmlns:r="http://schemas.openxmlformats.org/officeDocument/2006/relationships" r:blip="">
-      <dgm:adjLst/>
-    </dgm:shape>
-    <dgm:presOf/>
-    <dgm:constrLst/>
-    <dgm:ruleLst/>
-    <dgm:layoutNode name="radial">
-      <dgm:varLst>
-        <dgm:animLvl val="ctr"/>
-      </dgm:varLst>
-      <dgm:choose name="Name0">
-        <dgm:if name="Name1" func="var" arg="dir" op="equ" val="norm">
-          <dgm:choose name="Name2">
-            <dgm:if name="Name3" axis="ch ch" ptType="node node" st="1 1" cnt="1 0" func="cnt" op="lte" val="1">
-              <dgm:alg type="cycle">
-                <dgm:param type="stAng" val="90"/>
-                <dgm:param type="spanAng" val="360"/>
-                <dgm:param type="ctrShpMap" val="fNode"/>
-              </dgm:alg>
-            </dgm:if>
-            <dgm:else name="Name4">
-              <dgm:alg type="cycle">
-                <dgm:param type="stAng" val="0"/>
-                <dgm:param type="spanAng" val="360"/>
-                <dgm:param type="ctrShpMap" val="fNode"/>
-              </dgm:alg>
-            </dgm:else>
-          </dgm:choose>
-        </dgm:if>
-        <dgm:else name="Name5">
-          <dgm:alg type="cycle">
-            <dgm:param type="stAng" val="0"/>
-            <dgm:param type="spanAng" val="-360"/>
-            <dgm:param type="ctrShpMap" val="fNode"/>
-          </dgm:alg>
-        </dgm:else>
-      </dgm:choose>
-      <dgm:shape xmlns:r="http://schemas.openxmlformats.org/officeDocument/2006/relationships" r:blip="">
-        <dgm:adjLst/>
-      </dgm:shape>
-      <dgm:presOf/>
-      <dgm:constrLst>
-        <dgm:constr type="w" for="ch" forName="centerShape" refType="w"/>
-        <dgm:constr type="h" for="ch" forName="centerShape" refType="h"/>
-        <dgm:constr type="w" for="ch" forName="node" refType="w" fact="0.5"/>
-        <dgm:constr type="h" for="ch" forName="node" refType="h" fact="0.5"/>
-        <dgm:constr type="sp" refType="w" refFor="ch" refForName="node" fact="-0.2"/>
-        <dgm:constr type="sibSp" refType="w" refFor="ch" refForName="node" fact="-0.2"/>
-        <dgm:constr type="primFontSz" for="ch" forName="centerShape" val="65"/>
-        <dgm:constr type="primFontSz" for="des" forName="node" val="65"/>
-        <dgm:constr type="primFontSz" for="ch" forName="node" refType="primFontSz" refFor="ch" refForName="centerShape" op="lte"/>
-      </dgm:constrLst>
-      <dgm:ruleLst/>
-      <dgm:forEach name="Name6" axis="ch" ptType="node" cnt="1">
-        <dgm:layoutNode name="centerShape" styleLbl="vennNode1">
-          <dgm:alg type="tx"/>
-          <dgm:shape xmlns:r="http://schemas.openxmlformats.org/officeDocument/2006/relationships" type="ellipse" r:blip="">
-            <dgm:adjLst/>
-          </dgm:shape>
-          <dgm:presOf axis="self"/>
-          <dgm:constrLst>
-            <dgm:constr type="tMarg" refType="primFontSz" fact="0.1"/>
-            <dgm:constr type="bMarg" refType="primFontSz" fact="0.1"/>
-            <dgm:constr type="lMarg" refType="primFontSz" fact="0.1"/>
-            <dgm:constr type="rMarg" refType="primFontSz" fact="0.1"/>
-          </dgm:constrLst>
-          <dgm:ruleLst>
-            <dgm:rule type="primFontSz" val="5" fact="NaN" max="NaN"/>
-          </dgm:ruleLst>
-        </dgm:layoutNode>
-        <dgm:forEach name="Name7" axis="ch" ptType="node">
-          <dgm:layoutNode name="node" styleLbl="vennNode1">
-            <dgm:varLst>
-              <dgm:bulletEnabled val="1"/>
-            </dgm:varLst>
-            <dgm:alg type="tx">
-              <dgm:param type="txAnchorVertCh" val="mid"/>
-            </dgm:alg>
-            <dgm:shape xmlns:r="http://schemas.openxmlformats.org/officeDocument/2006/relationships" type="ellipse" r:blip="">
-              <dgm:adjLst/>
-            </dgm:shape>
-            <dgm:presOf axis="desOrSelf" ptType="node"/>
-            <dgm:constrLst>
-              <dgm:constr type="tMarg" refType="primFontSz" fact="0.1"/>
-              <dgm:constr type="bMarg" refType="primFontSz" fact="0.1"/>
-              <dgm:constr type="lMarg" refType="primFontSz" fact="0.1"/>
-              <dgm:constr type="rMarg" refType="primFontSz" fact="0.1"/>
-            </dgm:constrLst>
-            <dgm:ruleLst>
-              <dgm:rule type="primFontSz" val="5" fact="NaN" max="NaN"/>
-            </dgm:ruleLst>
-          </dgm:layoutNode>
-        </dgm:forEach>
-      </dgm:forEach>
-    </dgm:layoutNode>
-  </dgm:layoutNode>
-</dgm:layoutDef>
-</file>
-
-<file path=ppt/diagrams/layout7.xml><?xml version="1.0" encoding="utf-8"?>
+<file path=ppt/diagrams/layout5.xml><?xml version="1.0" encoding="utf-8"?>
 <dgm:layoutDef xmlns:dgm="http://schemas.openxmlformats.org/drawingml/2006/diagram" xmlns:a="http://schemas.openxmlformats.org/drawingml/2006/main" uniqueId="urn:microsoft.com/office/officeart/2005/8/layout/vList5">
   <dgm:title val=""/>
   <dgm:desc val=""/>
@@ -20334,7 +17294,7 @@
 </dgm:layoutDef>
 </file>
 
-<file path=ppt/diagrams/layout8.xml><?xml version="1.0" encoding="utf-8"?>
+<file path=ppt/diagrams/layout6.xml><?xml version="1.0" encoding="utf-8"?>
 <dgm:layoutDef xmlns:dgm="http://schemas.openxmlformats.org/drawingml/2006/diagram" xmlns:a="http://schemas.openxmlformats.org/drawingml/2006/main" uniqueId="urn:microsoft.com/office/officeart/2005/8/layout/hList1">
   <dgm:title val=""/>
   <dgm:desc val=""/>
@@ -20551,7 +17511,7 @@
 </dgm:layoutDef>
 </file>
 
-<file path=ppt/diagrams/layout9.xml><?xml version="1.0" encoding="utf-8"?>
+<file path=ppt/diagrams/layout7.xml><?xml version="1.0" encoding="utf-8"?>
 <dgm:layoutDef xmlns:dgm="http://schemas.openxmlformats.org/drawingml/2006/diagram" xmlns:a="http://schemas.openxmlformats.org/drawingml/2006/main" uniqueId="urn:microsoft.com/office/officeart/2005/8/layout/process3">
   <dgm:title val=""/>
   <dgm:desc val=""/>
@@ -23175,1336 +20135,6 @@
 </file>
 
 <file path=ppt/diagrams/quickStyle3.xml><?xml version="1.0" encoding="utf-8"?>
-<dgm:styleDef xmlns:dgm="http://schemas.openxmlformats.org/drawingml/2006/diagram" xmlns:a="http://schemas.openxmlformats.org/drawingml/2006/main" uniqueId="urn:microsoft.com/office/officeart/2005/8/quickstyle/3d3">
-  <dgm:title val=""/>
-  <dgm:desc val=""/>
-  <dgm:catLst>
-    <dgm:cat type="3D" pri="11300"/>
-  </dgm:catLst>
-  <dgm:scene3d>
-    <a:camera prst="orthographicFront"/>
-    <a:lightRig rig="threePt" dir="t"/>
-  </dgm:scene3d>
-  <dgm:styleLbl name="node0">
-    <dgm:scene3d>
-      <a:camera prst="orthographicFront">
-        <a:rot lat="0" lon="0" rev="0"/>
-      </a:camera>
-      <a:lightRig rig="contrasting" dir="t">
-        <a:rot lat="0" lon="0" rev="1200000"/>
-      </a:lightRig>
-    </dgm:scene3d>
-    <dgm:sp3d contourW="19050" prstMaterial="metal">
-      <a:bevelT w="88900" h="203200"/>
-      <a:bevelB w="165100" h="254000"/>
-    </dgm:sp3d>
-    <dgm:txPr/>
-    <dgm:style>
-      <a:lnRef idx="0">
-        <a:scrgbClr r="0" g="0" b="0"/>
-      </a:lnRef>
-      <a:fillRef idx="1">
-        <a:scrgbClr r="0" g="0" b="0"/>
-      </a:fillRef>
-      <a:effectRef idx="1">
-        <a:scrgbClr r="0" g="0" b="0"/>
-      </a:effectRef>
-      <a:fontRef idx="minor">
-        <a:schemeClr val="lt1"/>
-      </a:fontRef>
-    </dgm:style>
-  </dgm:styleLbl>
-  <dgm:styleLbl name="lnNode1">
-    <dgm:scene3d>
-      <a:camera prst="orthographicFront">
-        <a:rot lat="0" lon="0" rev="0"/>
-      </a:camera>
-      <a:lightRig rig="contrasting" dir="t">
-        <a:rot lat="0" lon="0" rev="1200000"/>
-      </a:lightRig>
-    </dgm:scene3d>
-    <dgm:sp3d contourW="19050" prstMaterial="metal">
-      <a:bevelT w="88900" h="203200"/>
-      <a:bevelB w="165100" h="254000"/>
-    </dgm:sp3d>
-    <dgm:txPr/>
-    <dgm:style>
-      <a:lnRef idx="0">
-        <a:scrgbClr r="0" g="0" b="0"/>
-      </a:lnRef>
-      <a:fillRef idx="1">
-        <a:scrgbClr r="0" g="0" b="0"/>
-      </a:fillRef>
-      <a:effectRef idx="1">
-        <a:scrgbClr r="0" g="0" b="0"/>
-      </a:effectRef>
-      <a:fontRef idx="minor">
-        <a:schemeClr val="lt1"/>
-      </a:fontRef>
-    </dgm:style>
-  </dgm:styleLbl>
-  <dgm:styleLbl name="vennNode1">
-    <dgm:scene3d>
-      <a:camera prst="orthographicFront">
-        <a:rot lat="0" lon="0" rev="0"/>
-      </a:camera>
-      <a:lightRig rig="contrasting" dir="t">
-        <a:rot lat="0" lon="0" rev="1200000"/>
-      </a:lightRig>
-    </dgm:scene3d>
-    <dgm:sp3d contourW="12700" prstMaterial="clear">
-      <a:bevelT w="177800" h="254000"/>
-      <a:bevelB w="152400"/>
-    </dgm:sp3d>
-    <dgm:txPr/>
-    <dgm:style>
-      <a:lnRef idx="0">
-        <a:scrgbClr r="0" g="0" b="0"/>
-      </a:lnRef>
-      <a:fillRef idx="1">
-        <a:scrgbClr r="0" g="0" b="0"/>
-      </a:fillRef>
-      <a:effectRef idx="0">
-        <a:scrgbClr r="0" g="0" b="0"/>
-      </a:effectRef>
-      <a:fontRef idx="minor">
-        <a:schemeClr val="tx1"/>
-      </a:fontRef>
-    </dgm:style>
-  </dgm:styleLbl>
-  <dgm:styleLbl name="alignNode1">
-    <dgm:scene3d>
-      <a:camera prst="orthographicFront">
-        <a:rot lat="0" lon="0" rev="0"/>
-      </a:camera>
-      <a:lightRig rig="contrasting" dir="t">
-        <a:rot lat="0" lon="0" rev="1200000"/>
-      </a:lightRig>
-    </dgm:scene3d>
-    <dgm:sp3d contourW="19050" prstMaterial="metal">
-      <a:bevelT w="88900" h="203200"/>
-      <a:bevelB w="165100" h="254000"/>
-    </dgm:sp3d>
-    <dgm:txPr/>
-    <dgm:style>
-      <a:lnRef idx="0">
-        <a:scrgbClr r="0" g="0" b="0"/>
-      </a:lnRef>
-      <a:fillRef idx="1">
-        <a:scrgbClr r="0" g="0" b="0"/>
-      </a:fillRef>
-      <a:effectRef idx="2">
-        <a:scrgbClr r="0" g="0" b="0"/>
-      </a:effectRef>
-      <a:fontRef idx="minor">
-        <a:schemeClr val="lt1"/>
-      </a:fontRef>
-    </dgm:style>
-  </dgm:styleLbl>
-  <dgm:styleLbl name="node1">
-    <dgm:scene3d>
-      <a:camera prst="orthographicFront">
-        <a:rot lat="0" lon="0" rev="0"/>
-      </a:camera>
-      <a:lightRig rig="contrasting" dir="t">
-        <a:rot lat="0" lon="0" rev="1200000"/>
-      </a:lightRig>
-    </dgm:scene3d>
-    <dgm:sp3d contourW="19050" prstMaterial="metal">
-      <a:bevelT w="88900" h="203200"/>
-      <a:bevelB w="165100" h="254000"/>
-    </dgm:sp3d>
-    <dgm:txPr/>
-    <dgm:style>
-      <a:lnRef idx="0">
-        <a:scrgbClr r="0" g="0" b="0"/>
-      </a:lnRef>
-      <a:fillRef idx="1">
-        <a:scrgbClr r="0" g="0" b="0"/>
-      </a:fillRef>
-      <a:effectRef idx="2">
-        <a:scrgbClr r="0" g="0" b="0"/>
-      </a:effectRef>
-      <a:fontRef idx="minor">
-        <a:schemeClr val="lt1"/>
-      </a:fontRef>
-    </dgm:style>
-  </dgm:styleLbl>
-  <dgm:styleLbl name="node2">
-    <dgm:scene3d>
-      <a:camera prst="orthographicFront">
-        <a:rot lat="0" lon="0" rev="0"/>
-      </a:camera>
-      <a:lightRig rig="contrasting" dir="t">
-        <a:rot lat="0" lon="0" rev="1200000"/>
-      </a:lightRig>
-    </dgm:scene3d>
-    <dgm:sp3d contourW="19050" prstMaterial="metal">
-      <a:bevelT w="88900" h="203200"/>
-      <a:bevelB w="165100" h="254000"/>
-    </dgm:sp3d>
-    <dgm:txPr/>
-    <dgm:style>
-      <a:lnRef idx="0">
-        <a:scrgbClr r="0" g="0" b="0"/>
-      </a:lnRef>
-      <a:fillRef idx="1">
-        <a:scrgbClr r="0" g="0" b="0"/>
-      </a:fillRef>
-      <a:effectRef idx="1">
-        <a:scrgbClr r="0" g="0" b="0"/>
-      </a:effectRef>
-      <a:fontRef idx="minor">
-        <a:schemeClr val="lt1"/>
-      </a:fontRef>
-    </dgm:style>
-  </dgm:styleLbl>
-  <dgm:styleLbl name="node3">
-    <dgm:scene3d>
-      <a:camera prst="orthographicFront">
-        <a:rot lat="0" lon="0" rev="0"/>
-      </a:camera>
-      <a:lightRig rig="contrasting" dir="t">
-        <a:rot lat="0" lon="0" rev="1200000"/>
-      </a:lightRig>
-    </dgm:scene3d>
-    <dgm:sp3d contourW="19050" prstMaterial="metal">
-      <a:bevelT w="88900" h="203200"/>
-      <a:bevelB w="165100" h="254000"/>
-    </dgm:sp3d>
-    <dgm:txPr/>
-    <dgm:style>
-      <a:lnRef idx="0">
-        <a:scrgbClr r="0" g="0" b="0"/>
-      </a:lnRef>
-      <a:fillRef idx="1">
-        <a:scrgbClr r="0" g="0" b="0"/>
-      </a:fillRef>
-      <a:effectRef idx="1">
-        <a:scrgbClr r="0" g="0" b="0"/>
-      </a:effectRef>
-      <a:fontRef idx="minor">
-        <a:schemeClr val="lt1"/>
-      </a:fontRef>
-    </dgm:style>
-  </dgm:styleLbl>
-  <dgm:styleLbl name="node4">
-    <dgm:scene3d>
-      <a:camera prst="orthographicFront">
-        <a:rot lat="0" lon="0" rev="0"/>
-      </a:camera>
-      <a:lightRig rig="contrasting" dir="t">
-        <a:rot lat="0" lon="0" rev="1200000"/>
-      </a:lightRig>
-    </dgm:scene3d>
-    <dgm:sp3d contourW="19050" prstMaterial="metal">
-      <a:bevelT w="88900" h="203200"/>
-      <a:bevelB w="165100" h="254000"/>
-    </dgm:sp3d>
-    <dgm:txPr/>
-    <dgm:style>
-      <a:lnRef idx="0">
-        <a:scrgbClr r="0" g="0" b="0"/>
-      </a:lnRef>
-      <a:fillRef idx="1">
-        <a:scrgbClr r="0" g="0" b="0"/>
-      </a:fillRef>
-      <a:effectRef idx="1">
-        <a:scrgbClr r="0" g="0" b="0"/>
-      </a:effectRef>
-      <a:fontRef idx="minor">
-        <a:schemeClr val="lt1"/>
-      </a:fontRef>
-    </dgm:style>
-  </dgm:styleLbl>
-  <dgm:styleLbl name="fgImgPlace1">
-    <dgm:scene3d>
-      <a:camera prst="orthographicFront">
-        <a:rot lat="0" lon="0" rev="0"/>
-      </a:camera>
-      <a:lightRig rig="contrasting" dir="t">
-        <a:rot lat="0" lon="0" rev="1200000"/>
-      </a:lightRig>
-    </dgm:scene3d>
-    <dgm:sp3d z="300000" contourW="19050" prstMaterial="metal">
-      <a:bevelT w="88900" h="203200"/>
-      <a:bevelB w="165100" h="254000"/>
-    </dgm:sp3d>
-    <dgm:txPr/>
-    <dgm:style>
-      <a:lnRef idx="0">
-        <a:scrgbClr r="0" g="0" b="0"/>
-      </a:lnRef>
-      <a:fillRef idx="1">
-        <a:scrgbClr r="0" g="0" b="0"/>
-      </a:fillRef>
-      <a:effectRef idx="1">
-        <a:scrgbClr r="0" g="0" b="0"/>
-      </a:effectRef>
-      <a:fontRef idx="minor"/>
-    </dgm:style>
-  </dgm:styleLbl>
-  <dgm:styleLbl name="alignImgPlace1">
-    <dgm:scene3d>
-      <a:camera prst="orthographicFront">
-        <a:rot lat="0" lon="0" rev="0"/>
-      </a:camera>
-      <a:lightRig rig="contrasting" dir="t">
-        <a:rot lat="0" lon="0" rev="1200000"/>
-      </a:lightRig>
-    </dgm:scene3d>
-    <dgm:sp3d contourW="12700" prstMaterial="flat">
-      <a:bevelT w="177800" h="254000"/>
-      <a:bevelB w="152400"/>
-    </dgm:sp3d>
-    <dgm:txPr/>
-    <dgm:style>
-      <a:lnRef idx="0">
-        <a:scrgbClr r="0" g="0" b="0"/>
-      </a:lnRef>
-      <a:fillRef idx="1">
-        <a:scrgbClr r="0" g="0" b="0"/>
-      </a:fillRef>
-      <a:effectRef idx="1">
-        <a:scrgbClr r="0" g="0" b="0"/>
-      </a:effectRef>
-      <a:fontRef idx="minor"/>
-    </dgm:style>
-  </dgm:styleLbl>
-  <dgm:styleLbl name="bgImgPlace1">
-    <dgm:scene3d>
-      <a:camera prst="orthographicFront">
-        <a:rot lat="0" lon="0" rev="0"/>
-      </a:camera>
-      <a:lightRig rig="contrasting" dir="t">
-        <a:rot lat="0" lon="0" rev="1200000"/>
-      </a:lightRig>
-    </dgm:scene3d>
-    <dgm:sp3d z="-300000" contourW="19050" prstMaterial="metal">
-      <a:bevelT w="88900" h="203200"/>
-      <a:bevelB w="165100" h="254000"/>
-    </dgm:sp3d>
-    <dgm:txPr/>
-    <dgm:style>
-      <a:lnRef idx="0">
-        <a:scrgbClr r="0" g="0" b="0"/>
-      </a:lnRef>
-      <a:fillRef idx="1">
-        <a:scrgbClr r="0" g="0" b="0"/>
-      </a:fillRef>
-      <a:effectRef idx="1">
-        <a:scrgbClr r="0" g="0" b="0"/>
-      </a:effectRef>
-      <a:fontRef idx="minor"/>
-    </dgm:style>
-  </dgm:styleLbl>
-  <dgm:styleLbl name="sibTrans2D1">
-    <dgm:scene3d>
-      <a:camera prst="orthographicFront">
-        <a:rot lat="0" lon="0" rev="0"/>
-      </a:camera>
-      <a:lightRig rig="contrasting" dir="t">
-        <a:rot lat="0" lon="0" rev="1200000"/>
-      </a:lightRig>
-    </dgm:scene3d>
-    <dgm:sp3d z="-182000" contourW="19050" prstMaterial="metal">
-      <a:bevelT w="88900" h="203200"/>
-      <a:bevelB w="165100" h="254000"/>
-    </dgm:sp3d>
-    <dgm:txPr/>
-    <dgm:style>
-      <a:lnRef idx="0">
-        <a:scrgbClr r="0" g="0" b="0"/>
-      </a:lnRef>
-      <a:fillRef idx="1">
-        <a:scrgbClr r="0" g="0" b="0"/>
-      </a:fillRef>
-      <a:effectRef idx="0">
-        <a:scrgbClr r="0" g="0" b="0"/>
-      </a:effectRef>
-      <a:fontRef idx="minor">
-        <a:schemeClr val="lt1"/>
-      </a:fontRef>
-    </dgm:style>
-  </dgm:styleLbl>
-  <dgm:styleLbl name="fgSibTrans2D1">
-    <dgm:scene3d>
-      <a:camera prst="orthographicFront">
-        <a:rot lat="0" lon="0" rev="0"/>
-      </a:camera>
-      <a:lightRig rig="contrasting" dir="t">
-        <a:rot lat="0" lon="0" rev="1200000"/>
-      </a:lightRig>
-    </dgm:scene3d>
-    <dgm:sp3d z="300000" contourW="19050" prstMaterial="metal">
-      <a:bevelT w="88900" h="203200"/>
-      <a:bevelB w="165100" h="254000"/>
-    </dgm:sp3d>
-    <dgm:txPr/>
-    <dgm:style>
-      <a:lnRef idx="0">
-        <a:scrgbClr r="0" g="0" b="0"/>
-      </a:lnRef>
-      <a:fillRef idx="1">
-        <a:scrgbClr r="0" g="0" b="0"/>
-      </a:fillRef>
-      <a:effectRef idx="0">
-        <a:scrgbClr r="0" g="0" b="0"/>
-      </a:effectRef>
-      <a:fontRef idx="minor"/>
-    </dgm:style>
-  </dgm:styleLbl>
-  <dgm:styleLbl name="bgSibTrans2D1">
-    <dgm:scene3d>
-      <a:camera prst="orthographicFront">
-        <a:rot lat="0" lon="0" rev="0"/>
-      </a:camera>
-      <a:lightRig rig="contrasting" dir="t">
-        <a:rot lat="0" lon="0" rev="1200000"/>
-      </a:lightRig>
-    </dgm:scene3d>
-    <dgm:sp3d z="-300000" contourW="19050" prstMaterial="metal">
-      <a:bevelT w="88900" h="203200"/>
-      <a:bevelB w="165100" h="254000"/>
-    </dgm:sp3d>
-    <dgm:txPr/>
-    <dgm:style>
-      <a:lnRef idx="0">
-        <a:scrgbClr r="0" g="0" b="0"/>
-      </a:lnRef>
-      <a:fillRef idx="1">
-        <a:scrgbClr r="0" g="0" b="0"/>
-      </a:fillRef>
-      <a:effectRef idx="0">
-        <a:scrgbClr r="0" g="0" b="0"/>
-      </a:effectRef>
-      <a:fontRef idx="minor"/>
-    </dgm:style>
-  </dgm:styleLbl>
-  <dgm:styleLbl name="sibTrans1D1">
-    <dgm:scene3d>
-      <a:camera prst="orthographicFront">
-        <a:rot lat="0" lon="0" rev="0"/>
-      </a:camera>
-      <a:lightRig rig="contrasting" dir="t">
-        <a:rot lat="0" lon="0" rev="1200000"/>
-      </a:lightRig>
-    </dgm:scene3d>
-    <dgm:sp3d z="-110000"/>
-    <dgm:txPr/>
-    <dgm:style>
-      <a:lnRef idx="1">
-        <a:scrgbClr r="0" g="0" b="0"/>
-      </a:lnRef>
-      <a:fillRef idx="0">
-        <a:scrgbClr r="0" g="0" b="0"/>
-      </a:fillRef>
-      <a:effectRef idx="0">
-        <a:scrgbClr r="0" g="0" b="0"/>
-      </a:effectRef>
-      <a:fontRef idx="minor"/>
-    </dgm:style>
-  </dgm:styleLbl>
-  <dgm:styleLbl name="callout">
-    <dgm:scene3d>
-      <a:camera prst="orthographicFront">
-        <a:rot lat="0" lon="0" rev="0"/>
-      </a:camera>
-      <a:lightRig rig="contrasting" dir="t">
-        <a:rot lat="0" lon="0" rev="1200000"/>
-      </a:lightRig>
-    </dgm:scene3d>
-    <dgm:sp3d z="10000"/>
-    <dgm:txPr/>
-    <dgm:style>
-      <a:lnRef idx="2">
-        <a:scrgbClr r="0" g="0" b="0"/>
-      </a:lnRef>
-      <a:fillRef idx="1">
-        <a:scrgbClr r="0" g="0" b="0"/>
-      </a:fillRef>
-      <a:effectRef idx="0">
-        <a:scrgbClr r="0" g="0" b="0"/>
-      </a:effectRef>
-      <a:fontRef idx="minor"/>
-    </dgm:style>
-  </dgm:styleLbl>
-  <dgm:styleLbl name="asst0">
-    <dgm:scene3d>
-      <a:camera prst="orthographicFront">
-        <a:rot lat="0" lon="0" rev="0"/>
-      </a:camera>
-      <a:lightRig rig="contrasting" dir="t">
-        <a:rot lat="0" lon="0" rev="1200000"/>
-      </a:lightRig>
-    </dgm:scene3d>
-    <dgm:sp3d contourW="19050" prstMaterial="metal">
-      <a:bevelT w="88900" h="203200"/>
-      <a:bevelB w="165100" h="254000"/>
-    </dgm:sp3d>
-    <dgm:txPr/>
-    <dgm:style>
-      <a:lnRef idx="0">
-        <a:scrgbClr r="0" g="0" b="0"/>
-      </a:lnRef>
-      <a:fillRef idx="1">
-        <a:scrgbClr r="0" g="0" b="0"/>
-      </a:fillRef>
-      <a:effectRef idx="1">
-        <a:scrgbClr r="0" g="0" b="0"/>
-      </a:effectRef>
-      <a:fontRef idx="minor">
-        <a:schemeClr val="lt1"/>
-      </a:fontRef>
-    </dgm:style>
-  </dgm:styleLbl>
-  <dgm:styleLbl name="asst1">
-    <dgm:scene3d>
-      <a:camera prst="orthographicFront">
-        <a:rot lat="0" lon="0" rev="0"/>
-      </a:camera>
-      <a:lightRig rig="contrasting" dir="t">
-        <a:rot lat="0" lon="0" rev="1200000"/>
-      </a:lightRig>
-    </dgm:scene3d>
-    <dgm:sp3d contourW="19050" prstMaterial="metal">
-      <a:bevelT w="88900" h="203200"/>
-      <a:bevelB w="165100" h="254000"/>
-    </dgm:sp3d>
-    <dgm:txPr/>
-    <dgm:style>
-      <a:lnRef idx="0">
-        <a:scrgbClr r="0" g="0" b="0"/>
-      </a:lnRef>
-      <a:fillRef idx="1">
-        <a:scrgbClr r="0" g="0" b="0"/>
-      </a:fillRef>
-      <a:effectRef idx="1">
-        <a:scrgbClr r="0" g="0" b="0"/>
-      </a:effectRef>
-      <a:fontRef idx="minor">
-        <a:schemeClr val="lt1"/>
-      </a:fontRef>
-    </dgm:style>
-  </dgm:styleLbl>
-  <dgm:styleLbl name="asst2">
-    <dgm:scene3d>
-      <a:camera prst="orthographicFront">
-        <a:rot lat="0" lon="0" rev="0"/>
-      </a:camera>
-      <a:lightRig rig="contrasting" dir="t">
-        <a:rot lat="0" lon="0" rev="1200000"/>
-      </a:lightRig>
-    </dgm:scene3d>
-    <dgm:sp3d contourW="19050" prstMaterial="metal">
-      <a:bevelT w="88900" h="203200"/>
-      <a:bevelB w="165100" h="254000"/>
-    </dgm:sp3d>
-    <dgm:txPr/>
-    <dgm:style>
-      <a:lnRef idx="0">
-        <a:scrgbClr r="0" g="0" b="0"/>
-      </a:lnRef>
-      <a:fillRef idx="1">
-        <a:scrgbClr r="0" g="0" b="0"/>
-      </a:fillRef>
-      <a:effectRef idx="1">
-        <a:scrgbClr r="0" g="0" b="0"/>
-      </a:effectRef>
-      <a:fontRef idx="minor">
-        <a:schemeClr val="lt1"/>
-      </a:fontRef>
-    </dgm:style>
-  </dgm:styleLbl>
-  <dgm:styleLbl name="asst3">
-    <dgm:scene3d>
-      <a:camera prst="orthographicFront">
-        <a:rot lat="0" lon="0" rev="0"/>
-      </a:camera>
-      <a:lightRig rig="contrasting" dir="t">
-        <a:rot lat="0" lon="0" rev="1200000"/>
-      </a:lightRig>
-    </dgm:scene3d>
-    <dgm:sp3d contourW="19050" prstMaterial="metal">
-      <a:bevelT w="88900" h="203200"/>
-      <a:bevelB w="165100" h="254000"/>
-    </dgm:sp3d>
-    <dgm:txPr/>
-    <dgm:style>
-      <a:lnRef idx="0">
-        <a:scrgbClr r="0" g="0" b="0"/>
-      </a:lnRef>
-      <a:fillRef idx="1">
-        <a:scrgbClr r="0" g="0" b="0"/>
-      </a:fillRef>
-      <a:effectRef idx="1">
-        <a:scrgbClr r="0" g="0" b="0"/>
-      </a:effectRef>
-      <a:fontRef idx="minor">
-        <a:schemeClr val="lt1"/>
-      </a:fontRef>
-    </dgm:style>
-  </dgm:styleLbl>
-  <dgm:styleLbl name="asst4">
-    <dgm:scene3d>
-      <a:camera prst="orthographicFront"/>
-      <a:lightRig rig="threePt" dir="t"/>
-    </dgm:scene3d>
-    <dgm:sp3d contourW="19050" prstMaterial="metal">
-      <a:bevelT w="88900" h="203200"/>
-      <a:bevelB w="165100" h="254000"/>
-    </dgm:sp3d>
-    <dgm:txPr/>
-    <dgm:style>
-      <a:lnRef idx="0">
-        <a:scrgbClr r="0" g="0" b="0"/>
-      </a:lnRef>
-      <a:fillRef idx="1">
-        <a:scrgbClr r="0" g="0" b="0"/>
-      </a:fillRef>
-      <a:effectRef idx="1">
-        <a:scrgbClr r="0" g="0" b="0"/>
-      </a:effectRef>
-      <a:fontRef idx="minor">
-        <a:schemeClr val="lt1"/>
-      </a:fontRef>
-    </dgm:style>
-  </dgm:styleLbl>
-  <dgm:styleLbl name="parChTrans2D1">
-    <dgm:scene3d>
-      <a:camera prst="orthographicFront">
-        <a:rot lat="0" lon="0" rev="0"/>
-      </a:camera>
-      <a:lightRig rig="contrasting" dir="t">
-        <a:rot lat="0" lon="0" rev="1200000"/>
-      </a:lightRig>
-    </dgm:scene3d>
-    <dgm:sp3d contourW="19050" prstMaterial="metal">
-      <a:bevelT w="88900" h="203200"/>
-      <a:bevelB w="165100" h="254000"/>
-    </dgm:sp3d>
-    <dgm:txPr/>
-    <dgm:style>
-      <a:lnRef idx="0">
-        <a:scrgbClr r="0" g="0" b="0"/>
-      </a:lnRef>
-      <a:fillRef idx="1">
-        <a:scrgbClr r="0" g="0" b="0"/>
-      </a:fillRef>
-      <a:effectRef idx="0">
-        <a:scrgbClr r="0" g="0" b="0"/>
-      </a:effectRef>
-      <a:fontRef idx="minor"/>
-    </dgm:style>
-  </dgm:styleLbl>
-  <dgm:styleLbl name="parChTrans2D2">
-    <dgm:scene3d>
-      <a:camera prst="orthographicFront">
-        <a:rot lat="0" lon="0" rev="0"/>
-      </a:camera>
-      <a:lightRig rig="contrasting" dir="t">
-        <a:rot lat="0" lon="0" rev="1200000"/>
-      </a:lightRig>
-    </dgm:scene3d>
-    <dgm:sp3d contourW="19050" prstMaterial="metal">
-      <a:bevelT w="88900" h="203200"/>
-      <a:bevelB w="165100" h="254000"/>
-    </dgm:sp3d>
-    <dgm:txPr/>
-    <dgm:style>
-      <a:lnRef idx="0">
-        <a:scrgbClr r="0" g="0" b="0"/>
-      </a:lnRef>
-      <a:fillRef idx="1">
-        <a:scrgbClr r="0" g="0" b="0"/>
-      </a:fillRef>
-      <a:effectRef idx="0">
-        <a:scrgbClr r="0" g="0" b="0"/>
-      </a:effectRef>
-      <a:fontRef idx="minor"/>
-    </dgm:style>
-  </dgm:styleLbl>
-  <dgm:styleLbl name="parChTrans2D3">
-    <dgm:scene3d>
-      <a:camera prst="orthographicFront">
-        <a:rot lat="0" lon="0" rev="0"/>
-      </a:camera>
-      <a:lightRig rig="contrasting" dir="t">
-        <a:rot lat="0" lon="0" rev="1200000"/>
-      </a:lightRig>
-    </dgm:scene3d>
-    <dgm:sp3d contourW="19050" prstMaterial="metal">
-      <a:bevelT w="88900" h="203200"/>
-      <a:bevelB w="165100" h="254000"/>
-    </dgm:sp3d>
-    <dgm:txPr/>
-    <dgm:style>
-      <a:lnRef idx="0">
-        <a:scrgbClr r="0" g="0" b="0"/>
-      </a:lnRef>
-      <a:fillRef idx="1">
-        <a:scrgbClr r="0" g="0" b="0"/>
-      </a:fillRef>
-      <a:effectRef idx="0">
-        <a:scrgbClr r="0" g="0" b="0"/>
-      </a:effectRef>
-      <a:fontRef idx="minor"/>
-    </dgm:style>
-  </dgm:styleLbl>
-  <dgm:styleLbl name="parChTrans2D4">
-    <dgm:scene3d>
-      <a:camera prst="orthographicFront">
-        <a:rot lat="0" lon="0" rev="0"/>
-      </a:camera>
-      <a:lightRig rig="contrasting" dir="t">
-        <a:rot lat="0" lon="0" rev="1200000"/>
-      </a:lightRig>
-    </dgm:scene3d>
-    <dgm:sp3d contourW="19050" prstMaterial="metal">
-      <a:bevelT w="88900" h="203200"/>
-      <a:bevelB w="165100" h="254000"/>
-    </dgm:sp3d>
-    <dgm:txPr/>
-    <dgm:style>
-      <a:lnRef idx="0">
-        <a:scrgbClr r="0" g="0" b="0"/>
-      </a:lnRef>
-      <a:fillRef idx="1">
-        <a:scrgbClr r="0" g="0" b="0"/>
-      </a:fillRef>
-      <a:effectRef idx="0">
-        <a:scrgbClr r="0" g="0" b="0"/>
-      </a:effectRef>
-      <a:fontRef idx="minor"/>
-    </dgm:style>
-  </dgm:styleLbl>
-  <dgm:styleLbl name="parChTrans1D1">
-    <dgm:scene3d>
-      <a:camera prst="orthographicFront">
-        <a:rot lat="0" lon="0" rev="0"/>
-      </a:camera>
-      <a:lightRig rig="contrasting" dir="t">
-        <a:rot lat="0" lon="0" rev="1200000"/>
-      </a:lightRig>
-    </dgm:scene3d>
-    <dgm:sp3d z="-110000"/>
-    <dgm:txPr/>
-    <dgm:style>
-      <a:lnRef idx="2">
-        <a:scrgbClr r="0" g="0" b="0"/>
-      </a:lnRef>
-      <a:fillRef idx="0">
-        <a:scrgbClr r="0" g="0" b="0"/>
-      </a:fillRef>
-      <a:effectRef idx="0">
-        <a:scrgbClr r="0" g="0" b="0"/>
-      </a:effectRef>
-      <a:fontRef idx="minor"/>
-    </dgm:style>
-  </dgm:styleLbl>
-  <dgm:styleLbl name="parChTrans1D2">
-    <dgm:scene3d>
-      <a:camera prst="orthographicFront">
-        <a:rot lat="0" lon="0" rev="0"/>
-      </a:camera>
-      <a:lightRig rig="contrasting" dir="t">
-        <a:rot lat="0" lon="0" rev="1200000"/>
-      </a:lightRig>
-    </dgm:scene3d>
-    <dgm:sp3d z="-110000"/>
-    <dgm:txPr/>
-    <dgm:style>
-      <a:lnRef idx="2">
-        <a:scrgbClr r="0" g="0" b="0"/>
-      </a:lnRef>
-      <a:fillRef idx="0">
-        <a:scrgbClr r="0" g="0" b="0"/>
-      </a:fillRef>
-      <a:effectRef idx="0">
-        <a:scrgbClr r="0" g="0" b="0"/>
-      </a:effectRef>
-      <a:fontRef idx="minor"/>
-    </dgm:style>
-  </dgm:styleLbl>
-  <dgm:styleLbl name="parChTrans1D3">
-    <dgm:scene3d>
-      <a:camera prst="orthographicFront">
-        <a:rot lat="0" lon="0" rev="0"/>
-      </a:camera>
-      <a:lightRig rig="contrasting" dir="t">
-        <a:rot lat="0" lon="0" rev="1200000"/>
-      </a:lightRig>
-    </dgm:scene3d>
-    <dgm:sp3d z="-110000"/>
-    <dgm:txPr/>
-    <dgm:style>
-      <a:lnRef idx="2">
-        <a:scrgbClr r="0" g="0" b="0"/>
-      </a:lnRef>
-      <a:fillRef idx="0">
-        <a:scrgbClr r="0" g="0" b="0"/>
-      </a:fillRef>
-      <a:effectRef idx="0">
-        <a:scrgbClr r="0" g="0" b="0"/>
-      </a:effectRef>
-      <a:fontRef idx="minor"/>
-    </dgm:style>
-  </dgm:styleLbl>
-  <dgm:styleLbl name="parChTrans1D4">
-    <dgm:scene3d>
-      <a:camera prst="orthographicFront">
-        <a:rot lat="0" lon="0" rev="0"/>
-      </a:camera>
-      <a:lightRig rig="contrasting" dir="t">
-        <a:rot lat="0" lon="0" rev="1200000"/>
-      </a:lightRig>
-    </dgm:scene3d>
-    <dgm:sp3d z="-110000"/>
-    <dgm:txPr/>
-    <dgm:style>
-      <a:lnRef idx="2">
-        <a:scrgbClr r="0" g="0" b="0"/>
-      </a:lnRef>
-      <a:fillRef idx="0">
-        <a:scrgbClr r="0" g="0" b="0"/>
-      </a:fillRef>
-      <a:effectRef idx="0">
-        <a:scrgbClr r="0" g="0" b="0"/>
-      </a:effectRef>
-      <a:fontRef idx="minor"/>
-    </dgm:style>
-  </dgm:styleLbl>
-  <dgm:styleLbl name="fgAcc1">
-    <dgm:scene3d>
-      <a:camera prst="orthographicFront">
-        <a:rot lat="0" lon="0" rev="0"/>
-      </a:camera>
-      <a:lightRig rig="contrasting" dir="t">
-        <a:rot lat="0" lon="0" rev="1200000"/>
-      </a:lightRig>
-    </dgm:scene3d>
-    <dgm:sp3d z="300000" contourW="19050" prstMaterial="metal">
-      <a:bevelT w="88900" h="203200"/>
-      <a:bevelB w="165100" h="254000"/>
-    </dgm:sp3d>
-    <dgm:txPr/>
-    <dgm:style>
-      <a:lnRef idx="0">
-        <a:scrgbClr r="0" g="0" b="0"/>
-      </a:lnRef>
-      <a:fillRef idx="1">
-        <a:scrgbClr r="0" g="0" b="0"/>
-      </a:fillRef>
-      <a:effectRef idx="0">
-        <a:scrgbClr r="0" g="0" b="0"/>
-      </a:effectRef>
-      <a:fontRef idx="minor"/>
-    </dgm:style>
-  </dgm:styleLbl>
-  <dgm:styleLbl name="conFgAcc1">
-    <dgm:scene3d>
-      <a:camera prst="orthographicFront">
-        <a:rot lat="0" lon="0" rev="0"/>
-      </a:camera>
-      <a:lightRig rig="contrasting" dir="t">
-        <a:rot lat="0" lon="0" rev="1200000"/>
-      </a:lightRig>
-    </dgm:scene3d>
-    <dgm:sp3d z="300000" contourW="19050" prstMaterial="metal">
-      <a:bevelT w="88900" h="203200"/>
-      <a:bevelB w="165100" h="254000"/>
-    </dgm:sp3d>
-    <dgm:txPr/>
-    <dgm:style>
-      <a:lnRef idx="0">
-        <a:scrgbClr r="0" g="0" b="0"/>
-      </a:lnRef>
-      <a:fillRef idx="1">
-        <a:scrgbClr r="0" g="0" b="0"/>
-      </a:fillRef>
-      <a:effectRef idx="0">
-        <a:scrgbClr r="0" g="0" b="0"/>
-      </a:effectRef>
-      <a:fontRef idx="minor"/>
-    </dgm:style>
-  </dgm:styleLbl>
-  <dgm:styleLbl name="alignAcc1">
-    <dgm:scene3d>
-      <a:camera prst="orthographicFront">
-        <a:rot lat="0" lon="0" rev="0"/>
-      </a:camera>
-      <a:lightRig rig="contrasting" dir="t">
-        <a:rot lat="0" lon="0" rev="1200000"/>
-      </a:lightRig>
-    </dgm:scene3d>
-    <dgm:sp3d contourW="19050" prstMaterial="metal">
-      <a:bevelT w="88900" h="203200"/>
-      <a:bevelB w="165100" h="254000"/>
-    </dgm:sp3d>
-    <dgm:txPr/>
-    <dgm:style>
-      <a:lnRef idx="0">
-        <a:scrgbClr r="0" g="0" b="0"/>
-      </a:lnRef>
-      <a:fillRef idx="1">
-        <a:scrgbClr r="0" g="0" b="0"/>
-      </a:fillRef>
-      <a:effectRef idx="0">
-        <a:scrgbClr r="0" g="0" b="0"/>
-      </a:effectRef>
-      <a:fontRef idx="minor"/>
-    </dgm:style>
-  </dgm:styleLbl>
-  <dgm:styleLbl name="trAlignAcc1">
-    <dgm:scene3d>
-      <a:camera prst="orthographicFront">
-        <a:rot lat="0" lon="0" rev="0"/>
-      </a:camera>
-      <a:lightRig rig="contrasting" dir="t">
-        <a:rot lat="0" lon="0" rev="1200000"/>
-      </a:lightRig>
-    </dgm:scene3d>
-    <dgm:sp3d contourW="19050" prstMaterial="metal">
-      <a:bevelT w="88900" h="203200"/>
-      <a:bevelB w="165100" h="254000"/>
-    </dgm:sp3d>
-    <dgm:txPr/>
-    <dgm:style>
-      <a:lnRef idx="0">
-        <a:scrgbClr r="0" g="0" b="0"/>
-      </a:lnRef>
-      <a:fillRef idx="1">
-        <a:scrgbClr r="0" g="0" b="0"/>
-      </a:fillRef>
-      <a:effectRef idx="1">
-        <a:scrgbClr r="0" g="0" b="0"/>
-      </a:effectRef>
-      <a:fontRef idx="minor"/>
-    </dgm:style>
-  </dgm:styleLbl>
-  <dgm:styleLbl name="bgAcc1">
-    <dgm:scene3d>
-      <a:camera prst="orthographicFront">
-        <a:rot lat="0" lon="0" rev="0"/>
-      </a:camera>
-      <a:lightRig rig="contrasting" dir="t">
-        <a:rot lat="0" lon="0" rev="1200000"/>
-      </a:lightRig>
-    </dgm:scene3d>
-    <dgm:sp3d z="-300000" contourW="19050" prstMaterial="metal">
-      <a:bevelT w="88900" h="203200"/>
-      <a:bevelB w="165100" h="254000"/>
-    </dgm:sp3d>
-    <dgm:txPr/>
-    <dgm:style>
-      <a:lnRef idx="0">
-        <a:scrgbClr r="0" g="0" b="0"/>
-      </a:lnRef>
-      <a:fillRef idx="1">
-        <a:scrgbClr r="0" g="0" b="0"/>
-      </a:fillRef>
-      <a:effectRef idx="0">
-        <a:scrgbClr r="0" g="0" b="0"/>
-      </a:effectRef>
-      <a:fontRef idx="minor"/>
-    </dgm:style>
-  </dgm:styleLbl>
-  <dgm:styleLbl name="solidFgAcc1">
-    <dgm:scene3d>
-      <a:camera prst="orthographicFront">
-        <a:rot lat="0" lon="0" rev="0"/>
-      </a:camera>
-      <a:lightRig rig="contrasting" dir="t">
-        <a:rot lat="0" lon="0" rev="1200000"/>
-      </a:lightRig>
-    </dgm:scene3d>
-    <dgm:sp3d z="300000" contourW="12700" prstMaterial="flat">
-      <a:bevelT w="177800" h="254000"/>
-      <a:bevelB w="152400"/>
-    </dgm:sp3d>
-    <dgm:txPr/>
-    <dgm:style>
-      <a:lnRef idx="0">
-        <a:scrgbClr r="0" g="0" b="0"/>
-      </a:lnRef>
-      <a:fillRef idx="1">
-        <a:scrgbClr r="0" g="0" b="0"/>
-      </a:fillRef>
-      <a:effectRef idx="0">
-        <a:scrgbClr r="0" g="0" b="0"/>
-      </a:effectRef>
-      <a:fontRef idx="minor"/>
-    </dgm:style>
-  </dgm:styleLbl>
-  <dgm:styleLbl name="solidAlignAcc1">
-    <dgm:scene3d>
-      <a:camera prst="orthographicFront">
-        <a:rot lat="0" lon="0" rev="0"/>
-      </a:camera>
-      <a:lightRig rig="contrasting" dir="t">
-        <a:rot lat="0" lon="0" rev="1200000"/>
-      </a:lightRig>
-    </dgm:scene3d>
-    <dgm:sp3d contourW="19050" prstMaterial="metal">
-      <a:bevelT w="88900" h="203200"/>
-      <a:bevelB w="165100" h="254000"/>
-    </dgm:sp3d>
-    <dgm:txPr/>
-    <dgm:style>
-      <a:lnRef idx="0">
-        <a:scrgbClr r="0" g="0" b="0"/>
-      </a:lnRef>
-      <a:fillRef idx="1">
-        <a:scrgbClr r="0" g="0" b="0"/>
-      </a:fillRef>
-      <a:effectRef idx="0">
-        <a:scrgbClr r="0" g="0" b="0"/>
-      </a:effectRef>
-      <a:fontRef idx="minor"/>
-    </dgm:style>
-  </dgm:styleLbl>
-  <dgm:styleLbl name="solidBgAcc1">
-    <dgm:scene3d>
-      <a:camera prst="orthographicFront">
-        <a:rot lat="0" lon="0" rev="0"/>
-      </a:camera>
-      <a:lightRig rig="contrasting" dir="t">
-        <a:rot lat="0" lon="0" rev="1200000"/>
-      </a:lightRig>
-    </dgm:scene3d>
-    <dgm:sp3d z="-300000" contourW="19050" prstMaterial="metal">
-      <a:bevelT w="88900" h="203200"/>
-      <a:bevelB w="165100" h="254000"/>
-    </dgm:sp3d>
-    <dgm:txPr/>
-    <dgm:style>
-      <a:lnRef idx="0">
-        <a:scrgbClr r="0" g="0" b="0"/>
-      </a:lnRef>
-      <a:fillRef idx="1">
-        <a:scrgbClr r="0" g="0" b="0"/>
-      </a:fillRef>
-      <a:effectRef idx="0">
-        <a:scrgbClr r="0" g="0" b="0"/>
-      </a:effectRef>
-      <a:fontRef idx="minor"/>
-    </dgm:style>
-  </dgm:styleLbl>
-  <dgm:styleLbl name="fgAccFollowNode1">
-    <dgm:scene3d>
-      <a:camera prst="orthographicFront">
-        <a:rot lat="0" lon="0" rev="0"/>
-      </a:camera>
-      <a:lightRig rig="contrasting" dir="t">
-        <a:rot lat="0" lon="0" rev="1200000"/>
-      </a:lightRig>
-    </dgm:scene3d>
-    <dgm:sp3d z="300000" contourW="19050" prstMaterial="metal">
-      <a:bevelT w="88900" h="203200"/>
-      <a:bevelB w="165100" h="254000"/>
-    </dgm:sp3d>
-    <dgm:txPr/>
-    <dgm:style>
-      <a:lnRef idx="0">
-        <a:scrgbClr r="0" g="0" b="0"/>
-      </a:lnRef>
-      <a:fillRef idx="1">
-        <a:scrgbClr r="0" g="0" b="0"/>
-      </a:fillRef>
-      <a:effectRef idx="0">
-        <a:scrgbClr r="0" g="0" b="0"/>
-      </a:effectRef>
-      <a:fontRef idx="minor"/>
-    </dgm:style>
-  </dgm:styleLbl>
-  <dgm:styleLbl name="alignAccFollowNode1">
-    <dgm:scene3d>
-      <a:camera prst="orthographicFront">
-        <a:rot lat="0" lon="0" rev="0"/>
-      </a:camera>
-      <a:lightRig rig="contrasting" dir="t">
-        <a:rot lat="0" lon="0" rev="1200000"/>
-      </a:lightRig>
-    </dgm:scene3d>
-    <dgm:sp3d contourW="19050" prstMaterial="metal">
-      <a:bevelT w="88900" h="203200"/>
-      <a:bevelB w="165100" h="254000"/>
-    </dgm:sp3d>
-    <dgm:txPr/>
-    <dgm:style>
-      <a:lnRef idx="0">
-        <a:scrgbClr r="0" g="0" b="0"/>
-      </a:lnRef>
-      <a:fillRef idx="1">
-        <a:scrgbClr r="0" g="0" b="0"/>
-      </a:fillRef>
-      <a:effectRef idx="0">
-        <a:scrgbClr r="0" g="0" b="0"/>
-      </a:effectRef>
-      <a:fontRef idx="minor"/>
-    </dgm:style>
-  </dgm:styleLbl>
-  <dgm:styleLbl name="bgAccFollowNode1">
-    <dgm:scene3d>
-      <a:camera prst="orthographicFront">
-        <a:rot lat="0" lon="0" rev="0"/>
-      </a:camera>
-      <a:lightRig rig="contrasting" dir="t">
-        <a:rot lat="0" lon="0" rev="1200000"/>
-      </a:lightRig>
-    </dgm:scene3d>
-    <dgm:sp3d z="-300000" contourW="19050" prstMaterial="metal">
-      <a:bevelT w="88900" h="203200"/>
-      <a:bevelB w="165100" h="254000"/>
-    </dgm:sp3d>
-    <dgm:txPr/>
-    <dgm:style>
-      <a:lnRef idx="0">
-        <a:scrgbClr r="0" g="0" b="0"/>
-      </a:lnRef>
-      <a:fillRef idx="1">
-        <a:scrgbClr r="0" g="0" b="0"/>
-      </a:fillRef>
-      <a:effectRef idx="0">
-        <a:scrgbClr r="0" g="0" b="0"/>
-      </a:effectRef>
-      <a:fontRef idx="minor"/>
-    </dgm:style>
-  </dgm:styleLbl>
-  <dgm:styleLbl name="fgAcc0">
-    <dgm:scene3d>
-      <a:camera prst="orthographicFront">
-        <a:rot lat="0" lon="0" rev="0"/>
-      </a:camera>
-      <a:lightRig rig="contrasting" dir="t">
-        <a:rot lat="0" lon="0" rev="1200000"/>
-      </a:lightRig>
-    </dgm:scene3d>
-    <dgm:sp3d z="300000" contourW="19050" prstMaterial="metal">
-      <a:bevelT w="88900" h="203200"/>
-      <a:bevelB w="165100" h="254000"/>
-    </dgm:sp3d>
-    <dgm:txPr/>
-    <dgm:style>
-      <a:lnRef idx="0">
-        <a:scrgbClr r="0" g="0" b="0"/>
-      </a:lnRef>
-      <a:fillRef idx="1">
-        <a:scrgbClr r="0" g="0" b="0"/>
-      </a:fillRef>
-      <a:effectRef idx="0">
-        <a:scrgbClr r="0" g="0" b="0"/>
-      </a:effectRef>
-      <a:fontRef idx="minor"/>
-    </dgm:style>
-  </dgm:styleLbl>
-  <dgm:styleLbl name="fgAcc2">
-    <dgm:scene3d>
-      <a:camera prst="orthographicFront">
-        <a:rot lat="0" lon="0" rev="0"/>
-      </a:camera>
-      <a:lightRig rig="contrasting" dir="t">
-        <a:rot lat="0" lon="0" rev="1200000"/>
-      </a:lightRig>
-    </dgm:scene3d>
-    <dgm:sp3d z="300000" contourW="19050" prstMaterial="metal">
-      <a:bevelT w="88900" h="203200"/>
-      <a:bevelB w="165100" h="254000"/>
-    </dgm:sp3d>
-    <dgm:txPr/>
-    <dgm:style>
-      <a:lnRef idx="0">
-        <a:scrgbClr r="0" g="0" b="0"/>
-      </a:lnRef>
-      <a:fillRef idx="1">
-        <a:scrgbClr r="0" g="0" b="0"/>
-      </a:fillRef>
-      <a:effectRef idx="0">
-        <a:scrgbClr r="0" g="0" b="0"/>
-      </a:effectRef>
-      <a:fontRef idx="minor"/>
-    </dgm:style>
-  </dgm:styleLbl>
-  <dgm:styleLbl name="fgAcc3">
-    <dgm:scene3d>
-      <a:camera prst="orthographicFront">
-        <a:rot lat="0" lon="0" rev="0"/>
-      </a:camera>
-      <a:lightRig rig="contrasting" dir="t">
-        <a:rot lat="0" lon="0" rev="1200000"/>
-      </a:lightRig>
-    </dgm:scene3d>
-    <dgm:sp3d z="300000" contourW="19050" prstMaterial="metal">
-      <a:bevelT w="88900" h="203200"/>
-      <a:bevelB w="165100" h="254000"/>
-    </dgm:sp3d>
-    <dgm:txPr/>
-    <dgm:style>
-      <a:lnRef idx="0">
-        <a:scrgbClr r="0" g="0" b="0"/>
-      </a:lnRef>
-      <a:fillRef idx="1">
-        <a:scrgbClr r="0" g="0" b="0"/>
-      </a:fillRef>
-      <a:effectRef idx="0">
-        <a:scrgbClr r="0" g="0" b="0"/>
-      </a:effectRef>
-      <a:fontRef idx="minor"/>
-    </dgm:style>
-  </dgm:styleLbl>
-  <dgm:styleLbl name="fgAcc4">
-    <dgm:scene3d>
-      <a:camera prst="orthographicFront">
-        <a:rot lat="0" lon="0" rev="0"/>
-      </a:camera>
-      <a:lightRig rig="contrasting" dir="t">
-        <a:rot lat="0" lon="0" rev="1200000"/>
-      </a:lightRig>
-    </dgm:scene3d>
-    <dgm:sp3d z="300000" contourW="19050" prstMaterial="metal">
-      <a:bevelT w="88900" h="203200"/>
-      <a:bevelB w="165100" h="254000"/>
-    </dgm:sp3d>
-    <dgm:txPr/>
-    <dgm:style>
-      <a:lnRef idx="0">
-        <a:scrgbClr r="0" g="0" b="0"/>
-      </a:lnRef>
-      <a:fillRef idx="1">
-        <a:scrgbClr r="0" g="0" b="0"/>
-      </a:fillRef>
-      <a:effectRef idx="0">
-        <a:scrgbClr r="0" g="0" b="0"/>
-      </a:effectRef>
-      <a:fontRef idx="minor"/>
-    </dgm:style>
-  </dgm:styleLbl>
-  <dgm:styleLbl name="bgShp">
-    <dgm:scene3d>
-      <a:camera prst="orthographicFront">
-        <a:rot lat="0" lon="0" rev="0"/>
-      </a:camera>
-      <a:lightRig rig="contrasting" dir="t">
-        <a:rot lat="0" lon="0" rev="1200000"/>
-      </a:lightRig>
-    </dgm:scene3d>
-    <dgm:sp3d z="-300000" prstMaterial="plastic"/>
-    <dgm:txPr/>
-    <dgm:style>
-      <a:lnRef idx="1">
-        <a:scrgbClr r="0" g="0" b="0"/>
-      </a:lnRef>
-      <a:fillRef idx="1">
-        <a:scrgbClr r="0" g="0" b="0"/>
-      </a:fillRef>
-      <a:effectRef idx="0">
-        <a:scrgbClr r="0" g="0" b="0"/>
-      </a:effectRef>
-      <a:fontRef idx="minor"/>
-    </dgm:style>
-  </dgm:styleLbl>
-  <dgm:styleLbl name="dkBgShp">
-    <dgm:scene3d>
-      <a:camera prst="orthographicFront">
-        <a:rot lat="0" lon="0" rev="0"/>
-      </a:camera>
-      <a:lightRig rig="contrasting" dir="t">
-        <a:rot lat="0" lon="0" rev="1200000"/>
-      </a:lightRig>
-    </dgm:scene3d>
-    <dgm:sp3d contourW="12700" prstMaterial="flat">
-      <a:bevelT w="100800" h="154000"/>
-      <a:bevelB w="152400"/>
-    </dgm:sp3d>
-    <dgm:txPr/>
-    <dgm:style>
-      <a:lnRef idx="0">
-        <a:scrgbClr r="0" g="0" b="0"/>
-      </a:lnRef>
-      <a:fillRef idx="1">
-        <a:scrgbClr r="0" g="0" b="0"/>
-      </a:fillRef>
-      <a:effectRef idx="0">
-        <a:scrgbClr r="0" g="0" b="0"/>
-      </a:effectRef>
-      <a:fontRef idx="minor"/>
-    </dgm:style>
-  </dgm:styleLbl>
-  <dgm:styleLbl name="trBgShp">
-    <dgm:scene3d>
-      <a:camera prst="orthographicFront">
-        <a:rot lat="0" lon="0" rev="0"/>
-      </a:camera>
-      <a:lightRig rig="contrasting" dir="t">
-        <a:rot lat="0" lon="0" rev="1200000"/>
-      </a:lightRig>
-    </dgm:scene3d>
-    <dgm:sp3d z="-152400" prstMaterial="matte"/>
-    <dgm:txPr/>
-    <dgm:style>
-      <a:lnRef idx="1">
-        <a:scrgbClr r="0" g="0" b="0"/>
-      </a:lnRef>
-      <a:fillRef idx="1">
-        <a:scrgbClr r="0" g="0" b="0"/>
-      </a:fillRef>
-      <a:effectRef idx="0">
-        <a:scrgbClr r="0" g="0" b="0"/>
-      </a:effectRef>
-      <a:fontRef idx="minor"/>
-    </dgm:style>
-  </dgm:styleLbl>
-  <dgm:styleLbl name="fgShp">
-    <dgm:scene3d>
-      <a:camera prst="orthographicFront">
-        <a:rot lat="0" lon="0" rev="0"/>
-      </a:camera>
-      <a:lightRig rig="contrasting" dir="t">
-        <a:rot lat="0" lon="0" rev="1200000"/>
-      </a:lightRig>
-    </dgm:scene3d>
-    <dgm:sp3d z="300000" contourW="19050" prstMaterial="metal">
-      <a:bevelT w="88900" h="203200"/>
-      <a:bevelB w="165100" h="254000"/>
-    </dgm:sp3d>
-    <dgm:txPr/>
-    <dgm:style>
-      <a:lnRef idx="0">
-        <a:scrgbClr r="0" g="0" b="0"/>
-      </a:lnRef>
-      <a:fillRef idx="1">
-        <a:scrgbClr r="0" g="0" b="0"/>
-      </a:fillRef>
-      <a:effectRef idx="0">
-        <a:scrgbClr r="0" g="0" b="0"/>
-      </a:effectRef>
-      <a:fontRef idx="minor"/>
-    </dgm:style>
-  </dgm:styleLbl>
-  <dgm:styleLbl name="revTx">
-    <dgm:scene3d>
-      <a:camera prst="orthographicFront"/>
-      <a:lightRig rig="threePt" dir="t"/>
-    </dgm:scene3d>
-    <dgm:sp3d/>
-    <dgm:txPr/>
-    <dgm:style>
-      <a:lnRef idx="1">
-        <a:scrgbClr r="0" g="0" b="0"/>
-      </a:lnRef>
-      <a:fillRef idx="0">
-        <a:scrgbClr r="0" g="0" b="0"/>
-      </a:fillRef>
-      <a:effectRef idx="0">
-        <a:scrgbClr r="0" g="0" b="0"/>
-      </a:effectRef>
-      <a:fontRef idx="minor"/>
-    </dgm:style>
-  </dgm:styleLbl>
-</dgm:styleDef>
-</file>
-
-<file path=ppt/diagrams/quickStyle4.xml><?xml version="1.0" encoding="utf-8"?>
 <dgm:styleDef xmlns:dgm="http://schemas.openxmlformats.org/drawingml/2006/diagram" xmlns:a="http://schemas.openxmlformats.org/drawingml/2006/main" uniqueId="urn:microsoft.com/office/officeart/2005/8/quickstyle/3d2">
   <dgm:title val=""/>
   <dgm:desc val=""/>
@@ -25741,6 +21371,1040 @@
       <a:fontRef idx="minor">
         <a:schemeClr val="lt1"/>
       </a:fontRef>
+    </dgm:style>
+  </dgm:styleLbl>
+  <dgm:styleLbl name="revTx">
+    <dgm:scene3d>
+      <a:camera prst="orthographicFront"/>
+      <a:lightRig rig="threePt" dir="t"/>
+    </dgm:scene3d>
+    <dgm:sp3d/>
+    <dgm:txPr/>
+    <dgm:style>
+      <a:lnRef idx="0">
+        <a:scrgbClr r="0" g="0" b="0"/>
+      </a:lnRef>
+      <a:fillRef idx="0">
+        <a:scrgbClr r="0" g="0" b="0"/>
+      </a:fillRef>
+      <a:effectRef idx="0">
+        <a:scrgbClr r="0" g="0" b="0"/>
+      </a:effectRef>
+      <a:fontRef idx="minor"/>
+    </dgm:style>
+  </dgm:styleLbl>
+</dgm:styleDef>
+</file>
+
+<file path=ppt/diagrams/quickStyle4.xml><?xml version="1.0" encoding="utf-8"?>
+<dgm:styleDef xmlns:dgm="http://schemas.openxmlformats.org/drawingml/2006/diagram" xmlns:a="http://schemas.openxmlformats.org/drawingml/2006/main" uniqueId="urn:microsoft.com/office/officeart/2005/8/quickstyle/simple1">
+  <dgm:title val=""/>
+  <dgm:desc val=""/>
+  <dgm:catLst>
+    <dgm:cat type="simple" pri="10100"/>
+  </dgm:catLst>
+  <dgm:scene3d>
+    <a:camera prst="orthographicFront"/>
+    <a:lightRig rig="threePt" dir="t"/>
+  </dgm:scene3d>
+  <dgm:styleLbl name="node0">
+    <dgm:scene3d>
+      <a:camera prst="orthographicFront"/>
+      <a:lightRig rig="threePt" dir="t"/>
+    </dgm:scene3d>
+    <dgm:sp3d/>
+    <dgm:txPr/>
+    <dgm:style>
+      <a:lnRef idx="2">
+        <a:scrgbClr r="0" g="0" b="0"/>
+      </a:lnRef>
+      <a:fillRef idx="1">
+        <a:scrgbClr r="0" g="0" b="0"/>
+      </a:fillRef>
+      <a:effectRef idx="0">
+        <a:scrgbClr r="0" g="0" b="0"/>
+      </a:effectRef>
+      <a:fontRef idx="minor">
+        <a:schemeClr val="lt1"/>
+      </a:fontRef>
+    </dgm:style>
+  </dgm:styleLbl>
+  <dgm:styleLbl name="lnNode1">
+    <dgm:scene3d>
+      <a:camera prst="orthographicFront"/>
+      <a:lightRig rig="threePt" dir="t"/>
+    </dgm:scene3d>
+    <dgm:sp3d/>
+    <dgm:txPr/>
+    <dgm:style>
+      <a:lnRef idx="2">
+        <a:scrgbClr r="0" g="0" b="0"/>
+      </a:lnRef>
+      <a:fillRef idx="1">
+        <a:scrgbClr r="0" g="0" b="0"/>
+      </a:fillRef>
+      <a:effectRef idx="0">
+        <a:scrgbClr r="0" g="0" b="0"/>
+      </a:effectRef>
+      <a:fontRef idx="minor">
+        <a:schemeClr val="lt1"/>
+      </a:fontRef>
+    </dgm:style>
+  </dgm:styleLbl>
+  <dgm:styleLbl name="vennNode1">
+    <dgm:scene3d>
+      <a:camera prst="orthographicFront"/>
+      <a:lightRig rig="threePt" dir="t"/>
+    </dgm:scene3d>
+    <dgm:sp3d/>
+    <dgm:txPr/>
+    <dgm:style>
+      <a:lnRef idx="2">
+        <a:scrgbClr r="0" g="0" b="0"/>
+      </a:lnRef>
+      <a:fillRef idx="1">
+        <a:scrgbClr r="0" g="0" b="0"/>
+      </a:fillRef>
+      <a:effectRef idx="0">
+        <a:scrgbClr r="0" g="0" b="0"/>
+      </a:effectRef>
+      <a:fontRef idx="minor">
+        <a:schemeClr val="tx1"/>
+      </a:fontRef>
+    </dgm:style>
+  </dgm:styleLbl>
+  <dgm:styleLbl name="alignNode1">
+    <dgm:scene3d>
+      <a:camera prst="orthographicFront"/>
+      <a:lightRig rig="threePt" dir="t"/>
+    </dgm:scene3d>
+    <dgm:sp3d/>
+    <dgm:txPr/>
+    <dgm:style>
+      <a:lnRef idx="2">
+        <a:scrgbClr r="0" g="0" b="0"/>
+      </a:lnRef>
+      <a:fillRef idx="1">
+        <a:scrgbClr r="0" g="0" b="0"/>
+      </a:fillRef>
+      <a:effectRef idx="0">
+        <a:scrgbClr r="0" g="0" b="0"/>
+      </a:effectRef>
+      <a:fontRef idx="minor">
+        <a:schemeClr val="lt1"/>
+      </a:fontRef>
+    </dgm:style>
+  </dgm:styleLbl>
+  <dgm:styleLbl name="node1">
+    <dgm:scene3d>
+      <a:camera prst="orthographicFront"/>
+      <a:lightRig rig="threePt" dir="t"/>
+    </dgm:scene3d>
+    <dgm:sp3d/>
+    <dgm:txPr/>
+    <dgm:style>
+      <a:lnRef idx="2">
+        <a:scrgbClr r="0" g="0" b="0"/>
+      </a:lnRef>
+      <a:fillRef idx="1">
+        <a:scrgbClr r="0" g="0" b="0"/>
+      </a:fillRef>
+      <a:effectRef idx="0">
+        <a:scrgbClr r="0" g="0" b="0"/>
+      </a:effectRef>
+      <a:fontRef idx="minor">
+        <a:schemeClr val="lt1"/>
+      </a:fontRef>
+    </dgm:style>
+  </dgm:styleLbl>
+  <dgm:styleLbl name="node2">
+    <dgm:scene3d>
+      <a:camera prst="orthographicFront"/>
+      <a:lightRig rig="threePt" dir="t"/>
+    </dgm:scene3d>
+    <dgm:sp3d/>
+    <dgm:txPr/>
+    <dgm:style>
+      <a:lnRef idx="2">
+        <a:scrgbClr r="0" g="0" b="0"/>
+      </a:lnRef>
+      <a:fillRef idx="1">
+        <a:scrgbClr r="0" g="0" b="0"/>
+      </a:fillRef>
+      <a:effectRef idx="0">
+        <a:scrgbClr r="0" g="0" b="0"/>
+      </a:effectRef>
+      <a:fontRef idx="minor">
+        <a:schemeClr val="lt1"/>
+      </a:fontRef>
+    </dgm:style>
+  </dgm:styleLbl>
+  <dgm:styleLbl name="node3">
+    <dgm:scene3d>
+      <a:camera prst="orthographicFront"/>
+      <a:lightRig rig="threePt" dir="t"/>
+    </dgm:scene3d>
+    <dgm:sp3d/>
+    <dgm:txPr/>
+    <dgm:style>
+      <a:lnRef idx="2">
+        <a:scrgbClr r="0" g="0" b="0"/>
+      </a:lnRef>
+      <a:fillRef idx="1">
+        <a:scrgbClr r="0" g="0" b="0"/>
+      </a:fillRef>
+      <a:effectRef idx="0">
+        <a:scrgbClr r="0" g="0" b="0"/>
+      </a:effectRef>
+      <a:fontRef idx="minor">
+        <a:schemeClr val="lt1"/>
+      </a:fontRef>
+    </dgm:style>
+  </dgm:styleLbl>
+  <dgm:styleLbl name="node4">
+    <dgm:scene3d>
+      <a:camera prst="orthographicFront"/>
+      <a:lightRig rig="threePt" dir="t"/>
+    </dgm:scene3d>
+    <dgm:sp3d/>
+    <dgm:txPr/>
+    <dgm:style>
+      <a:lnRef idx="2">
+        <a:scrgbClr r="0" g="0" b="0"/>
+      </a:lnRef>
+      <a:fillRef idx="1">
+        <a:scrgbClr r="0" g="0" b="0"/>
+      </a:fillRef>
+      <a:effectRef idx="0">
+        <a:scrgbClr r="0" g="0" b="0"/>
+      </a:effectRef>
+      <a:fontRef idx="minor">
+        <a:schemeClr val="lt1"/>
+      </a:fontRef>
+    </dgm:style>
+  </dgm:styleLbl>
+  <dgm:styleLbl name="fgImgPlace1">
+    <dgm:scene3d>
+      <a:camera prst="orthographicFront"/>
+      <a:lightRig rig="threePt" dir="t"/>
+    </dgm:scene3d>
+    <dgm:sp3d/>
+    <dgm:txPr/>
+    <dgm:style>
+      <a:lnRef idx="2">
+        <a:scrgbClr r="0" g="0" b="0"/>
+      </a:lnRef>
+      <a:fillRef idx="1">
+        <a:scrgbClr r="0" g="0" b="0"/>
+      </a:fillRef>
+      <a:effectRef idx="0">
+        <a:scrgbClr r="0" g="0" b="0"/>
+      </a:effectRef>
+      <a:fontRef idx="minor"/>
+    </dgm:style>
+  </dgm:styleLbl>
+  <dgm:styleLbl name="alignImgPlace1">
+    <dgm:scene3d>
+      <a:camera prst="orthographicFront"/>
+      <a:lightRig rig="threePt" dir="t"/>
+    </dgm:scene3d>
+    <dgm:sp3d/>
+    <dgm:txPr/>
+    <dgm:style>
+      <a:lnRef idx="2">
+        <a:scrgbClr r="0" g="0" b="0"/>
+      </a:lnRef>
+      <a:fillRef idx="1">
+        <a:scrgbClr r="0" g="0" b="0"/>
+      </a:fillRef>
+      <a:effectRef idx="0">
+        <a:scrgbClr r="0" g="0" b="0"/>
+      </a:effectRef>
+      <a:fontRef idx="minor"/>
+    </dgm:style>
+  </dgm:styleLbl>
+  <dgm:styleLbl name="bgImgPlace1">
+    <dgm:scene3d>
+      <a:camera prst="orthographicFront"/>
+      <a:lightRig rig="threePt" dir="t"/>
+    </dgm:scene3d>
+    <dgm:sp3d/>
+    <dgm:txPr/>
+    <dgm:style>
+      <a:lnRef idx="2">
+        <a:scrgbClr r="0" g="0" b="0"/>
+      </a:lnRef>
+      <a:fillRef idx="1">
+        <a:scrgbClr r="0" g="0" b="0"/>
+      </a:fillRef>
+      <a:effectRef idx="0">
+        <a:scrgbClr r="0" g="0" b="0"/>
+      </a:effectRef>
+      <a:fontRef idx="minor"/>
+    </dgm:style>
+  </dgm:styleLbl>
+  <dgm:styleLbl name="sibTrans2D1">
+    <dgm:scene3d>
+      <a:camera prst="orthographicFront"/>
+      <a:lightRig rig="threePt" dir="t"/>
+    </dgm:scene3d>
+    <dgm:sp3d/>
+    <dgm:txPr/>
+    <dgm:style>
+      <a:lnRef idx="0">
+        <a:scrgbClr r="0" g="0" b="0"/>
+      </a:lnRef>
+      <a:fillRef idx="1">
+        <a:scrgbClr r="0" g="0" b="0"/>
+      </a:fillRef>
+      <a:effectRef idx="0">
+        <a:scrgbClr r="0" g="0" b="0"/>
+      </a:effectRef>
+      <a:fontRef idx="minor">
+        <a:schemeClr val="lt1"/>
+      </a:fontRef>
+    </dgm:style>
+  </dgm:styleLbl>
+  <dgm:styleLbl name="fgSibTrans2D1">
+    <dgm:scene3d>
+      <a:camera prst="orthographicFront"/>
+      <a:lightRig rig="threePt" dir="t"/>
+    </dgm:scene3d>
+    <dgm:sp3d/>
+    <dgm:txPr/>
+    <dgm:style>
+      <a:lnRef idx="0">
+        <a:scrgbClr r="0" g="0" b="0"/>
+      </a:lnRef>
+      <a:fillRef idx="1">
+        <a:scrgbClr r="0" g="0" b="0"/>
+      </a:fillRef>
+      <a:effectRef idx="0">
+        <a:scrgbClr r="0" g="0" b="0"/>
+      </a:effectRef>
+      <a:fontRef idx="minor">
+        <a:schemeClr val="lt1"/>
+      </a:fontRef>
+    </dgm:style>
+  </dgm:styleLbl>
+  <dgm:styleLbl name="bgSibTrans2D1">
+    <dgm:scene3d>
+      <a:camera prst="orthographicFront"/>
+      <a:lightRig rig="threePt" dir="t"/>
+    </dgm:scene3d>
+    <dgm:sp3d/>
+    <dgm:txPr/>
+    <dgm:style>
+      <a:lnRef idx="0">
+        <a:scrgbClr r="0" g="0" b="0"/>
+      </a:lnRef>
+      <a:fillRef idx="1">
+        <a:scrgbClr r="0" g="0" b="0"/>
+      </a:fillRef>
+      <a:effectRef idx="0">
+        <a:scrgbClr r="0" g="0" b="0"/>
+      </a:effectRef>
+      <a:fontRef idx="minor">
+        <a:schemeClr val="lt1"/>
+      </a:fontRef>
+    </dgm:style>
+  </dgm:styleLbl>
+  <dgm:styleLbl name="sibTrans1D1">
+    <dgm:scene3d>
+      <a:camera prst="orthographicFront"/>
+      <a:lightRig rig="threePt" dir="t"/>
+    </dgm:scene3d>
+    <dgm:sp3d/>
+    <dgm:txPr/>
+    <dgm:style>
+      <a:lnRef idx="1">
+        <a:scrgbClr r="0" g="0" b="0"/>
+      </a:lnRef>
+      <a:fillRef idx="0">
+        <a:scrgbClr r="0" g="0" b="0"/>
+      </a:fillRef>
+      <a:effectRef idx="0">
+        <a:scrgbClr r="0" g="0" b="0"/>
+      </a:effectRef>
+      <a:fontRef idx="minor"/>
+    </dgm:style>
+  </dgm:styleLbl>
+  <dgm:styleLbl name="callout">
+    <dgm:scene3d>
+      <a:camera prst="orthographicFront"/>
+      <a:lightRig rig="threePt" dir="t"/>
+    </dgm:scene3d>
+    <dgm:sp3d/>
+    <dgm:txPr/>
+    <dgm:style>
+      <a:lnRef idx="2">
+        <a:scrgbClr r="0" g="0" b="0"/>
+      </a:lnRef>
+      <a:fillRef idx="1">
+        <a:scrgbClr r="0" g="0" b="0"/>
+      </a:fillRef>
+      <a:effectRef idx="0">
+        <a:scrgbClr r="0" g="0" b="0"/>
+      </a:effectRef>
+      <a:fontRef idx="minor"/>
+    </dgm:style>
+  </dgm:styleLbl>
+  <dgm:styleLbl name="asst0">
+    <dgm:scene3d>
+      <a:camera prst="orthographicFront"/>
+      <a:lightRig rig="threePt" dir="t"/>
+    </dgm:scene3d>
+    <dgm:sp3d/>
+    <dgm:txPr/>
+    <dgm:style>
+      <a:lnRef idx="2">
+        <a:scrgbClr r="0" g="0" b="0"/>
+      </a:lnRef>
+      <a:fillRef idx="1">
+        <a:scrgbClr r="0" g="0" b="0"/>
+      </a:fillRef>
+      <a:effectRef idx="0">
+        <a:scrgbClr r="0" g="0" b="0"/>
+      </a:effectRef>
+      <a:fontRef idx="minor">
+        <a:schemeClr val="lt1"/>
+      </a:fontRef>
+    </dgm:style>
+  </dgm:styleLbl>
+  <dgm:styleLbl name="asst1">
+    <dgm:scene3d>
+      <a:camera prst="orthographicFront"/>
+      <a:lightRig rig="threePt" dir="t"/>
+    </dgm:scene3d>
+    <dgm:sp3d/>
+    <dgm:txPr/>
+    <dgm:style>
+      <a:lnRef idx="2">
+        <a:scrgbClr r="0" g="0" b="0"/>
+      </a:lnRef>
+      <a:fillRef idx="1">
+        <a:scrgbClr r="0" g="0" b="0"/>
+      </a:fillRef>
+      <a:effectRef idx="0">
+        <a:scrgbClr r="0" g="0" b="0"/>
+      </a:effectRef>
+      <a:fontRef idx="minor">
+        <a:schemeClr val="lt1"/>
+      </a:fontRef>
+    </dgm:style>
+  </dgm:styleLbl>
+  <dgm:styleLbl name="asst2">
+    <dgm:scene3d>
+      <a:camera prst="orthographicFront"/>
+      <a:lightRig rig="threePt" dir="t"/>
+    </dgm:scene3d>
+    <dgm:sp3d/>
+    <dgm:txPr/>
+    <dgm:style>
+      <a:lnRef idx="2">
+        <a:scrgbClr r="0" g="0" b="0"/>
+      </a:lnRef>
+      <a:fillRef idx="1">
+        <a:scrgbClr r="0" g="0" b="0"/>
+      </a:fillRef>
+      <a:effectRef idx="0">
+        <a:scrgbClr r="0" g="0" b="0"/>
+      </a:effectRef>
+      <a:fontRef idx="minor">
+        <a:schemeClr val="lt1"/>
+      </a:fontRef>
+    </dgm:style>
+  </dgm:styleLbl>
+  <dgm:styleLbl name="asst3">
+    <dgm:scene3d>
+      <a:camera prst="orthographicFront"/>
+      <a:lightRig rig="threePt" dir="t"/>
+    </dgm:scene3d>
+    <dgm:sp3d/>
+    <dgm:txPr/>
+    <dgm:style>
+      <a:lnRef idx="2">
+        <a:scrgbClr r="0" g="0" b="0"/>
+      </a:lnRef>
+      <a:fillRef idx="1">
+        <a:scrgbClr r="0" g="0" b="0"/>
+      </a:fillRef>
+      <a:effectRef idx="0">
+        <a:scrgbClr r="0" g="0" b="0"/>
+      </a:effectRef>
+      <a:fontRef idx="minor">
+        <a:schemeClr val="lt1"/>
+      </a:fontRef>
+    </dgm:style>
+  </dgm:styleLbl>
+  <dgm:styleLbl name="asst4">
+    <dgm:scene3d>
+      <a:camera prst="orthographicFront"/>
+      <a:lightRig rig="threePt" dir="t"/>
+    </dgm:scene3d>
+    <dgm:sp3d/>
+    <dgm:txPr/>
+    <dgm:style>
+      <a:lnRef idx="2">
+        <a:scrgbClr r="0" g="0" b="0"/>
+      </a:lnRef>
+      <a:fillRef idx="1">
+        <a:scrgbClr r="0" g="0" b="0"/>
+      </a:fillRef>
+      <a:effectRef idx="0">
+        <a:scrgbClr r="0" g="0" b="0"/>
+      </a:effectRef>
+      <a:fontRef idx="minor">
+        <a:schemeClr val="lt1"/>
+      </a:fontRef>
+    </dgm:style>
+  </dgm:styleLbl>
+  <dgm:styleLbl name="parChTrans2D1">
+    <dgm:scene3d>
+      <a:camera prst="orthographicFront"/>
+      <a:lightRig rig="threePt" dir="t"/>
+    </dgm:scene3d>
+    <dgm:sp3d/>
+    <dgm:txPr/>
+    <dgm:style>
+      <a:lnRef idx="2">
+        <a:scrgbClr r="0" g="0" b="0"/>
+      </a:lnRef>
+      <a:fillRef idx="1">
+        <a:scrgbClr r="0" g="0" b="0"/>
+      </a:fillRef>
+      <a:effectRef idx="0">
+        <a:scrgbClr r="0" g="0" b="0"/>
+      </a:effectRef>
+      <a:fontRef idx="minor">
+        <a:schemeClr val="lt1"/>
+      </a:fontRef>
+    </dgm:style>
+  </dgm:styleLbl>
+  <dgm:styleLbl name="parChTrans2D2">
+    <dgm:scene3d>
+      <a:camera prst="orthographicFront"/>
+      <a:lightRig rig="threePt" dir="t"/>
+    </dgm:scene3d>
+    <dgm:sp3d/>
+    <dgm:txPr/>
+    <dgm:style>
+      <a:lnRef idx="2">
+        <a:scrgbClr r="0" g="0" b="0"/>
+      </a:lnRef>
+      <a:fillRef idx="1">
+        <a:scrgbClr r="0" g="0" b="0"/>
+      </a:fillRef>
+      <a:effectRef idx="0">
+        <a:scrgbClr r="0" g="0" b="0"/>
+      </a:effectRef>
+      <a:fontRef idx="minor">
+        <a:schemeClr val="lt1"/>
+      </a:fontRef>
+    </dgm:style>
+  </dgm:styleLbl>
+  <dgm:styleLbl name="parChTrans2D3">
+    <dgm:scene3d>
+      <a:camera prst="orthographicFront"/>
+      <a:lightRig rig="threePt" dir="t"/>
+    </dgm:scene3d>
+    <dgm:sp3d/>
+    <dgm:txPr/>
+    <dgm:style>
+      <a:lnRef idx="2">
+        <a:scrgbClr r="0" g="0" b="0"/>
+      </a:lnRef>
+      <a:fillRef idx="1">
+        <a:scrgbClr r="0" g="0" b="0"/>
+      </a:fillRef>
+      <a:effectRef idx="0">
+        <a:scrgbClr r="0" g="0" b="0"/>
+      </a:effectRef>
+      <a:fontRef idx="minor">
+        <a:schemeClr val="lt1"/>
+      </a:fontRef>
+    </dgm:style>
+  </dgm:styleLbl>
+  <dgm:styleLbl name="parChTrans2D4">
+    <dgm:scene3d>
+      <a:camera prst="orthographicFront"/>
+      <a:lightRig rig="threePt" dir="t"/>
+    </dgm:scene3d>
+    <dgm:sp3d/>
+    <dgm:txPr/>
+    <dgm:style>
+      <a:lnRef idx="2">
+        <a:scrgbClr r="0" g="0" b="0"/>
+      </a:lnRef>
+      <a:fillRef idx="1">
+        <a:scrgbClr r="0" g="0" b="0"/>
+      </a:fillRef>
+      <a:effectRef idx="0">
+        <a:scrgbClr r="0" g="0" b="0"/>
+      </a:effectRef>
+      <a:fontRef idx="minor">
+        <a:schemeClr val="lt1"/>
+      </a:fontRef>
+    </dgm:style>
+  </dgm:styleLbl>
+  <dgm:styleLbl name="parChTrans1D1">
+    <dgm:scene3d>
+      <a:camera prst="orthographicFront"/>
+      <a:lightRig rig="threePt" dir="t"/>
+    </dgm:scene3d>
+    <dgm:sp3d/>
+    <dgm:txPr/>
+    <dgm:style>
+      <a:lnRef idx="2">
+        <a:scrgbClr r="0" g="0" b="0"/>
+      </a:lnRef>
+      <a:fillRef idx="0">
+        <a:scrgbClr r="0" g="0" b="0"/>
+      </a:fillRef>
+      <a:effectRef idx="0">
+        <a:scrgbClr r="0" g="0" b="0"/>
+      </a:effectRef>
+      <a:fontRef idx="minor"/>
+    </dgm:style>
+  </dgm:styleLbl>
+  <dgm:styleLbl name="parChTrans1D2">
+    <dgm:scene3d>
+      <a:camera prst="orthographicFront"/>
+      <a:lightRig rig="threePt" dir="t"/>
+    </dgm:scene3d>
+    <dgm:sp3d/>
+    <dgm:txPr/>
+    <dgm:style>
+      <a:lnRef idx="2">
+        <a:scrgbClr r="0" g="0" b="0"/>
+      </a:lnRef>
+      <a:fillRef idx="0">
+        <a:scrgbClr r="0" g="0" b="0"/>
+      </a:fillRef>
+      <a:effectRef idx="0">
+        <a:scrgbClr r="0" g="0" b="0"/>
+      </a:effectRef>
+      <a:fontRef idx="minor"/>
+    </dgm:style>
+  </dgm:styleLbl>
+  <dgm:styleLbl name="parChTrans1D3">
+    <dgm:scene3d>
+      <a:camera prst="orthographicFront"/>
+      <a:lightRig rig="threePt" dir="t"/>
+    </dgm:scene3d>
+    <dgm:sp3d/>
+    <dgm:txPr/>
+    <dgm:style>
+      <a:lnRef idx="2">
+        <a:scrgbClr r="0" g="0" b="0"/>
+      </a:lnRef>
+      <a:fillRef idx="0">
+        <a:scrgbClr r="0" g="0" b="0"/>
+      </a:fillRef>
+      <a:effectRef idx="0">
+        <a:scrgbClr r="0" g="0" b="0"/>
+      </a:effectRef>
+      <a:fontRef idx="minor"/>
+    </dgm:style>
+  </dgm:styleLbl>
+  <dgm:styleLbl name="parChTrans1D4">
+    <dgm:scene3d>
+      <a:camera prst="orthographicFront"/>
+      <a:lightRig rig="threePt" dir="t"/>
+    </dgm:scene3d>
+    <dgm:sp3d/>
+    <dgm:txPr/>
+    <dgm:style>
+      <a:lnRef idx="2">
+        <a:scrgbClr r="0" g="0" b="0"/>
+      </a:lnRef>
+      <a:fillRef idx="0">
+        <a:scrgbClr r="0" g="0" b="0"/>
+      </a:fillRef>
+      <a:effectRef idx="0">
+        <a:scrgbClr r="0" g="0" b="0"/>
+      </a:effectRef>
+      <a:fontRef idx="minor"/>
+    </dgm:style>
+  </dgm:styleLbl>
+  <dgm:styleLbl name="fgAcc1">
+    <dgm:scene3d>
+      <a:camera prst="orthographicFront"/>
+      <a:lightRig rig="threePt" dir="t"/>
+    </dgm:scene3d>
+    <dgm:sp3d/>
+    <dgm:txPr/>
+    <dgm:style>
+      <a:lnRef idx="2">
+        <a:scrgbClr r="0" g="0" b="0"/>
+      </a:lnRef>
+      <a:fillRef idx="1">
+        <a:scrgbClr r="0" g="0" b="0"/>
+      </a:fillRef>
+      <a:effectRef idx="0">
+        <a:scrgbClr r="0" g="0" b="0"/>
+      </a:effectRef>
+      <a:fontRef idx="minor"/>
+    </dgm:style>
+  </dgm:styleLbl>
+  <dgm:styleLbl name="conFgAcc1">
+    <dgm:scene3d>
+      <a:camera prst="orthographicFront"/>
+      <a:lightRig rig="threePt" dir="t"/>
+    </dgm:scene3d>
+    <dgm:sp3d/>
+    <dgm:txPr/>
+    <dgm:style>
+      <a:lnRef idx="2">
+        <a:scrgbClr r="0" g="0" b="0"/>
+      </a:lnRef>
+      <a:fillRef idx="1">
+        <a:scrgbClr r="0" g="0" b="0"/>
+      </a:fillRef>
+      <a:effectRef idx="0">
+        <a:scrgbClr r="0" g="0" b="0"/>
+      </a:effectRef>
+      <a:fontRef idx="minor"/>
+    </dgm:style>
+  </dgm:styleLbl>
+  <dgm:styleLbl name="alignAcc1">
+    <dgm:scene3d>
+      <a:camera prst="orthographicFront"/>
+      <a:lightRig rig="threePt" dir="t"/>
+    </dgm:scene3d>
+    <dgm:sp3d/>
+    <dgm:txPr/>
+    <dgm:style>
+      <a:lnRef idx="2">
+        <a:scrgbClr r="0" g="0" b="0"/>
+      </a:lnRef>
+      <a:fillRef idx="1">
+        <a:scrgbClr r="0" g="0" b="0"/>
+      </a:fillRef>
+      <a:effectRef idx="0">
+        <a:scrgbClr r="0" g="0" b="0"/>
+      </a:effectRef>
+      <a:fontRef idx="minor"/>
+    </dgm:style>
+  </dgm:styleLbl>
+  <dgm:styleLbl name="trAlignAcc1">
+    <dgm:scene3d>
+      <a:camera prst="orthographicFront"/>
+      <a:lightRig rig="threePt" dir="t"/>
+    </dgm:scene3d>
+    <dgm:sp3d/>
+    <dgm:txPr/>
+    <dgm:style>
+      <a:lnRef idx="1">
+        <a:scrgbClr r="0" g="0" b="0"/>
+      </a:lnRef>
+      <a:fillRef idx="1">
+        <a:scrgbClr r="0" g="0" b="0"/>
+      </a:fillRef>
+      <a:effectRef idx="0">
+        <a:scrgbClr r="0" g="0" b="0"/>
+      </a:effectRef>
+      <a:fontRef idx="minor"/>
+    </dgm:style>
+  </dgm:styleLbl>
+  <dgm:styleLbl name="bgAcc1">
+    <dgm:scene3d>
+      <a:camera prst="orthographicFront"/>
+      <a:lightRig rig="threePt" dir="t"/>
+    </dgm:scene3d>
+    <dgm:sp3d/>
+    <dgm:txPr/>
+    <dgm:style>
+      <a:lnRef idx="2">
+        <a:scrgbClr r="0" g="0" b="0"/>
+      </a:lnRef>
+      <a:fillRef idx="1">
+        <a:scrgbClr r="0" g="0" b="0"/>
+      </a:fillRef>
+      <a:effectRef idx="0">
+        <a:scrgbClr r="0" g="0" b="0"/>
+      </a:effectRef>
+      <a:fontRef idx="minor"/>
+    </dgm:style>
+  </dgm:styleLbl>
+  <dgm:styleLbl name="solidFgAcc1">
+    <dgm:scene3d>
+      <a:camera prst="orthographicFront"/>
+      <a:lightRig rig="threePt" dir="t"/>
+    </dgm:scene3d>
+    <dgm:sp3d/>
+    <dgm:txPr/>
+    <dgm:style>
+      <a:lnRef idx="2">
+        <a:scrgbClr r="0" g="0" b="0"/>
+      </a:lnRef>
+      <a:fillRef idx="1">
+        <a:scrgbClr r="0" g="0" b="0"/>
+      </a:fillRef>
+      <a:effectRef idx="0">
+        <a:scrgbClr r="0" g="0" b="0"/>
+      </a:effectRef>
+      <a:fontRef idx="minor"/>
+    </dgm:style>
+  </dgm:styleLbl>
+  <dgm:styleLbl name="solidAlignAcc1">
+    <dgm:scene3d>
+      <a:camera prst="orthographicFront"/>
+      <a:lightRig rig="threePt" dir="t"/>
+    </dgm:scene3d>
+    <dgm:sp3d/>
+    <dgm:txPr/>
+    <dgm:style>
+      <a:lnRef idx="2">
+        <a:scrgbClr r="0" g="0" b="0"/>
+      </a:lnRef>
+      <a:fillRef idx="1">
+        <a:scrgbClr r="0" g="0" b="0"/>
+      </a:fillRef>
+      <a:effectRef idx="0">
+        <a:scrgbClr r="0" g="0" b="0"/>
+      </a:effectRef>
+      <a:fontRef idx="minor"/>
+    </dgm:style>
+  </dgm:styleLbl>
+  <dgm:styleLbl name="solidBgAcc1">
+    <dgm:scene3d>
+      <a:camera prst="orthographicFront"/>
+      <a:lightRig rig="threePt" dir="t"/>
+    </dgm:scene3d>
+    <dgm:sp3d/>
+    <dgm:txPr/>
+    <dgm:style>
+      <a:lnRef idx="2">
+        <a:scrgbClr r="0" g="0" b="0"/>
+      </a:lnRef>
+      <a:fillRef idx="1">
+        <a:scrgbClr r="0" g="0" b="0"/>
+      </a:fillRef>
+      <a:effectRef idx="0">
+        <a:scrgbClr r="0" g="0" b="0"/>
+      </a:effectRef>
+      <a:fontRef idx="minor"/>
+    </dgm:style>
+  </dgm:styleLbl>
+  <dgm:styleLbl name="fgAccFollowNode1">
+    <dgm:scene3d>
+      <a:camera prst="orthographicFront"/>
+      <a:lightRig rig="threePt" dir="t"/>
+    </dgm:scene3d>
+    <dgm:sp3d/>
+    <dgm:txPr/>
+    <dgm:style>
+      <a:lnRef idx="2">
+        <a:scrgbClr r="0" g="0" b="0"/>
+      </a:lnRef>
+      <a:fillRef idx="1">
+        <a:scrgbClr r="0" g="0" b="0"/>
+      </a:fillRef>
+      <a:effectRef idx="0">
+        <a:scrgbClr r="0" g="0" b="0"/>
+      </a:effectRef>
+      <a:fontRef idx="minor"/>
+    </dgm:style>
+  </dgm:styleLbl>
+  <dgm:styleLbl name="alignAccFollowNode1">
+    <dgm:scene3d>
+      <a:camera prst="orthographicFront"/>
+      <a:lightRig rig="threePt" dir="t"/>
+    </dgm:scene3d>
+    <dgm:sp3d/>
+    <dgm:txPr/>
+    <dgm:style>
+      <a:lnRef idx="2">
+        <a:scrgbClr r="0" g="0" b="0"/>
+      </a:lnRef>
+      <a:fillRef idx="1">
+        <a:scrgbClr r="0" g="0" b="0"/>
+      </a:fillRef>
+      <a:effectRef idx="0">
+        <a:scrgbClr r="0" g="0" b="0"/>
+      </a:effectRef>
+      <a:fontRef idx="minor"/>
+    </dgm:style>
+  </dgm:styleLbl>
+  <dgm:styleLbl name="bgAccFollowNode1">
+    <dgm:scene3d>
+      <a:camera prst="orthographicFront"/>
+      <a:lightRig rig="threePt" dir="t"/>
+    </dgm:scene3d>
+    <dgm:sp3d/>
+    <dgm:txPr/>
+    <dgm:style>
+      <a:lnRef idx="2">
+        <a:scrgbClr r="0" g="0" b="0"/>
+      </a:lnRef>
+      <a:fillRef idx="1">
+        <a:scrgbClr r="0" g="0" b="0"/>
+      </a:fillRef>
+      <a:effectRef idx="0">
+        <a:scrgbClr r="0" g="0" b="0"/>
+      </a:effectRef>
+      <a:fontRef idx="minor"/>
+    </dgm:style>
+  </dgm:styleLbl>
+  <dgm:styleLbl name="fgAcc0">
+    <dgm:scene3d>
+      <a:camera prst="orthographicFront"/>
+      <a:lightRig rig="threePt" dir="t"/>
+    </dgm:scene3d>
+    <dgm:sp3d/>
+    <dgm:txPr/>
+    <dgm:style>
+      <a:lnRef idx="2">
+        <a:scrgbClr r="0" g="0" b="0"/>
+      </a:lnRef>
+      <a:fillRef idx="1">
+        <a:scrgbClr r="0" g="0" b="0"/>
+      </a:fillRef>
+      <a:effectRef idx="0">
+        <a:scrgbClr r="0" g="0" b="0"/>
+      </a:effectRef>
+      <a:fontRef idx="minor"/>
+    </dgm:style>
+  </dgm:styleLbl>
+  <dgm:styleLbl name="fgAcc2">
+    <dgm:scene3d>
+      <a:camera prst="orthographicFront"/>
+      <a:lightRig rig="threePt" dir="t"/>
+    </dgm:scene3d>
+    <dgm:sp3d/>
+    <dgm:txPr/>
+    <dgm:style>
+      <a:lnRef idx="2">
+        <a:scrgbClr r="0" g="0" b="0"/>
+      </a:lnRef>
+      <a:fillRef idx="1">
+        <a:scrgbClr r="0" g="0" b="0"/>
+      </a:fillRef>
+      <a:effectRef idx="0">
+        <a:scrgbClr r="0" g="0" b="0"/>
+      </a:effectRef>
+      <a:fontRef idx="minor"/>
+    </dgm:style>
+  </dgm:styleLbl>
+  <dgm:styleLbl name="fgAcc3">
+    <dgm:scene3d>
+      <a:camera prst="orthographicFront"/>
+      <a:lightRig rig="threePt" dir="t"/>
+    </dgm:scene3d>
+    <dgm:sp3d/>
+    <dgm:txPr/>
+    <dgm:style>
+      <a:lnRef idx="2">
+        <a:scrgbClr r="0" g="0" b="0"/>
+      </a:lnRef>
+      <a:fillRef idx="1">
+        <a:scrgbClr r="0" g="0" b="0"/>
+      </a:fillRef>
+      <a:effectRef idx="0">
+        <a:scrgbClr r="0" g="0" b="0"/>
+      </a:effectRef>
+      <a:fontRef idx="minor"/>
+    </dgm:style>
+  </dgm:styleLbl>
+  <dgm:styleLbl name="fgAcc4">
+    <dgm:scene3d>
+      <a:camera prst="orthographicFront"/>
+      <a:lightRig rig="threePt" dir="t"/>
+    </dgm:scene3d>
+    <dgm:sp3d/>
+    <dgm:txPr/>
+    <dgm:style>
+      <a:lnRef idx="2">
+        <a:scrgbClr r="0" g="0" b="0"/>
+      </a:lnRef>
+      <a:fillRef idx="1">
+        <a:scrgbClr r="0" g="0" b="0"/>
+      </a:fillRef>
+      <a:effectRef idx="0">
+        <a:scrgbClr r="0" g="0" b="0"/>
+      </a:effectRef>
+      <a:fontRef idx="minor"/>
+    </dgm:style>
+  </dgm:styleLbl>
+  <dgm:styleLbl name="bgShp">
+    <dgm:scene3d>
+      <a:camera prst="orthographicFront"/>
+      <a:lightRig rig="threePt" dir="t"/>
+    </dgm:scene3d>
+    <dgm:sp3d/>
+    <dgm:txPr/>
+    <dgm:style>
+      <a:lnRef idx="0">
+        <a:scrgbClr r="0" g="0" b="0"/>
+      </a:lnRef>
+      <a:fillRef idx="1">
+        <a:scrgbClr r="0" g="0" b="0"/>
+      </a:fillRef>
+      <a:effectRef idx="0">
+        <a:scrgbClr r="0" g="0" b="0"/>
+      </a:effectRef>
+      <a:fontRef idx="minor"/>
+    </dgm:style>
+  </dgm:styleLbl>
+  <dgm:styleLbl name="dkBgShp">
+    <dgm:scene3d>
+      <a:camera prst="orthographicFront"/>
+      <a:lightRig rig="threePt" dir="t"/>
+    </dgm:scene3d>
+    <dgm:sp3d/>
+    <dgm:txPr/>
+    <dgm:style>
+      <a:lnRef idx="0">
+        <a:scrgbClr r="0" g="0" b="0"/>
+      </a:lnRef>
+      <a:fillRef idx="1">
+        <a:scrgbClr r="0" g="0" b="0"/>
+      </a:fillRef>
+      <a:effectRef idx="0">
+        <a:scrgbClr r="0" g="0" b="0"/>
+      </a:effectRef>
+      <a:fontRef idx="minor"/>
+    </dgm:style>
+  </dgm:styleLbl>
+  <dgm:styleLbl name="trBgShp">
+    <dgm:scene3d>
+      <a:camera prst="orthographicFront"/>
+      <a:lightRig rig="threePt" dir="t"/>
+    </dgm:scene3d>
+    <dgm:sp3d/>
+    <dgm:txPr/>
+    <dgm:style>
+      <a:lnRef idx="0">
+        <a:scrgbClr r="0" g="0" b="0"/>
+      </a:lnRef>
+      <a:fillRef idx="1">
+        <a:scrgbClr r="0" g="0" b="0"/>
+      </a:fillRef>
+      <a:effectRef idx="0">
+        <a:scrgbClr r="0" g="0" b="0"/>
+      </a:effectRef>
+      <a:fontRef idx="minor"/>
+    </dgm:style>
+  </dgm:styleLbl>
+  <dgm:styleLbl name="fgShp">
+    <dgm:scene3d>
+      <a:camera prst="orthographicFront"/>
+      <a:lightRig rig="threePt" dir="t"/>
+    </dgm:scene3d>
+    <dgm:sp3d/>
+    <dgm:txPr/>
+    <dgm:style>
+      <a:lnRef idx="2">
+        <a:scrgbClr r="0" g="0" b="0"/>
+      </a:lnRef>
+      <a:fillRef idx="1">
+        <a:scrgbClr r="0" g="0" b="0"/>
+      </a:fillRef>
+      <a:effectRef idx="0">
+        <a:scrgbClr r="0" g="0" b="0"/>
+      </a:effectRef>
+      <a:fontRef idx="minor"/>
     </dgm:style>
   </dgm:styleLbl>
   <dgm:styleLbl name="revTx">
@@ -26801,1040 +23465,6 @@
 </file>
 
 <file path=ppt/diagrams/quickStyle6.xml><?xml version="1.0" encoding="utf-8"?>
-<dgm:styleDef xmlns:dgm="http://schemas.openxmlformats.org/drawingml/2006/diagram" xmlns:a="http://schemas.openxmlformats.org/drawingml/2006/main" uniqueId="urn:microsoft.com/office/officeart/2005/8/quickstyle/simple4">
-  <dgm:title val=""/>
-  <dgm:desc val=""/>
-  <dgm:catLst>
-    <dgm:cat type="simple" pri="10400"/>
-  </dgm:catLst>
-  <dgm:scene3d>
-    <a:camera prst="orthographicFront"/>
-    <a:lightRig rig="threePt" dir="t"/>
-  </dgm:scene3d>
-  <dgm:styleLbl name="node0">
-    <dgm:scene3d>
-      <a:camera prst="orthographicFront"/>
-      <a:lightRig rig="threePt" dir="t"/>
-    </dgm:scene3d>
-    <dgm:sp3d/>
-    <dgm:txPr/>
-    <dgm:style>
-      <a:lnRef idx="0">
-        <a:scrgbClr r="0" g="0" b="0"/>
-      </a:lnRef>
-      <a:fillRef idx="3">
-        <a:scrgbClr r="0" g="0" b="0"/>
-      </a:fillRef>
-      <a:effectRef idx="2">
-        <a:scrgbClr r="0" g="0" b="0"/>
-      </a:effectRef>
-      <a:fontRef idx="minor">
-        <a:schemeClr val="lt1"/>
-      </a:fontRef>
-    </dgm:style>
-  </dgm:styleLbl>
-  <dgm:styleLbl name="lnNode1">
-    <dgm:scene3d>
-      <a:camera prst="orthographicFront"/>
-      <a:lightRig rig="threePt" dir="t"/>
-    </dgm:scene3d>
-    <dgm:sp3d/>
-    <dgm:txPr/>
-    <dgm:style>
-      <a:lnRef idx="1">
-        <a:scrgbClr r="0" g="0" b="0"/>
-      </a:lnRef>
-      <a:fillRef idx="3">
-        <a:scrgbClr r="0" g="0" b="0"/>
-      </a:fillRef>
-      <a:effectRef idx="2">
-        <a:scrgbClr r="0" g="0" b="0"/>
-      </a:effectRef>
-      <a:fontRef idx="minor">
-        <a:schemeClr val="lt1"/>
-      </a:fontRef>
-    </dgm:style>
-  </dgm:styleLbl>
-  <dgm:styleLbl name="vennNode1">
-    <dgm:scene3d>
-      <a:camera prst="orthographicFront"/>
-      <a:lightRig rig="threePt" dir="t"/>
-    </dgm:scene3d>
-    <dgm:sp3d/>
-    <dgm:txPr/>
-    <dgm:style>
-      <a:lnRef idx="0">
-        <a:scrgbClr r="0" g="0" b="0"/>
-      </a:lnRef>
-      <a:fillRef idx="3">
-        <a:scrgbClr r="0" g="0" b="0"/>
-      </a:fillRef>
-      <a:effectRef idx="0">
-        <a:scrgbClr r="0" g="0" b="0"/>
-      </a:effectRef>
-      <a:fontRef idx="minor">
-        <a:schemeClr val="tx1"/>
-      </a:fontRef>
-    </dgm:style>
-  </dgm:styleLbl>
-  <dgm:styleLbl name="alignNode1">
-    <dgm:scene3d>
-      <a:camera prst="orthographicFront"/>
-      <a:lightRig rig="threePt" dir="t"/>
-    </dgm:scene3d>
-    <dgm:sp3d/>
-    <dgm:txPr/>
-    <dgm:style>
-      <a:lnRef idx="1">
-        <a:scrgbClr r="0" g="0" b="0"/>
-      </a:lnRef>
-      <a:fillRef idx="3">
-        <a:scrgbClr r="0" g="0" b="0"/>
-      </a:fillRef>
-      <a:effectRef idx="2">
-        <a:scrgbClr r="0" g="0" b="0"/>
-      </a:effectRef>
-      <a:fontRef idx="minor">
-        <a:schemeClr val="lt1"/>
-      </a:fontRef>
-    </dgm:style>
-  </dgm:styleLbl>
-  <dgm:styleLbl name="node1">
-    <dgm:scene3d>
-      <a:camera prst="orthographicFront"/>
-      <a:lightRig rig="threePt" dir="t"/>
-    </dgm:scene3d>
-    <dgm:sp3d/>
-    <dgm:txPr/>
-    <dgm:style>
-      <a:lnRef idx="0">
-        <a:scrgbClr r="0" g="0" b="0"/>
-      </a:lnRef>
-      <a:fillRef idx="3">
-        <a:scrgbClr r="0" g="0" b="0"/>
-      </a:fillRef>
-      <a:effectRef idx="2">
-        <a:scrgbClr r="0" g="0" b="0"/>
-      </a:effectRef>
-      <a:fontRef idx="minor">
-        <a:schemeClr val="lt1"/>
-      </a:fontRef>
-    </dgm:style>
-  </dgm:styleLbl>
-  <dgm:styleLbl name="node2">
-    <dgm:scene3d>
-      <a:camera prst="orthographicFront"/>
-      <a:lightRig rig="threePt" dir="t"/>
-    </dgm:scene3d>
-    <dgm:sp3d/>
-    <dgm:txPr/>
-    <dgm:style>
-      <a:lnRef idx="0">
-        <a:scrgbClr r="0" g="0" b="0"/>
-      </a:lnRef>
-      <a:fillRef idx="3">
-        <a:scrgbClr r="0" g="0" b="0"/>
-      </a:fillRef>
-      <a:effectRef idx="2">
-        <a:scrgbClr r="0" g="0" b="0"/>
-      </a:effectRef>
-      <a:fontRef idx="minor">
-        <a:schemeClr val="lt1"/>
-      </a:fontRef>
-    </dgm:style>
-  </dgm:styleLbl>
-  <dgm:styleLbl name="node3">
-    <dgm:scene3d>
-      <a:camera prst="orthographicFront"/>
-      <a:lightRig rig="threePt" dir="t"/>
-    </dgm:scene3d>
-    <dgm:sp3d/>
-    <dgm:txPr/>
-    <dgm:style>
-      <a:lnRef idx="0">
-        <a:scrgbClr r="0" g="0" b="0"/>
-      </a:lnRef>
-      <a:fillRef idx="3">
-        <a:scrgbClr r="0" g="0" b="0"/>
-      </a:fillRef>
-      <a:effectRef idx="2">
-        <a:scrgbClr r="0" g="0" b="0"/>
-      </a:effectRef>
-      <a:fontRef idx="minor">
-        <a:schemeClr val="lt1"/>
-      </a:fontRef>
-    </dgm:style>
-  </dgm:styleLbl>
-  <dgm:styleLbl name="node4">
-    <dgm:scene3d>
-      <a:camera prst="orthographicFront"/>
-      <a:lightRig rig="threePt" dir="t"/>
-    </dgm:scene3d>
-    <dgm:sp3d/>
-    <dgm:txPr/>
-    <dgm:style>
-      <a:lnRef idx="0">
-        <a:scrgbClr r="0" g="0" b="0"/>
-      </a:lnRef>
-      <a:fillRef idx="3">
-        <a:scrgbClr r="0" g="0" b="0"/>
-      </a:fillRef>
-      <a:effectRef idx="2">
-        <a:scrgbClr r="0" g="0" b="0"/>
-      </a:effectRef>
-      <a:fontRef idx="minor">
-        <a:schemeClr val="lt1"/>
-      </a:fontRef>
-    </dgm:style>
-  </dgm:styleLbl>
-  <dgm:styleLbl name="fgImgPlace1">
-    <dgm:scene3d>
-      <a:camera prst="orthographicFront"/>
-      <a:lightRig rig="threePt" dir="t"/>
-    </dgm:scene3d>
-    <dgm:sp3d/>
-    <dgm:txPr/>
-    <dgm:style>
-      <a:lnRef idx="0">
-        <a:scrgbClr r="0" g="0" b="0"/>
-      </a:lnRef>
-      <a:fillRef idx="1">
-        <a:scrgbClr r="0" g="0" b="0"/>
-      </a:fillRef>
-      <a:effectRef idx="2">
-        <a:scrgbClr r="0" g="0" b="0"/>
-      </a:effectRef>
-      <a:fontRef idx="minor"/>
-    </dgm:style>
-  </dgm:styleLbl>
-  <dgm:styleLbl name="alignImgPlace1">
-    <dgm:scene3d>
-      <a:camera prst="orthographicFront"/>
-      <a:lightRig rig="threePt" dir="t"/>
-    </dgm:scene3d>
-    <dgm:sp3d/>
-    <dgm:txPr/>
-    <dgm:style>
-      <a:lnRef idx="0">
-        <a:scrgbClr r="0" g="0" b="0"/>
-      </a:lnRef>
-      <a:fillRef idx="1">
-        <a:scrgbClr r="0" g="0" b="0"/>
-      </a:fillRef>
-      <a:effectRef idx="2">
-        <a:scrgbClr r="0" g="0" b="0"/>
-      </a:effectRef>
-      <a:fontRef idx="minor"/>
-    </dgm:style>
-  </dgm:styleLbl>
-  <dgm:styleLbl name="bgImgPlace1">
-    <dgm:scene3d>
-      <a:camera prst="orthographicFront"/>
-      <a:lightRig rig="threePt" dir="t"/>
-    </dgm:scene3d>
-    <dgm:sp3d/>
-    <dgm:txPr/>
-    <dgm:style>
-      <a:lnRef idx="0">
-        <a:scrgbClr r="0" g="0" b="0"/>
-      </a:lnRef>
-      <a:fillRef idx="1">
-        <a:scrgbClr r="0" g="0" b="0"/>
-      </a:fillRef>
-      <a:effectRef idx="2">
-        <a:scrgbClr r="0" g="0" b="0"/>
-      </a:effectRef>
-      <a:fontRef idx="minor"/>
-    </dgm:style>
-  </dgm:styleLbl>
-  <dgm:styleLbl name="sibTrans2D1">
-    <dgm:scene3d>
-      <a:camera prst="orthographicFront"/>
-      <a:lightRig rig="threePt" dir="t"/>
-    </dgm:scene3d>
-    <dgm:sp3d/>
-    <dgm:txPr/>
-    <dgm:style>
-      <a:lnRef idx="0">
-        <a:scrgbClr r="0" g="0" b="0"/>
-      </a:lnRef>
-      <a:fillRef idx="3">
-        <a:scrgbClr r="0" g="0" b="0"/>
-      </a:fillRef>
-      <a:effectRef idx="2">
-        <a:scrgbClr r="0" g="0" b="0"/>
-      </a:effectRef>
-      <a:fontRef idx="minor">
-        <a:schemeClr val="lt1"/>
-      </a:fontRef>
-    </dgm:style>
-  </dgm:styleLbl>
-  <dgm:styleLbl name="fgSibTrans2D1">
-    <dgm:scene3d>
-      <a:camera prst="orthographicFront"/>
-      <a:lightRig rig="threePt" dir="t"/>
-    </dgm:scene3d>
-    <dgm:sp3d/>
-    <dgm:txPr/>
-    <dgm:style>
-      <a:lnRef idx="0">
-        <a:scrgbClr r="0" g="0" b="0"/>
-      </a:lnRef>
-      <a:fillRef idx="3">
-        <a:scrgbClr r="0" g="0" b="0"/>
-      </a:fillRef>
-      <a:effectRef idx="2">
-        <a:scrgbClr r="0" g="0" b="0"/>
-      </a:effectRef>
-      <a:fontRef idx="minor">
-        <a:schemeClr val="lt1"/>
-      </a:fontRef>
-    </dgm:style>
-  </dgm:styleLbl>
-  <dgm:styleLbl name="bgSibTrans2D1">
-    <dgm:scene3d>
-      <a:camera prst="orthographicFront"/>
-      <a:lightRig rig="threePt" dir="t"/>
-    </dgm:scene3d>
-    <dgm:sp3d/>
-    <dgm:txPr/>
-    <dgm:style>
-      <a:lnRef idx="0">
-        <a:scrgbClr r="0" g="0" b="0"/>
-      </a:lnRef>
-      <a:fillRef idx="3">
-        <a:scrgbClr r="0" g="0" b="0"/>
-      </a:fillRef>
-      <a:effectRef idx="2">
-        <a:scrgbClr r="0" g="0" b="0"/>
-      </a:effectRef>
-      <a:fontRef idx="minor">
-        <a:schemeClr val="lt1"/>
-      </a:fontRef>
-    </dgm:style>
-  </dgm:styleLbl>
-  <dgm:styleLbl name="sibTrans1D1">
-    <dgm:scene3d>
-      <a:camera prst="orthographicFront"/>
-      <a:lightRig rig="threePt" dir="t"/>
-    </dgm:scene3d>
-    <dgm:sp3d/>
-    <dgm:txPr/>
-    <dgm:style>
-      <a:lnRef idx="1">
-        <a:scrgbClr r="0" g="0" b="0"/>
-      </a:lnRef>
-      <a:fillRef idx="0">
-        <a:scrgbClr r="0" g="0" b="0"/>
-      </a:fillRef>
-      <a:effectRef idx="0">
-        <a:scrgbClr r="0" g="0" b="0"/>
-      </a:effectRef>
-      <a:fontRef idx="minor"/>
-    </dgm:style>
-  </dgm:styleLbl>
-  <dgm:styleLbl name="callout">
-    <dgm:scene3d>
-      <a:camera prst="orthographicFront"/>
-      <a:lightRig rig="threePt" dir="t"/>
-    </dgm:scene3d>
-    <dgm:sp3d/>
-    <dgm:txPr/>
-    <dgm:style>
-      <a:lnRef idx="2">
-        <a:scrgbClr r="0" g="0" b="0"/>
-      </a:lnRef>
-      <a:fillRef idx="1">
-        <a:scrgbClr r="0" g="0" b="0"/>
-      </a:fillRef>
-      <a:effectRef idx="1">
-        <a:scrgbClr r="0" g="0" b="0"/>
-      </a:effectRef>
-      <a:fontRef idx="minor"/>
-    </dgm:style>
-  </dgm:styleLbl>
-  <dgm:styleLbl name="asst0">
-    <dgm:scene3d>
-      <a:camera prst="orthographicFront"/>
-      <a:lightRig rig="threePt" dir="t"/>
-    </dgm:scene3d>
-    <dgm:sp3d/>
-    <dgm:txPr/>
-    <dgm:style>
-      <a:lnRef idx="0">
-        <a:scrgbClr r="0" g="0" b="0"/>
-      </a:lnRef>
-      <a:fillRef idx="3">
-        <a:scrgbClr r="0" g="0" b="0"/>
-      </a:fillRef>
-      <a:effectRef idx="2">
-        <a:scrgbClr r="0" g="0" b="0"/>
-      </a:effectRef>
-      <a:fontRef idx="minor">
-        <a:schemeClr val="lt1"/>
-      </a:fontRef>
-    </dgm:style>
-  </dgm:styleLbl>
-  <dgm:styleLbl name="asst1">
-    <dgm:scene3d>
-      <a:camera prst="orthographicFront"/>
-      <a:lightRig rig="threePt" dir="t"/>
-    </dgm:scene3d>
-    <dgm:sp3d/>
-    <dgm:txPr/>
-    <dgm:style>
-      <a:lnRef idx="0">
-        <a:scrgbClr r="0" g="0" b="0"/>
-      </a:lnRef>
-      <a:fillRef idx="3">
-        <a:scrgbClr r="0" g="0" b="0"/>
-      </a:fillRef>
-      <a:effectRef idx="2">
-        <a:scrgbClr r="0" g="0" b="0"/>
-      </a:effectRef>
-      <a:fontRef idx="minor">
-        <a:schemeClr val="lt1"/>
-      </a:fontRef>
-    </dgm:style>
-  </dgm:styleLbl>
-  <dgm:styleLbl name="asst2">
-    <dgm:scene3d>
-      <a:camera prst="orthographicFront"/>
-      <a:lightRig rig="threePt" dir="t"/>
-    </dgm:scene3d>
-    <dgm:sp3d/>
-    <dgm:txPr/>
-    <dgm:style>
-      <a:lnRef idx="0">
-        <a:scrgbClr r="0" g="0" b="0"/>
-      </a:lnRef>
-      <a:fillRef idx="3">
-        <a:scrgbClr r="0" g="0" b="0"/>
-      </a:fillRef>
-      <a:effectRef idx="2">
-        <a:scrgbClr r="0" g="0" b="0"/>
-      </a:effectRef>
-      <a:fontRef idx="minor">
-        <a:schemeClr val="lt1"/>
-      </a:fontRef>
-    </dgm:style>
-  </dgm:styleLbl>
-  <dgm:styleLbl name="asst3">
-    <dgm:scene3d>
-      <a:camera prst="orthographicFront"/>
-      <a:lightRig rig="threePt" dir="t"/>
-    </dgm:scene3d>
-    <dgm:sp3d/>
-    <dgm:txPr/>
-    <dgm:style>
-      <a:lnRef idx="0">
-        <a:scrgbClr r="0" g="0" b="0"/>
-      </a:lnRef>
-      <a:fillRef idx="3">
-        <a:scrgbClr r="0" g="0" b="0"/>
-      </a:fillRef>
-      <a:effectRef idx="2">
-        <a:scrgbClr r="0" g="0" b="0"/>
-      </a:effectRef>
-      <a:fontRef idx="minor">
-        <a:schemeClr val="lt1"/>
-      </a:fontRef>
-    </dgm:style>
-  </dgm:styleLbl>
-  <dgm:styleLbl name="asst4">
-    <dgm:scene3d>
-      <a:camera prst="orthographicFront"/>
-      <a:lightRig rig="threePt" dir="t"/>
-    </dgm:scene3d>
-    <dgm:sp3d/>
-    <dgm:txPr/>
-    <dgm:style>
-      <a:lnRef idx="0">
-        <a:scrgbClr r="0" g="0" b="0"/>
-      </a:lnRef>
-      <a:fillRef idx="3">
-        <a:scrgbClr r="0" g="0" b="0"/>
-      </a:fillRef>
-      <a:effectRef idx="2">
-        <a:scrgbClr r="0" g="0" b="0"/>
-      </a:effectRef>
-      <a:fontRef idx="minor">
-        <a:schemeClr val="lt1"/>
-      </a:fontRef>
-    </dgm:style>
-  </dgm:styleLbl>
-  <dgm:styleLbl name="parChTrans2D1">
-    <dgm:scene3d>
-      <a:camera prst="orthographicFront"/>
-      <a:lightRig rig="threePt" dir="t"/>
-    </dgm:scene3d>
-    <dgm:sp3d/>
-    <dgm:txPr/>
-    <dgm:style>
-      <a:lnRef idx="0">
-        <a:scrgbClr r="0" g="0" b="0"/>
-      </a:lnRef>
-      <a:fillRef idx="3">
-        <a:scrgbClr r="0" g="0" b="0"/>
-      </a:fillRef>
-      <a:effectRef idx="2">
-        <a:scrgbClr r="0" g="0" b="0"/>
-      </a:effectRef>
-      <a:fontRef idx="minor">
-        <a:schemeClr val="lt1"/>
-      </a:fontRef>
-    </dgm:style>
-  </dgm:styleLbl>
-  <dgm:styleLbl name="parChTrans2D2">
-    <dgm:scene3d>
-      <a:camera prst="orthographicFront"/>
-      <a:lightRig rig="threePt" dir="t"/>
-    </dgm:scene3d>
-    <dgm:sp3d/>
-    <dgm:txPr/>
-    <dgm:style>
-      <a:lnRef idx="0">
-        <a:scrgbClr r="0" g="0" b="0"/>
-      </a:lnRef>
-      <a:fillRef idx="3">
-        <a:scrgbClr r="0" g="0" b="0"/>
-      </a:fillRef>
-      <a:effectRef idx="2">
-        <a:scrgbClr r="0" g="0" b="0"/>
-      </a:effectRef>
-      <a:fontRef idx="minor">
-        <a:schemeClr val="lt1"/>
-      </a:fontRef>
-    </dgm:style>
-  </dgm:styleLbl>
-  <dgm:styleLbl name="parChTrans2D3">
-    <dgm:scene3d>
-      <a:camera prst="orthographicFront"/>
-      <a:lightRig rig="threePt" dir="t"/>
-    </dgm:scene3d>
-    <dgm:sp3d/>
-    <dgm:txPr/>
-    <dgm:style>
-      <a:lnRef idx="1">
-        <a:scrgbClr r="0" g="0" b="0"/>
-      </a:lnRef>
-      <a:fillRef idx="3">
-        <a:scrgbClr r="0" g="0" b="0"/>
-      </a:fillRef>
-      <a:effectRef idx="2">
-        <a:scrgbClr r="0" g="0" b="0"/>
-      </a:effectRef>
-      <a:fontRef idx="minor">
-        <a:schemeClr val="lt1"/>
-      </a:fontRef>
-    </dgm:style>
-  </dgm:styleLbl>
-  <dgm:styleLbl name="parChTrans2D4">
-    <dgm:scene3d>
-      <a:camera prst="orthographicFront"/>
-      <a:lightRig rig="threePt" dir="t"/>
-    </dgm:scene3d>
-    <dgm:sp3d/>
-    <dgm:txPr/>
-    <dgm:style>
-      <a:lnRef idx="1">
-        <a:scrgbClr r="0" g="0" b="0"/>
-      </a:lnRef>
-      <a:fillRef idx="3">
-        <a:scrgbClr r="0" g="0" b="0"/>
-      </a:fillRef>
-      <a:effectRef idx="2">
-        <a:scrgbClr r="0" g="0" b="0"/>
-      </a:effectRef>
-      <a:fontRef idx="minor">
-        <a:schemeClr val="lt1"/>
-      </a:fontRef>
-    </dgm:style>
-  </dgm:styleLbl>
-  <dgm:styleLbl name="parChTrans1D1">
-    <dgm:scene3d>
-      <a:camera prst="orthographicFront"/>
-      <a:lightRig rig="threePt" dir="t"/>
-    </dgm:scene3d>
-    <dgm:sp3d/>
-    <dgm:txPr/>
-    <dgm:style>
-      <a:lnRef idx="1">
-        <a:scrgbClr r="0" g="0" b="0"/>
-      </a:lnRef>
-      <a:fillRef idx="0">
-        <a:scrgbClr r="0" g="0" b="0"/>
-      </a:fillRef>
-      <a:effectRef idx="0">
-        <a:scrgbClr r="0" g="0" b="0"/>
-      </a:effectRef>
-      <a:fontRef idx="minor"/>
-    </dgm:style>
-  </dgm:styleLbl>
-  <dgm:styleLbl name="parChTrans1D2">
-    <dgm:scene3d>
-      <a:camera prst="orthographicFront"/>
-      <a:lightRig rig="threePt" dir="t"/>
-    </dgm:scene3d>
-    <dgm:sp3d/>
-    <dgm:txPr/>
-    <dgm:style>
-      <a:lnRef idx="1">
-        <a:scrgbClr r="0" g="0" b="0"/>
-      </a:lnRef>
-      <a:fillRef idx="0">
-        <a:scrgbClr r="0" g="0" b="0"/>
-      </a:fillRef>
-      <a:effectRef idx="0">
-        <a:scrgbClr r="0" g="0" b="0"/>
-      </a:effectRef>
-      <a:fontRef idx="minor"/>
-    </dgm:style>
-  </dgm:styleLbl>
-  <dgm:styleLbl name="parChTrans1D3">
-    <dgm:scene3d>
-      <a:camera prst="orthographicFront"/>
-      <a:lightRig rig="threePt" dir="t"/>
-    </dgm:scene3d>
-    <dgm:sp3d/>
-    <dgm:txPr/>
-    <dgm:style>
-      <a:lnRef idx="1">
-        <a:scrgbClr r="0" g="0" b="0"/>
-      </a:lnRef>
-      <a:fillRef idx="0">
-        <a:scrgbClr r="0" g="0" b="0"/>
-      </a:fillRef>
-      <a:effectRef idx="0">
-        <a:scrgbClr r="0" g="0" b="0"/>
-      </a:effectRef>
-      <a:fontRef idx="minor"/>
-    </dgm:style>
-  </dgm:styleLbl>
-  <dgm:styleLbl name="parChTrans1D4">
-    <dgm:scene3d>
-      <a:camera prst="orthographicFront"/>
-      <a:lightRig rig="threePt" dir="t"/>
-    </dgm:scene3d>
-    <dgm:sp3d/>
-    <dgm:txPr/>
-    <dgm:style>
-      <a:lnRef idx="1">
-        <a:scrgbClr r="0" g="0" b="0"/>
-      </a:lnRef>
-      <a:fillRef idx="0">
-        <a:scrgbClr r="0" g="0" b="0"/>
-      </a:fillRef>
-      <a:effectRef idx="0">
-        <a:scrgbClr r="0" g="0" b="0"/>
-      </a:effectRef>
-      <a:fontRef idx="minor"/>
-    </dgm:style>
-  </dgm:styleLbl>
-  <dgm:styleLbl name="fgAcc1">
-    <dgm:scene3d>
-      <a:camera prst="orthographicFront"/>
-      <a:lightRig rig="threePt" dir="t"/>
-    </dgm:scene3d>
-    <dgm:sp3d/>
-    <dgm:txPr/>
-    <dgm:style>
-      <a:lnRef idx="1">
-        <a:scrgbClr r="0" g="0" b="0"/>
-      </a:lnRef>
-      <a:fillRef idx="1">
-        <a:scrgbClr r="0" g="0" b="0"/>
-      </a:fillRef>
-      <a:effectRef idx="0">
-        <a:scrgbClr r="0" g="0" b="0"/>
-      </a:effectRef>
-      <a:fontRef idx="minor"/>
-    </dgm:style>
-  </dgm:styleLbl>
-  <dgm:styleLbl name="conFgAcc1">
-    <dgm:scene3d>
-      <a:camera prst="orthographicFront"/>
-      <a:lightRig rig="threePt" dir="t"/>
-    </dgm:scene3d>
-    <dgm:sp3d/>
-    <dgm:txPr/>
-    <dgm:style>
-      <a:lnRef idx="1">
-        <a:scrgbClr r="0" g="0" b="0"/>
-      </a:lnRef>
-      <a:fillRef idx="1">
-        <a:scrgbClr r="0" g="0" b="0"/>
-      </a:fillRef>
-      <a:effectRef idx="0">
-        <a:scrgbClr r="0" g="0" b="0"/>
-      </a:effectRef>
-      <a:fontRef idx="minor"/>
-    </dgm:style>
-  </dgm:styleLbl>
-  <dgm:styleLbl name="alignAcc1">
-    <dgm:scene3d>
-      <a:camera prst="orthographicFront"/>
-      <a:lightRig rig="threePt" dir="t"/>
-    </dgm:scene3d>
-    <dgm:sp3d/>
-    <dgm:txPr/>
-    <dgm:style>
-      <a:lnRef idx="1">
-        <a:scrgbClr r="0" g="0" b="0"/>
-      </a:lnRef>
-      <a:fillRef idx="1">
-        <a:scrgbClr r="0" g="0" b="0"/>
-      </a:fillRef>
-      <a:effectRef idx="0">
-        <a:scrgbClr r="0" g="0" b="0"/>
-      </a:effectRef>
-      <a:fontRef idx="minor"/>
-    </dgm:style>
-  </dgm:styleLbl>
-  <dgm:styleLbl name="trAlignAcc1">
-    <dgm:scene3d>
-      <a:camera prst="orthographicFront"/>
-      <a:lightRig rig="threePt" dir="t"/>
-    </dgm:scene3d>
-    <dgm:sp3d/>
-    <dgm:txPr/>
-    <dgm:style>
-      <a:lnRef idx="1">
-        <a:scrgbClr r="0" g="0" b="0"/>
-      </a:lnRef>
-      <a:fillRef idx="1">
-        <a:scrgbClr r="0" g="0" b="0"/>
-      </a:fillRef>
-      <a:effectRef idx="0">
-        <a:scrgbClr r="0" g="0" b="0"/>
-      </a:effectRef>
-      <a:fontRef idx="minor"/>
-    </dgm:style>
-  </dgm:styleLbl>
-  <dgm:styleLbl name="bgAcc1">
-    <dgm:scene3d>
-      <a:camera prst="orthographicFront"/>
-      <a:lightRig rig="threePt" dir="t"/>
-    </dgm:scene3d>
-    <dgm:sp3d/>
-    <dgm:txPr/>
-    <dgm:style>
-      <a:lnRef idx="1">
-        <a:scrgbClr r="0" g="0" b="0"/>
-      </a:lnRef>
-      <a:fillRef idx="1">
-        <a:scrgbClr r="0" g="0" b="0"/>
-      </a:fillRef>
-      <a:effectRef idx="0">
-        <a:scrgbClr r="0" g="0" b="0"/>
-      </a:effectRef>
-      <a:fontRef idx="minor"/>
-    </dgm:style>
-  </dgm:styleLbl>
-  <dgm:styleLbl name="solidFgAcc1">
-    <dgm:scene3d>
-      <a:camera prst="orthographicFront"/>
-      <a:lightRig rig="threePt" dir="t"/>
-    </dgm:scene3d>
-    <dgm:sp3d/>
-    <dgm:txPr/>
-    <dgm:style>
-      <a:lnRef idx="1">
-        <a:scrgbClr r="0" g="0" b="0"/>
-      </a:lnRef>
-      <a:fillRef idx="1">
-        <a:scrgbClr r="0" g="0" b="0"/>
-      </a:fillRef>
-      <a:effectRef idx="0">
-        <a:scrgbClr r="0" g="0" b="0"/>
-      </a:effectRef>
-      <a:fontRef idx="minor"/>
-    </dgm:style>
-  </dgm:styleLbl>
-  <dgm:styleLbl name="solidAlignAcc1">
-    <dgm:scene3d>
-      <a:camera prst="orthographicFront"/>
-      <a:lightRig rig="threePt" dir="t"/>
-    </dgm:scene3d>
-    <dgm:sp3d/>
-    <dgm:txPr/>
-    <dgm:style>
-      <a:lnRef idx="1">
-        <a:scrgbClr r="0" g="0" b="0"/>
-      </a:lnRef>
-      <a:fillRef idx="1">
-        <a:scrgbClr r="0" g="0" b="0"/>
-      </a:fillRef>
-      <a:effectRef idx="0">
-        <a:scrgbClr r="0" g="0" b="0"/>
-      </a:effectRef>
-      <a:fontRef idx="minor"/>
-    </dgm:style>
-  </dgm:styleLbl>
-  <dgm:styleLbl name="solidBgAcc1">
-    <dgm:scene3d>
-      <a:camera prst="orthographicFront"/>
-      <a:lightRig rig="threePt" dir="t"/>
-    </dgm:scene3d>
-    <dgm:sp3d/>
-    <dgm:txPr/>
-    <dgm:style>
-      <a:lnRef idx="1">
-        <a:scrgbClr r="0" g="0" b="0"/>
-      </a:lnRef>
-      <a:fillRef idx="1">
-        <a:scrgbClr r="0" g="0" b="0"/>
-      </a:fillRef>
-      <a:effectRef idx="0">
-        <a:scrgbClr r="0" g="0" b="0"/>
-      </a:effectRef>
-      <a:fontRef idx="minor"/>
-    </dgm:style>
-  </dgm:styleLbl>
-  <dgm:styleLbl name="fgAccFollowNode1">
-    <dgm:scene3d>
-      <a:camera prst="orthographicFront"/>
-      <a:lightRig rig="threePt" dir="t"/>
-    </dgm:scene3d>
-    <dgm:sp3d/>
-    <dgm:txPr/>
-    <dgm:style>
-      <a:lnRef idx="1">
-        <a:scrgbClr r="0" g="0" b="0"/>
-      </a:lnRef>
-      <a:fillRef idx="1">
-        <a:scrgbClr r="0" g="0" b="0"/>
-      </a:fillRef>
-      <a:effectRef idx="0">
-        <a:scrgbClr r="0" g="0" b="0"/>
-      </a:effectRef>
-      <a:fontRef idx="minor"/>
-    </dgm:style>
-  </dgm:styleLbl>
-  <dgm:styleLbl name="alignAccFollowNode1">
-    <dgm:scene3d>
-      <a:camera prst="orthographicFront"/>
-      <a:lightRig rig="threePt" dir="t"/>
-    </dgm:scene3d>
-    <dgm:sp3d/>
-    <dgm:txPr/>
-    <dgm:style>
-      <a:lnRef idx="1">
-        <a:scrgbClr r="0" g="0" b="0"/>
-      </a:lnRef>
-      <a:fillRef idx="1">
-        <a:scrgbClr r="0" g="0" b="0"/>
-      </a:fillRef>
-      <a:effectRef idx="0">
-        <a:scrgbClr r="0" g="0" b="0"/>
-      </a:effectRef>
-      <a:fontRef idx="minor"/>
-    </dgm:style>
-  </dgm:styleLbl>
-  <dgm:styleLbl name="bgAccFollowNode1">
-    <dgm:scene3d>
-      <a:camera prst="orthographicFront"/>
-      <a:lightRig rig="threePt" dir="t"/>
-    </dgm:scene3d>
-    <dgm:sp3d/>
-    <dgm:txPr/>
-    <dgm:style>
-      <a:lnRef idx="1">
-        <a:scrgbClr r="0" g="0" b="0"/>
-      </a:lnRef>
-      <a:fillRef idx="1">
-        <a:scrgbClr r="0" g="0" b="0"/>
-      </a:fillRef>
-      <a:effectRef idx="0">
-        <a:scrgbClr r="0" g="0" b="0"/>
-      </a:effectRef>
-      <a:fontRef idx="minor"/>
-    </dgm:style>
-  </dgm:styleLbl>
-  <dgm:styleLbl name="fgAcc0">
-    <dgm:scene3d>
-      <a:camera prst="orthographicFront"/>
-      <a:lightRig rig="threePt" dir="t"/>
-    </dgm:scene3d>
-    <dgm:sp3d/>
-    <dgm:txPr/>
-    <dgm:style>
-      <a:lnRef idx="1">
-        <a:scrgbClr r="0" g="0" b="0"/>
-      </a:lnRef>
-      <a:fillRef idx="1">
-        <a:scrgbClr r="0" g="0" b="0"/>
-      </a:fillRef>
-      <a:effectRef idx="0">
-        <a:scrgbClr r="0" g="0" b="0"/>
-      </a:effectRef>
-      <a:fontRef idx="minor"/>
-    </dgm:style>
-  </dgm:styleLbl>
-  <dgm:styleLbl name="fgAcc2">
-    <dgm:scene3d>
-      <a:camera prst="orthographicFront"/>
-      <a:lightRig rig="threePt" dir="t"/>
-    </dgm:scene3d>
-    <dgm:sp3d/>
-    <dgm:txPr/>
-    <dgm:style>
-      <a:lnRef idx="1">
-        <a:scrgbClr r="0" g="0" b="0"/>
-      </a:lnRef>
-      <a:fillRef idx="1">
-        <a:scrgbClr r="0" g="0" b="0"/>
-      </a:fillRef>
-      <a:effectRef idx="0">
-        <a:scrgbClr r="0" g="0" b="0"/>
-      </a:effectRef>
-      <a:fontRef idx="minor"/>
-    </dgm:style>
-  </dgm:styleLbl>
-  <dgm:styleLbl name="fgAcc3">
-    <dgm:scene3d>
-      <a:camera prst="orthographicFront"/>
-      <a:lightRig rig="threePt" dir="t"/>
-    </dgm:scene3d>
-    <dgm:sp3d/>
-    <dgm:txPr/>
-    <dgm:style>
-      <a:lnRef idx="1">
-        <a:scrgbClr r="0" g="0" b="0"/>
-      </a:lnRef>
-      <a:fillRef idx="1">
-        <a:scrgbClr r="0" g="0" b="0"/>
-      </a:fillRef>
-      <a:effectRef idx="0">
-        <a:scrgbClr r="0" g="0" b="0"/>
-      </a:effectRef>
-      <a:fontRef idx="minor"/>
-    </dgm:style>
-  </dgm:styleLbl>
-  <dgm:styleLbl name="fgAcc4">
-    <dgm:scene3d>
-      <a:camera prst="orthographicFront"/>
-      <a:lightRig rig="threePt" dir="t"/>
-    </dgm:scene3d>
-    <dgm:sp3d/>
-    <dgm:txPr/>
-    <dgm:style>
-      <a:lnRef idx="1">
-        <a:scrgbClr r="0" g="0" b="0"/>
-      </a:lnRef>
-      <a:fillRef idx="1">
-        <a:scrgbClr r="0" g="0" b="0"/>
-      </a:fillRef>
-      <a:effectRef idx="0">
-        <a:scrgbClr r="0" g="0" b="0"/>
-      </a:effectRef>
-      <a:fontRef idx="minor"/>
-    </dgm:style>
-  </dgm:styleLbl>
-  <dgm:styleLbl name="bgShp">
-    <dgm:scene3d>
-      <a:camera prst="orthographicFront"/>
-      <a:lightRig rig="threePt" dir="t"/>
-    </dgm:scene3d>
-    <dgm:sp3d/>
-    <dgm:txPr/>
-    <dgm:style>
-      <a:lnRef idx="0">
-        <a:scrgbClr r="0" g="0" b="0"/>
-      </a:lnRef>
-      <a:fillRef idx="1">
-        <a:scrgbClr r="0" g="0" b="0"/>
-      </a:fillRef>
-      <a:effectRef idx="2">
-        <a:scrgbClr r="0" g="0" b="0"/>
-      </a:effectRef>
-      <a:fontRef idx="minor"/>
-    </dgm:style>
-  </dgm:styleLbl>
-  <dgm:styleLbl name="dkBgShp">
-    <dgm:scene3d>
-      <a:camera prst="orthographicFront"/>
-      <a:lightRig rig="threePt" dir="t"/>
-    </dgm:scene3d>
-    <dgm:sp3d/>
-    <dgm:txPr/>
-    <dgm:style>
-      <a:lnRef idx="0">
-        <a:scrgbClr r="0" g="0" b="0"/>
-      </a:lnRef>
-      <a:fillRef idx="1">
-        <a:scrgbClr r="0" g="0" b="0"/>
-      </a:fillRef>
-      <a:effectRef idx="2">
-        <a:scrgbClr r="0" g="0" b="0"/>
-      </a:effectRef>
-      <a:fontRef idx="minor"/>
-    </dgm:style>
-  </dgm:styleLbl>
-  <dgm:styleLbl name="trBgShp">
-    <dgm:scene3d>
-      <a:camera prst="orthographicFront"/>
-      <a:lightRig rig="threePt" dir="t"/>
-    </dgm:scene3d>
-    <dgm:sp3d/>
-    <dgm:txPr/>
-    <dgm:style>
-      <a:lnRef idx="0">
-        <a:scrgbClr r="0" g="0" b="0"/>
-      </a:lnRef>
-      <a:fillRef idx="1">
-        <a:scrgbClr r="0" g="0" b="0"/>
-      </a:fillRef>
-      <a:effectRef idx="0">
-        <a:scrgbClr r="0" g="0" b="0"/>
-      </a:effectRef>
-      <a:fontRef idx="minor"/>
-    </dgm:style>
-  </dgm:styleLbl>
-  <dgm:styleLbl name="fgShp">
-    <dgm:scene3d>
-      <a:camera prst="orthographicFront"/>
-      <a:lightRig rig="threePt" dir="t"/>
-    </dgm:scene3d>
-    <dgm:sp3d/>
-    <dgm:txPr/>
-    <dgm:style>
-      <a:lnRef idx="0">
-        <a:scrgbClr r="0" g="0" b="0"/>
-      </a:lnRef>
-      <a:fillRef idx="3">
-        <a:scrgbClr r="0" g="0" b="0"/>
-      </a:fillRef>
-      <a:effectRef idx="2">
-        <a:scrgbClr r="0" g="0" b="0"/>
-      </a:effectRef>
-      <a:fontRef idx="minor"/>
-    </dgm:style>
-  </dgm:styleLbl>
-  <dgm:styleLbl name="revTx">
-    <dgm:scene3d>
-      <a:camera prst="orthographicFront"/>
-      <a:lightRig rig="threePt" dir="t"/>
-    </dgm:scene3d>
-    <dgm:sp3d/>
-    <dgm:txPr/>
-    <dgm:style>
-      <a:lnRef idx="0">
-        <a:scrgbClr r="0" g="0" b="0"/>
-      </a:lnRef>
-      <a:fillRef idx="0">
-        <a:scrgbClr r="0" g="0" b="0"/>
-      </a:fillRef>
-      <a:effectRef idx="0">
-        <a:scrgbClr r="0" g="0" b="0"/>
-      </a:effectRef>
-      <a:fontRef idx="minor"/>
-    </dgm:style>
-  </dgm:styleLbl>
-</dgm:styleDef>
-</file>
-
-<file path=ppt/diagrams/quickStyle7.xml><?xml version="1.0" encoding="utf-8"?>
 <dgm:styleDef xmlns:dgm="http://schemas.openxmlformats.org/drawingml/2006/diagram" xmlns:a="http://schemas.openxmlformats.org/drawingml/2006/main" uniqueId="urn:microsoft.com/office/officeart/2005/8/quickstyle/simple1">
   <dgm:title val=""/>
   <dgm:desc val=""/>
@@ -28868,1041 +24498,7 @@
 </dgm:styleDef>
 </file>
 
-<file path=ppt/diagrams/quickStyle8.xml><?xml version="1.0" encoding="utf-8"?>
-<dgm:styleDef xmlns:dgm="http://schemas.openxmlformats.org/drawingml/2006/diagram" xmlns:a="http://schemas.openxmlformats.org/drawingml/2006/main" uniqueId="urn:microsoft.com/office/officeart/2005/8/quickstyle/simple1">
-  <dgm:title val=""/>
-  <dgm:desc val=""/>
-  <dgm:catLst>
-    <dgm:cat type="simple" pri="10100"/>
-  </dgm:catLst>
-  <dgm:scene3d>
-    <a:camera prst="orthographicFront"/>
-    <a:lightRig rig="threePt" dir="t"/>
-  </dgm:scene3d>
-  <dgm:styleLbl name="node0">
-    <dgm:scene3d>
-      <a:camera prst="orthographicFront"/>
-      <a:lightRig rig="threePt" dir="t"/>
-    </dgm:scene3d>
-    <dgm:sp3d/>
-    <dgm:txPr/>
-    <dgm:style>
-      <a:lnRef idx="2">
-        <a:scrgbClr r="0" g="0" b="0"/>
-      </a:lnRef>
-      <a:fillRef idx="1">
-        <a:scrgbClr r="0" g="0" b="0"/>
-      </a:fillRef>
-      <a:effectRef idx="0">
-        <a:scrgbClr r="0" g="0" b="0"/>
-      </a:effectRef>
-      <a:fontRef idx="minor">
-        <a:schemeClr val="lt1"/>
-      </a:fontRef>
-    </dgm:style>
-  </dgm:styleLbl>
-  <dgm:styleLbl name="lnNode1">
-    <dgm:scene3d>
-      <a:camera prst="orthographicFront"/>
-      <a:lightRig rig="threePt" dir="t"/>
-    </dgm:scene3d>
-    <dgm:sp3d/>
-    <dgm:txPr/>
-    <dgm:style>
-      <a:lnRef idx="2">
-        <a:scrgbClr r="0" g="0" b="0"/>
-      </a:lnRef>
-      <a:fillRef idx="1">
-        <a:scrgbClr r="0" g="0" b="0"/>
-      </a:fillRef>
-      <a:effectRef idx="0">
-        <a:scrgbClr r="0" g="0" b="0"/>
-      </a:effectRef>
-      <a:fontRef idx="minor">
-        <a:schemeClr val="lt1"/>
-      </a:fontRef>
-    </dgm:style>
-  </dgm:styleLbl>
-  <dgm:styleLbl name="vennNode1">
-    <dgm:scene3d>
-      <a:camera prst="orthographicFront"/>
-      <a:lightRig rig="threePt" dir="t"/>
-    </dgm:scene3d>
-    <dgm:sp3d/>
-    <dgm:txPr/>
-    <dgm:style>
-      <a:lnRef idx="2">
-        <a:scrgbClr r="0" g="0" b="0"/>
-      </a:lnRef>
-      <a:fillRef idx="1">
-        <a:scrgbClr r="0" g="0" b="0"/>
-      </a:fillRef>
-      <a:effectRef idx="0">
-        <a:scrgbClr r="0" g="0" b="0"/>
-      </a:effectRef>
-      <a:fontRef idx="minor">
-        <a:schemeClr val="tx1"/>
-      </a:fontRef>
-    </dgm:style>
-  </dgm:styleLbl>
-  <dgm:styleLbl name="alignNode1">
-    <dgm:scene3d>
-      <a:camera prst="orthographicFront"/>
-      <a:lightRig rig="threePt" dir="t"/>
-    </dgm:scene3d>
-    <dgm:sp3d/>
-    <dgm:txPr/>
-    <dgm:style>
-      <a:lnRef idx="2">
-        <a:scrgbClr r="0" g="0" b="0"/>
-      </a:lnRef>
-      <a:fillRef idx="1">
-        <a:scrgbClr r="0" g="0" b="0"/>
-      </a:fillRef>
-      <a:effectRef idx="0">
-        <a:scrgbClr r="0" g="0" b="0"/>
-      </a:effectRef>
-      <a:fontRef idx="minor">
-        <a:schemeClr val="lt1"/>
-      </a:fontRef>
-    </dgm:style>
-  </dgm:styleLbl>
-  <dgm:styleLbl name="node1">
-    <dgm:scene3d>
-      <a:camera prst="orthographicFront"/>
-      <a:lightRig rig="threePt" dir="t"/>
-    </dgm:scene3d>
-    <dgm:sp3d/>
-    <dgm:txPr/>
-    <dgm:style>
-      <a:lnRef idx="2">
-        <a:scrgbClr r="0" g="0" b="0"/>
-      </a:lnRef>
-      <a:fillRef idx="1">
-        <a:scrgbClr r="0" g="0" b="0"/>
-      </a:fillRef>
-      <a:effectRef idx="0">
-        <a:scrgbClr r="0" g="0" b="0"/>
-      </a:effectRef>
-      <a:fontRef idx="minor">
-        <a:schemeClr val="lt1"/>
-      </a:fontRef>
-    </dgm:style>
-  </dgm:styleLbl>
-  <dgm:styleLbl name="node2">
-    <dgm:scene3d>
-      <a:camera prst="orthographicFront"/>
-      <a:lightRig rig="threePt" dir="t"/>
-    </dgm:scene3d>
-    <dgm:sp3d/>
-    <dgm:txPr/>
-    <dgm:style>
-      <a:lnRef idx="2">
-        <a:scrgbClr r="0" g="0" b="0"/>
-      </a:lnRef>
-      <a:fillRef idx="1">
-        <a:scrgbClr r="0" g="0" b="0"/>
-      </a:fillRef>
-      <a:effectRef idx="0">
-        <a:scrgbClr r="0" g="0" b="0"/>
-      </a:effectRef>
-      <a:fontRef idx="minor">
-        <a:schemeClr val="lt1"/>
-      </a:fontRef>
-    </dgm:style>
-  </dgm:styleLbl>
-  <dgm:styleLbl name="node3">
-    <dgm:scene3d>
-      <a:camera prst="orthographicFront"/>
-      <a:lightRig rig="threePt" dir="t"/>
-    </dgm:scene3d>
-    <dgm:sp3d/>
-    <dgm:txPr/>
-    <dgm:style>
-      <a:lnRef idx="2">
-        <a:scrgbClr r="0" g="0" b="0"/>
-      </a:lnRef>
-      <a:fillRef idx="1">
-        <a:scrgbClr r="0" g="0" b="0"/>
-      </a:fillRef>
-      <a:effectRef idx="0">
-        <a:scrgbClr r="0" g="0" b="0"/>
-      </a:effectRef>
-      <a:fontRef idx="minor">
-        <a:schemeClr val="lt1"/>
-      </a:fontRef>
-    </dgm:style>
-  </dgm:styleLbl>
-  <dgm:styleLbl name="node4">
-    <dgm:scene3d>
-      <a:camera prst="orthographicFront"/>
-      <a:lightRig rig="threePt" dir="t"/>
-    </dgm:scene3d>
-    <dgm:sp3d/>
-    <dgm:txPr/>
-    <dgm:style>
-      <a:lnRef idx="2">
-        <a:scrgbClr r="0" g="0" b="0"/>
-      </a:lnRef>
-      <a:fillRef idx="1">
-        <a:scrgbClr r="0" g="0" b="0"/>
-      </a:fillRef>
-      <a:effectRef idx="0">
-        <a:scrgbClr r="0" g="0" b="0"/>
-      </a:effectRef>
-      <a:fontRef idx="minor">
-        <a:schemeClr val="lt1"/>
-      </a:fontRef>
-    </dgm:style>
-  </dgm:styleLbl>
-  <dgm:styleLbl name="fgImgPlace1">
-    <dgm:scene3d>
-      <a:camera prst="orthographicFront"/>
-      <a:lightRig rig="threePt" dir="t"/>
-    </dgm:scene3d>
-    <dgm:sp3d/>
-    <dgm:txPr/>
-    <dgm:style>
-      <a:lnRef idx="2">
-        <a:scrgbClr r="0" g="0" b="0"/>
-      </a:lnRef>
-      <a:fillRef idx="1">
-        <a:scrgbClr r="0" g="0" b="0"/>
-      </a:fillRef>
-      <a:effectRef idx="0">
-        <a:scrgbClr r="0" g="0" b="0"/>
-      </a:effectRef>
-      <a:fontRef idx="minor"/>
-    </dgm:style>
-  </dgm:styleLbl>
-  <dgm:styleLbl name="alignImgPlace1">
-    <dgm:scene3d>
-      <a:camera prst="orthographicFront"/>
-      <a:lightRig rig="threePt" dir="t"/>
-    </dgm:scene3d>
-    <dgm:sp3d/>
-    <dgm:txPr/>
-    <dgm:style>
-      <a:lnRef idx="2">
-        <a:scrgbClr r="0" g="0" b="0"/>
-      </a:lnRef>
-      <a:fillRef idx="1">
-        <a:scrgbClr r="0" g="0" b="0"/>
-      </a:fillRef>
-      <a:effectRef idx="0">
-        <a:scrgbClr r="0" g="0" b="0"/>
-      </a:effectRef>
-      <a:fontRef idx="minor"/>
-    </dgm:style>
-  </dgm:styleLbl>
-  <dgm:styleLbl name="bgImgPlace1">
-    <dgm:scene3d>
-      <a:camera prst="orthographicFront"/>
-      <a:lightRig rig="threePt" dir="t"/>
-    </dgm:scene3d>
-    <dgm:sp3d/>
-    <dgm:txPr/>
-    <dgm:style>
-      <a:lnRef idx="2">
-        <a:scrgbClr r="0" g="0" b="0"/>
-      </a:lnRef>
-      <a:fillRef idx="1">
-        <a:scrgbClr r="0" g="0" b="0"/>
-      </a:fillRef>
-      <a:effectRef idx="0">
-        <a:scrgbClr r="0" g="0" b="0"/>
-      </a:effectRef>
-      <a:fontRef idx="minor"/>
-    </dgm:style>
-  </dgm:styleLbl>
-  <dgm:styleLbl name="sibTrans2D1">
-    <dgm:scene3d>
-      <a:camera prst="orthographicFront"/>
-      <a:lightRig rig="threePt" dir="t"/>
-    </dgm:scene3d>
-    <dgm:sp3d/>
-    <dgm:txPr/>
-    <dgm:style>
-      <a:lnRef idx="0">
-        <a:scrgbClr r="0" g="0" b="0"/>
-      </a:lnRef>
-      <a:fillRef idx="1">
-        <a:scrgbClr r="0" g="0" b="0"/>
-      </a:fillRef>
-      <a:effectRef idx="0">
-        <a:scrgbClr r="0" g="0" b="0"/>
-      </a:effectRef>
-      <a:fontRef idx="minor">
-        <a:schemeClr val="lt1"/>
-      </a:fontRef>
-    </dgm:style>
-  </dgm:styleLbl>
-  <dgm:styleLbl name="fgSibTrans2D1">
-    <dgm:scene3d>
-      <a:camera prst="orthographicFront"/>
-      <a:lightRig rig="threePt" dir="t"/>
-    </dgm:scene3d>
-    <dgm:sp3d/>
-    <dgm:txPr/>
-    <dgm:style>
-      <a:lnRef idx="0">
-        <a:scrgbClr r="0" g="0" b="0"/>
-      </a:lnRef>
-      <a:fillRef idx="1">
-        <a:scrgbClr r="0" g="0" b="0"/>
-      </a:fillRef>
-      <a:effectRef idx="0">
-        <a:scrgbClr r="0" g="0" b="0"/>
-      </a:effectRef>
-      <a:fontRef idx="minor">
-        <a:schemeClr val="lt1"/>
-      </a:fontRef>
-    </dgm:style>
-  </dgm:styleLbl>
-  <dgm:styleLbl name="bgSibTrans2D1">
-    <dgm:scene3d>
-      <a:camera prst="orthographicFront"/>
-      <a:lightRig rig="threePt" dir="t"/>
-    </dgm:scene3d>
-    <dgm:sp3d/>
-    <dgm:txPr/>
-    <dgm:style>
-      <a:lnRef idx="0">
-        <a:scrgbClr r="0" g="0" b="0"/>
-      </a:lnRef>
-      <a:fillRef idx="1">
-        <a:scrgbClr r="0" g="0" b="0"/>
-      </a:fillRef>
-      <a:effectRef idx="0">
-        <a:scrgbClr r="0" g="0" b="0"/>
-      </a:effectRef>
-      <a:fontRef idx="minor">
-        <a:schemeClr val="lt1"/>
-      </a:fontRef>
-    </dgm:style>
-  </dgm:styleLbl>
-  <dgm:styleLbl name="sibTrans1D1">
-    <dgm:scene3d>
-      <a:camera prst="orthographicFront"/>
-      <a:lightRig rig="threePt" dir="t"/>
-    </dgm:scene3d>
-    <dgm:sp3d/>
-    <dgm:txPr/>
-    <dgm:style>
-      <a:lnRef idx="1">
-        <a:scrgbClr r="0" g="0" b="0"/>
-      </a:lnRef>
-      <a:fillRef idx="0">
-        <a:scrgbClr r="0" g="0" b="0"/>
-      </a:fillRef>
-      <a:effectRef idx="0">
-        <a:scrgbClr r="0" g="0" b="0"/>
-      </a:effectRef>
-      <a:fontRef idx="minor"/>
-    </dgm:style>
-  </dgm:styleLbl>
-  <dgm:styleLbl name="callout">
-    <dgm:scene3d>
-      <a:camera prst="orthographicFront"/>
-      <a:lightRig rig="threePt" dir="t"/>
-    </dgm:scene3d>
-    <dgm:sp3d/>
-    <dgm:txPr/>
-    <dgm:style>
-      <a:lnRef idx="2">
-        <a:scrgbClr r="0" g="0" b="0"/>
-      </a:lnRef>
-      <a:fillRef idx="1">
-        <a:scrgbClr r="0" g="0" b="0"/>
-      </a:fillRef>
-      <a:effectRef idx="0">
-        <a:scrgbClr r="0" g="0" b="0"/>
-      </a:effectRef>
-      <a:fontRef idx="minor"/>
-    </dgm:style>
-  </dgm:styleLbl>
-  <dgm:styleLbl name="asst0">
-    <dgm:scene3d>
-      <a:camera prst="orthographicFront"/>
-      <a:lightRig rig="threePt" dir="t"/>
-    </dgm:scene3d>
-    <dgm:sp3d/>
-    <dgm:txPr/>
-    <dgm:style>
-      <a:lnRef idx="2">
-        <a:scrgbClr r="0" g="0" b="0"/>
-      </a:lnRef>
-      <a:fillRef idx="1">
-        <a:scrgbClr r="0" g="0" b="0"/>
-      </a:fillRef>
-      <a:effectRef idx="0">
-        <a:scrgbClr r="0" g="0" b="0"/>
-      </a:effectRef>
-      <a:fontRef idx="minor">
-        <a:schemeClr val="lt1"/>
-      </a:fontRef>
-    </dgm:style>
-  </dgm:styleLbl>
-  <dgm:styleLbl name="asst1">
-    <dgm:scene3d>
-      <a:camera prst="orthographicFront"/>
-      <a:lightRig rig="threePt" dir="t"/>
-    </dgm:scene3d>
-    <dgm:sp3d/>
-    <dgm:txPr/>
-    <dgm:style>
-      <a:lnRef idx="2">
-        <a:scrgbClr r="0" g="0" b="0"/>
-      </a:lnRef>
-      <a:fillRef idx="1">
-        <a:scrgbClr r="0" g="0" b="0"/>
-      </a:fillRef>
-      <a:effectRef idx="0">
-        <a:scrgbClr r="0" g="0" b="0"/>
-      </a:effectRef>
-      <a:fontRef idx="minor">
-        <a:schemeClr val="lt1"/>
-      </a:fontRef>
-    </dgm:style>
-  </dgm:styleLbl>
-  <dgm:styleLbl name="asst2">
-    <dgm:scene3d>
-      <a:camera prst="orthographicFront"/>
-      <a:lightRig rig="threePt" dir="t"/>
-    </dgm:scene3d>
-    <dgm:sp3d/>
-    <dgm:txPr/>
-    <dgm:style>
-      <a:lnRef idx="2">
-        <a:scrgbClr r="0" g="0" b="0"/>
-      </a:lnRef>
-      <a:fillRef idx="1">
-        <a:scrgbClr r="0" g="0" b="0"/>
-      </a:fillRef>
-      <a:effectRef idx="0">
-        <a:scrgbClr r="0" g="0" b="0"/>
-      </a:effectRef>
-      <a:fontRef idx="minor">
-        <a:schemeClr val="lt1"/>
-      </a:fontRef>
-    </dgm:style>
-  </dgm:styleLbl>
-  <dgm:styleLbl name="asst3">
-    <dgm:scene3d>
-      <a:camera prst="orthographicFront"/>
-      <a:lightRig rig="threePt" dir="t"/>
-    </dgm:scene3d>
-    <dgm:sp3d/>
-    <dgm:txPr/>
-    <dgm:style>
-      <a:lnRef idx="2">
-        <a:scrgbClr r="0" g="0" b="0"/>
-      </a:lnRef>
-      <a:fillRef idx="1">
-        <a:scrgbClr r="0" g="0" b="0"/>
-      </a:fillRef>
-      <a:effectRef idx="0">
-        <a:scrgbClr r="0" g="0" b="0"/>
-      </a:effectRef>
-      <a:fontRef idx="minor">
-        <a:schemeClr val="lt1"/>
-      </a:fontRef>
-    </dgm:style>
-  </dgm:styleLbl>
-  <dgm:styleLbl name="asst4">
-    <dgm:scene3d>
-      <a:camera prst="orthographicFront"/>
-      <a:lightRig rig="threePt" dir="t"/>
-    </dgm:scene3d>
-    <dgm:sp3d/>
-    <dgm:txPr/>
-    <dgm:style>
-      <a:lnRef idx="2">
-        <a:scrgbClr r="0" g="0" b="0"/>
-      </a:lnRef>
-      <a:fillRef idx="1">
-        <a:scrgbClr r="0" g="0" b="0"/>
-      </a:fillRef>
-      <a:effectRef idx="0">
-        <a:scrgbClr r="0" g="0" b="0"/>
-      </a:effectRef>
-      <a:fontRef idx="minor">
-        <a:schemeClr val="lt1"/>
-      </a:fontRef>
-    </dgm:style>
-  </dgm:styleLbl>
-  <dgm:styleLbl name="parChTrans2D1">
-    <dgm:scene3d>
-      <a:camera prst="orthographicFront"/>
-      <a:lightRig rig="threePt" dir="t"/>
-    </dgm:scene3d>
-    <dgm:sp3d/>
-    <dgm:txPr/>
-    <dgm:style>
-      <a:lnRef idx="2">
-        <a:scrgbClr r="0" g="0" b="0"/>
-      </a:lnRef>
-      <a:fillRef idx="1">
-        <a:scrgbClr r="0" g="0" b="0"/>
-      </a:fillRef>
-      <a:effectRef idx="0">
-        <a:scrgbClr r="0" g="0" b="0"/>
-      </a:effectRef>
-      <a:fontRef idx="minor">
-        <a:schemeClr val="lt1"/>
-      </a:fontRef>
-    </dgm:style>
-  </dgm:styleLbl>
-  <dgm:styleLbl name="parChTrans2D2">
-    <dgm:scene3d>
-      <a:camera prst="orthographicFront"/>
-      <a:lightRig rig="threePt" dir="t"/>
-    </dgm:scene3d>
-    <dgm:sp3d/>
-    <dgm:txPr/>
-    <dgm:style>
-      <a:lnRef idx="2">
-        <a:scrgbClr r="0" g="0" b="0"/>
-      </a:lnRef>
-      <a:fillRef idx="1">
-        <a:scrgbClr r="0" g="0" b="0"/>
-      </a:fillRef>
-      <a:effectRef idx="0">
-        <a:scrgbClr r="0" g="0" b="0"/>
-      </a:effectRef>
-      <a:fontRef idx="minor">
-        <a:schemeClr val="lt1"/>
-      </a:fontRef>
-    </dgm:style>
-  </dgm:styleLbl>
-  <dgm:styleLbl name="parChTrans2D3">
-    <dgm:scene3d>
-      <a:camera prst="orthographicFront"/>
-      <a:lightRig rig="threePt" dir="t"/>
-    </dgm:scene3d>
-    <dgm:sp3d/>
-    <dgm:txPr/>
-    <dgm:style>
-      <a:lnRef idx="2">
-        <a:scrgbClr r="0" g="0" b="0"/>
-      </a:lnRef>
-      <a:fillRef idx="1">
-        <a:scrgbClr r="0" g="0" b="0"/>
-      </a:fillRef>
-      <a:effectRef idx="0">
-        <a:scrgbClr r="0" g="0" b="0"/>
-      </a:effectRef>
-      <a:fontRef idx="minor">
-        <a:schemeClr val="lt1"/>
-      </a:fontRef>
-    </dgm:style>
-  </dgm:styleLbl>
-  <dgm:styleLbl name="parChTrans2D4">
-    <dgm:scene3d>
-      <a:camera prst="orthographicFront"/>
-      <a:lightRig rig="threePt" dir="t"/>
-    </dgm:scene3d>
-    <dgm:sp3d/>
-    <dgm:txPr/>
-    <dgm:style>
-      <a:lnRef idx="2">
-        <a:scrgbClr r="0" g="0" b="0"/>
-      </a:lnRef>
-      <a:fillRef idx="1">
-        <a:scrgbClr r="0" g="0" b="0"/>
-      </a:fillRef>
-      <a:effectRef idx="0">
-        <a:scrgbClr r="0" g="0" b="0"/>
-      </a:effectRef>
-      <a:fontRef idx="minor">
-        <a:schemeClr val="lt1"/>
-      </a:fontRef>
-    </dgm:style>
-  </dgm:styleLbl>
-  <dgm:styleLbl name="parChTrans1D1">
-    <dgm:scene3d>
-      <a:camera prst="orthographicFront"/>
-      <a:lightRig rig="threePt" dir="t"/>
-    </dgm:scene3d>
-    <dgm:sp3d/>
-    <dgm:txPr/>
-    <dgm:style>
-      <a:lnRef idx="2">
-        <a:scrgbClr r="0" g="0" b="0"/>
-      </a:lnRef>
-      <a:fillRef idx="0">
-        <a:scrgbClr r="0" g="0" b="0"/>
-      </a:fillRef>
-      <a:effectRef idx="0">
-        <a:scrgbClr r="0" g="0" b="0"/>
-      </a:effectRef>
-      <a:fontRef idx="minor"/>
-    </dgm:style>
-  </dgm:styleLbl>
-  <dgm:styleLbl name="parChTrans1D2">
-    <dgm:scene3d>
-      <a:camera prst="orthographicFront"/>
-      <a:lightRig rig="threePt" dir="t"/>
-    </dgm:scene3d>
-    <dgm:sp3d/>
-    <dgm:txPr/>
-    <dgm:style>
-      <a:lnRef idx="2">
-        <a:scrgbClr r="0" g="0" b="0"/>
-      </a:lnRef>
-      <a:fillRef idx="0">
-        <a:scrgbClr r="0" g="0" b="0"/>
-      </a:fillRef>
-      <a:effectRef idx="0">
-        <a:scrgbClr r="0" g="0" b="0"/>
-      </a:effectRef>
-      <a:fontRef idx="minor"/>
-    </dgm:style>
-  </dgm:styleLbl>
-  <dgm:styleLbl name="parChTrans1D3">
-    <dgm:scene3d>
-      <a:camera prst="orthographicFront"/>
-      <a:lightRig rig="threePt" dir="t"/>
-    </dgm:scene3d>
-    <dgm:sp3d/>
-    <dgm:txPr/>
-    <dgm:style>
-      <a:lnRef idx="2">
-        <a:scrgbClr r="0" g="0" b="0"/>
-      </a:lnRef>
-      <a:fillRef idx="0">
-        <a:scrgbClr r="0" g="0" b="0"/>
-      </a:fillRef>
-      <a:effectRef idx="0">
-        <a:scrgbClr r="0" g="0" b="0"/>
-      </a:effectRef>
-      <a:fontRef idx="minor"/>
-    </dgm:style>
-  </dgm:styleLbl>
-  <dgm:styleLbl name="parChTrans1D4">
-    <dgm:scene3d>
-      <a:camera prst="orthographicFront"/>
-      <a:lightRig rig="threePt" dir="t"/>
-    </dgm:scene3d>
-    <dgm:sp3d/>
-    <dgm:txPr/>
-    <dgm:style>
-      <a:lnRef idx="2">
-        <a:scrgbClr r="0" g="0" b="0"/>
-      </a:lnRef>
-      <a:fillRef idx="0">
-        <a:scrgbClr r="0" g="0" b="0"/>
-      </a:fillRef>
-      <a:effectRef idx="0">
-        <a:scrgbClr r="0" g="0" b="0"/>
-      </a:effectRef>
-      <a:fontRef idx="minor"/>
-    </dgm:style>
-  </dgm:styleLbl>
-  <dgm:styleLbl name="fgAcc1">
-    <dgm:scene3d>
-      <a:camera prst="orthographicFront"/>
-      <a:lightRig rig="threePt" dir="t"/>
-    </dgm:scene3d>
-    <dgm:sp3d/>
-    <dgm:txPr/>
-    <dgm:style>
-      <a:lnRef idx="2">
-        <a:scrgbClr r="0" g="0" b="0"/>
-      </a:lnRef>
-      <a:fillRef idx="1">
-        <a:scrgbClr r="0" g="0" b="0"/>
-      </a:fillRef>
-      <a:effectRef idx="0">
-        <a:scrgbClr r="0" g="0" b="0"/>
-      </a:effectRef>
-      <a:fontRef idx="minor"/>
-    </dgm:style>
-  </dgm:styleLbl>
-  <dgm:styleLbl name="conFgAcc1">
-    <dgm:scene3d>
-      <a:camera prst="orthographicFront"/>
-      <a:lightRig rig="threePt" dir="t"/>
-    </dgm:scene3d>
-    <dgm:sp3d/>
-    <dgm:txPr/>
-    <dgm:style>
-      <a:lnRef idx="2">
-        <a:scrgbClr r="0" g="0" b="0"/>
-      </a:lnRef>
-      <a:fillRef idx="1">
-        <a:scrgbClr r="0" g="0" b="0"/>
-      </a:fillRef>
-      <a:effectRef idx="0">
-        <a:scrgbClr r="0" g="0" b="0"/>
-      </a:effectRef>
-      <a:fontRef idx="minor"/>
-    </dgm:style>
-  </dgm:styleLbl>
-  <dgm:styleLbl name="alignAcc1">
-    <dgm:scene3d>
-      <a:camera prst="orthographicFront"/>
-      <a:lightRig rig="threePt" dir="t"/>
-    </dgm:scene3d>
-    <dgm:sp3d/>
-    <dgm:txPr/>
-    <dgm:style>
-      <a:lnRef idx="2">
-        <a:scrgbClr r="0" g="0" b="0"/>
-      </a:lnRef>
-      <a:fillRef idx="1">
-        <a:scrgbClr r="0" g="0" b="0"/>
-      </a:fillRef>
-      <a:effectRef idx="0">
-        <a:scrgbClr r="0" g="0" b="0"/>
-      </a:effectRef>
-      <a:fontRef idx="minor"/>
-    </dgm:style>
-  </dgm:styleLbl>
-  <dgm:styleLbl name="trAlignAcc1">
-    <dgm:scene3d>
-      <a:camera prst="orthographicFront"/>
-      <a:lightRig rig="threePt" dir="t"/>
-    </dgm:scene3d>
-    <dgm:sp3d/>
-    <dgm:txPr/>
-    <dgm:style>
-      <a:lnRef idx="1">
-        <a:scrgbClr r="0" g="0" b="0"/>
-      </a:lnRef>
-      <a:fillRef idx="1">
-        <a:scrgbClr r="0" g="0" b="0"/>
-      </a:fillRef>
-      <a:effectRef idx="0">
-        <a:scrgbClr r="0" g="0" b="0"/>
-      </a:effectRef>
-      <a:fontRef idx="minor"/>
-    </dgm:style>
-  </dgm:styleLbl>
-  <dgm:styleLbl name="bgAcc1">
-    <dgm:scene3d>
-      <a:camera prst="orthographicFront"/>
-      <a:lightRig rig="threePt" dir="t"/>
-    </dgm:scene3d>
-    <dgm:sp3d/>
-    <dgm:txPr/>
-    <dgm:style>
-      <a:lnRef idx="2">
-        <a:scrgbClr r="0" g="0" b="0"/>
-      </a:lnRef>
-      <a:fillRef idx="1">
-        <a:scrgbClr r="0" g="0" b="0"/>
-      </a:fillRef>
-      <a:effectRef idx="0">
-        <a:scrgbClr r="0" g="0" b="0"/>
-      </a:effectRef>
-      <a:fontRef idx="minor"/>
-    </dgm:style>
-  </dgm:styleLbl>
-  <dgm:styleLbl name="solidFgAcc1">
-    <dgm:scene3d>
-      <a:camera prst="orthographicFront"/>
-      <a:lightRig rig="threePt" dir="t"/>
-    </dgm:scene3d>
-    <dgm:sp3d/>
-    <dgm:txPr/>
-    <dgm:style>
-      <a:lnRef idx="2">
-        <a:scrgbClr r="0" g="0" b="0"/>
-      </a:lnRef>
-      <a:fillRef idx="1">
-        <a:scrgbClr r="0" g="0" b="0"/>
-      </a:fillRef>
-      <a:effectRef idx="0">
-        <a:scrgbClr r="0" g="0" b="0"/>
-      </a:effectRef>
-      <a:fontRef idx="minor"/>
-    </dgm:style>
-  </dgm:styleLbl>
-  <dgm:styleLbl name="solidAlignAcc1">
-    <dgm:scene3d>
-      <a:camera prst="orthographicFront"/>
-      <a:lightRig rig="threePt" dir="t"/>
-    </dgm:scene3d>
-    <dgm:sp3d/>
-    <dgm:txPr/>
-    <dgm:style>
-      <a:lnRef idx="2">
-        <a:scrgbClr r="0" g="0" b="0"/>
-      </a:lnRef>
-      <a:fillRef idx="1">
-        <a:scrgbClr r="0" g="0" b="0"/>
-      </a:fillRef>
-      <a:effectRef idx="0">
-        <a:scrgbClr r="0" g="0" b="0"/>
-      </a:effectRef>
-      <a:fontRef idx="minor"/>
-    </dgm:style>
-  </dgm:styleLbl>
-  <dgm:styleLbl name="solidBgAcc1">
-    <dgm:scene3d>
-      <a:camera prst="orthographicFront"/>
-      <a:lightRig rig="threePt" dir="t"/>
-    </dgm:scene3d>
-    <dgm:sp3d/>
-    <dgm:txPr/>
-    <dgm:style>
-      <a:lnRef idx="2">
-        <a:scrgbClr r="0" g="0" b="0"/>
-      </a:lnRef>
-      <a:fillRef idx="1">
-        <a:scrgbClr r="0" g="0" b="0"/>
-      </a:fillRef>
-      <a:effectRef idx="0">
-        <a:scrgbClr r="0" g="0" b="0"/>
-      </a:effectRef>
-      <a:fontRef idx="minor"/>
-    </dgm:style>
-  </dgm:styleLbl>
-  <dgm:styleLbl name="fgAccFollowNode1">
-    <dgm:scene3d>
-      <a:camera prst="orthographicFront"/>
-      <a:lightRig rig="threePt" dir="t"/>
-    </dgm:scene3d>
-    <dgm:sp3d/>
-    <dgm:txPr/>
-    <dgm:style>
-      <a:lnRef idx="2">
-        <a:scrgbClr r="0" g="0" b="0"/>
-      </a:lnRef>
-      <a:fillRef idx="1">
-        <a:scrgbClr r="0" g="0" b="0"/>
-      </a:fillRef>
-      <a:effectRef idx="0">
-        <a:scrgbClr r="0" g="0" b="0"/>
-      </a:effectRef>
-      <a:fontRef idx="minor"/>
-    </dgm:style>
-  </dgm:styleLbl>
-  <dgm:styleLbl name="alignAccFollowNode1">
-    <dgm:scene3d>
-      <a:camera prst="orthographicFront"/>
-      <a:lightRig rig="threePt" dir="t"/>
-    </dgm:scene3d>
-    <dgm:sp3d/>
-    <dgm:txPr/>
-    <dgm:style>
-      <a:lnRef idx="2">
-        <a:scrgbClr r="0" g="0" b="0"/>
-      </a:lnRef>
-      <a:fillRef idx="1">
-        <a:scrgbClr r="0" g="0" b="0"/>
-      </a:fillRef>
-      <a:effectRef idx="0">
-        <a:scrgbClr r="0" g="0" b="0"/>
-      </a:effectRef>
-      <a:fontRef idx="minor"/>
-    </dgm:style>
-  </dgm:styleLbl>
-  <dgm:styleLbl name="bgAccFollowNode1">
-    <dgm:scene3d>
-      <a:camera prst="orthographicFront"/>
-      <a:lightRig rig="threePt" dir="t"/>
-    </dgm:scene3d>
-    <dgm:sp3d/>
-    <dgm:txPr/>
-    <dgm:style>
-      <a:lnRef idx="2">
-        <a:scrgbClr r="0" g="0" b="0"/>
-      </a:lnRef>
-      <a:fillRef idx="1">
-        <a:scrgbClr r="0" g="0" b="0"/>
-      </a:fillRef>
-      <a:effectRef idx="0">
-        <a:scrgbClr r="0" g="0" b="0"/>
-      </a:effectRef>
-      <a:fontRef idx="minor"/>
-    </dgm:style>
-  </dgm:styleLbl>
-  <dgm:styleLbl name="fgAcc0">
-    <dgm:scene3d>
-      <a:camera prst="orthographicFront"/>
-      <a:lightRig rig="threePt" dir="t"/>
-    </dgm:scene3d>
-    <dgm:sp3d/>
-    <dgm:txPr/>
-    <dgm:style>
-      <a:lnRef idx="2">
-        <a:scrgbClr r="0" g="0" b="0"/>
-      </a:lnRef>
-      <a:fillRef idx="1">
-        <a:scrgbClr r="0" g="0" b="0"/>
-      </a:fillRef>
-      <a:effectRef idx="0">
-        <a:scrgbClr r="0" g="0" b="0"/>
-      </a:effectRef>
-      <a:fontRef idx="minor"/>
-    </dgm:style>
-  </dgm:styleLbl>
-  <dgm:styleLbl name="fgAcc2">
-    <dgm:scene3d>
-      <a:camera prst="orthographicFront"/>
-      <a:lightRig rig="threePt" dir="t"/>
-    </dgm:scene3d>
-    <dgm:sp3d/>
-    <dgm:txPr/>
-    <dgm:style>
-      <a:lnRef idx="2">
-        <a:scrgbClr r="0" g="0" b="0"/>
-      </a:lnRef>
-      <a:fillRef idx="1">
-        <a:scrgbClr r="0" g="0" b="0"/>
-      </a:fillRef>
-      <a:effectRef idx="0">
-        <a:scrgbClr r="0" g="0" b="0"/>
-      </a:effectRef>
-      <a:fontRef idx="minor"/>
-    </dgm:style>
-  </dgm:styleLbl>
-  <dgm:styleLbl name="fgAcc3">
-    <dgm:scene3d>
-      <a:camera prst="orthographicFront"/>
-      <a:lightRig rig="threePt" dir="t"/>
-    </dgm:scene3d>
-    <dgm:sp3d/>
-    <dgm:txPr/>
-    <dgm:style>
-      <a:lnRef idx="2">
-        <a:scrgbClr r="0" g="0" b="0"/>
-      </a:lnRef>
-      <a:fillRef idx="1">
-        <a:scrgbClr r="0" g="0" b="0"/>
-      </a:fillRef>
-      <a:effectRef idx="0">
-        <a:scrgbClr r="0" g="0" b="0"/>
-      </a:effectRef>
-      <a:fontRef idx="minor"/>
-    </dgm:style>
-  </dgm:styleLbl>
-  <dgm:styleLbl name="fgAcc4">
-    <dgm:scene3d>
-      <a:camera prst="orthographicFront"/>
-      <a:lightRig rig="threePt" dir="t"/>
-    </dgm:scene3d>
-    <dgm:sp3d/>
-    <dgm:txPr/>
-    <dgm:style>
-      <a:lnRef idx="2">
-        <a:scrgbClr r="0" g="0" b="0"/>
-      </a:lnRef>
-      <a:fillRef idx="1">
-        <a:scrgbClr r="0" g="0" b="0"/>
-      </a:fillRef>
-      <a:effectRef idx="0">
-        <a:scrgbClr r="0" g="0" b="0"/>
-      </a:effectRef>
-      <a:fontRef idx="minor"/>
-    </dgm:style>
-  </dgm:styleLbl>
-  <dgm:styleLbl name="bgShp">
-    <dgm:scene3d>
-      <a:camera prst="orthographicFront"/>
-      <a:lightRig rig="threePt" dir="t"/>
-    </dgm:scene3d>
-    <dgm:sp3d/>
-    <dgm:txPr/>
-    <dgm:style>
-      <a:lnRef idx="0">
-        <a:scrgbClr r="0" g="0" b="0"/>
-      </a:lnRef>
-      <a:fillRef idx="1">
-        <a:scrgbClr r="0" g="0" b="0"/>
-      </a:fillRef>
-      <a:effectRef idx="0">
-        <a:scrgbClr r="0" g="0" b="0"/>
-      </a:effectRef>
-      <a:fontRef idx="minor"/>
-    </dgm:style>
-  </dgm:styleLbl>
-  <dgm:styleLbl name="dkBgShp">
-    <dgm:scene3d>
-      <a:camera prst="orthographicFront"/>
-      <a:lightRig rig="threePt" dir="t"/>
-    </dgm:scene3d>
-    <dgm:sp3d/>
-    <dgm:txPr/>
-    <dgm:style>
-      <a:lnRef idx="0">
-        <a:scrgbClr r="0" g="0" b="0"/>
-      </a:lnRef>
-      <a:fillRef idx="1">
-        <a:scrgbClr r="0" g="0" b="0"/>
-      </a:fillRef>
-      <a:effectRef idx="0">
-        <a:scrgbClr r="0" g="0" b="0"/>
-      </a:effectRef>
-      <a:fontRef idx="minor"/>
-    </dgm:style>
-  </dgm:styleLbl>
-  <dgm:styleLbl name="trBgShp">
-    <dgm:scene3d>
-      <a:camera prst="orthographicFront"/>
-      <a:lightRig rig="threePt" dir="t"/>
-    </dgm:scene3d>
-    <dgm:sp3d/>
-    <dgm:txPr/>
-    <dgm:style>
-      <a:lnRef idx="0">
-        <a:scrgbClr r="0" g="0" b="0"/>
-      </a:lnRef>
-      <a:fillRef idx="1">
-        <a:scrgbClr r="0" g="0" b="0"/>
-      </a:fillRef>
-      <a:effectRef idx="0">
-        <a:scrgbClr r="0" g="0" b="0"/>
-      </a:effectRef>
-      <a:fontRef idx="minor"/>
-    </dgm:style>
-  </dgm:styleLbl>
-  <dgm:styleLbl name="fgShp">
-    <dgm:scene3d>
-      <a:camera prst="orthographicFront"/>
-      <a:lightRig rig="threePt" dir="t"/>
-    </dgm:scene3d>
-    <dgm:sp3d/>
-    <dgm:txPr/>
-    <dgm:style>
-      <a:lnRef idx="2">
-        <a:scrgbClr r="0" g="0" b="0"/>
-      </a:lnRef>
-      <a:fillRef idx="1">
-        <a:scrgbClr r="0" g="0" b="0"/>
-      </a:fillRef>
-      <a:effectRef idx="0">
-        <a:scrgbClr r="0" g="0" b="0"/>
-      </a:effectRef>
-      <a:fontRef idx="minor"/>
-    </dgm:style>
-  </dgm:styleLbl>
-  <dgm:styleLbl name="revTx">
-    <dgm:scene3d>
-      <a:camera prst="orthographicFront"/>
-      <a:lightRig rig="threePt" dir="t"/>
-    </dgm:scene3d>
-    <dgm:sp3d/>
-    <dgm:txPr/>
-    <dgm:style>
-      <a:lnRef idx="0">
-        <a:scrgbClr r="0" g="0" b="0"/>
-      </a:lnRef>
-      <a:fillRef idx="0">
-        <a:scrgbClr r="0" g="0" b="0"/>
-      </a:fillRef>
-      <a:effectRef idx="0">
-        <a:scrgbClr r="0" g="0" b="0"/>
-      </a:effectRef>
-      <a:fontRef idx="minor"/>
-    </dgm:style>
-  </dgm:styleLbl>
-</dgm:styleDef>
-</file>
-
-<file path=ppt/diagrams/quickStyle9.xml><?xml version="1.0" encoding="utf-8"?>
+<file path=ppt/diagrams/quickStyle7.xml><?xml version="1.0" encoding="utf-8"?>
 <dgm:styleDef xmlns:dgm="http://schemas.openxmlformats.org/drawingml/2006/diagram" xmlns:a="http://schemas.openxmlformats.org/drawingml/2006/main" uniqueId="urn:microsoft.com/office/officeart/2005/8/quickstyle/simple1">
   <dgm:title val=""/>
   <dgm:desc val=""/>
@@ -31018,7 +25614,7 @@
           <a:p>
             <a:fld id="{AF914A1E-46E5-4184-BEBF-7A52F35B4545}" type="datetimeFigureOut">
               <a:rPr lang="en-US" smtClean="0"/>
-              <a:t>8/12/2019</a:t>
+              <a:t>8/15/2019</a:t>
             </a:fld>
             <a:endParaRPr lang="en-US" dirty="0"/>
           </a:p>
@@ -31596,7 +26192,19 @@
           <a:bodyPr/>
           <a:lstStyle/>
           <a:p>
+            <a:r>
+              <a:rPr lang="en-US" dirty="0"/>
+              <a:t>My name is Adam Anderson, and I have been a database developer for over 10 years and in IT for more than 20. I am MCSA certified and will be taking my final test in a month or two to get my MCSE. </a:t>
+            </a:r>
+          </a:p>
+          <a:p>
             <a:endParaRPr lang="en-US" dirty="0"/>
+          </a:p>
+          <a:p>
+            <a:r>
+              <a:rPr lang="en-US" dirty="0"/>
+              <a:t>So I have a friend that is a financial accountant and he always droned on about ROI and how most people didn’t understand it. When I asked what he meant he told me that if you invest 100,000 dollars and a year later you get 12,000 dollars in return that was a 12% ROI and most companies would take that and run. However, if you can start making a 1000 dollars a month it is still the same money</a:t>
+            </a:r>
           </a:p>
         </p:txBody>
       </p:sp>
@@ -31617,7 +26225,7 @@
           <a:p>
             <a:fld id="{12D1A968-C0E8-4160-9441-EB3EE2D578CC}" type="slidenum">
               <a:rPr lang="en-US" smtClean="0"/>
-              <a:t>11</a:t>
+              <a:t>14</a:t>
             </a:fld>
             <a:endParaRPr lang="en-US" dirty="0"/>
           </a:p>
@@ -31626,7 +26234,7 @@
     </p:spTree>
     <p:extLst>
       <p:ext uri="{BB962C8B-B14F-4D97-AF65-F5344CB8AC3E}">
-        <p14:creationId xmlns:p14="http://schemas.microsoft.com/office/powerpoint/2010/main" val="4966062"/>
+        <p14:creationId xmlns:p14="http://schemas.microsoft.com/office/powerpoint/2010/main" val="2085747398"/>
       </p:ext>
     </p:extLst>
   </p:cSld>
@@ -32650,7 +27258,7 @@
           <a:graphicData uri="http://schemas.openxmlformats.org/presentationml/2006/ole">
             <mc:AlternateContent xmlns:mc="http://schemas.openxmlformats.org/markup-compatibility/2006">
               <mc:Choice xmlns:v="urn:schemas-microsoft-com:vml" Requires="v">
-                <p:oleObj spid="_x0000_s1096" name="Image" r:id="rId10" imgW="2279520" imgH="1310400" progId="Photoshop.Image.18">
+                <p:oleObj spid="_x0000_s1102" name="Image" r:id="rId10" imgW="2279520" imgH="1310400" progId="Photoshop.Image.18">
                   <p:embed/>
                 </p:oleObj>
               </mc:Choice>
@@ -33102,245 +27710,6 @@
           <p:cNvPr id="2" name="Title 1">
             <a:extLst>
               <a:ext uri="{FF2B5EF4-FFF2-40B4-BE49-F238E27FC236}">
-                <a16:creationId xmlns:a16="http://schemas.microsoft.com/office/drawing/2014/main" id="{16064B91-FD8A-40D9-A896-62F1C1A1C29B}"/>
-              </a:ext>
-            </a:extLst>
-          </p:cNvPr>
-          <p:cNvSpPr>
-            <a:spLocks noGrp="1"/>
-          </p:cNvSpPr>
-          <p:nvPr>
-            <p:ph type="title"/>
-          </p:nvPr>
-        </p:nvSpPr>
-        <p:spPr/>
-        <p:txBody>
-          <a:bodyPr/>
-          <a:lstStyle/>
-          <a:p>
-            <a:r>
-              <a:rPr lang="en-US" dirty="0" err="1"/>
-              <a:t>tSQLt</a:t>
-            </a:r>
-            <a:r>
-              <a:rPr lang="en-US" dirty="0"/>
-              <a:t> Functionality</a:t>
-            </a:r>
-          </a:p>
-        </p:txBody>
-      </p:sp>
-      <p:graphicFrame>
-        <p:nvGraphicFramePr>
-          <p:cNvPr id="4" name="Content Placeholder 3">
-            <a:extLst>
-              <a:ext uri="{FF2B5EF4-FFF2-40B4-BE49-F238E27FC236}">
-                <a16:creationId xmlns:a16="http://schemas.microsoft.com/office/drawing/2014/main" id="{BCA8B7A9-F6E6-456B-9DA9-C8177E4C9098}"/>
-              </a:ext>
-            </a:extLst>
-          </p:cNvPr>
-          <p:cNvGraphicFramePr>
-            <a:graphicFrameLocks noGrp="1"/>
-          </p:cNvGraphicFramePr>
-          <p:nvPr>
-            <p:ph idx="1"/>
-            <p:extLst>
-              <p:ext uri="{D42A27DB-BD31-4B8C-83A1-F6EECF244321}">
-                <p14:modId xmlns:p14="http://schemas.microsoft.com/office/powerpoint/2010/main" val="1656876155"/>
-              </p:ext>
-            </p:extLst>
-          </p:nvPr>
-        </p:nvGraphicFramePr>
-        <p:xfrm>
-          <a:off x="360125" y="1439813"/>
-          <a:ext cx="10800000" cy="4680000"/>
-        </p:xfrm>
-        <a:graphic>
-          <a:graphicData uri="http://schemas.openxmlformats.org/drawingml/2006/diagram">
-            <dgm:relIds xmlns:dgm="http://schemas.openxmlformats.org/drawingml/2006/diagram" xmlns:r="http://schemas.openxmlformats.org/officeDocument/2006/relationships" r:dm="rId2" r:lo="rId3" r:qs="rId4" r:cs="rId5"/>
-          </a:graphicData>
-        </a:graphic>
-      </p:graphicFrame>
-    </p:spTree>
-    <p:extLst>
-      <p:ext uri="{BB962C8B-B14F-4D97-AF65-F5344CB8AC3E}">
-        <p14:creationId xmlns:p14="http://schemas.microsoft.com/office/powerpoint/2010/main" val="3078437766"/>
-      </p:ext>
-    </p:extLst>
-  </p:cSld>
-  <p:clrMapOvr>
-    <a:masterClrMapping/>
-  </p:clrMapOvr>
-</p:sld>
-</file>
-
-<file path=ppt/slides/slide11.xml><?xml version="1.0" encoding="utf-8"?>
-<p:sld xmlns:a="http://schemas.openxmlformats.org/drawingml/2006/main" xmlns:r="http://schemas.openxmlformats.org/officeDocument/2006/relationships" xmlns:p="http://schemas.openxmlformats.org/presentationml/2006/main">
-  <p:cSld>
-    <p:spTree>
-      <p:nvGrpSpPr>
-        <p:cNvPr id="1" name=""/>
-        <p:cNvGrpSpPr/>
-        <p:nvPr/>
-      </p:nvGrpSpPr>
-      <p:grpSpPr>
-        <a:xfrm>
-          <a:off x="0" y="0"/>
-          <a:ext cx="0" cy="0"/>
-          <a:chOff x="0" y="0"/>
-          <a:chExt cx="0" cy="0"/>
-        </a:xfrm>
-      </p:grpSpPr>
-      <p:sp>
-        <p:nvSpPr>
-          <p:cNvPr id="2" name="Title 1"/>
-          <p:cNvSpPr>
-            <a:spLocks noGrp="1"/>
-          </p:cNvSpPr>
-          <p:nvPr>
-            <p:ph type="title"/>
-          </p:nvPr>
-        </p:nvSpPr>
-        <p:spPr/>
-        <p:txBody>
-          <a:bodyPr/>
-          <a:lstStyle/>
-          <a:p>
-            <a:r>
-              <a:rPr lang="en-US" dirty="0"/>
-              <a:t>Pester</a:t>
-            </a:r>
-          </a:p>
-        </p:txBody>
-      </p:sp>
-    </p:spTree>
-    <p:extLst>
-      <p:ext uri="{BB962C8B-B14F-4D97-AF65-F5344CB8AC3E}">
-        <p14:creationId xmlns:p14="http://schemas.microsoft.com/office/powerpoint/2010/main" val="2073836043"/>
-      </p:ext>
-    </p:extLst>
-  </p:cSld>
-  <p:clrMapOvr>
-    <a:masterClrMapping/>
-  </p:clrMapOvr>
-</p:sld>
-</file>
-
-<file path=ppt/slides/slide12.xml><?xml version="1.0" encoding="utf-8"?>
-<p:sld xmlns:a="http://schemas.openxmlformats.org/drawingml/2006/main" xmlns:r="http://schemas.openxmlformats.org/officeDocument/2006/relationships" xmlns:p="http://schemas.openxmlformats.org/presentationml/2006/main">
-  <p:cSld>
-    <p:spTree>
-      <p:nvGrpSpPr>
-        <p:cNvPr id="1" name=""/>
-        <p:cNvGrpSpPr/>
-        <p:nvPr/>
-      </p:nvGrpSpPr>
-      <p:grpSpPr>
-        <a:xfrm>
-          <a:off x="0" y="0"/>
-          <a:ext cx="0" cy="0"/>
-          <a:chOff x="0" y="0"/>
-          <a:chExt cx="0" cy="0"/>
-        </a:xfrm>
-      </p:grpSpPr>
-      <p:sp>
-        <p:nvSpPr>
-          <p:cNvPr id="2" name="Title 1">
-            <a:extLst>
-              <a:ext uri="{FF2B5EF4-FFF2-40B4-BE49-F238E27FC236}">
-                <a16:creationId xmlns:a16="http://schemas.microsoft.com/office/drawing/2014/main" id="{8D57F476-114E-4D41-B07F-2222FEA6DF39}"/>
-              </a:ext>
-            </a:extLst>
-          </p:cNvPr>
-          <p:cNvSpPr>
-            <a:spLocks noGrp="1"/>
-          </p:cNvSpPr>
-          <p:nvPr>
-            <p:ph type="title"/>
-          </p:nvPr>
-        </p:nvSpPr>
-        <p:spPr>
-          <a:xfrm>
-            <a:off x="361038" y="351397"/>
-            <a:ext cx="10800000" cy="720000"/>
-          </a:xfrm>
-        </p:spPr>
-        <p:txBody>
-          <a:bodyPr/>
-          <a:lstStyle/>
-          <a:p>
-            <a:r>
-              <a:rPr lang="en-US" dirty="0"/>
-              <a:t>Pester</a:t>
-            </a:r>
-          </a:p>
-        </p:txBody>
-      </p:sp>
-      <p:graphicFrame>
-        <p:nvGraphicFramePr>
-          <p:cNvPr id="10" name="Content Placeholder 9">
-            <a:extLst>
-              <a:ext uri="{FF2B5EF4-FFF2-40B4-BE49-F238E27FC236}">
-                <a16:creationId xmlns:a16="http://schemas.microsoft.com/office/drawing/2014/main" id="{2510FB00-1C4B-46FA-B7EE-6A17BDFC7154}"/>
-              </a:ext>
-            </a:extLst>
-          </p:cNvPr>
-          <p:cNvGraphicFramePr>
-            <a:graphicFrameLocks noGrp="1"/>
-          </p:cNvGraphicFramePr>
-          <p:nvPr>
-            <p:ph idx="1"/>
-            <p:extLst>
-              <p:ext uri="{D42A27DB-BD31-4B8C-83A1-F6EECF244321}">
-                <p14:modId xmlns:p14="http://schemas.microsoft.com/office/powerpoint/2010/main" val="3914837782"/>
-              </p:ext>
-            </p:extLst>
-          </p:nvPr>
-        </p:nvGraphicFramePr>
-        <p:xfrm>
-          <a:off x="582706" y="1371600"/>
-          <a:ext cx="10577419" cy="4748213"/>
-        </p:xfrm>
-        <a:graphic>
-          <a:graphicData uri="http://schemas.openxmlformats.org/drawingml/2006/diagram">
-            <dgm:relIds xmlns:dgm="http://schemas.openxmlformats.org/drawingml/2006/diagram" xmlns:r="http://schemas.openxmlformats.org/officeDocument/2006/relationships" r:dm="rId2" r:lo="rId3" r:qs="rId4" r:cs="rId5"/>
-          </a:graphicData>
-        </a:graphic>
-      </p:graphicFrame>
-    </p:spTree>
-    <p:extLst>
-      <p:ext uri="{BB962C8B-B14F-4D97-AF65-F5344CB8AC3E}">
-        <p14:creationId xmlns:p14="http://schemas.microsoft.com/office/powerpoint/2010/main" val="518300513"/>
-      </p:ext>
-    </p:extLst>
-  </p:cSld>
-  <p:clrMapOvr>
-    <a:masterClrMapping/>
-  </p:clrMapOvr>
-</p:sld>
-</file>
-
-<file path=ppt/slides/slide13.xml><?xml version="1.0" encoding="utf-8"?>
-<p:sld xmlns:a="http://schemas.openxmlformats.org/drawingml/2006/main" xmlns:r="http://schemas.openxmlformats.org/officeDocument/2006/relationships" xmlns:p="http://schemas.openxmlformats.org/presentationml/2006/main">
-  <p:cSld>
-    <p:spTree>
-      <p:nvGrpSpPr>
-        <p:cNvPr id="1" name=""/>
-        <p:cNvGrpSpPr/>
-        <p:nvPr/>
-      </p:nvGrpSpPr>
-      <p:grpSpPr>
-        <a:xfrm>
-          <a:off x="0" y="0"/>
-          <a:ext cx="0" cy="0"/>
-          <a:chOff x="0" y="0"/>
-          <a:chExt cx="0" cy="0"/>
-        </a:xfrm>
-      </p:grpSpPr>
-      <p:sp>
-        <p:nvSpPr>
-          <p:cNvPr id="2" name="Title 1">
-            <a:extLst>
-              <a:ext uri="{FF2B5EF4-FFF2-40B4-BE49-F238E27FC236}">
                 <a16:creationId xmlns:a16="http://schemas.microsoft.com/office/drawing/2014/main" id="{99AF93F2-1A5F-4BB2-AA25-6DC11D729A67}"/>
               </a:ext>
             </a:extLst>
@@ -33381,7 +27750,7 @@
 </p:sld>
 </file>
 
-<file path=ppt/slides/slide14.xml><?xml version="1.0" encoding="utf-8"?>
+<file path=ppt/slides/slide11.xml><?xml version="1.0" encoding="utf-8"?>
 <p:sld xmlns:a="http://schemas.openxmlformats.org/drawingml/2006/main" xmlns:r="http://schemas.openxmlformats.org/officeDocument/2006/relationships" xmlns:p="http://schemas.openxmlformats.org/presentationml/2006/main">
   <p:cSld>
     <p:spTree>
@@ -33470,7 +27839,7 @@
 </p:sld>
 </file>
 
-<file path=ppt/slides/slide15.xml><?xml version="1.0" encoding="utf-8"?>
+<file path=ppt/slides/slide12.xml><?xml version="1.0" encoding="utf-8"?>
 <p:sld xmlns:a="http://schemas.openxmlformats.org/drawingml/2006/main" xmlns:r="http://schemas.openxmlformats.org/officeDocument/2006/relationships" xmlns:p="http://schemas.openxmlformats.org/presentationml/2006/main">
   <p:cSld>
     <p:spTree>
@@ -33881,7 +28250,7 @@
 </p:sld>
 </file>
 
-<file path=ppt/slides/slide16.xml><?xml version="1.0" encoding="utf-8"?>
+<file path=ppt/slides/slide13.xml><?xml version="1.0" encoding="utf-8"?>
 <p:sld xmlns:a="http://schemas.openxmlformats.org/drawingml/2006/main" xmlns:r="http://schemas.openxmlformats.org/officeDocument/2006/relationships" xmlns:p="http://schemas.openxmlformats.org/presentationml/2006/main">
   <p:cSld>
     <p:spTree>
@@ -33982,6 +28351,178 @@
     <p:extLst>
       <p:ext uri="{BB962C8B-B14F-4D97-AF65-F5344CB8AC3E}">
         <p14:creationId xmlns:p14="http://schemas.microsoft.com/office/powerpoint/2010/main" val="4288488383"/>
+      </p:ext>
+    </p:extLst>
+  </p:cSld>
+  <p:clrMapOvr>
+    <a:masterClrMapping/>
+  </p:clrMapOvr>
+</p:sld>
+</file>
+
+<file path=ppt/slides/slide14.xml><?xml version="1.0" encoding="utf-8"?>
+<p:sld xmlns:a="http://schemas.openxmlformats.org/drawingml/2006/main" xmlns:r="http://schemas.openxmlformats.org/officeDocument/2006/relationships" xmlns:p="http://schemas.openxmlformats.org/presentationml/2006/main">
+  <p:cSld>
+    <p:spTree>
+      <p:nvGrpSpPr>
+        <p:cNvPr id="1" name=""/>
+        <p:cNvGrpSpPr/>
+        <p:nvPr/>
+      </p:nvGrpSpPr>
+      <p:grpSpPr>
+        <a:xfrm>
+          <a:off x="0" y="0"/>
+          <a:ext cx="0" cy="0"/>
+          <a:chOff x="0" y="0"/>
+          <a:chExt cx="0" cy="0"/>
+        </a:xfrm>
+      </p:grpSpPr>
+      <p:sp>
+        <p:nvSpPr>
+          <p:cNvPr id="18" name="Title 17"/>
+          <p:cNvSpPr>
+            <a:spLocks noGrp="1"/>
+          </p:cNvSpPr>
+          <p:nvPr>
+            <p:ph type="title"/>
+          </p:nvPr>
+        </p:nvSpPr>
+        <p:spPr/>
+        <p:txBody>
+          <a:bodyPr/>
+          <a:lstStyle/>
+          <a:p>
+            <a:r>
+              <a:rPr lang="en-US" dirty="0"/>
+              <a:t>Adam Anderson</a:t>
+            </a:r>
+          </a:p>
+        </p:txBody>
+      </p:sp>
+      <p:sp>
+        <p:nvSpPr>
+          <p:cNvPr id="19" name="Content Placeholder 18"/>
+          <p:cNvSpPr>
+            <a:spLocks noGrp="1"/>
+          </p:cNvSpPr>
+          <p:nvPr>
+            <p:ph idx="1"/>
+          </p:nvPr>
+        </p:nvSpPr>
+        <p:spPr>
+          <a:xfrm>
+            <a:off x="360125" y="1439813"/>
+            <a:ext cx="10800000" cy="4680000"/>
+          </a:xfrm>
+        </p:spPr>
+        <p:txBody>
+          <a:bodyPr/>
+          <a:lstStyle/>
+          <a:p>
+            <a:pPr marL="571500" indent="-571500">
+              <a:buFont typeface="Arial" panose="020B0604020202020204" pitchFamily="34" charset="0"/>
+              <a:buChar char="•"/>
+            </a:pPr>
+            <a:r>
+              <a:rPr lang="en-US" dirty="0"/>
+              <a:t>@SQLPioneer</a:t>
+            </a:r>
+          </a:p>
+          <a:p>
+            <a:pPr marL="571500" indent="-571500">
+              <a:buFont typeface="Arial" panose="020B0604020202020204" pitchFamily="34" charset="0"/>
+              <a:buChar char="•"/>
+            </a:pPr>
+            <a:r>
+              <a:rPr lang="en-US" dirty="0">
+                <a:hlinkClick r:id="rId3" action="ppaction://hlinkfile"/>
+              </a:rPr>
+              <a:t>sqlpioneer.wordpress.com</a:t>
+            </a:r>
+            <a:endParaRPr lang="en-US" dirty="0"/>
+          </a:p>
+          <a:p>
+            <a:pPr marL="571500" indent="-571500">
+              <a:buFont typeface="Arial" panose="020B0604020202020204" pitchFamily="34" charset="0"/>
+              <a:buChar char="•"/>
+            </a:pPr>
+            <a:r>
+              <a:rPr lang="en-US" dirty="0">
+                <a:hlinkClick r:id="rId4"/>
+              </a:rPr>
+              <a:t>www.linkedin.com/in/adam-anderson-dba</a:t>
+            </a:r>
+            <a:endParaRPr lang="en-US" dirty="0"/>
+          </a:p>
+          <a:p>
+            <a:pPr marL="571500" indent="-571500">
+              <a:buFont typeface="Arial" panose="020B0604020202020204" pitchFamily="34" charset="0"/>
+              <a:buChar char="•"/>
+            </a:pPr>
+            <a:r>
+              <a:rPr lang="en-US" dirty="0">
+                <a:hlinkClick r:id="rId5"/>
+              </a:rPr>
+              <a:t>https://github.com/SQLPioneer/</a:t>
+            </a:r>
+            <a:endParaRPr lang="en-US" dirty="0"/>
+          </a:p>
+          <a:p>
+            <a:endParaRPr lang="en-US" dirty="0"/>
+          </a:p>
+        </p:txBody>
+      </p:sp>
+      <p:pic>
+        <p:nvPicPr>
+          <p:cNvPr id="2050" name="Picture 2" descr="MCSA: SQL 2016 Database Development - Certified 2018">
+            <a:extLst>
+              <a:ext uri="{FF2B5EF4-FFF2-40B4-BE49-F238E27FC236}">
+                <a16:creationId xmlns:a16="http://schemas.microsoft.com/office/drawing/2014/main" id="{CD2F463C-31A0-4DBC-A941-DBDD94391B54}"/>
+              </a:ext>
+            </a:extLst>
+          </p:cNvPr>
+          <p:cNvPicPr>
+            <a:picLocks noChangeAspect="1" noChangeArrowheads="1"/>
+          </p:cNvPicPr>
+          <p:nvPr/>
+        </p:nvPicPr>
+        <p:blipFill>
+          <a:blip r:embed="rId6">
+            <a:extLst>
+              <a:ext uri="{28A0092B-C50C-407E-A947-70E740481C1C}">
+                <a14:useLocalDpi xmlns:a14="http://schemas.microsoft.com/office/drawing/2010/main" val="0"/>
+              </a:ext>
+            </a:extLst>
+          </a:blip>
+          <a:srcRect/>
+          <a:stretch>
+            <a:fillRect/>
+          </a:stretch>
+        </p:blipFill>
+        <p:spPr bwMode="auto">
+          <a:xfrm>
+            <a:off x="623454" y="4662173"/>
+            <a:ext cx="1540189" cy="1540189"/>
+          </a:xfrm>
+          <a:prstGeom prst="rect">
+            <a:avLst/>
+          </a:prstGeom>
+          <a:noFill/>
+          <a:extLst>
+            <a:ext uri="{909E8E84-426E-40DD-AFC4-6F175D3DCCD1}">
+              <a14:hiddenFill xmlns:a14="http://schemas.microsoft.com/office/drawing/2010/main">
+                <a:solidFill>
+                  <a:srgbClr val="FFFFFF"/>
+                </a:solidFill>
+              </a14:hiddenFill>
+            </a:ext>
+          </a:extLst>
+        </p:spPr>
+      </p:pic>
+    </p:spTree>
+    <p:extLst>
+      <p:ext uri="{BB962C8B-B14F-4D97-AF65-F5344CB8AC3E}">
+        <p14:creationId xmlns:p14="http://schemas.microsoft.com/office/powerpoint/2010/main" val="612702383"/>
       </p:ext>
     </p:extLst>
   </p:cSld>
@@ -34092,6 +28633,19 @@
             <a:endParaRPr lang="en-US" dirty="0"/>
           </a:p>
           <a:p>
+            <a:pPr marL="571500" indent="-571500">
+              <a:buFont typeface="Arial" panose="020B0604020202020204" pitchFamily="34" charset="0"/>
+              <a:buChar char="•"/>
+            </a:pPr>
+            <a:r>
+              <a:rPr lang="en-US" dirty="0">
+                <a:hlinkClick r:id="rId5"/>
+              </a:rPr>
+              <a:t>https://github.com/SQLPioneer/</a:t>
+            </a:r>
+            <a:endParaRPr lang="en-US" dirty="0"/>
+          </a:p>
+          <a:p>
             <a:endParaRPr lang="en-US" dirty="0"/>
           </a:p>
         </p:txBody>
@@ -34111,7 +28665,7 @@
           <p:nvPr/>
         </p:nvPicPr>
         <p:blipFill>
-          <a:blip r:embed="rId5">
+          <a:blip r:embed="rId6">
             <a:extLst>
               <a:ext uri="{28A0092B-C50C-407E-A947-70E740481C1C}">
                 <a14:useLocalDpi xmlns:a14="http://schemas.microsoft.com/office/drawing/2010/main" val="0"/>
@@ -34125,8 +28679,8 @@
         </p:blipFill>
         <p:spPr bwMode="auto">
           <a:xfrm>
-            <a:off x="361038" y="4399757"/>
-            <a:ext cx="1802606" cy="1802606"/>
+            <a:off x="623454" y="4662173"/>
+            <a:ext cx="1540189" cy="1540189"/>
           </a:xfrm>
           <a:prstGeom prst="rect">
             <a:avLst/>
@@ -34396,7 +28950,7 @@
             <p:ph idx="1"/>
             <p:extLst>
               <p:ext uri="{D42A27DB-BD31-4B8C-83A1-F6EECF244321}">
-                <p14:modId xmlns:p14="http://schemas.microsoft.com/office/powerpoint/2010/main" val="2352379275"/>
+                <p14:modId xmlns:p14="http://schemas.microsoft.com/office/powerpoint/2010/main" val="2212077515"/>
               </p:ext>
             </p:extLst>
           </p:nvPr>
@@ -34588,95 +29142,6 @@
           <p:cNvPr id="2" name="Title 1">
             <a:extLst>
               <a:ext uri="{FF2B5EF4-FFF2-40B4-BE49-F238E27FC236}">
-                <a16:creationId xmlns:a16="http://schemas.microsoft.com/office/drawing/2014/main" id="{9DA9CC6C-EA13-4787-8130-0C1CD4323199}"/>
-              </a:ext>
-            </a:extLst>
-          </p:cNvPr>
-          <p:cNvSpPr>
-            <a:spLocks noGrp="1"/>
-          </p:cNvSpPr>
-          <p:nvPr>
-            <p:ph type="title"/>
-          </p:nvPr>
-        </p:nvSpPr>
-        <p:spPr/>
-        <p:txBody>
-          <a:bodyPr/>
-          <a:lstStyle/>
-          <a:p>
-            <a:r>
-              <a:rPr lang="en-US" dirty="0"/>
-              <a:t>Integration Testing</a:t>
-            </a:r>
-          </a:p>
-        </p:txBody>
-      </p:sp>
-      <p:graphicFrame>
-        <p:nvGraphicFramePr>
-          <p:cNvPr id="4" name="Content Placeholder 3">
-            <a:extLst>
-              <a:ext uri="{FF2B5EF4-FFF2-40B4-BE49-F238E27FC236}">
-                <a16:creationId xmlns:a16="http://schemas.microsoft.com/office/drawing/2014/main" id="{87FA41A7-AC02-4146-8885-8B7E78728A96}"/>
-              </a:ext>
-            </a:extLst>
-          </p:cNvPr>
-          <p:cNvGraphicFramePr>
-            <a:graphicFrameLocks noGrp="1"/>
-          </p:cNvGraphicFramePr>
-          <p:nvPr>
-            <p:ph idx="1"/>
-            <p:extLst>
-              <p:ext uri="{D42A27DB-BD31-4B8C-83A1-F6EECF244321}">
-                <p14:modId xmlns:p14="http://schemas.microsoft.com/office/powerpoint/2010/main" val="2270813431"/>
-              </p:ext>
-            </p:extLst>
-          </p:nvPr>
-        </p:nvGraphicFramePr>
-        <p:xfrm>
-          <a:off x="360363" y="1439863"/>
-          <a:ext cx="10799762" cy="4679950"/>
-        </p:xfrm>
-        <a:graphic>
-          <a:graphicData uri="http://schemas.openxmlformats.org/drawingml/2006/diagram">
-            <dgm:relIds xmlns:dgm="http://schemas.openxmlformats.org/drawingml/2006/diagram" xmlns:r="http://schemas.openxmlformats.org/officeDocument/2006/relationships" r:dm="rId2" r:lo="rId3" r:qs="rId4" r:cs="rId5"/>
-          </a:graphicData>
-        </a:graphic>
-      </p:graphicFrame>
-    </p:spTree>
-    <p:extLst>
-      <p:ext uri="{BB962C8B-B14F-4D97-AF65-F5344CB8AC3E}">
-        <p14:creationId xmlns:p14="http://schemas.microsoft.com/office/powerpoint/2010/main" val="824676154"/>
-      </p:ext>
-    </p:extLst>
-  </p:cSld>
-  <p:clrMapOvr>
-    <a:masterClrMapping/>
-  </p:clrMapOvr>
-</p:sld>
-</file>
-
-<file path=ppt/slides/slide8.xml><?xml version="1.0" encoding="utf-8"?>
-<p:sld xmlns:a="http://schemas.openxmlformats.org/drawingml/2006/main" xmlns:r="http://schemas.openxmlformats.org/officeDocument/2006/relationships" xmlns:p="http://schemas.openxmlformats.org/presentationml/2006/main">
-  <p:cSld>
-    <p:spTree>
-      <p:nvGrpSpPr>
-        <p:cNvPr id="1" name=""/>
-        <p:cNvGrpSpPr/>
-        <p:nvPr/>
-      </p:nvGrpSpPr>
-      <p:grpSpPr>
-        <a:xfrm>
-          <a:off x="0" y="0"/>
-          <a:ext cx="0" cy="0"/>
-          <a:chOff x="0" y="0"/>
-          <a:chExt cx="0" cy="0"/>
-        </a:xfrm>
-      </p:grpSpPr>
-      <p:sp>
-        <p:nvSpPr>
-          <p:cNvPr id="2" name="Title 1">
-            <a:extLst>
-              <a:ext uri="{FF2B5EF4-FFF2-40B4-BE49-F238E27FC236}">
                 <a16:creationId xmlns:a16="http://schemas.microsoft.com/office/drawing/2014/main" id="{429726F6-0775-44BB-95D4-885B9F2777CC}"/>
               </a:ext>
             </a:extLst>
@@ -34714,7 +29179,7 @@
 </p:sld>
 </file>
 
-<file path=ppt/slides/slide9.xml><?xml version="1.0" encoding="utf-8"?>
+<file path=ppt/slides/slide8.xml><?xml version="1.0" encoding="utf-8"?>
 <p:sld xmlns:a="http://schemas.openxmlformats.org/drawingml/2006/main" xmlns:r="http://schemas.openxmlformats.org/officeDocument/2006/relationships" xmlns:p="http://schemas.openxmlformats.org/presentationml/2006/main">
   <p:cSld>
     <p:spTree>
@@ -34795,6 +29260,99 @@
     <p:extLst>
       <p:ext uri="{BB962C8B-B14F-4D97-AF65-F5344CB8AC3E}">
         <p14:creationId xmlns:p14="http://schemas.microsoft.com/office/powerpoint/2010/main" val="1197301912"/>
+      </p:ext>
+    </p:extLst>
+  </p:cSld>
+  <p:clrMapOvr>
+    <a:masterClrMapping/>
+  </p:clrMapOvr>
+</p:sld>
+</file>
+
+<file path=ppt/slides/slide9.xml><?xml version="1.0" encoding="utf-8"?>
+<p:sld xmlns:a="http://schemas.openxmlformats.org/drawingml/2006/main" xmlns:r="http://schemas.openxmlformats.org/officeDocument/2006/relationships" xmlns:p="http://schemas.openxmlformats.org/presentationml/2006/main">
+  <p:cSld>
+    <p:spTree>
+      <p:nvGrpSpPr>
+        <p:cNvPr id="1" name=""/>
+        <p:cNvGrpSpPr/>
+        <p:nvPr/>
+      </p:nvGrpSpPr>
+      <p:grpSpPr>
+        <a:xfrm>
+          <a:off x="0" y="0"/>
+          <a:ext cx="0" cy="0"/>
+          <a:chOff x="0" y="0"/>
+          <a:chExt cx="0" cy="0"/>
+        </a:xfrm>
+      </p:grpSpPr>
+      <p:sp>
+        <p:nvSpPr>
+          <p:cNvPr id="2" name="Title 1">
+            <a:extLst>
+              <a:ext uri="{FF2B5EF4-FFF2-40B4-BE49-F238E27FC236}">
+                <a16:creationId xmlns:a16="http://schemas.microsoft.com/office/drawing/2014/main" id="{16064B91-FD8A-40D9-A896-62F1C1A1C29B}"/>
+              </a:ext>
+            </a:extLst>
+          </p:cNvPr>
+          <p:cNvSpPr>
+            <a:spLocks noGrp="1"/>
+          </p:cNvSpPr>
+          <p:nvPr>
+            <p:ph type="title"/>
+          </p:nvPr>
+        </p:nvSpPr>
+        <p:spPr/>
+        <p:txBody>
+          <a:bodyPr/>
+          <a:lstStyle/>
+          <a:p>
+            <a:r>
+              <a:rPr lang="en-US" dirty="0" err="1"/>
+              <a:t>tSQLt</a:t>
+            </a:r>
+            <a:r>
+              <a:rPr lang="en-US" dirty="0"/>
+              <a:t> Functionality</a:t>
+            </a:r>
+          </a:p>
+        </p:txBody>
+      </p:sp>
+      <p:graphicFrame>
+        <p:nvGraphicFramePr>
+          <p:cNvPr id="4" name="Content Placeholder 3">
+            <a:extLst>
+              <a:ext uri="{FF2B5EF4-FFF2-40B4-BE49-F238E27FC236}">
+                <a16:creationId xmlns:a16="http://schemas.microsoft.com/office/drawing/2014/main" id="{BCA8B7A9-F6E6-456B-9DA9-C8177E4C9098}"/>
+              </a:ext>
+            </a:extLst>
+          </p:cNvPr>
+          <p:cNvGraphicFramePr>
+            <a:graphicFrameLocks noGrp="1"/>
+          </p:cNvGraphicFramePr>
+          <p:nvPr>
+            <p:ph idx="1"/>
+            <p:extLst>
+              <p:ext uri="{D42A27DB-BD31-4B8C-83A1-F6EECF244321}">
+                <p14:modId xmlns:p14="http://schemas.microsoft.com/office/powerpoint/2010/main" val="1656876155"/>
+              </p:ext>
+            </p:extLst>
+          </p:nvPr>
+        </p:nvGraphicFramePr>
+        <p:xfrm>
+          <a:off x="360125" y="1439813"/>
+          <a:ext cx="10800000" cy="4680000"/>
+        </p:xfrm>
+        <a:graphic>
+          <a:graphicData uri="http://schemas.openxmlformats.org/drawingml/2006/diagram">
+            <dgm:relIds xmlns:dgm="http://schemas.openxmlformats.org/drawingml/2006/diagram" xmlns:r="http://schemas.openxmlformats.org/officeDocument/2006/relationships" r:dm="rId2" r:lo="rId3" r:qs="rId4" r:cs="rId5"/>
+          </a:graphicData>
+        </a:graphic>
+      </p:graphicFrame>
+    </p:spTree>
+    <p:extLst>
+      <p:ext uri="{BB962C8B-B14F-4D97-AF65-F5344CB8AC3E}">
+        <p14:creationId xmlns:p14="http://schemas.microsoft.com/office/powerpoint/2010/main" val="3078437766"/>
       </p:ext>
     </p:extLst>
   </p:cSld>

--- a/TestingBasics/Database Testing.pptx
+++ b/TestingBasics/Database Testing.pptx
@@ -5,7 +5,7 @@
     <p:sldMasterId id="2147483648" r:id="rId1"/>
   </p:sldMasterIdLst>
   <p:notesMasterIdLst>
-    <p:notesMasterId r:id="rId16"/>
+    <p:notesMasterId r:id="rId14"/>
   </p:notesMasterIdLst>
   <p:sldIdLst>
     <p:sldId id="263" r:id="rId2"/>
@@ -19,9 +19,7 @@
     <p:sldId id="333" r:id="rId10"/>
     <p:sldId id="321" r:id="rId11"/>
     <p:sldId id="334" r:id="rId12"/>
-    <p:sldId id="330" r:id="rId13"/>
-    <p:sldId id="319" r:id="rId14"/>
-    <p:sldId id="336" r:id="rId15"/>
+    <p:sldId id="336" r:id="rId13"/>
   </p:sldIdLst>
   <p:sldSz cx="11520488" cy="6480175"/>
   <p:notesSz cx="6858000" cy="9144000"/>
@@ -3131,1500 +3129,6 @@
 </file>
 
 <file path=ppt/diagrams/colors5.xml><?xml version="1.0" encoding="utf-8"?>
-<dgm:colorsDef xmlns:dgm="http://schemas.openxmlformats.org/drawingml/2006/diagram" xmlns:a="http://schemas.openxmlformats.org/drawingml/2006/main" uniqueId="urn:microsoft.com/office/officeart/2005/8/colors/accent1_2">
-  <dgm:title val=""/>
-  <dgm:desc val=""/>
-  <dgm:catLst>
-    <dgm:cat type="accent1" pri="11200"/>
-  </dgm:catLst>
-  <dgm:styleLbl name="node0">
-    <dgm:fillClrLst meth="repeat">
-      <a:schemeClr val="accent1"/>
-    </dgm:fillClrLst>
-    <dgm:linClrLst meth="repeat">
-      <a:schemeClr val="lt1"/>
-    </dgm:linClrLst>
-    <dgm:effectClrLst/>
-    <dgm:txLinClrLst/>
-    <dgm:txFillClrLst/>
-    <dgm:txEffectClrLst/>
-  </dgm:styleLbl>
-  <dgm:styleLbl name="alignNode1">
-    <dgm:fillClrLst meth="repeat">
-      <a:schemeClr val="accent1"/>
-    </dgm:fillClrLst>
-    <dgm:linClrLst meth="repeat">
-      <a:schemeClr val="accent1"/>
-    </dgm:linClrLst>
-    <dgm:effectClrLst/>
-    <dgm:txLinClrLst/>
-    <dgm:txFillClrLst/>
-    <dgm:txEffectClrLst/>
-  </dgm:styleLbl>
-  <dgm:styleLbl name="node1">
-    <dgm:fillClrLst meth="repeat">
-      <a:schemeClr val="accent1"/>
-    </dgm:fillClrLst>
-    <dgm:linClrLst meth="repeat">
-      <a:schemeClr val="lt1"/>
-    </dgm:linClrLst>
-    <dgm:effectClrLst/>
-    <dgm:txLinClrLst/>
-    <dgm:txFillClrLst/>
-    <dgm:txEffectClrLst/>
-  </dgm:styleLbl>
-  <dgm:styleLbl name="lnNode1">
-    <dgm:fillClrLst meth="repeat">
-      <a:schemeClr val="accent1"/>
-    </dgm:fillClrLst>
-    <dgm:linClrLst meth="repeat">
-      <a:schemeClr val="lt1"/>
-    </dgm:linClrLst>
-    <dgm:effectClrLst/>
-    <dgm:txLinClrLst/>
-    <dgm:txFillClrLst/>
-    <dgm:txEffectClrLst/>
-  </dgm:styleLbl>
-  <dgm:styleLbl name="vennNode1">
-    <dgm:fillClrLst meth="repeat">
-      <a:schemeClr val="accent1">
-        <a:alpha val="50000"/>
-      </a:schemeClr>
-    </dgm:fillClrLst>
-    <dgm:linClrLst meth="repeat">
-      <a:schemeClr val="lt1"/>
-    </dgm:linClrLst>
-    <dgm:effectClrLst/>
-    <dgm:txLinClrLst/>
-    <dgm:txFillClrLst/>
-    <dgm:txEffectClrLst/>
-  </dgm:styleLbl>
-  <dgm:styleLbl name="node2">
-    <dgm:fillClrLst meth="repeat">
-      <a:schemeClr val="accent1"/>
-    </dgm:fillClrLst>
-    <dgm:linClrLst meth="repeat">
-      <a:schemeClr val="lt1"/>
-    </dgm:linClrLst>
-    <dgm:effectClrLst/>
-    <dgm:txLinClrLst/>
-    <dgm:txFillClrLst/>
-    <dgm:txEffectClrLst/>
-  </dgm:styleLbl>
-  <dgm:styleLbl name="node3">
-    <dgm:fillClrLst meth="repeat">
-      <a:schemeClr val="accent1"/>
-    </dgm:fillClrLst>
-    <dgm:linClrLst meth="repeat">
-      <a:schemeClr val="lt1"/>
-    </dgm:linClrLst>
-    <dgm:effectClrLst/>
-    <dgm:txLinClrLst/>
-    <dgm:txFillClrLst/>
-    <dgm:txEffectClrLst/>
-  </dgm:styleLbl>
-  <dgm:styleLbl name="node4">
-    <dgm:fillClrLst meth="repeat">
-      <a:schemeClr val="accent1"/>
-    </dgm:fillClrLst>
-    <dgm:linClrLst meth="repeat">
-      <a:schemeClr val="lt1"/>
-    </dgm:linClrLst>
-    <dgm:effectClrLst/>
-    <dgm:txLinClrLst/>
-    <dgm:txFillClrLst/>
-    <dgm:txEffectClrLst/>
-  </dgm:styleLbl>
-  <dgm:styleLbl name="fgImgPlace1">
-    <dgm:fillClrLst meth="repeat">
-      <a:schemeClr val="accent1">
-        <a:tint val="50000"/>
-      </a:schemeClr>
-    </dgm:fillClrLst>
-    <dgm:linClrLst meth="repeat">
-      <a:schemeClr val="lt1"/>
-    </dgm:linClrLst>
-    <dgm:effectClrLst/>
-    <dgm:txLinClrLst/>
-    <dgm:txFillClrLst meth="repeat">
-      <a:schemeClr val="lt1"/>
-    </dgm:txFillClrLst>
-    <dgm:txEffectClrLst/>
-  </dgm:styleLbl>
-  <dgm:styleLbl name="alignImgPlace1">
-    <dgm:fillClrLst meth="repeat">
-      <a:schemeClr val="accent1">
-        <a:tint val="50000"/>
-      </a:schemeClr>
-    </dgm:fillClrLst>
-    <dgm:linClrLst meth="repeat">
-      <a:schemeClr val="lt1"/>
-    </dgm:linClrLst>
-    <dgm:effectClrLst/>
-    <dgm:txLinClrLst/>
-    <dgm:txFillClrLst meth="repeat">
-      <a:schemeClr val="lt1"/>
-    </dgm:txFillClrLst>
-    <dgm:txEffectClrLst/>
-  </dgm:styleLbl>
-  <dgm:styleLbl name="bgImgPlace1">
-    <dgm:fillClrLst meth="repeat">
-      <a:schemeClr val="accent1">
-        <a:tint val="50000"/>
-      </a:schemeClr>
-    </dgm:fillClrLst>
-    <dgm:linClrLst meth="repeat">
-      <a:schemeClr val="lt1"/>
-    </dgm:linClrLst>
-    <dgm:effectClrLst/>
-    <dgm:txLinClrLst/>
-    <dgm:txFillClrLst meth="repeat">
-      <a:schemeClr val="lt1"/>
-    </dgm:txFillClrLst>
-    <dgm:txEffectClrLst/>
-  </dgm:styleLbl>
-  <dgm:styleLbl name="sibTrans2D1">
-    <dgm:fillClrLst meth="repeat">
-      <a:schemeClr val="accent1">
-        <a:tint val="60000"/>
-      </a:schemeClr>
-    </dgm:fillClrLst>
-    <dgm:linClrLst meth="repeat">
-      <a:schemeClr val="accent1">
-        <a:tint val="60000"/>
-      </a:schemeClr>
-    </dgm:linClrLst>
-    <dgm:effectClrLst/>
-    <dgm:txLinClrLst/>
-    <dgm:txFillClrLst/>
-    <dgm:txEffectClrLst/>
-  </dgm:styleLbl>
-  <dgm:styleLbl name="fgSibTrans2D1">
-    <dgm:fillClrLst meth="repeat">
-      <a:schemeClr val="accent1">
-        <a:tint val="60000"/>
-      </a:schemeClr>
-    </dgm:fillClrLst>
-    <dgm:linClrLst meth="repeat">
-      <a:schemeClr val="accent1">
-        <a:tint val="60000"/>
-      </a:schemeClr>
-    </dgm:linClrLst>
-    <dgm:effectClrLst/>
-    <dgm:txLinClrLst/>
-    <dgm:txFillClrLst/>
-    <dgm:txEffectClrLst/>
-  </dgm:styleLbl>
-  <dgm:styleLbl name="bgSibTrans2D1">
-    <dgm:fillClrLst meth="repeat">
-      <a:schemeClr val="accent1">
-        <a:tint val="60000"/>
-      </a:schemeClr>
-    </dgm:fillClrLst>
-    <dgm:linClrLst meth="repeat">
-      <a:schemeClr val="accent1">
-        <a:tint val="60000"/>
-      </a:schemeClr>
-    </dgm:linClrLst>
-    <dgm:effectClrLst/>
-    <dgm:txLinClrLst/>
-    <dgm:txFillClrLst/>
-    <dgm:txEffectClrLst/>
-  </dgm:styleLbl>
-  <dgm:styleLbl name="sibTrans1D1">
-    <dgm:fillClrLst meth="repeat">
-      <a:schemeClr val="accent1"/>
-    </dgm:fillClrLst>
-    <dgm:linClrLst meth="repeat">
-      <a:schemeClr val="accent1"/>
-    </dgm:linClrLst>
-    <dgm:effectClrLst/>
-    <dgm:txLinClrLst/>
-    <dgm:txFillClrLst meth="repeat">
-      <a:schemeClr val="tx1"/>
-    </dgm:txFillClrLst>
-    <dgm:txEffectClrLst/>
-  </dgm:styleLbl>
-  <dgm:styleLbl name="callout">
-    <dgm:fillClrLst meth="repeat">
-      <a:schemeClr val="accent1"/>
-    </dgm:fillClrLst>
-    <dgm:linClrLst meth="repeat">
-      <a:schemeClr val="accent1">
-        <a:tint val="50000"/>
-      </a:schemeClr>
-    </dgm:linClrLst>
-    <dgm:effectClrLst/>
-    <dgm:txLinClrLst/>
-    <dgm:txFillClrLst meth="repeat">
-      <a:schemeClr val="tx1"/>
-    </dgm:txFillClrLst>
-    <dgm:txEffectClrLst/>
-  </dgm:styleLbl>
-  <dgm:styleLbl name="asst0">
-    <dgm:fillClrLst meth="repeat">
-      <a:schemeClr val="accent1"/>
-    </dgm:fillClrLst>
-    <dgm:linClrLst meth="repeat">
-      <a:schemeClr val="lt1"/>
-    </dgm:linClrLst>
-    <dgm:effectClrLst/>
-    <dgm:txLinClrLst/>
-    <dgm:txFillClrLst/>
-    <dgm:txEffectClrLst/>
-  </dgm:styleLbl>
-  <dgm:styleLbl name="asst1">
-    <dgm:fillClrLst meth="repeat">
-      <a:schemeClr val="accent1"/>
-    </dgm:fillClrLst>
-    <dgm:linClrLst meth="repeat">
-      <a:schemeClr val="lt1"/>
-    </dgm:linClrLst>
-    <dgm:effectClrLst/>
-    <dgm:txLinClrLst/>
-    <dgm:txFillClrLst/>
-    <dgm:txEffectClrLst/>
-  </dgm:styleLbl>
-  <dgm:styleLbl name="asst2">
-    <dgm:fillClrLst meth="repeat">
-      <a:schemeClr val="accent1"/>
-    </dgm:fillClrLst>
-    <dgm:linClrLst meth="repeat">
-      <a:schemeClr val="lt1"/>
-    </dgm:linClrLst>
-    <dgm:effectClrLst/>
-    <dgm:txLinClrLst/>
-    <dgm:txFillClrLst/>
-    <dgm:txEffectClrLst/>
-  </dgm:styleLbl>
-  <dgm:styleLbl name="asst3">
-    <dgm:fillClrLst meth="repeat">
-      <a:schemeClr val="accent1"/>
-    </dgm:fillClrLst>
-    <dgm:linClrLst meth="repeat">
-      <a:schemeClr val="lt1"/>
-    </dgm:linClrLst>
-    <dgm:effectClrLst/>
-    <dgm:txLinClrLst/>
-    <dgm:txFillClrLst/>
-    <dgm:txEffectClrLst/>
-  </dgm:styleLbl>
-  <dgm:styleLbl name="asst4">
-    <dgm:fillClrLst meth="repeat">
-      <a:schemeClr val="accent1"/>
-    </dgm:fillClrLst>
-    <dgm:linClrLst meth="repeat">
-      <a:schemeClr val="lt1"/>
-    </dgm:linClrLst>
-    <dgm:effectClrLst/>
-    <dgm:txLinClrLst/>
-    <dgm:txFillClrLst/>
-    <dgm:txEffectClrLst/>
-  </dgm:styleLbl>
-  <dgm:styleLbl name="parChTrans2D1">
-    <dgm:fillClrLst meth="repeat">
-      <a:schemeClr val="accent1">
-        <a:tint val="60000"/>
-      </a:schemeClr>
-    </dgm:fillClrLst>
-    <dgm:linClrLst meth="repeat">
-      <a:schemeClr val="accent1">
-        <a:tint val="60000"/>
-      </a:schemeClr>
-    </dgm:linClrLst>
-    <dgm:effectClrLst/>
-    <dgm:txLinClrLst/>
-    <dgm:txFillClrLst meth="repeat">
-      <a:schemeClr val="lt1"/>
-    </dgm:txFillClrLst>
-    <dgm:txEffectClrLst/>
-  </dgm:styleLbl>
-  <dgm:styleLbl name="parChTrans2D2">
-    <dgm:fillClrLst meth="repeat">
-      <a:schemeClr val="accent1"/>
-    </dgm:fillClrLst>
-    <dgm:linClrLst meth="repeat">
-      <a:schemeClr val="accent1"/>
-    </dgm:linClrLst>
-    <dgm:effectClrLst/>
-    <dgm:txLinClrLst/>
-    <dgm:txFillClrLst meth="repeat">
-      <a:schemeClr val="lt1"/>
-    </dgm:txFillClrLst>
-    <dgm:txEffectClrLst/>
-  </dgm:styleLbl>
-  <dgm:styleLbl name="parChTrans2D3">
-    <dgm:fillClrLst meth="repeat">
-      <a:schemeClr val="accent1"/>
-    </dgm:fillClrLst>
-    <dgm:linClrLst meth="repeat">
-      <a:schemeClr val="accent1"/>
-    </dgm:linClrLst>
-    <dgm:effectClrLst/>
-    <dgm:txLinClrLst/>
-    <dgm:txFillClrLst meth="repeat">
-      <a:schemeClr val="lt1"/>
-    </dgm:txFillClrLst>
-    <dgm:txEffectClrLst/>
-  </dgm:styleLbl>
-  <dgm:styleLbl name="parChTrans2D4">
-    <dgm:fillClrLst meth="repeat">
-      <a:schemeClr val="accent1"/>
-    </dgm:fillClrLst>
-    <dgm:linClrLst meth="repeat">
-      <a:schemeClr val="accent1"/>
-    </dgm:linClrLst>
-    <dgm:effectClrLst/>
-    <dgm:txLinClrLst/>
-    <dgm:txFillClrLst meth="repeat">
-      <a:schemeClr val="lt1"/>
-    </dgm:txFillClrLst>
-    <dgm:txEffectClrLst/>
-  </dgm:styleLbl>
-  <dgm:styleLbl name="parChTrans1D1">
-    <dgm:fillClrLst meth="repeat">
-      <a:schemeClr val="accent1"/>
-    </dgm:fillClrLst>
-    <dgm:linClrLst meth="repeat">
-      <a:schemeClr val="accent1">
-        <a:shade val="60000"/>
-      </a:schemeClr>
-    </dgm:linClrLst>
-    <dgm:effectClrLst/>
-    <dgm:txLinClrLst/>
-    <dgm:txFillClrLst meth="repeat">
-      <a:schemeClr val="tx1"/>
-    </dgm:txFillClrLst>
-    <dgm:txEffectClrLst/>
-  </dgm:styleLbl>
-  <dgm:styleLbl name="parChTrans1D2">
-    <dgm:fillClrLst meth="repeat">
-      <a:schemeClr val="accent1"/>
-    </dgm:fillClrLst>
-    <dgm:linClrLst meth="repeat">
-      <a:schemeClr val="accent1">
-        <a:shade val="60000"/>
-      </a:schemeClr>
-    </dgm:linClrLst>
-    <dgm:effectClrLst/>
-    <dgm:txLinClrLst/>
-    <dgm:txFillClrLst meth="repeat">
-      <a:schemeClr val="tx1"/>
-    </dgm:txFillClrLst>
-    <dgm:txEffectClrLst/>
-  </dgm:styleLbl>
-  <dgm:styleLbl name="parChTrans1D3">
-    <dgm:fillClrLst meth="repeat">
-      <a:schemeClr val="accent1"/>
-    </dgm:fillClrLst>
-    <dgm:linClrLst meth="repeat">
-      <a:schemeClr val="accent1">
-        <a:shade val="80000"/>
-      </a:schemeClr>
-    </dgm:linClrLst>
-    <dgm:effectClrLst/>
-    <dgm:txLinClrLst/>
-    <dgm:txFillClrLst meth="repeat">
-      <a:schemeClr val="tx1"/>
-    </dgm:txFillClrLst>
-    <dgm:txEffectClrLst/>
-  </dgm:styleLbl>
-  <dgm:styleLbl name="parChTrans1D4">
-    <dgm:fillClrLst meth="repeat">
-      <a:schemeClr val="accent1"/>
-    </dgm:fillClrLst>
-    <dgm:linClrLst meth="repeat">
-      <a:schemeClr val="accent1">
-        <a:shade val="80000"/>
-      </a:schemeClr>
-    </dgm:linClrLst>
-    <dgm:effectClrLst/>
-    <dgm:txLinClrLst/>
-    <dgm:txFillClrLst meth="repeat">
-      <a:schemeClr val="tx1"/>
-    </dgm:txFillClrLst>
-    <dgm:txEffectClrLst/>
-  </dgm:styleLbl>
-  <dgm:styleLbl name="fgAcc1">
-    <dgm:fillClrLst meth="repeat">
-      <a:schemeClr val="lt1">
-        <a:alpha val="90000"/>
-      </a:schemeClr>
-    </dgm:fillClrLst>
-    <dgm:linClrLst meth="repeat">
-      <a:schemeClr val="accent1"/>
-    </dgm:linClrLst>
-    <dgm:effectClrLst/>
-    <dgm:txLinClrLst/>
-    <dgm:txFillClrLst meth="repeat">
-      <a:schemeClr val="dk1"/>
-    </dgm:txFillClrLst>
-    <dgm:txEffectClrLst/>
-  </dgm:styleLbl>
-  <dgm:styleLbl name="conFgAcc1">
-    <dgm:fillClrLst meth="repeat">
-      <a:schemeClr val="lt1">
-        <a:alpha val="90000"/>
-      </a:schemeClr>
-    </dgm:fillClrLst>
-    <dgm:linClrLst meth="repeat">
-      <a:schemeClr val="accent1"/>
-    </dgm:linClrLst>
-    <dgm:effectClrLst/>
-    <dgm:txLinClrLst/>
-    <dgm:txFillClrLst meth="repeat">
-      <a:schemeClr val="dk1"/>
-    </dgm:txFillClrLst>
-    <dgm:txEffectClrLst/>
-  </dgm:styleLbl>
-  <dgm:styleLbl name="alignAcc1">
-    <dgm:fillClrLst meth="repeat">
-      <a:schemeClr val="lt1">
-        <a:alpha val="90000"/>
-      </a:schemeClr>
-    </dgm:fillClrLst>
-    <dgm:linClrLst meth="repeat">
-      <a:schemeClr val="accent1"/>
-    </dgm:linClrLst>
-    <dgm:effectClrLst/>
-    <dgm:txLinClrLst/>
-    <dgm:txFillClrLst meth="repeat">
-      <a:schemeClr val="dk1"/>
-    </dgm:txFillClrLst>
-    <dgm:txEffectClrLst/>
-  </dgm:styleLbl>
-  <dgm:styleLbl name="trAlignAcc1">
-    <dgm:fillClrLst meth="repeat">
-      <a:schemeClr val="lt1">
-        <a:alpha val="40000"/>
-      </a:schemeClr>
-    </dgm:fillClrLst>
-    <dgm:linClrLst meth="repeat">
-      <a:schemeClr val="accent1"/>
-    </dgm:linClrLst>
-    <dgm:effectClrLst/>
-    <dgm:txLinClrLst/>
-    <dgm:txFillClrLst meth="repeat">
-      <a:schemeClr val="dk1"/>
-    </dgm:txFillClrLst>
-    <dgm:txEffectClrLst/>
-  </dgm:styleLbl>
-  <dgm:styleLbl name="bgAcc1">
-    <dgm:fillClrLst meth="repeat">
-      <a:schemeClr val="lt1">
-        <a:alpha val="90000"/>
-      </a:schemeClr>
-    </dgm:fillClrLst>
-    <dgm:linClrLst meth="repeat">
-      <a:schemeClr val="accent1"/>
-    </dgm:linClrLst>
-    <dgm:effectClrLst/>
-    <dgm:txLinClrLst/>
-    <dgm:txFillClrLst meth="repeat">
-      <a:schemeClr val="dk1"/>
-    </dgm:txFillClrLst>
-    <dgm:txEffectClrLst/>
-  </dgm:styleLbl>
-  <dgm:styleLbl name="solidFgAcc1">
-    <dgm:fillClrLst meth="repeat">
-      <a:schemeClr val="lt1"/>
-    </dgm:fillClrLst>
-    <dgm:linClrLst meth="repeat">
-      <a:schemeClr val="accent1"/>
-    </dgm:linClrLst>
-    <dgm:effectClrLst/>
-    <dgm:txLinClrLst/>
-    <dgm:txFillClrLst meth="repeat">
-      <a:schemeClr val="dk1"/>
-    </dgm:txFillClrLst>
-    <dgm:txEffectClrLst/>
-  </dgm:styleLbl>
-  <dgm:styleLbl name="solidAlignAcc1">
-    <dgm:fillClrLst meth="repeat">
-      <a:schemeClr val="lt1"/>
-    </dgm:fillClrLst>
-    <dgm:linClrLst meth="repeat">
-      <a:schemeClr val="accent1"/>
-    </dgm:linClrLst>
-    <dgm:effectClrLst/>
-    <dgm:txLinClrLst/>
-    <dgm:txFillClrLst meth="repeat">
-      <a:schemeClr val="dk1"/>
-    </dgm:txFillClrLst>
-    <dgm:txEffectClrLst/>
-  </dgm:styleLbl>
-  <dgm:styleLbl name="solidBgAcc1">
-    <dgm:fillClrLst meth="repeat">
-      <a:schemeClr val="lt1"/>
-    </dgm:fillClrLst>
-    <dgm:linClrLst meth="repeat">
-      <a:schemeClr val="accent1"/>
-    </dgm:linClrLst>
-    <dgm:effectClrLst/>
-    <dgm:txLinClrLst/>
-    <dgm:txFillClrLst meth="repeat">
-      <a:schemeClr val="dk1"/>
-    </dgm:txFillClrLst>
-    <dgm:txEffectClrLst/>
-  </dgm:styleLbl>
-  <dgm:styleLbl name="fgAccFollowNode1">
-    <dgm:fillClrLst meth="repeat">
-      <a:schemeClr val="accent1">
-        <a:alpha val="90000"/>
-        <a:tint val="40000"/>
-      </a:schemeClr>
-    </dgm:fillClrLst>
-    <dgm:linClrLst meth="repeat">
-      <a:schemeClr val="accent1">
-        <a:alpha val="90000"/>
-        <a:tint val="40000"/>
-      </a:schemeClr>
-    </dgm:linClrLst>
-    <dgm:effectClrLst/>
-    <dgm:txLinClrLst/>
-    <dgm:txFillClrLst meth="repeat">
-      <a:schemeClr val="dk1"/>
-    </dgm:txFillClrLst>
-    <dgm:txEffectClrLst/>
-  </dgm:styleLbl>
-  <dgm:styleLbl name="alignAccFollowNode1">
-    <dgm:fillClrLst meth="repeat">
-      <a:schemeClr val="accent1">
-        <a:alpha val="90000"/>
-        <a:tint val="40000"/>
-      </a:schemeClr>
-    </dgm:fillClrLst>
-    <dgm:linClrLst meth="repeat">
-      <a:schemeClr val="accent1">
-        <a:alpha val="90000"/>
-        <a:tint val="40000"/>
-      </a:schemeClr>
-    </dgm:linClrLst>
-    <dgm:effectClrLst/>
-    <dgm:txLinClrLst/>
-    <dgm:txFillClrLst meth="repeat">
-      <a:schemeClr val="dk1"/>
-    </dgm:txFillClrLst>
-    <dgm:txEffectClrLst/>
-  </dgm:styleLbl>
-  <dgm:styleLbl name="bgAccFollowNode1">
-    <dgm:fillClrLst meth="repeat">
-      <a:schemeClr val="accent1">
-        <a:alpha val="90000"/>
-        <a:tint val="40000"/>
-      </a:schemeClr>
-    </dgm:fillClrLst>
-    <dgm:linClrLst meth="repeat">
-      <a:schemeClr val="accent1">
-        <a:alpha val="90000"/>
-        <a:tint val="40000"/>
-      </a:schemeClr>
-    </dgm:linClrLst>
-    <dgm:effectClrLst/>
-    <dgm:txLinClrLst/>
-    <dgm:txFillClrLst meth="repeat">
-      <a:schemeClr val="dk1"/>
-    </dgm:txFillClrLst>
-    <dgm:txEffectClrLst/>
-  </dgm:styleLbl>
-  <dgm:styleLbl name="fgAcc0">
-    <dgm:fillClrLst meth="repeat">
-      <a:schemeClr val="lt1">
-        <a:alpha val="90000"/>
-      </a:schemeClr>
-    </dgm:fillClrLst>
-    <dgm:linClrLst meth="repeat">
-      <a:schemeClr val="accent1"/>
-    </dgm:linClrLst>
-    <dgm:effectClrLst/>
-    <dgm:txLinClrLst/>
-    <dgm:txFillClrLst meth="repeat">
-      <a:schemeClr val="dk1"/>
-    </dgm:txFillClrLst>
-    <dgm:txEffectClrLst/>
-  </dgm:styleLbl>
-  <dgm:styleLbl name="fgAcc2">
-    <dgm:fillClrLst meth="repeat">
-      <a:schemeClr val="lt1">
-        <a:alpha val="90000"/>
-      </a:schemeClr>
-    </dgm:fillClrLst>
-    <dgm:linClrLst meth="repeat">
-      <a:schemeClr val="accent1"/>
-    </dgm:linClrLst>
-    <dgm:effectClrLst/>
-    <dgm:txLinClrLst/>
-    <dgm:txFillClrLst meth="repeat">
-      <a:schemeClr val="dk1"/>
-    </dgm:txFillClrLst>
-    <dgm:txEffectClrLst/>
-  </dgm:styleLbl>
-  <dgm:styleLbl name="fgAcc3">
-    <dgm:fillClrLst meth="repeat">
-      <a:schemeClr val="lt1">
-        <a:alpha val="90000"/>
-      </a:schemeClr>
-    </dgm:fillClrLst>
-    <dgm:linClrLst meth="repeat">
-      <a:schemeClr val="accent1"/>
-    </dgm:linClrLst>
-    <dgm:effectClrLst/>
-    <dgm:txLinClrLst/>
-    <dgm:txFillClrLst meth="repeat">
-      <a:schemeClr val="dk1"/>
-    </dgm:txFillClrLst>
-    <dgm:txEffectClrLst/>
-  </dgm:styleLbl>
-  <dgm:styleLbl name="fgAcc4">
-    <dgm:fillClrLst meth="repeat">
-      <a:schemeClr val="lt1">
-        <a:alpha val="90000"/>
-      </a:schemeClr>
-    </dgm:fillClrLst>
-    <dgm:linClrLst meth="repeat">
-      <a:schemeClr val="accent1"/>
-    </dgm:linClrLst>
-    <dgm:effectClrLst/>
-    <dgm:txLinClrLst/>
-    <dgm:txFillClrLst meth="repeat">
-      <a:schemeClr val="dk1"/>
-    </dgm:txFillClrLst>
-    <dgm:txEffectClrLst/>
-  </dgm:styleLbl>
-  <dgm:styleLbl name="bgShp">
-    <dgm:fillClrLst meth="repeat">
-      <a:schemeClr val="accent1">
-        <a:tint val="40000"/>
-      </a:schemeClr>
-    </dgm:fillClrLst>
-    <dgm:linClrLst meth="repeat">
-      <a:schemeClr val="accent1"/>
-    </dgm:linClrLst>
-    <dgm:effectClrLst/>
-    <dgm:txLinClrLst/>
-    <dgm:txFillClrLst meth="repeat">
-      <a:schemeClr val="dk1"/>
-    </dgm:txFillClrLst>
-    <dgm:txEffectClrLst/>
-  </dgm:styleLbl>
-  <dgm:styleLbl name="dkBgShp">
-    <dgm:fillClrLst meth="repeat">
-      <a:schemeClr val="accent1">
-        <a:shade val="80000"/>
-      </a:schemeClr>
-    </dgm:fillClrLst>
-    <dgm:linClrLst meth="repeat">
-      <a:schemeClr val="accent1"/>
-    </dgm:linClrLst>
-    <dgm:effectClrLst/>
-    <dgm:txLinClrLst/>
-    <dgm:txFillClrLst meth="repeat">
-      <a:schemeClr val="lt1"/>
-    </dgm:txFillClrLst>
-    <dgm:txEffectClrLst/>
-  </dgm:styleLbl>
-  <dgm:styleLbl name="trBgShp">
-    <dgm:fillClrLst meth="repeat">
-      <a:schemeClr val="accent1">
-        <a:tint val="50000"/>
-        <a:alpha val="40000"/>
-      </a:schemeClr>
-    </dgm:fillClrLst>
-    <dgm:linClrLst meth="repeat">
-      <a:schemeClr val="accent1"/>
-    </dgm:linClrLst>
-    <dgm:effectClrLst/>
-    <dgm:txLinClrLst/>
-    <dgm:txFillClrLst meth="repeat">
-      <a:schemeClr val="lt1"/>
-    </dgm:txFillClrLst>
-    <dgm:txEffectClrLst/>
-  </dgm:styleLbl>
-  <dgm:styleLbl name="fgShp">
-    <dgm:fillClrLst meth="repeat">
-      <a:schemeClr val="accent1">
-        <a:tint val="60000"/>
-      </a:schemeClr>
-    </dgm:fillClrLst>
-    <dgm:linClrLst meth="repeat">
-      <a:schemeClr val="lt1"/>
-    </dgm:linClrLst>
-    <dgm:effectClrLst/>
-    <dgm:txLinClrLst/>
-    <dgm:txFillClrLst meth="repeat">
-      <a:schemeClr val="dk1"/>
-    </dgm:txFillClrLst>
-    <dgm:txEffectClrLst/>
-  </dgm:styleLbl>
-  <dgm:styleLbl name="revTx">
-    <dgm:fillClrLst meth="repeat">
-      <a:schemeClr val="lt1">
-        <a:alpha val="0"/>
-      </a:schemeClr>
-    </dgm:fillClrLst>
-    <dgm:linClrLst meth="repeat">
-      <a:schemeClr val="dk1">
-        <a:alpha val="0"/>
-      </a:schemeClr>
-    </dgm:linClrLst>
-    <dgm:effectClrLst/>
-    <dgm:txLinClrLst/>
-    <dgm:txFillClrLst meth="repeat">
-      <a:schemeClr val="tx1"/>
-    </dgm:txFillClrLst>
-    <dgm:txEffectClrLst/>
-  </dgm:styleLbl>
-</dgm:colorsDef>
-</file>
-
-<file path=ppt/diagrams/colors6.xml><?xml version="1.0" encoding="utf-8"?>
-<dgm:colorsDef xmlns:dgm="http://schemas.openxmlformats.org/drawingml/2006/diagram" xmlns:a="http://schemas.openxmlformats.org/drawingml/2006/main" uniqueId="urn:microsoft.com/office/officeart/2005/8/colors/accent1_2">
-  <dgm:title val=""/>
-  <dgm:desc val=""/>
-  <dgm:catLst>
-    <dgm:cat type="accent1" pri="11200"/>
-  </dgm:catLst>
-  <dgm:styleLbl name="node0">
-    <dgm:fillClrLst meth="repeat">
-      <a:schemeClr val="accent1"/>
-    </dgm:fillClrLst>
-    <dgm:linClrLst meth="repeat">
-      <a:schemeClr val="lt1"/>
-    </dgm:linClrLst>
-    <dgm:effectClrLst/>
-    <dgm:txLinClrLst/>
-    <dgm:txFillClrLst/>
-    <dgm:txEffectClrLst/>
-  </dgm:styleLbl>
-  <dgm:styleLbl name="alignNode1">
-    <dgm:fillClrLst meth="repeat">
-      <a:schemeClr val="accent1"/>
-    </dgm:fillClrLst>
-    <dgm:linClrLst meth="repeat">
-      <a:schemeClr val="accent1"/>
-    </dgm:linClrLst>
-    <dgm:effectClrLst/>
-    <dgm:txLinClrLst/>
-    <dgm:txFillClrLst/>
-    <dgm:txEffectClrLst/>
-  </dgm:styleLbl>
-  <dgm:styleLbl name="node1">
-    <dgm:fillClrLst meth="repeat">
-      <a:schemeClr val="accent1"/>
-    </dgm:fillClrLst>
-    <dgm:linClrLst meth="repeat">
-      <a:schemeClr val="lt1"/>
-    </dgm:linClrLst>
-    <dgm:effectClrLst/>
-    <dgm:txLinClrLst/>
-    <dgm:txFillClrLst/>
-    <dgm:txEffectClrLst/>
-  </dgm:styleLbl>
-  <dgm:styleLbl name="lnNode1">
-    <dgm:fillClrLst meth="repeat">
-      <a:schemeClr val="accent1"/>
-    </dgm:fillClrLst>
-    <dgm:linClrLst meth="repeat">
-      <a:schemeClr val="lt1"/>
-    </dgm:linClrLst>
-    <dgm:effectClrLst/>
-    <dgm:txLinClrLst/>
-    <dgm:txFillClrLst/>
-    <dgm:txEffectClrLst/>
-  </dgm:styleLbl>
-  <dgm:styleLbl name="vennNode1">
-    <dgm:fillClrLst meth="repeat">
-      <a:schemeClr val="accent1">
-        <a:alpha val="50000"/>
-      </a:schemeClr>
-    </dgm:fillClrLst>
-    <dgm:linClrLst meth="repeat">
-      <a:schemeClr val="lt1"/>
-    </dgm:linClrLst>
-    <dgm:effectClrLst/>
-    <dgm:txLinClrLst/>
-    <dgm:txFillClrLst/>
-    <dgm:txEffectClrLst/>
-  </dgm:styleLbl>
-  <dgm:styleLbl name="node2">
-    <dgm:fillClrLst meth="repeat">
-      <a:schemeClr val="accent1"/>
-    </dgm:fillClrLst>
-    <dgm:linClrLst meth="repeat">
-      <a:schemeClr val="lt1"/>
-    </dgm:linClrLst>
-    <dgm:effectClrLst/>
-    <dgm:txLinClrLst/>
-    <dgm:txFillClrLst/>
-    <dgm:txEffectClrLst/>
-  </dgm:styleLbl>
-  <dgm:styleLbl name="node3">
-    <dgm:fillClrLst meth="repeat">
-      <a:schemeClr val="accent1"/>
-    </dgm:fillClrLst>
-    <dgm:linClrLst meth="repeat">
-      <a:schemeClr val="lt1"/>
-    </dgm:linClrLst>
-    <dgm:effectClrLst/>
-    <dgm:txLinClrLst/>
-    <dgm:txFillClrLst/>
-    <dgm:txEffectClrLst/>
-  </dgm:styleLbl>
-  <dgm:styleLbl name="node4">
-    <dgm:fillClrLst meth="repeat">
-      <a:schemeClr val="accent1"/>
-    </dgm:fillClrLst>
-    <dgm:linClrLst meth="repeat">
-      <a:schemeClr val="lt1"/>
-    </dgm:linClrLst>
-    <dgm:effectClrLst/>
-    <dgm:txLinClrLst/>
-    <dgm:txFillClrLst/>
-    <dgm:txEffectClrLst/>
-  </dgm:styleLbl>
-  <dgm:styleLbl name="fgImgPlace1">
-    <dgm:fillClrLst meth="repeat">
-      <a:schemeClr val="accent1">
-        <a:tint val="50000"/>
-      </a:schemeClr>
-    </dgm:fillClrLst>
-    <dgm:linClrLst meth="repeat">
-      <a:schemeClr val="lt1"/>
-    </dgm:linClrLst>
-    <dgm:effectClrLst/>
-    <dgm:txLinClrLst/>
-    <dgm:txFillClrLst meth="repeat">
-      <a:schemeClr val="lt1"/>
-    </dgm:txFillClrLst>
-    <dgm:txEffectClrLst/>
-  </dgm:styleLbl>
-  <dgm:styleLbl name="alignImgPlace1">
-    <dgm:fillClrLst meth="repeat">
-      <a:schemeClr val="accent1">
-        <a:tint val="50000"/>
-      </a:schemeClr>
-    </dgm:fillClrLst>
-    <dgm:linClrLst meth="repeat">
-      <a:schemeClr val="lt1"/>
-    </dgm:linClrLst>
-    <dgm:effectClrLst/>
-    <dgm:txLinClrLst/>
-    <dgm:txFillClrLst meth="repeat">
-      <a:schemeClr val="lt1"/>
-    </dgm:txFillClrLst>
-    <dgm:txEffectClrLst/>
-  </dgm:styleLbl>
-  <dgm:styleLbl name="bgImgPlace1">
-    <dgm:fillClrLst meth="repeat">
-      <a:schemeClr val="accent1">
-        <a:tint val="50000"/>
-      </a:schemeClr>
-    </dgm:fillClrLst>
-    <dgm:linClrLst meth="repeat">
-      <a:schemeClr val="lt1"/>
-    </dgm:linClrLst>
-    <dgm:effectClrLst/>
-    <dgm:txLinClrLst/>
-    <dgm:txFillClrLst meth="repeat">
-      <a:schemeClr val="lt1"/>
-    </dgm:txFillClrLst>
-    <dgm:txEffectClrLst/>
-  </dgm:styleLbl>
-  <dgm:styleLbl name="sibTrans2D1">
-    <dgm:fillClrLst meth="repeat">
-      <a:schemeClr val="accent1">
-        <a:tint val="60000"/>
-      </a:schemeClr>
-    </dgm:fillClrLst>
-    <dgm:linClrLst meth="repeat">
-      <a:schemeClr val="accent1">
-        <a:tint val="60000"/>
-      </a:schemeClr>
-    </dgm:linClrLst>
-    <dgm:effectClrLst/>
-    <dgm:txLinClrLst/>
-    <dgm:txFillClrLst/>
-    <dgm:txEffectClrLst/>
-  </dgm:styleLbl>
-  <dgm:styleLbl name="fgSibTrans2D1">
-    <dgm:fillClrLst meth="repeat">
-      <a:schemeClr val="accent1">
-        <a:tint val="60000"/>
-      </a:schemeClr>
-    </dgm:fillClrLst>
-    <dgm:linClrLst meth="repeat">
-      <a:schemeClr val="accent1">
-        <a:tint val="60000"/>
-      </a:schemeClr>
-    </dgm:linClrLst>
-    <dgm:effectClrLst/>
-    <dgm:txLinClrLst/>
-    <dgm:txFillClrLst/>
-    <dgm:txEffectClrLst/>
-  </dgm:styleLbl>
-  <dgm:styleLbl name="bgSibTrans2D1">
-    <dgm:fillClrLst meth="repeat">
-      <a:schemeClr val="accent1">
-        <a:tint val="60000"/>
-      </a:schemeClr>
-    </dgm:fillClrLst>
-    <dgm:linClrLst meth="repeat">
-      <a:schemeClr val="accent1">
-        <a:tint val="60000"/>
-      </a:schemeClr>
-    </dgm:linClrLst>
-    <dgm:effectClrLst/>
-    <dgm:txLinClrLst/>
-    <dgm:txFillClrLst/>
-    <dgm:txEffectClrLst/>
-  </dgm:styleLbl>
-  <dgm:styleLbl name="sibTrans1D1">
-    <dgm:fillClrLst meth="repeat">
-      <a:schemeClr val="accent1"/>
-    </dgm:fillClrLst>
-    <dgm:linClrLst meth="repeat">
-      <a:schemeClr val="accent1"/>
-    </dgm:linClrLst>
-    <dgm:effectClrLst/>
-    <dgm:txLinClrLst/>
-    <dgm:txFillClrLst meth="repeat">
-      <a:schemeClr val="tx1"/>
-    </dgm:txFillClrLst>
-    <dgm:txEffectClrLst/>
-  </dgm:styleLbl>
-  <dgm:styleLbl name="callout">
-    <dgm:fillClrLst meth="repeat">
-      <a:schemeClr val="accent1"/>
-    </dgm:fillClrLst>
-    <dgm:linClrLst meth="repeat">
-      <a:schemeClr val="accent1">
-        <a:tint val="50000"/>
-      </a:schemeClr>
-    </dgm:linClrLst>
-    <dgm:effectClrLst/>
-    <dgm:txLinClrLst/>
-    <dgm:txFillClrLst meth="repeat">
-      <a:schemeClr val="tx1"/>
-    </dgm:txFillClrLst>
-    <dgm:txEffectClrLst/>
-  </dgm:styleLbl>
-  <dgm:styleLbl name="asst0">
-    <dgm:fillClrLst meth="repeat">
-      <a:schemeClr val="accent1"/>
-    </dgm:fillClrLst>
-    <dgm:linClrLst meth="repeat">
-      <a:schemeClr val="lt1"/>
-    </dgm:linClrLst>
-    <dgm:effectClrLst/>
-    <dgm:txLinClrLst/>
-    <dgm:txFillClrLst/>
-    <dgm:txEffectClrLst/>
-  </dgm:styleLbl>
-  <dgm:styleLbl name="asst1">
-    <dgm:fillClrLst meth="repeat">
-      <a:schemeClr val="accent1"/>
-    </dgm:fillClrLst>
-    <dgm:linClrLst meth="repeat">
-      <a:schemeClr val="lt1"/>
-    </dgm:linClrLst>
-    <dgm:effectClrLst/>
-    <dgm:txLinClrLst/>
-    <dgm:txFillClrLst/>
-    <dgm:txEffectClrLst/>
-  </dgm:styleLbl>
-  <dgm:styleLbl name="asst2">
-    <dgm:fillClrLst meth="repeat">
-      <a:schemeClr val="accent1"/>
-    </dgm:fillClrLst>
-    <dgm:linClrLst meth="repeat">
-      <a:schemeClr val="lt1"/>
-    </dgm:linClrLst>
-    <dgm:effectClrLst/>
-    <dgm:txLinClrLst/>
-    <dgm:txFillClrLst/>
-    <dgm:txEffectClrLst/>
-  </dgm:styleLbl>
-  <dgm:styleLbl name="asst3">
-    <dgm:fillClrLst meth="repeat">
-      <a:schemeClr val="accent1"/>
-    </dgm:fillClrLst>
-    <dgm:linClrLst meth="repeat">
-      <a:schemeClr val="lt1"/>
-    </dgm:linClrLst>
-    <dgm:effectClrLst/>
-    <dgm:txLinClrLst/>
-    <dgm:txFillClrLst/>
-    <dgm:txEffectClrLst/>
-  </dgm:styleLbl>
-  <dgm:styleLbl name="asst4">
-    <dgm:fillClrLst meth="repeat">
-      <a:schemeClr val="accent1"/>
-    </dgm:fillClrLst>
-    <dgm:linClrLst meth="repeat">
-      <a:schemeClr val="lt1"/>
-    </dgm:linClrLst>
-    <dgm:effectClrLst/>
-    <dgm:txLinClrLst/>
-    <dgm:txFillClrLst/>
-    <dgm:txEffectClrLst/>
-  </dgm:styleLbl>
-  <dgm:styleLbl name="parChTrans2D1">
-    <dgm:fillClrLst meth="repeat">
-      <a:schemeClr val="accent1">
-        <a:tint val="60000"/>
-      </a:schemeClr>
-    </dgm:fillClrLst>
-    <dgm:linClrLst meth="repeat">
-      <a:schemeClr val="accent1">
-        <a:tint val="60000"/>
-      </a:schemeClr>
-    </dgm:linClrLst>
-    <dgm:effectClrLst/>
-    <dgm:txLinClrLst/>
-    <dgm:txFillClrLst meth="repeat">
-      <a:schemeClr val="lt1"/>
-    </dgm:txFillClrLst>
-    <dgm:txEffectClrLst/>
-  </dgm:styleLbl>
-  <dgm:styleLbl name="parChTrans2D2">
-    <dgm:fillClrLst meth="repeat">
-      <a:schemeClr val="accent1"/>
-    </dgm:fillClrLst>
-    <dgm:linClrLst meth="repeat">
-      <a:schemeClr val="accent1"/>
-    </dgm:linClrLst>
-    <dgm:effectClrLst/>
-    <dgm:txLinClrLst/>
-    <dgm:txFillClrLst meth="repeat">
-      <a:schemeClr val="lt1"/>
-    </dgm:txFillClrLst>
-    <dgm:txEffectClrLst/>
-  </dgm:styleLbl>
-  <dgm:styleLbl name="parChTrans2D3">
-    <dgm:fillClrLst meth="repeat">
-      <a:schemeClr val="accent1"/>
-    </dgm:fillClrLst>
-    <dgm:linClrLst meth="repeat">
-      <a:schemeClr val="accent1"/>
-    </dgm:linClrLst>
-    <dgm:effectClrLst/>
-    <dgm:txLinClrLst/>
-    <dgm:txFillClrLst meth="repeat">
-      <a:schemeClr val="lt1"/>
-    </dgm:txFillClrLst>
-    <dgm:txEffectClrLst/>
-  </dgm:styleLbl>
-  <dgm:styleLbl name="parChTrans2D4">
-    <dgm:fillClrLst meth="repeat">
-      <a:schemeClr val="accent1"/>
-    </dgm:fillClrLst>
-    <dgm:linClrLst meth="repeat">
-      <a:schemeClr val="accent1"/>
-    </dgm:linClrLst>
-    <dgm:effectClrLst/>
-    <dgm:txLinClrLst/>
-    <dgm:txFillClrLst meth="repeat">
-      <a:schemeClr val="lt1"/>
-    </dgm:txFillClrLst>
-    <dgm:txEffectClrLst/>
-  </dgm:styleLbl>
-  <dgm:styleLbl name="parChTrans1D1">
-    <dgm:fillClrLst meth="repeat">
-      <a:schemeClr val="accent1"/>
-    </dgm:fillClrLst>
-    <dgm:linClrLst meth="repeat">
-      <a:schemeClr val="accent1">
-        <a:shade val="60000"/>
-      </a:schemeClr>
-    </dgm:linClrLst>
-    <dgm:effectClrLst/>
-    <dgm:txLinClrLst/>
-    <dgm:txFillClrLst meth="repeat">
-      <a:schemeClr val="tx1"/>
-    </dgm:txFillClrLst>
-    <dgm:txEffectClrLst/>
-  </dgm:styleLbl>
-  <dgm:styleLbl name="parChTrans1D2">
-    <dgm:fillClrLst meth="repeat">
-      <a:schemeClr val="accent1"/>
-    </dgm:fillClrLst>
-    <dgm:linClrLst meth="repeat">
-      <a:schemeClr val="accent1">
-        <a:shade val="60000"/>
-      </a:schemeClr>
-    </dgm:linClrLst>
-    <dgm:effectClrLst/>
-    <dgm:txLinClrLst/>
-    <dgm:txFillClrLst meth="repeat">
-      <a:schemeClr val="tx1"/>
-    </dgm:txFillClrLst>
-    <dgm:txEffectClrLst/>
-  </dgm:styleLbl>
-  <dgm:styleLbl name="parChTrans1D3">
-    <dgm:fillClrLst meth="repeat">
-      <a:schemeClr val="accent1"/>
-    </dgm:fillClrLst>
-    <dgm:linClrLst meth="repeat">
-      <a:schemeClr val="accent1">
-        <a:shade val="80000"/>
-      </a:schemeClr>
-    </dgm:linClrLst>
-    <dgm:effectClrLst/>
-    <dgm:txLinClrLst/>
-    <dgm:txFillClrLst meth="repeat">
-      <a:schemeClr val="tx1"/>
-    </dgm:txFillClrLst>
-    <dgm:txEffectClrLst/>
-  </dgm:styleLbl>
-  <dgm:styleLbl name="parChTrans1D4">
-    <dgm:fillClrLst meth="repeat">
-      <a:schemeClr val="accent1"/>
-    </dgm:fillClrLst>
-    <dgm:linClrLst meth="repeat">
-      <a:schemeClr val="accent1">
-        <a:shade val="80000"/>
-      </a:schemeClr>
-    </dgm:linClrLst>
-    <dgm:effectClrLst/>
-    <dgm:txLinClrLst/>
-    <dgm:txFillClrLst meth="repeat">
-      <a:schemeClr val="tx1"/>
-    </dgm:txFillClrLst>
-    <dgm:txEffectClrLst/>
-  </dgm:styleLbl>
-  <dgm:styleLbl name="fgAcc1">
-    <dgm:fillClrLst meth="repeat">
-      <a:schemeClr val="lt1">
-        <a:alpha val="90000"/>
-      </a:schemeClr>
-    </dgm:fillClrLst>
-    <dgm:linClrLst meth="repeat">
-      <a:schemeClr val="accent1"/>
-    </dgm:linClrLst>
-    <dgm:effectClrLst/>
-    <dgm:txLinClrLst/>
-    <dgm:txFillClrLst meth="repeat">
-      <a:schemeClr val="dk1"/>
-    </dgm:txFillClrLst>
-    <dgm:txEffectClrLst/>
-  </dgm:styleLbl>
-  <dgm:styleLbl name="conFgAcc1">
-    <dgm:fillClrLst meth="repeat">
-      <a:schemeClr val="lt1">
-        <a:alpha val="90000"/>
-      </a:schemeClr>
-    </dgm:fillClrLst>
-    <dgm:linClrLst meth="repeat">
-      <a:schemeClr val="accent1"/>
-    </dgm:linClrLst>
-    <dgm:effectClrLst/>
-    <dgm:txLinClrLst/>
-    <dgm:txFillClrLst meth="repeat">
-      <a:schemeClr val="dk1"/>
-    </dgm:txFillClrLst>
-    <dgm:txEffectClrLst/>
-  </dgm:styleLbl>
-  <dgm:styleLbl name="alignAcc1">
-    <dgm:fillClrLst meth="repeat">
-      <a:schemeClr val="lt1">
-        <a:alpha val="90000"/>
-      </a:schemeClr>
-    </dgm:fillClrLst>
-    <dgm:linClrLst meth="repeat">
-      <a:schemeClr val="accent1"/>
-    </dgm:linClrLst>
-    <dgm:effectClrLst/>
-    <dgm:txLinClrLst/>
-    <dgm:txFillClrLst meth="repeat">
-      <a:schemeClr val="dk1"/>
-    </dgm:txFillClrLst>
-    <dgm:txEffectClrLst/>
-  </dgm:styleLbl>
-  <dgm:styleLbl name="trAlignAcc1">
-    <dgm:fillClrLst meth="repeat">
-      <a:schemeClr val="lt1">
-        <a:alpha val="40000"/>
-      </a:schemeClr>
-    </dgm:fillClrLst>
-    <dgm:linClrLst meth="repeat">
-      <a:schemeClr val="accent1"/>
-    </dgm:linClrLst>
-    <dgm:effectClrLst/>
-    <dgm:txLinClrLst/>
-    <dgm:txFillClrLst meth="repeat">
-      <a:schemeClr val="dk1"/>
-    </dgm:txFillClrLst>
-    <dgm:txEffectClrLst/>
-  </dgm:styleLbl>
-  <dgm:styleLbl name="bgAcc1">
-    <dgm:fillClrLst meth="repeat">
-      <a:schemeClr val="lt1">
-        <a:alpha val="90000"/>
-      </a:schemeClr>
-    </dgm:fillClrLst>
-    <dgm:linClrLst meth="repeat">
-      <a:schemeClr val="accent1"/>
-    </dgm:linClrLst>
-    <dgm:effectClrLst/>
-    <dgm:txLinClrLst/>
-    <dgm:txFillClrLst meth="repeat">
-      <a:schemeClr val="dk1"/>
-    </dgm:txFillClrLst>
-    <dgm:txEffectClrLst/>
-  </dgm:styleLbl>
-  <dgm:styleLbl name="solidFgAcc1">
-    <dgm:fillClrLst meth="repeat">
-      <a:schemeClr val="lt1"/>
-    </dgm:fillClrLst>
-    <dgm:linClrLst meth="repeat">
-      <a:schemeClr val="accent1"/>
-    </dgm:linClrLst>
-    <dgm:effectClrLst/>
-    <dgm:txLinClrLst/>
-    <dgm:txFillClrLst meth="repeat">
-      <a:schemeClr val="dk1"/>
-    </dgm:txFillClrLst>
-    <dgm:txEffectClrLst/>
-  </dgm:styleLbl>
-  <dgm:styleLbl name="solidAlignAcc1">
-    <dgm:fillClrLst meth="repeat">
-      <a:schemeClr val="lt1"/>
-    </dgm:fillClrLst>
-    <dgm:linClrLst meth="repeat">
-      <a:schemeClr val="accent1"/>
-    </dgm:linClrLst>
-    <dgm:effectClrLst/>
-    <dgm:txLinClrLst/>
-    <dgm:txFillClrLst meth="repeat">
-      <a:schemeClr val="dk1"/>
-    </dgm:txFillClrLst>
-    <dgm:txEffectClrLst/>
-  </dgm:styleLbl>
-  <dgm:styleLbl name="solidBgAcc1">
-    <dgm:fillClrLst meth="repeat">
-      <a:schemeClr val="lt1"/>
-    </dgm:fillClrLst>
-    <dgm:linClrLst meth="repeat">
-      <a:schemeClr val="accent1"/>
-    </dgm:linClrLst>
-    <dgm:effectClrLst/>
-    <dgm:txLinClrLst/>
-    <dgm:txFillClrLst meth="repeat">
-      <a:schemeClr val="dk1"/>
-    </dgm:txFillClrLst>
-    <dgm:txEffectClrLst/>
-  </dgm:styleLbl>
-  <dgm:styleLbl name="fgAccFollowNode1">
-    <dgm:fillClrLst meth="repeat">
-      <a:schemeClr val="accent1">
-        <a:alpha val="90000"/>
-        <a:tint val="40000"/>
-      </a:schemeClr>
-    </dgm:fillClrLst>
-    <dgm:linClrLst meth="repeat">
-      <a:schemeClr val="accent1">
-        <a:alpha val="90000"/>
-        <a:tint val="40000"/>
-      </a:schemeClr>
-    </dgm:linClrLst>
-    <dgm:effectClrLst/>
-    <dgm:txLinClrLst/>
-    <dgm:txFillClrLst meth="repeat">
-      <a:schemeClr val="dk1"/>
-    </dgm:txFillClrLst>
-    <dgm:txEffectClrLst/>
-  </dgm:styleLbl>
-  <dgm:styleLbl name="alignAccFollowNode1">
-    <dgm:fillClrLst meth="repeat">
-      <a:schemeClr val="accent1">
-        <a:alpha val="90000"/>
-        <a:tint val="40000"/>
-      </a:schemeClr>
-    </dgm:fillClrLst>
-    <dgm:linClrLst meth="repeat">
-      <a:schemeClr val="accent1">
-        <a:alpha val="90000"/>
-        <a:tint val="40000"/>
-      </a:schemeClr>
-    </dgm:linClrLst>
-    <dgm:effectClrLst/>
-    <dgm:txLinClrLst/>
-    <dgm:txFillClrLst meth="repeat">
-      <a:schemeClr val="dk1"/>
-    </dgm:txFillClrLst>
-    <dgm:txEffectClrLst/>
-  </dgm:styleLbl>
-  <dgm:styleLbl name="bgAccFollowNode1">
-    <dgm:fillClrLst meth="repeat">
-      <a:schemeClr val="accent1">
-        <a:alpha val="90000"/>
-        <a:tint val="40000"/>
-      </a:schemeClr>
-    </dgm:fillClrLst>
-    <dgm:linClrLst meth="repeat">
-      <a:schemeClr val="accent1">
-        <a:alpha val="90000"/>
-        <a:tint val="40000"/>
-      </a:schemeClr>
-    </dgm:linClrLst>
-    <dgm:effectClrLst/>
-    <dgm:txLinClrLst/>
-    <dgm:txFillClrLst meth="repeat">
-      <a:schemeClr val="dk1"/>
-    </dgm:txFillClrLst>
-    <dgm:txEffectClrLst/>
-  </dgm:styleLbl>
-  <dgm:styleLbl name="fgAcc0">
-    <dgm:fillClrLst meth="repeat">
-      <a:schemeClr val="lt1">
-        <a:alpha val="90000"/>
-      </a:schemeClr>
-    </dgm:fillClrLst>
-    <dgm:linClrLst meth="repeat">
-      <a:schemeClr val="accent1"/>
-    </dgm:linClrLst>
-    <dgm:effectClrLst/>
-    <dgm:txLinClrLst/>
-    <dgm:txFillClrLst meth="repeat">
-      <a:schemeClr val="dk1"/>
-    </dgm:txFillClrLst>
-    <dgm:txEffectClrLst/>
-  </dgm:styleLbl>
-  <dgm:styleLbl name="fgAcc2">
-    <dgm:fillClrLst meth="repeat">
-      <a:schemeClr val="lt1">
-        <a:alpha val="90000"/>
-      </a:schemeClr>
-    </dgm:fillClrLst>
-    <dgm:linClrLst meth="repeat">
-      <a:schemeClr val="accent1"/>
-    </dgm:linClrLst>
-    <dgm:effectClrLst/>
-    <dgm:txLinClrLst/>
-    <dgm:txFillClrLst meth="repeat">
-      <a:schemeClr val="dk1"/>
-    </dgm:txFillClrLst>
-    <dgm:txEffectClrLst/>
-  </dgm:styleLbl>
-  <dgm:styleLbl name="fgAcc3">
-    <dgm:fillClrLst meth="repeat">
-      <a:schemeClr val="lt1">
-        <a:alpha val="90000"/>
-      </a:schemeClr>
-    </dgm:fillClrLst>
-    <dgm:linClrLst meth="repeat">
-      <a:schemeClr val="accent1"/>
-    </dgm:linClrLst>
-    <dgm:effectClrLst/>
-    <dgm:txLinClrLst/>
-    <dgm:txFillClrLst meth="repeat">
-      <a:schemeClr val="dk1"/>
-    </dgm:txFillClrLst>
-    <dgm:txEffectClrLst/>
-  </dgm:styleLbl>
-  <dgm:styleLbl name="fgAcc4">
-    <dgm:fillClrLst meth="repeat">
-      <a:schemeClr val="lt1">
-        <a:alpha val="90000"/>
-      </a:schemeClr>
-    </dgm:fillClrLst>
-    <dgm:linClrLst meth="repeat">
-      <a:schemeClr val="accent1"/>
-    </dgm:linClrLst>
-    <dgm:effectClrLst/>
-    <dgm:txLinClrLst/>
-    <dgm:txFillClrLst meth="repeat">
-      <a:schemeClr val="dk1"/>
-    </dgm:txFillClrLst>
-    <dgm:txEffectClrLst/>
-  </dgm:styleLbl>
-  <dgm:styleLbl name="bgShp">
-    <dgm:fillClrLst meth="repeat">
-      <a:schemeClr val="accent1">
-        <a:tint val="40000"/>
-      </a:schemeClr>
-    </dgm:fillClrLst>
-    <dgm:linClrLst meth="repeat">
-      <a:schemeClr val="accent1"/>
-    </dgm:linClrLst>
-    <dgm:effectClrLst/>
-    <dgm:txLinClrLst/>
-    <dgm:txFillClrLst meth="repeat">
-      <a:schemeClr val="dk1"/>
-    </dgm:txFillClrLst>
-    <dgm:txEffectClrLst/>
-  </dgm:styleLbl>
-  <dgm:styleLbl name="dkBgShp">
-    <dgm:fillClrLst meth="repeat">
-      <a:schemeClr val="accent1">
-        <a:shade val="80000"/>
-      </a:schemeClr>
-    </dgm:fillClrLst>
-    <dgm:linClrLst meth="repeat">
-      <a:schemeClr val="accent1"/>
-    </dgm:linClrLst>
-    <dgm:effectClrLst/>
-    <dgm:txLinClrLst/>
-    <dgm:txFillClrLst meth="repeat">
-      <a:schemeClr val="lt1"/>
-    </dgm:txFillClrLst>
-    <dgm:txEffectClrLst/>
-  </dgm:styleLbl>
-  <dgm:styleLbl name="trBgShp">
-    <dgm:fillClrLst meth="repeat">
-      <a:schemeClr val="accent1">
-        <a:tint val="50000"/>
-        <a:alpha val="40000"/>
-      </a:schemeClr>
-    </dgm:fillClrLst>
-    <dgm:linClrLst meth="repeat">
-      <a:schemeClr val="accent1"/>
-    </dgm:linClrLst>
-    <dgm:effectClrLst/>
-    <dgm:txLinClrLst/>
-    <dgm:txFillClrLst meth="repeat">
-      <a:schemeClr val="lt1"/>
-    </dgm:txFillClrLst>
-    <dgm:txEffectClrLst/>
-  </dgm:styleLbl>
-  <dgm:styleLbl name="fgShp">
-    <dgm:fillClrLst meth="repeat">
-      <a:schemeClr val="accent1">
-        <a:tint val="60000"/>
-      </a:schemeClr>
-    </dgm:fillClrLst>
-    <dgm:linClrLst meth="repeat">
-      <a:schemeClr val="lt1"/>
-    </dgm:linClrLst>
-    <dgm:effectClrLst/>
-    <dgm:txLinClrLst/>
-    <dgm:txFillClrLst meth="repeat">
-      <a:schemeClr val="dk1"/>
-    </dgm:txFillClrLst>
-    <dgm:txEffectClrLst/>
-  </dgm:styleLbl>
-  <dgm:styleLbl name="revTx">
-    <dgm:fillClrLst meth="repeat">
-      <a:schemeClr val="lt1">
-        <a:alpha val="0"/>
-      </a:schemeClr>
-    </dgm:fillClrLst>
-    <dgm:linClrLst meth="repeat">
-      <a:schemeClr val="dk1">
-        <a:alpha val="0"/>
-      </a:schemeClr>
-    </dgm:linClrLst>
-    <dgm:effectClrLst/>
-    <dgm:txLinClrLst/>
-    <dgm:txFillClrLst meth="repeat">
-      <a:schemeClr val="tx1"/>
-    </dgm:txFillClrLst>
-    <dgm:txEffectClrLst/>
-  </dgm:styleLbl>
-</dgm:colorsDef>
-</file>
-
-<file path=ppt/diagrams/colors7.xml><?xml version="1.0" encoding="utf-8"?>
 <dgm:colorsDef xmlns:dgm="http://schemas.openxmlformats.org/drawingml/2006/diagram" xmlns:a="http://schemas.openxmlformats.org/drawingml/2006/main" uniqueId="urn:microsoft.com/office/officeart/2005/8/colors/accent1_2">
   <dgm:title val=""/>
   <dgm:desc val=""/>
@@ -7531,1188 +6035,6 @@
     <dgm:cxn modelId="{D9F71890-C8F8-4F4F-B098-A9E9C23B7C0A}" type="presParOf" srcId="{EBDB7CD6-10AD-4FBE-943B-01789C6077CB}" destId="{FC4E4280-6F1F-4D6F-8262-9B50F29178B6}" srcOrd="6" destOrd="0" presId="urn:microsoft.com/office/officeart/2005/8/layout/vList5"/>
     <dgm:cxn modelId="{D0C7D7A3-2E34-477D-A3B6-652A804A8ADD}" type="presParOf" srcId="{FC4E4280-6F1F-4D6F-8262-9B50F29178B6}" destId="{D4A915D7-0A67-412C-B7FC-7B2ABB1EEF0D}" srcOrd="0" destOrd="0" presId="urn:microsoft.com/office/officeart/2005/8/layout/vList5"/>
     <dgm:cxn modelId="{EDC65A3F-337A-4311-B207-5677E55297A6}" type="presParOf" srcId="{FC4E4280-6F1F-4D6F-8262-9B50F29178B6}" destId="{F3243754-AE11-4174-962F-2A20F790D390}" srcOrd="1" destOrd="0" presId="urn:microsoft.com/office/officeart/2005/8/layout/vList5"/>
-  </dgm:cxnLst>
-  <dgm:bg/>
-  <dgm:whole/>
-  <dgm:extLst>
-    <a:ext uri="http://schemas.microsoft.com/office/drawing/2008/diagram">
-      <dsp:dataModelExt xmlns:dsp="http://schemas.microsoft.com/office/drawing/2008/diagram" relId="rId6" minVer="http://schemas.openxmlformats.org/drawingml/2006/diagram"/>
-    </a:ext>
-  </dgm:extLst>
-</dgm:dataModel>
-</file>
-
-<file path=ppt/diagrams/data6.xml><?xml version="1.0" encoding="utf-8"?>
-<dgm:dataModel xmlns:dgm="http://schemas.openxmlformats.org/drawingml/2006/diagram" xmlns:a="http://schemas.openxmlformats.org/drawingml/2006/main">
-  <dgm:ptLst>
-    <dgm:pt modelId="{4A929554-7FA0-4AD4-ABEB-0CA56CD1EF96}" type="doc">
-      <dgm:prSet loTypeId="urn:microsoft.com/office/officeart/2005/8/layout/hList1" loCatId="list" qsTypeId="urn:microsoft.com/office/officeart/2005/8/quickstyle/simple1" qsCatId="simple" csTypeId="urn:microsoft.com/office/officeart/2005/8/colors/accent1_2" csCatId="accent1" phldr="1"/>
-      <dgm:spPr/>
-      <dgm:t>
-        <a:bodyPr/>
-        <a:lstStyle/>
-        <a:p>
-          <a:endParaRPr lang="en-US"/>
-        </a:p>
-      </dgm:t>
-    </dgm:pt>
-    <dgm:pt modelId="{BC247D92-87FA-4003-82CE-15238CED30D5}">
-      <dgm:prSet phldrT="[Text]"/>
-      <dgm:spPr/>
-      <dgm:t>
-        <a:bodyPr/>
-        <a:lstStyle/>
-        <a:p>
-          <a:r>
-            <a:rPr lang="en-US" dirty="0"/>
-            <a:t>Production Data</a:t>
-          </a:r>
-        </a:p>
-      </dgm:t>
-    </dgm:pt>
-    <dgm:pt modelId="{D77AE1CF-9EDF-4818-9FDD-8B939986188E}" type="parTrans" cxnId="{4847B069-CE68-483C-8804-31EFB0E1494F}">
-      <dgm:prSet/>
-      <dgm:spPr/>
-      <dgm:t>
-        <a:bodyPr/>
-        <a:lstStyle/>
-        <a:p>
-          <a:endParaRPr lang="en-US"/>
-        </a:p>
-      </dgm:t>
-    </dgm:pt>
-    <dgm:pt modelId="{0413B4DE-8F33-4386-9A05-A55AAAE93C72}" type="sibTrans" cxnId="{4847B069-CE68-483C-8804-31EFB0E1494F}">
-      <dgm:prSet/>
-      <dgm:spPr/>
-      <dgm:t>
-        <a:bodyPr/>
-        <a:lstStyle/>
-        <a:p>
-          <a:endParaRPr lang="en-US"/>
-        </a:p>
-      </dgm:t>
-    </dgm:pt>
-    <dgm:pt modelId="{8C276202-07A2-4199-815B-F9CDF4F546BB}">
-      <dgm:prSet phldrT="[Text]"/>
-      <dgm:spPr/>
-      <dgm:t>
-        <a:bodyPr/>
-        <a:lstStyle/>
-        <a:p>
-          <a:r>
-            <a:rPr lang="en-US" dirty="0"/>
-            <a:t>Pre-Production</a:t>
-          </a:r>
-        </a:p>
-      </dgm:t>
-    </dgm:pt>
-    <dgm:pt modelId="{2C4574EA-CA5C-49A6-9261-19A69F644F64}" type="parTrans" cxnId="{3EEC9DFB-C999-483E-9A2D-560CC6915DB2}">
-      <dgm:prSet/>
-      <dgm:spPr/>
-      <dgm:t>
-        <a:bodyPr/>
-        <a:lstStyle/>
-        <a:p>
-          <a:endParaRPr lang="en-US"/>
-        </a:p>
-      </dgm:t>
-    </dgm:pt>
-    <dgm:pt modelId="{81465E53-317E-414C-B2F7-57D1D6800D8A}" type="sibTrans" cxnId="{3EEC9DFB-C999-483E-9A2D-560CC6915DB2}">
-      <dgm:prSet/>
-      <dgm:spPr/>
-      <dgm:t>
-        <a:bodyPr/>
-        <a:lstStyle/>
-        <a:p>
-          <a:endParaRPr lang="en-US"/>
-        </a:p>
-      </dgm:t>
-    </dgm:pt>
-    <dgm:pt modelId="{7B90A1F7-2204-4829-BF69-164602E07285}">
-      <dgm:prSet phldrT="[Text]"/>
-      <dgm:spPr/>
-      <dgm:t>
-        <a:bodyPr/>
-        <a:lstStyle/>
-        <a:p>
-          <a:r>
-            <a:rPr lang="en-US" dirty="0"/>
-            <a:t>User Acceptance Testing and signoff</a:t>
-          </a:r>
-        </a:p>
-      </dgm:t>
-    </dgm:pt>
-    <dgm:pt modelId="{3F2AC3D4-303D-4E57-902A-D3E71E9B1FBE}" type="parTrans" cxnId="{1F137941-D0B9-4D57-B4EA-F85B77D0229A}">
-      <dgm:prSet/>
-      <dgm:spPr/>
-      <dgm:t>
-        <a:bodyPr/>
-        <a:lstStyle/>
-        <a:p>
-          <a:endParaRPr lang="en-US"/>
-        </a:p>
-      </dgm:t>
-    </dgm:pt>
-    <dgm:pt modelId="{FBF235F7-AB9B-43A1-87D1-A22BEAB1760A}" type="sibTrans" cxnId="{1F137941-D0B9-4D57-B4EA-F85B77D0229A}">
-      <dgm:prSet/>
-      <dgm:spPr/>
-      <dgm:t>
-        <a:bodyPr/>
-        <a:lstStyle/>
-        <a:p>
-          <a:endParaRPr lang="en-US"/>
-        </a:p>
-      </dgm:t>
-    </dgm:pt>
-    <dgm:pt modelId="{66A5B3A3-E264-4335-A9BD-EF4E3E8599FC}">
-      <dgm:prSet phldrT="[Text]"/>
-      <dgm:spPr/>
-      <dgm:t>
-        <a:bodyPr/>
-        <a:lstStyle/>
-        <a:p>
-          <a:r>
-            <a:rPr lang="en-US" dirty="0"/>
-            <a:t>Testing</a:t>
-          </a:r>
-        </a:p>
-      </dgm:t>
-    </dgm:pt>
-    <dgm:pt modelId="{E49CEE4E-B05E-40DE-A63D-BCB5555E2841}" type="parTrans" cxnId="{3A716840-D2F5-424D-B4B2-655E9C2E4D7C}">
-      <dgm:prSet/>
-      <dgm:spPr/>
-      <dgm:t>
-        <a:bodyPr/>
-        <a:lstStyle/>
-        <a:p>
-          <a:endParaRPr lang="en-US"/>
-        </a:p>
-      </dgm:t>
-    </dgm:pt>
-    <dgm:pt modelId="{D4BAA92C-D3B4-4426-B279-C69C9FF43688}" type="sibTrans" cxnId="{3A716840-D2F5-424D-B4B2-655E9C2E4D7C}">
-      <dgm:prSet/>
-      <dgm:spPr/>
-      <dgm:t>
-        <a:bodyPr/>
-        <a:lstStyle/>
-        <a:p>
-          <a:endParaRPr lang="en-US"/>
-        </a:p>
-      </dgm:t>
-    </dgm:pt>
-    <dgm:pt modelId="{57C9084C-3245-44CF-9F3F-8664B1B347EF}">
-      <dgm:prSet phldrT="[Text]"/>
-      <dgm:spPr/>
-      <dgm:t>
-        <a:bodyPr/>
-        <a:lstStyle/>
-        <a:p>
-          <a:r>
-            <a:rPr lang="en-US" dirty="0"/>
-            <a:t>Integration Testing</a:t>
-          </a:r>
-        </a:p>
-      </dgm:t>
-    </dgm:pt>
-    <dgm:pt modelId="{5FA2DB5D-AD22-42CC-8C8A-18F0921FBFB3}" type="parTrans" cxnId="{8052A42A-D723-4A00-B881-497CF4C66F55}">
-      <dgm:prSet/>
-      <dgm:spPr/>
-      <dgm:t>
-        <a:bodyPr/>
-        <a:lstStyle/>
-        <a:p>
-          <a:endParaRPr lang="en-US"/>
-        </a:p>
-      </dgm:t>
-    </dgm:pt>
-    <dgm:pt modelId="{4503FE18-DCF3-4E78-BE9D-6F8A54AAA063}" type="sibTrans" cxnId="{8052A42A-D723-4A00-B881-497CF4C66F55}">
-      <dgm:prSet/>
-      <dgm:spPr/>
-      <dgm:t>
-        <a:bodyPr/>
-        <a:lstStyle/>
-        <a:p>
-          <a:endParaRPr lang="en-US"/>
-        </a:p>
-      </dgm:t>
-    </dgm:pt>
-    <dgm:pt modelId="{80D1FC3F-284C-4463-A275-C58B681A4C2C}">
-      <dgm:prSet phldrT="[Text]"/>
-      <dgm:spPr/>
-      <dgm:t>
-        <a:bodyPr/>
-        <a:lstStyle/>
-        <a:p>
-          <a:r>
-            <a:rPr lang="en-US" dirty="0"/>
-            <a:t>Development</a:t>
-          </a:r>
-        </a:p>
-      </dgm:t>
-    </dgm:pt>
-    <dgm:pt modelId="{E10CF293-8C16-46EA-BB1B-FFD76A72C90B}" type="parTrans" cxnId="{2C044D8D-9948-474E-BC93-2E698E546FCE}">
-      <dgm:prSet/>
-      <dgm:spPr/>
-      <dgm:t>
-        <a:bodyPr/>
-        <a:lstStyle/>
-        <a:p>
-          <a:endParaRPr lang="en-US"/>
-        </a:p>
-      </dgm:t>
-    </dgm:pt>
-    <dgm:pt modelId="{C5536004-6E51-4CA2-BF0B-FABD399D8E34}" type="sibTrans" cxnId="{2C044D8D-9948-474E-BC93-2E698E546FCE}">
-      <dgm:prSet/>
-      <dgm:spPr/>
-      <dgm:t>
-        <a:bodyPr/>
-        <a:lstStyle/>
-        <a:p>
-          <a:endParaRPr lang="en-US"/>
-        </a:p>
-      </dgm:t>
-    </dgm:pt>
-    <dgm:pt modelId="{EFD5D84B-9E45-47EE-BF1C-68E4D7290E54}">
-      <dgm:prSet phldrT="[Text]"/>
-      <dgm:spPr/>
-      <dgm:t>
-        <a:bodyPr/>
-        <a:lstStyle/>
-        <a:p>
-          <a:r>
-            <a:rPr lang="en-US" dirty="0"/>
-            <a:t>Supports the business needs</a:t>
-          </a:r>
-        </a:p>
-      </dgm:t>
-    </dgm:pt>
-    <dgm:pt modelId="{DCEACC69-3F92-46E2-8128-52E9CA19581B}" type="parTrans" cxnId="{ECF0BECA-8247-4C47-9237-FED943EB31EA}">
-      <dgm:prSet/>
-      <dgm:spPr/>
-      <dgm:t>
-        <a:bodyPr/>
-        <a:lstStyle/>
-        <a:p>
-          <a:endParaRPr lang="en-US"/>
-        </a:p>
-      </dgm:t>
-    </dgm:pt>
-    <dgm:pt modelId="{694D8B48-FD12-45DC-B604-BFFC6FF2A2B1}" type="sibTrans" cxnId="{ECF0BECA-8247-4C47-9237-FED943EB31EA}">
-      <dgm:prSet/>
-      <dgm:spPr/>
-      <dgm:t>
-        <a:bodyPr/>
-        <a:lstStyle/>
-        <a:p>
-          <a:endParaRPr lang="en-US"/>
-        </a:p>
-      </dgm:t>
-    </dgm:pt>
-    <dgm:pt modelId="{089F8ED2-CA5C-44A8-A6A3-9922EBAA3573}">
-      <dgm:prSet phldrT="[Text]"/>
-      <dgm:spPr/>
-      <dgm:t>
-        <a:bodyPr/>
-        <a:lstStyle/>
-        <a:p>
-          <a:r>
-            <a:rPr lang="en-US" dirty="0"/>
-            <a:t>Performance Testing</a:t>
-          </a:r>
-        </a:p>
-      </dgm:t>
-    </dgm:pt>
-    <dgm:pt modelId="{75D5AF86-0BC1-4552-B2F7-4015A2A9F0F7}" type="parTrans" cxnId="{22128268-2914-4C28-AAAD-C591359FA8E0}">
-      <dgm:prSet/>
-      <dgm:spPr/>
-      <dgm:t>
-        <a:bodyPr/>
-        <a:lstStyle/>
-        <a:p>
-          <a:endParaRPr lang="en-US"/>
-        </a:p>
-      </dgm:t>
-    </dgm:pt>
-    <dgm:pt modelId="{E36D64B0-8C7A-4B05-84DB-9CEEAFC31422}" type="sibTrans" cxnId="{22128268-2914-4C28-AAAD-C591359FA8E0}">
-      <dgm:prSet/>
-      <dgm:spPr/>
-      <dgm:t>
-        <a:bodyPr/>
-        <a:lstStyle/>
-        <a:p>
-          <a:endParaRPr lang="en-US"/>
-        </a:p>
-      </dgm:t>
-    </dgm:pt>
-    <dgm:pt modelId="{0AAEE56D-579B-4EA9-B120-040010FE9A12}">
-      <dgm:prSet phldrT="[Text]"/>
-      <dgm:spPr/>
-      <dgm:t>
-        <a:bodyPr/>
-        <a:lstStyle/>
-        <a:p>
-          <a:r>
-            <a:rPr lang="en-US" dirty="0"/>
-            <a:t>Experimentation</a:t>
-          </a:r>
-        </a:p>
-      </dgm:t>
-    </dgm:pt>
-    <dgm:pt modelId="{043D85AC-4B70-4A69-8905-B3A17F24A4AB}" type="parTrans" cxnId="{4BD9F40D-232C-4E1F-B181-7438185C3876}">
-      <dgm:prSet/>
-      <dgm:spPr/>
-      <dgm:t>
-        <a:bodyPr/>
-        <a:lstStyle/>
-        <a:p>
-          <a:endParaRPr lang="en-US"/>
-        </a:p>
-      </dgm:t>
-    </dgm:pt>
-    <dgm:pt modelId="{9535D6E9-9E06-476C-A6F1-CAE46A058EAA}" type="sibTrans" cxnId="{4BD9F40D-232C-4E1F-B181-7438185C3876}">
-      <dgm:prSet/>
-      <dgm:spPr/>
-      <dgm:t>
-        <a:bodyPr/>
-        <a:lstStyle/>
-        <a:p>
-          <a:endParaRPr lang="en-US"/>
-        </a:p>
-      </dgm:t>
-    </dgm:pt>
-    <dgm:pt modelId="{5CD78571-9DDC-48A8-A42F-97F45B4C6C47}">
-      <dgm:prSet phldrT="[Text]"/>
-      <dgm:spPr/>
-      <dgm:t>
-        <a:bodyPr/>
-        <a:lstStyle/>
-        <a:p>
-          <a:r>
-            <a:rPr lang="en-US" dirty="0"/>
-            <a:t>Unit Testing</a:t>
-          </a:r>
-        </a:p>
-      </dgm:t>
-    </dgm:pt>
-    <dgm:pt modelId="{46A8A654-3942-45D5-B5CA-8188A64497C1}" type="parTrans" cxnId="{E1715162-0F1D-49FD-A75F-7F935BC3BE3F}">
-      <dgm:prSet/>
-      <dgm:spPr/>
-      <dgm:t>
-        <a:bodyPr/>
-        <a:lstStyle/>
-        <a:p>
-          <a:endParaRPr lang="en-US"/>
-        </a:p>
-      </dgm:t>
-    </dgm:pt>
-    <dgm:pt modelId="{85C12BAF-0A65-4C1C-984F-B001A4F2B284}" type="sibTrans" cxnId="{E1715162-0F1D-49FD-A75F-7F935BC3BE3F}">
-      <dgm:prSet/>
-      <dgm:spPr/>
-      <dgm:t>
-        <a:bodyPr/>
-        <a:lstStyle/>
-        <a:p>
-          <a:endParaRPr lang="en-US"/>
-        </a:p>
-      </dgm:t>
-    </dgm:pt>
-    <dgm:pt modelId="{F5D9C057-9A00-439F-AFE6-11CED2ECAC44}">
-      <dgm:prSet phldrT="[Text]"/>
-      <dgm:spPr/>
-      <dgm:t>
-        <a:bodyPr/>
-        <a:lstStyle/>
-        <a:p>
-          <a:r>
-            <a:rPr lang="en-US" dirty="0"/>
-            <a:t>Code Work</a:t>
-          </a:r>
-        </a:p>
-      </dgm:t>
-    </dgm:pt>
-    <dgm:pt modelId="{5B29F7CB-A2B4-4688-B729-0B27A4E8D450}" type="parTrans" cxnId="{6D7300ED-CED4-42A0-B100-06BD9B7D59FE}">
-      <dgm:prSet/>
-      <dgm:spPr/>
-      <dgm:t>
-        <a:bodyPr/>
-        <a:lstStyle/>
-        <a:p>
-          <a:endParaRPr lang="en-US"/>
-        </a:p>
-      </dgm:t>
-    </dgm:pt>
-    <dgm:pt modelId="{19A8F052-952D-429E-BCBA-BCBFD476F23F}" type="sibTrans" cxnId="{6D7300ED-CED4-42A0-B100-06BD9B7D59FE}">
-      <dgm:prSet/>
-      <dgm:spPr/>
-      <dgm:t>
-        <a:bodyPr/>
-        <a:lstStyle/>
-        <a:p>
-          <a:endParaRPr lang="en-US"/>
-        </a:p>
-      </dgm:t>
-    </dgm:pt>
-    <dgm:pt modelId="{D55DFEB1-E363-4A9D-A427-962512EF5753}" type="pres">
-      <dgm:prSet presAssocID="{4A929554-7FA0-4AD4-ABEB-0CA56CD1EF96}" presName="Name0" presStyleCnt="0">
-        <dgm:presLayoutVars>
-          <dgm:dir val="rev"/>
-          <dgm:animLvl val="lvl"/>
-          <dgm:resizeHandles val="exact"/>
-        </dgm:presLayoutVars>
-      </dgm:prSet>
-      <dgm:spPr/>
-    </dgm:pt>
-    <dgm:pt modelId="{B7AFFCC3-E842-46D3-9AC3-A53069B4BE21}" type="pres">
-      <dgm:prSet presAssocID="{BC247D92-87FA-4003-82CE-15238CED30D5}" presName="composite" presStyleCnt="0"/>
-      <dgm:spPr/>
-    </dgm:pt>
-    <dgm:pt modelId="{C3910199-DAB9-4248-9A70-C226A6FE228D}" type="pres">
-      <dgm:prSet presAssocID="{BC247D92-87FA-4003-82CE-15238CED30D5}" presName="parTx" presStyleLbl="alignNode1" presStyleIdx="0" presStyleCnt="4">
-        <dgm:presLayoutVars>
-          <dgm:chMax val="0"/>
-          <dgm:chPref val="0"/>
-          <dgm:bulletEnabled val="1"/>
-        </dgm:presLayoutVars>
-      </dgm:prSet>
-      <dgm:spPr/>
-    </dgm:pt>
-    <dgm:pt modelId="{F22C8396-D058-45C8-AB74-8E52658ABC03}" type="pres">
-      <dgm:prSet presAssocID="{BC247D92-87FA-4003-82CE-15238CED30D5}" presName="desTx" presStyleLbl="alignAccFollowNode1" presStyleIdx="0" presStyleCnt="4">
-        <dgm:presLayoutVars>
-          <dgm:bulletEnabled val="1"/>
-        </dgm:presLayoutVars>
-      </dgm:prSet>
-      <dgm:spPr/>
-    </dgm:pt>
-    <dgm:pt modelId="{CA72C702-34A4-4EA5-90D7-40DAA2B8C70B}" type="pres">
-      <dgm:prSet presAssocID="{0413B4DE-8F33-4386-9A05-A55AAAE93C72}" presName="space" presStyleCnt="0"/>
-      <dgm:spPr/>
-    </dgm:pt>
-    <dgm:pt modelId="{24EC02F9-FA12-403C-B4D1-088425A583D0}" type="pres">
-      <dgm:prSet presAssocID="{8C276202-07A2-4199-815B-F9CDF4F546BB}" presName="composite" presStyleCnt="0"/>
-      <dgm:spPr/>
-    </dgm:pt>
-    <dgm:pt modelId="{9F2AFA3C-BCEA-4AA5-921C-E3D53CF66A4A}" type="pres">
-      <dgm:prSet presAssocID="{8C276202-07A2-4199-815B-F9CDF4F546BB}" presName="parTx" presStyleLbl="alignNode1" presStyleIdx="1" presStyleCnt="4">
-        <dgm:presLayoutVars>
-          <dgm:chMax val="0"/>
-          <dgm:chPref val="0"/>
-          <dgm:bulletEnabled val="1"/>
-        </dgm:presLayoutVars>
-      </dgm:prSet>
-      <dgm:spPr/>
-    </dgm:pt>
-    <dgm:pt modelId="{24995B6E-B236-4A69-90DC-931748AE13A1}" type="pres">
-      <dgm:prSet presAssocID="{8C276202-07A2-4199-815B-F9CDF4F546BB}" presName="desTx" presStyleLbl="alignAccFollowNode1" presStyleIdx="1" presStyleCnt="4">
-        <dgm:presLayoutVars>
-          <dgm:bulletEnabled val="1"/>
-        </dgm:presLayoutVars>
-      </dgm:prSet>
-      <dgm:spPr/>
-    </dgm:pt>
-    <dgm:pt modelId="{5290FBD5-D768-4005-B890-038BA0D9FA81}" type="pres">
-      <dgm:prSet presAssocID="{81465E53-317E-414C-B2F7-57D1D6800D8A}" presName="space" presStyleCnt="0"/>
-      <dgm:spPr/>
-    </dgm:pt>
-    <dgm:pt modelId="{6CBE1596-9661-41DE-BF89-B5DC01437137}" type="pres">
-      <dgm:prSet presAssocID="{66A5B3A3-E264-4335-A9BD-EF4E3E8599FC}" presName="composite" presStyleCnt="0"/>
-      <dgm:spPr/>
-    </dgm:pt>
-    <dgm:pt modelId="{71BB2AD6-1061-4CBC-97FA-86FF2F152B95}" type="pres">
-      <dgm:prSet presAssocID="{66A5B3A3-E264-4335-A9BD-EF4E3E8599FC}" presName="parTx" presStyleLbl="alignNode1" presStyleIdx="2" presStyleCnt="4">
-        <dgm:presLayoutVars>
-          <dgm:chMax val="0"/>
-          <dgm:chPref val="0"/>
-          <dgm:bulletEnabled val="1"/>
-        </dgm:presLayoutVars>
-      </dgm:prSet>
-      <dgm:spPr/>
-    </dgm:pt>
-    <dgm:pt modelId="{1AF36EDE-EA35-4AC5-9D84-A1A37487293A}" type="pres">
-      <dgm:prSet presAssocID="{66A5B3A3-E264-4335-A9BD-EF4E3E8599FC}" presName="desTx" presStyleLbl="alignAccFollowNode1" presStyleIdx="2" presStyleCnt="4">
-        <dgm:presLayoutVars>
-          <dgm:bulletEnabled val="1"/>
-        </dgm:presLayoutVars>
-      </dgm:prSet>
-      <dgm:spPr/>
-    </dgm:pt>
-    <dgm:pt modelId="{2A2466F5-830E-4301-BE39-A6636DFCDC19}" type="pres">
-      <dgm:prSet presAssocID="{D4BAA92C-D3B4-4426-B279-C69C9FF43688}" presName="space" presStyleCnt="0"/>
-      <dgm:spPr/>
-    </dgm:pt>
-    <dgm:pt modelId="{06DCC155-ED8C-4800-9776-26EB61BAA248}" type="pres">
-      <dgm:prSet presAssocID="{80D1FC3F-284C-4463-A275-C58B681A4C2C}" presName="composite" presStyleCnt="0"/>
-      <dgm:spPr/>
-    </dgm:pt>
-    <dgm:pt modelId="{8768BCA0-CDA5-4D3B-8C0C-9377A2B3F700}" type="pres">
-      <dgm:prSet presAssocID="{80D1FC3F-284C-4463-A275-C58B681A4C2C}" presName="parTx" presStyleLbl="alignNode1" presStyleIdx="3" presStyleCnt="4">
-        <dgm:presLayoutVars>
-          <dgm:chMax val="0"/>
-          <dgm:chPref val="0"/>
-          <dgm:bulletEnabled val="1"/>
-        </dgm:presLayoutVars>
-      </dgm:prSet>
-      <dgm:spPr/>
-    </dgm:pt>
-    <dgm:pt modelId="{FA21FADF-8C24-450C-906F-E14F77C95D2C}" type="pres">
-      <dgm:prSet presAssocID="{80D1FC3F-284C-4463-A275-C58B681A4C2C}" presName="desTx" presStyleLbl="alignAccFollowNode1" presStyleIdx="3" presStyleCnt="4">
-        <dgm:presLayoutVars>
-          <dgm:bulletEnabled val="1"/>
-        </dgm:presLayoutVars>
-      </dgm:prSet>
-      <dgm:spPr/>
-    </dgm:pt>
-  </dgm:ptLst>
-  <dgm:cxnLst>
-    <dgm:cxn modelId="{519DF802-35DB-4A3E-9FE2-6B8115F49F7F}" type="presOf" srcId="{4A929554-7FA0-4AD4-ABEB-0CA56CD1EF96}" destId="{D55DFEB1-E363-4A9D-A427-962512EF5753}" srcOrd="0" destOrd="0" presId="urn:microsoft.com/office/officeart/2005/8/layout/hList1"/>
-    <dgm:cxn modelId="{4BD9F40D-232C-4E1F-B181-7438185C3876}" srcId="{80D1FC3F-284C-4463-A275-C58B681A4C2C}" destId="{0AAEE56D-579B-4EA9-B120-040010FE9A12}" srcOrd="0" destOrd="0" parTransId="{043D85AC-4B70-4A69-8905-B3A17F24A4AB}" sibTransId="{9535D6E9-9E06-476C-A6F1-CAE46A058EAA}"/>
-    <dgm:cxn modelId="{53DA7A11-E139-4207-B2C2-6D2D065BBC77}" type="presOf" srcId="{66A5B3A3-E264-4335-A9BD-EF4E3E8599FC}" destId="{71BB2AD6-1061-4CBC-97FA-86FF2F152B95}" srcOrd="0" destOrd="0" presId="urn:microsoft.com/office/officeart/2005/8/layout/hList1"/>
-    <dgm:cxn modelId="{BDBC8E13-6C41-4C83-9E34-C175654B42A5}" type="presOf" srcId="{80D1FC3F-284C-4463-A275-C58B681A4C2C}" destId="{8768BCA0-CDA5-4D3B-8C0C-9377A2B3F700}" srcOrd="0" destOrd="0" presId="urn:microsoft.com/office/officeart/2005/8/layout/hList1"/>
-    <dgm:cxn modelId="{906D4A28-D5AF-4FF9-975F-DE8879B826CB}" type="presOf" srcId="{F5D9C057-9A00-439F-AFE6-11CED2ECAC44}" destId="{FA21FADF-8C24-450C-906F-E14F77C95D2C}" srcOrd="0" destOrd="2" presId="urn:microsoft.com/office/officeart/2005/8/layout/hList1"/>
-    <dgm:cxn modelId="{8052A42A-D723-4A00-B881-497CF4C66F55}" srcId="{66A5B3A3-E264-4335-A9BD-EF4E3E8599FC}" destId="{57C9084C-3245-44CF-9F3F-8664B1B347EF}" srcOrd="0" destOrd="0" parTransId="{5FA2DB5D-AD22-42CC-8C8A-18F0921FBFB3}" sibTransId="{4503FE18-DCF3-4E78-BE9D-6F8A54AAA063}"/>
-    <dgm:cxn modelId="{35BF3A38-4F03-499C-A7AA-6CD707EDDC75}" type="presOf" srcId="{8C276202-07A2-4199-815B-F9CDF4F546BB}" destId="{9F2AFA3C-BCEA-4AA5-921C-E3D53CF66A4A}" srcOrd="0" destOrd="0" presId="urn:microsoft.com/office/officeart/2005/8/layout/hList1"/>
-    <dgm:cxn modelId="{3A716840-D2F5-424D-B4B2-655E9C2E4D7C}" srcId="{4A929554-7FA0-4AD4-ABEB-0CA56CD1EF96}" destId="{66A5B3A3-E264-4335-A9BD-EF4E3E8599FC}" srcOrd="2" destOrd="0" parTransId="{E49CEE4E-B05E-40DE-A63D-BCB5555E2841}" sibTransId="{D4BAA92C-D3B4-4426-B279-C69C9FF43688}"/>
-    <dgm:cxn modelId="{1F137941-D0B9-4D57-B4EA-F85B77D0229A}" srcId="{8C276202-07A2-4199-815B-F9CDF4F546BB}" destId="{7B90A1F7-2204-4829-BF69-164602E07285}" srcOrd="0" destOrd="0" parTransId="{3F2AC3D4-303D-4E57-902A-D3E71E9B1FBE}" sibTransId="{FBF235F7-AB9B-43A1-87D1-A22BEAB1760A}"/>
-    <dgm:cxn modelId="{E1715162-0F1D-49FD-A75F-7F935BC3BE3F}" srcId="{80D1FC3F-284C-4463-A275-C58B681A4C2C}" destId="{5CD78571-9DDC-48A8-A42F-97F45B4C6C47}" srcOrd="1" destOrd="0" parTransId="{46A8A654-3942-45D5-B5CA-8188A64497C1}" sibTransId="{85C12BAF-0A65-4C1C-984F-B001A4F2B284}"/>
-    <dgm:cxn modelId="{023D9246-CBB7-4846-83E7-35C3585E2096}" type="presOf" srcId="{5CD78571-9DDC-48A8-A42F-97F45B4C6C47}" destId="{FA21FADF-8C24-450C-906F-E14F77C95D2C}" srcOrd="0" destOrd="1" presId="urn:microsoft.com/office/officeart/2005/8/layout/hList1"/>
-    <dgm:cxn modelId="{22128268-2914-4C28-AAAD-C591359FA8E0}" srcId="{66A5B3A3-E264-4335-A9BD-EF4E3E8599FC}" destId="{089F8ED2-CA5C-44A8-A6A3-9922EBAA3573}" srcOrd="1" destOrd="0" parTransId="{75D5AF86-0BC1-4552-B2F7-4015A2A9F0F7}" sibTransId="{E36D64B0-8C7A-4B05-84DB-9CEEAFC31422}"/>
-    <dgm:cxn modelId="{4847B069-CE68-483C-8804-31EFB0E1494F}" srcId="{4A929554-7FA0-4AD4-ABEB-0CA56CD1EF96}" destId="{BC247D92-87FA-4003-82CE-15238CED30D5}" srcOrd="0" destOrd="0" parTransId="{D77AE1CF-9EDF-4818-9FDD-8B939986188E}" sibTransId="{0413B4DE-8F33-4386-9A05-A55AAAE93C72}"/>
-    <dgm:cxn modelId="{E3EB2071-9E84-41DC-8D89-C66D04CA7C6C}" type="presOf" srcId="{0AAEE56D-579B-4EA9-B120-040010FE9A12}" destId="{FA21FADF-8C24-450C-906F-E14F77C95D2C}" srcOrd="0" destOrd="0" presId="urn:microsoft.com/office/officeart/2005/8/layout/hList1"/>
-    <dgm:cxn modelId="{2C044D8D-9948-474E-BC93-2E698E546FCE}" srcId="{4A929554-7FA0-4AD4-ABEB-0CA56CD1EF96}" destId="{80D1FC3F-284C-4463-A275-C58B681A4C2C}" srcOrd="3" destOrd="0" parTransId="{E10CF293-8C16-46EA-BB1B-FFD76A72C90B}" sibTransId="{C5536004-6E51-4CA2-BF0B-FABD399D8E34}"/>
-    <dgm:cxn modelId="{46D9C199-2D7A-4C1F-83D9-2952B3E03BBE}" type="presOf" srcId="{57C9084C-3245-44CF-9F3F-8664B1B347EF}" destId="{1AF36EDE-EA35-4AC5-9D84-A1A37487293A}" srcOrd="0" destOrd="0" presId="urn:microsoft.com/office/officeart/2005/8/layout/hList1"/>
-    <dgm:cxn modelId="{ECF0BECA-8247-4C47-9237-FED943EB31EA}" srcId="{BC247D92-87FA-4003-82CE-15238CED30D5}" destId="{EFD5D84B-9E45-47EE-BF1C-68E4D7290E54}" srcOrd="0" destOrd="0" parTransId="{DCEACC69-3F92-46E2-8128-52E9CA19581B}" sibTransId="{694D8B48-FD12-45DC-B604-BFFC6FF2A2B1}"/>
-    <dgm:cxn modelId="{DEBABEE3-2181-4E8B-8621-03C09AAC7F47}" type="presOf" srcId="{7B90A1F7-2204-4829-BF69-164602E07285}" destId="{24995B6E-B236-4A69-90DC-931748AE13A1}" srcOrd="0" destOrd="0" presId="urn:microsoft.com/office/officeart/2005/8/layout/hList1"/>
-    <dgm:cxn modelId="{D3D441E7-9297-4107-9297-E5EE9F0983FA}" type="presOf" srcId="{089F8ED2-CA5C-44A8-A6A3-9922EBAA3573}" destId="{1AF36EDE-EA35-4AC5-9D84-A1A37487293A}" srcOrd="0" destOrd="1" presId="urn:microsoft.com/office/officeart/2005/8/layout/hList1"/>
-    <dgm:cxn modelId="{0DE313E9-7E52-40D6-A5B0-95C6BB29D2EE}" type="presOf" srcId="{EFD5D84B-9E45-47EE-BF1C-68E4D7290E54}" destId="{F22C8396-D058-45C8-AB74-8E52658ABC03}" srcOrd="0" destOrd="0" presId="urn:microsoft.com/office/officeart/2005/8/layout/hList1"/>
-    <dgm:cxn modelId="{6D7300ED-CED4-42A0-B100-06BD9B7D59FE}" srcId="{80D1FC3F-284C-4463-A275-C58B681A4C2C}" destId="{F5D9C057-9A00-439F-AFE6-11CED2ECAC44}" srcOrd="2" destOrd="0" parTransId="{5B29F7CB-A2B4-4688-B729-0B27A4E8D450}" sibTransId="{19A8F052-952D-429E-BCBA-BCBFD476F23F}"/>
-    <dgm:cxn modelId="{3EEC9DFB-C999-483E-9A2D-560CC6915DB2}" srcId="{4A929554-7FA0-4AD4-ABEB-0CA56CD1EF96}" destId="{8C276202-07A2-4199-815B-F9CDF4F546BB}" srcOrd="1" destOrd="0" parTransId="{2C4574EA-CA5C-49A6-9261-19A69F644F64}" sibTransId="{81465E53-317E-414C-B2F7-57D1D6800D8A}"/>
-    <dgm:cxn modelId="{2A5EFDFF-28E7-4928-A69C-62CB3A3A7E01}" type="presOf" srcId="{BC247D92-87FA-4003-82CE-15238CED30D5}" destId="{C3910199-DAB9-4248-9A70-C226A6FE228D}" srcOrd="0" destOrd="0" presId="urn:microsoft.com/office/officeart/2005/8/layout/hList1"/>
-    <dgm:cxn modelId="{2FFA27B8-74CD-418F-804A-B4A5609AADEC}" type="presParOf" srcId="{D55DFEB1-E363-4A9D-A427-962512EF5753}" destId="{B7AFFCC3-E842-46D3-9AC3-A53069B4BE21}" srcOrd="0" destOrd="0" presId="urn:microsoft.com/office/officeart/2005/8/layout/hList1"/>
-    <dgm:cxn modelId="{5A48E0F4-04E0-4386-ADE1-C2D9CE962BB0}" type="presParOf" srcId="{B7AFFCC3-E842-46D3-9AC3-A53069B4BE21}" destId="{C3910199-DAB9-4248-9A70-C226A6FE228D}" srcOrd="0" destOrd="0" presId="urn:microsoft.com/office/officeart/2005/8/layout/hList1"/>
-    <dgm:cxn modelId="{E9464185-B3B3-4075-8571-02AB32F3D870}" type="presParOf" srcId="{B7AFFCC3-E842-46D3-9AC3-A53069B4BE21}" destId="{F22C8396-D058-45C8-AB74-8E52658ABC03}" srcOrd="1" destOrd="0" presId="urn:microsoft.com/office/officeart/2005/8/layout/hList1"/>
-    <dgm:cxn modelId="{1DE6B6D8-D565-4776-86FB-86BECA9AA5A0}" type="presParOf" srcId="{D55DFEB1-E363-4A9D-A427-962512EF5753}" destId="{CA72C702-34A4-4EA5-90D7-40DAA2B8C70B}" srcOrd="1" destOrd="0" presId="urn:microsoft.com/office/officeart/2005/8/layout/hList1"/>
-    <dgm:cxn modelId="{1CF6FAAF-4D26-4991-94D3-C9A74CBDC6C7}" type="presParOf" srcId="{D55DFEB1-E363-4A9D-A427-962512EF5753}" destId="{24EC02F9-FA12-403C-B4D1-088425A583D0}" srcOrd="2" destOrd="0" presId="urn:microsoft.com/office/officeart/2005/8/layout/hList1"/>
-    <dgm:cxn modelId="{42611EE4-AD48-4929-80BD-EF0A53B747A9}" type="presParOf" srcId="{24EC02F9-FA12-403C-B4D1-088425A583D0}" destId="{9F2AFA3C-BCEA-4AA5-921C-E3D53CF66A4A}" srcOrd="0" destOrd="0" presId="urn:microsoft.com/office/officeart/2005/8/layout/hList1"/>
-    <dgm:cxn modelId="{053FD9A4-852A-424F-9476-42F71E6E5306}" type="presParOf" srcId="{24EC02F9-FA12-403C-B4D1-088425A583D0}" destId="{24995B6E-B236-4A69-90DC-931748AE13A1}" srcOrd="1" destOrd="0" presId="urn:microsoft.com/office/officeart/2005/8/layout/hList1"/>
-    <dgm:cxn modelId="{A2C5BEC0-B359-4635-8288-09E9F245F132}" type="presParOf" srcId="{D55DFEB1-E363-4A9D-A427-962512EF5753}" destId="{5290FBD5-D768-4005-B890-038BA0D9FA81}" srcOrd="3" destOrd="0" presId="urn:microsoft.com/office/officeart/2005/8/layout/hList1"/>
-    <dgm:cxn modelId="{9B51C5AC-B08C-4B86-89D7-9287002B26C9}" type="presParOf" srcId="{D55DFEB1-E363-4A9D-A427-962512EF5753}" destId="{6CBE1596-9661-41DE-BF89-B5DC01437137}" srcOrd="4" destOrd="0" presId="urn:microsoft.com/office/officeart/2005/8/layout/hList1"/>
-    <dgm:cxn modelId="{18BF09EF-5E37-47D7-BB8C-86E82B6071C9}" type="presParOf" srcId="{6CBE1596-9661-41DE-BF89-B5DC01437137}" destId="{71BB2AD6-1061-4CBC-97FA-86FF2F152B95}" srcOrd="0" destOrd="0" presId="urn:microsoft.com/office/officeart/2005/8/layout/hList1"/>
-    <dgm:cxn modelId="{06251C57-62EF-40B0-98A6-5A858900259B}" type="presParOf" srcId="{6CBE1596-9661-41DE-BF89-B5DC01437137}" destId="{1AF36EDE-EA35-4AC5-9D84-A1A37487293A}" srcOrd="1" destOrd="0" presId="urn:microsoft.com/office/officeart/2005/8/layout/hList1"/>
-    <dgm:cxn modelId="{C8673A6B-F9F0-4157-AA2C-5B9A82B3022B}" type="presParOf" srcId="{D55DFEB1-E363-4A9D-A427-962512EF5753}" destId="{2A2466F5-830E-4301-BE39-A6636DFCDC19}" srcOrd="5" destOrd="0" presId="urn:microsoft.com/office/officeart/2005/8/layout/hList1"/>
-    <dgm:cxn modelId="{D7A590A8-BB8C-42E5-95FC-4F0901A0D712}" type="presParOf" srcId="{D55DFEB1-E363-4A9D-A427-962512EF5753}" destId="{06DCC155-ED8C-4800-9776-26EB61BAA248}" srcOrd="6" destOrd="0" presId="urn:microsoft.com/office/officeart/2005/8/layout/hList1"/>
-    <dgm:cxn modelId="{8C9ABD96-EE95-4EB3-95EC-383CB84C2672}" type="presParOf" srcId="{06DCC155-ED8C-4800-9776-26EB61BAA248}" destId="{8768BCA0-CDA5-4D3B-8C0C-9377A2B3F700}" srcOrd="0" destOrd="0" presId="urn:microsoft.com/office/officeart/2005/8/layout/hList1"/>
-    <dgm:cxn modelId="{A2A0256E-F706-472E-B1D7-36B0463D5666}" type="presParOf" srcId="{06DCC155-ED8C-4800-9776-26EB61BAA248}" destId="{FA21FADF-8C24-450C-906F-E14F77C95D2C}" srcOrd="1" destOrd="0" presId="urn:microsoft.com/office/officeart/2005/8/layout/hList1"/>
-  </dgm:cxnLst>
-  <dgm:bg/>
-  <dgm:whole/>
-  <dgm:extLst>
-    <a:ext uri="http://schemas.microsoft.com/office/drawing/2008/diagram">
-      <dsp:dataModelExt xmlns:dsp="http://schemas.microsoft.com/office/drawing/2008/diagram" relId="rId6" minVer="http://schemas.openxmlformats.org/drawingml/2006/diagram"/>
-    </a:ext>
-  </dgm:extLst>
-</dgm:dataModel>
-</file>
-
-<file path=ppt/diagrams/data7.xml><?xml version="1.0" encoding="utf-8"?>
-<dgm:dataModel xmlns:dgm="http://schemas.openxmlformats.org/drawingml/2006/diagram" xmlns:a="http://schemas.openxmlformats.org/drawingml/2006/main">
-  <dgm:ptLst>
-    <dgm:pt modelId="{082E775F-B70C-4EF8-AF34-A42A9CAADC7D}" type="doc">
-      <dgm:prSet loTypeId="urn:microsoft.com/office/officeart/2005/8/layout/process3" loCatId="process" qsTypeId="urn:microsoft.com/office/officeart/2005/8/quickstyle/simple1" qsCatId="simple" csTypeId="urn:microsoft.com/office/officeart/2005/8/colors/accent1_2" csCatId="accent1" phldr="1"/>
-      <dgm:spPr/>
-      <dgm:t>
-        <a:bodyPr/>
-        <a:lstStyle/>
-        <a:p>
-          <a:endParaRPr lang="en-US"/>
-        </a:p>
-      </dgm:t>
-    </dgm:pt>
-    <dgm:pt modelId="{123989A1-3EE9-46E3-8FB6-15670DC2A05B}">
-      <dgm:prSet phldrT="[Text]"/>
-      <dgm:spPr/>
-      <dgm:t>
-        <a:bodyPr/>
-        <a:lstStyle/>
-        <a:p>
-          <a:r>
-            <a:rPr lang="en-US" dirty="0"/>
-            <a:t>Production Like</a:t>
-          </a:r>
-        </a:p>
-      </dgm:t>
-    </dgm:pt>
-    <dgm:pt modelId="{B01D4389-A233-416E-961C-C1CFF442065E}" type="parTrans" cxnId="{39A62C5B-E39A-44AD-ACF0-BE24AA4E3991}">
-      <dgm:prSet/>
-      <dgm:spPr/>
-      <dgm:t>
-        <a:bodyPr/>
-        <a:lstStyle/>
-        <a:p>
-          <a:endParaRPr lang="en-US"/>
-        </a:p>
-      </dgm:t>
-    </dgm:pt>
-    <dgm:pt modelId="{F1B0DD4F-D7FD-46D0-AAA6-FBFD92C591DD}" type="sibTrans" cxnId="{39A62C5B-E39A-44AD-ACF0-BE24AA4E3991}">
-      <dgm:prSet/>
-      <dgm:spPr/>
-      <dgm:t>
-        <a:bodyPr/>
-        <a:lstStyle/>
-        <a:p>
-          <a:endParaRPr lang="en-US"/>
-        </a:p>
-      </dgm:t>
-    </dgm:pt>
-    <dgm:pt modelId="{AB551D49-69EE-432D-8F7C-E690EDBEDD68}">
-      <dgm:prSet phldrT="[Text]"/>
-      <dgm:spPr/>
-      <dgm:t>
-        <a:bodyPr/>
-        <a:lstStyle/>
-        <a:p>
-          <a:r>
-            <a:rPr lang="en-US" dirty="0"/>
-            <a:t>Full Size Dataset</a:t>
-          </a:r>
-        </a:p>
-      </dgm:t>
-    </dgm:pt>
-    <dgm:pt modelId="{1FFFEABF-A144-4E11-BFA7-6D943E855F01}" type="parTrans" cxnId="{54C9CBA0-E3C8-453F-8D4E-B4ADD2061C61}">
-      <dgm:prSet/>
-      <dgm:spPr/>
-      <dgm:t>
-        <a:bodyPr/>
-        <a:lstStyle/>
-        <a:p>
-          <a:endParaRPr lang="en-US"/>
-        </a:p>
-      </dgm:t>
-    </dgm:pt>
-    <dgm:pt modelId="{B2A9D002-B074-4DA9-A7CF-A40C873E8774}" type="sibTrans" cxnId="{54C9CBA0-E3C8-453F-8D4E-B4ADD2061C61}">
-      <dgm:prSet/>
-      <dgm:spPr/>
-      <dgm:t>
-        <a:bodyPr/>
-        <a:lstStyle/>
-        <a:p>
-          <a:endParaRPr lang="en-US"/>
-        </a:p>
-      </dgm:t>
-    </dgm:pt>
-    <dgm:pt modelId="{DF219732-930F-477F-B443-1FCB5135A4BA}">
-      <dgm:prSet phldrT="[Text]"/>
-      <dgm:spPr/>
-      <dgm:t>
-        <a:bodyPr/>
-        <a:lstStyle/>
-        <a:p>
-          <a:r>
-            <a:rPr lang="en-US" dirty="0"/>
-            <a:t>Testing</a:t>
-          </a:r>
-        </a:p>
-      </dgm:t>
-    </dgm:pt>
-    <dgm:pt modelId="{F4E5E2A1-3FCE-4BE1-846A-49E85DE863AD}" type="parTrans" cxnId="{0B764AB6-FF0A-4107-B6A8-FEB4E64FD6A2}">
-      <dgm:prSet/>
-      <dgm:spPr/>
-      <dgm:t>
-        <a:bodyPr/>
-        <a:lstStyle/>
-        <a:p>
-          <a:endParaRPr lang="en-US"/>
-        </a:p>
-      </dgm:t>
-    </dgm:pt>
-    <dgm:pt modelId="{2A0AD5A6-5136-417E-AA0B-CE87F0C4BD62}" type="sibTrans" cxnId="{0B764AB6-FF0A-4107-B6A8-FEB4E64FD6A2}">
-      <dgm:prSet/>
-      <dgm:spPr/>
-      <dgm:t>
-        <a:bodyPr/>
-        <a:lstStyle/>
-        <a:p>
-          <a:endParaRPr lang="en-US"/>
-        </a:p>
-      </dgm:t>
-    </dgm:pt>
-    <dgm:pt modelId="{A8471BAC-D934-4918-9BD6-5458D886DEFF}">
-      <dgm:prSet phldrT="[Text]"/>
-      <dgm:spPr/>
-      <dgm:t>
-        <a:bodyPr/>
-        <a:lstStyle/>
-        <a:p>
-          <a:r>
-            <a:rPr lang="en-US" dirty="0"/>
-            <a:t>Full Size Dataset</a:t>
-          </a:r>
-        </a:p>
-      </dgm:t>
-    </dgm:pt>
-    <dgm:pt modelId="{A5098594-2415-4703-9AAE-8EF6E849EE53}" type="parTrans" cxnId="{012B6E24-B984-4521-B118-3DB4203806F6}">
-      <dgm:prSet/>
-      <dgm:spPr/>
-      <dgm:t>
-        <a:bodyPr/>
-        <a:lstStyle/>
-        <a:p>
-          <a:endParaRPr lang="en-US"/>
-        </a:p>
-      </dgm:t>
-    </dgm:pt>
-    <dgm:pt modelId="{FD7D7978-C92A-4240-8A18-65167845D290}" type="sibTrans" cxnId="{012B6E24-B984-4521-B118-3DB4203806F6}">
-      <dgm:prSet/>
-      <dgm:spPr/>
-      <dgm:t>
-        <a:bodyPr/>
-        <a:lstStyle/>
-        <a:p>
-          <a:endParaRPr lang="en-US"/>
-        </a:p>
-      </dgm:t>
-    </dgm:pt>
-    <dgm:pt modelId="{110D33D0-7533-47FA-906B-5071BF56B43E}">
-      <dgm:prSet phldrT="[Text]"/>
-      <dgm:spPr/>
-      <dgm:t>
-        <a:bodyPr/>
-        <a:lstStyle/>
-        <a:p>
-          <a:r>
-            <a:rPr lang="en-US" dirty="0"/>
-            <a:t>Dev</a:t>
-          </a:r>
-        </a:p>
-      </dgm:t>
-    </dgm:pt>
-    <dgm:pt modelId="{23C22534-F760-41FE-8138-624E783EA2CF}" type="parTrans" cxnId="{1F22809D-8BB5-4896-8162-63E7156A7000}">
-      <dgm:prSet/>
-      <dgm:spPr/>
-      <dgm:t>
-        <a:bodyPr/>
-        <a:lstStyle/>
-        <a:p>
-          <a:endParaRPr lang="en-US"/>
-        </a:p>
-      </dgm:t>
-    </dgm:pt>
-    <dgm:pt modelId="{604273C1-6D30-4EC7-839A-6BB4DA4858A7}" type="sibTrans" cxnId="{1F22809D-8BB5-4896-8162-63E7156A7000}">
-      <dgm:prSet/>
-      <dgm:spPr/>
-      <dgm:t>
-        <a:bodyPr/>
-        <a:lstStyle/>
-        <a:p>
-          <a:endParaRPr lang="en-US"/>
-        </a:p>
-      </dgm:t>
-    </dgm:pt>
-    <dgm:pt modelId="{0AB30AD3-D22B-41E1-9DDF-70E996D7DCCA}">
-      <dgm:prSet phldrT="[Text]"/>
-      <dgm:spPr/>
-      <dgm:t>
-        <a:bodyPr/>
-        <a:lstStyle/>
-        <a:p>
-          <a:r>
-            <a:rPr lang="en-US" dirty="0"/>
-            <a:t>Small Dataset</a:t>
-          </a:r>
-        </a:p>
-      </dgm:t>
-    </dgm:pt>
-    <dgm:pt modelId="{065998C9-B23A-4614-8782-9AA5747949C4}" type="parTrans" cxnId="{C7503E84-FF54-4319-9077-274A82A98CC8}">
-      <dgm:prSet/>
-      <dgm:spPr/>
-      <dgm:t>
-        <a:bodyPr/>
-        <a:lstStyle/>
-        <a:p>
-          <a:endParaRPr lang="en-US"/>
-        </a:p>
-      </dgm:t>
-    </dgm:pt>
-    <dgm:pt modelId="{5DB1B011-580E-47EB-BF77-DB6B5A1DB554}" type="sibTrans" cxnId="{C7503E84-FF54-4319-9077-274A82A98CC8}">
-      <dgm:prSet/>
-      <dgm:spPr/>
-      <dgm:t>
-        <a:bodyPr/>
-        <a:lstStyle/>
-        <a:p>
-          <a:endParaRPr lang="en-US"/>
-        </a:p>
-      </dgm:t>
-    </dgm:pt>
-    <dgm:pt modelId="{CE5CE3E6-897A-49E9-AFBE-A735B90744C3}">
-      <dgm:prSet phldrT="[Text]"/>
-      <dgm:spPr/>
-      <dgm:t>
-        <a:bodyPr/>
-        <a:lstStyle/>
-        <a:p>
-          <a:r>
-            <a:rPr lang="en-US" dirty="0"/>
-            <a:t>Controlled Environment</a:t>
-          </a:r>
-        </a:p>
-      </dgm:t>
-    </dgm:pt>
-    <dgm:pt modelId="{D67541F1-11EC-4FEB-9C34-A97E7D85A1B6}" type="parTrans" cxnId="{1E3FE723-1585-4828-B9A2-29C48DF90D2F}">
-      <dgm:prSet/>
-      <dgm:spPr/>
-      <dgm:t>
-        <a:bodyPr/>
-        <a:lstStyle/>
-        <a:p>
-          <a:endParaRPr lang="en-US"/>
-        </a:p>
-      </dgm:t>
-    </dgm:pt>
-    <dgm:pt modelId="{C7A81B54-209F-4B5B-AE4C-4BBA7CAA2BCD}" type="sibTrans" cxnId="{1E3FE723-1585-4828-B9A2-29C48DF90D2F}">
-      <dgm:prSet/>
-      <dgm:spPr/>
-      <dgm:t>
-        <a:bodyPr/>
-        <a:lstStyle/>
-        <a:p>
-          <a:endParaRPr lang="en-US"/>
-        </a:p>
-      </dgm:t>
-    </dgm:pt>
-    <dgm:pt modelId="{03323301-A905-4E8A-8C7E-B63BCA519220}">
-      <dgm:prSet phldrT="[Text]"/>
-      <dgm:spPr/>
-      <dgm:t>
-        <a:bodyPr/>
-        <a:lstStyle/>
-        <a:p>
-          <a:r>
-            <a:rPr lang="en-US" dirty="0"/>
-            <a:t>Confidential Data</a:t>
-          </a:r>
-        </a:p>
-      </dgm:t>
-    </dgm:pt>
-    <dgm:pt modelId="{81989D5D-7DA4-4971-BF1E-7BA3F53D6B53}" type="parTrans" cxnId="{8F16F7F8-13F3-4E50-B00F-03BA3167F137}">
-      <dgm:prSet/>
-      <dgm:spPr/>
-      <dgm:t>
-        <a:bodyPr/>
-        <a:lstStyle/>
-        <a:p>
-          <a:endParaRPr lang="en-US"/>
-        </a:p>
-      </dgm:t>
-    </dgm:pt>
-    <dgm:pt modelId="{DE928B89-75F1-4878-9105-6D20A7731E7C}" type="sibTrans" cxnId="{8F16F7F8-13F3-4E50-B00F-03BA3167F137}">
-      <dgm:prSet/>
-      <dgm:spPr/>
-      <dgm:t>
-        <a:bodyPr/>
-        <a:lstStyle/>
-        <a:p>
-          <a:endParaRPr lang="en-US"/>
-        </a:p>
-      </dgm:t>
-    </dgm:pt>
-    <dgm:pt modelId="{649F668A-374E-4F8A-8DD0-C0940BC82DAF}">
-      <dgm:prSet phldrT="[Text]"/>
-      <dgm:spPr/>
-      <dgm:t>
-        <a:bodyPr/>
-        <a:lstStyle/>
-        <a:p>
-          <a:r>
-            <a:rPr lang="en-US" dirty="0"/>
-            <a:t>Less Controls</a:t>
-          </a:r>
-        </a:p>
-      </dgm:t>
-    </dgm:pt>
-    <dgm:pt modelId="{369D342C-8618-4D20-8171-37E9F09A5098}" type="parTrans" cxnId="{4B5A6302-C6C6-41FB-B13A-5F2203CBE2CF}">
-      <dgm:prSet/>
-      <dgm:spPr/>
-      <dgm:t>
-        <a:bodyPr/>
-        <a:lstStyle/>
-        <a:p>
-          <a:endParaRPr lang="en-US"/>
-        </a:p>
-      </dgm:t>
-    </dgm:pt>
-    <dgm:pt modelId="{2CF3636A-F00B-4320-8713-2E10D2E412D1}" type="sibTrans" cxnId="{4B5A6302-C6C6-41FB-B13A-5F2203CBE2CF}">
-      <dgm:prSet/>
-      <dgm:spPr/>
-      <dgm:t>
-        <a:bodyPr/>
-        <a:lstStyle/>
-        <a:p>
-          <a:endParaRPr lang="en-US"/>
-        </a:p>
-      </dgm:t>
-    </dgm:pt>
-    <dgm:pt modelId="{9B1B0897-2E5F-494F-9137-0ACC1FE03BBB}">
-      <dgm:prSet phldrT="[Text]"/>
-      <dgm:spPr/>
-      <dgm:t>
-        <a:bodyPr/>
-        <a:lstStyle/>
-        <a:p>
-          <a:r>
-            <a:rPr lang="en-US" dirty="0"/>
-            <a:t>No Confidential Data</a:t>
-          </a:r>
-        </a:p>
-      </dgm:t>
-    </dgm:pt>
-    <dgm:pt modelId="{8EC9BCD2-2FF6-46E5-8F37-4843C9B41225}" type="parTrans" cxnId="{9FB136C3-8DC2-4F40-BF36-EA06AD87DFCF}">
-      <dgm:prSet/>
-      <dgm:spPr/>
-      <dgm:t>
-        <a:bodyPr/>
-        <a:lstStyle/>
-        <a:p>
-          <a:endParaRPr lang="en-US"/>
-        </a:p>
-      </dgm:t>
-    </dgm:pt>
-    <dgm:pt modelId="{DEE0B0B5-4175-4B55-897D-C5461E085CC6}" type="sibTrans" cxnId="{9FB136C3-8DC2-4F40-BF36-EA06AD87DFCF}">
-      <dgm:prSet/>
-      <dgm:spPr/>
-      <dgm:t>
-        <a:bodyPr/>
-        <a:lstStyle/>
-        <a:p>
-          <a:endParaRPr lang="en-US"/>
-        </a:p>
-      </dgm:t>
-    </dgm:pt>
-    <dgm:pt modelId="{7D8F5CF6-97C7-46CF-8323-BCBBAF01DA95}">
-      <dgm:prSet phldrT="[Text]"/>
-      <dgm:spPr/>
-      <dgm:t>
-        <a:bodyPr/>
-        <a:lstStyle/>
-        <a:p>
-          <a:r>
-            <a:rPr lang="en-US" dirty="0"/>
-            <a:t>No Confidential Data</a:t>
-          </a:r>
-        </a:p>
-      </dgm:t>
-    </dgm:pt>
-    <dgm:pt modelId="{0F102DC8-95ED-4B58-AF31-EC2A74687085}" type="parTrans" cxnId="{C0CE6975-0C13-4CCD-9219-3009E210E7F5}">
-      <dgm:prSet/>
-      <dgm:spPr/>
-      <dgm:t>
-        <a:bodyPr/>
-        <a:lstStyle/>
-        <a:p>
-          <a:endParaRPr lang="en-US"/>
-        </a:p>
-      </dgm:t>
-    </dgm:pt>
-    <dgm:pt modelId="{0CBD359F-6648-4A56-B161-6CD961953F1D}" type="sibTrans" cxnId="{C0CE6975-0C13-4CCD-9219-3009E210E7F5}">
-      <dgm:prSet/>
-      <dgm:spPr/>
-      <dgm:t>
-        <a:bodyPr/>
-        <a:lstStyle/>
-        <a:p>
-          <a:endParaRPr lang="en-US"/>
-        </a:p>
-      </dgm:t>
-    </dgm:pt>
-    <dgm:pt modelId="{CDCB3EE2-6382-4F3A-981E-5A00953CA6FB}">
-      <dgm:prSet phldrT="[Text]"/>
-      <dgm:spPr/>
-      <dgm:t>
-        <a:bodyPr/>
-        <a:lstStyle/>
-        <a:p>
-          <a:r>
-            <a:rPr lang="en-US" dirty="0"/>
-            <a:t>Little to no Controls</a:t>
-          </a:r>
-        </a:p>
-      </dgm:t>
-    </dgm:pt>
-    <dgm:pt modelId="{F6BB1C32-38B3-4D8D-BEAB-AEFAE5B67A78}" type="parTrans" cxnId="{94A84936-AFD5-4567-A178-1EE1B523E87F}">
-      <dgm:prSet/>
-      <dgm:spPr/>
-      <dgm:t>
-        <a:bodyPr/>
-        <a:lstStyle/>
-        <a:p>
-          <a:endParaRPr lang="en-US"/>
-        </a:p>
-      </dgm:t>
-    </dgm:pt>
-    <dgm:pt modelId="{C19B60F2-46B5-4541-80CE-2499E9975716}" type="sibTrans" cxnId="{94A84936-AFD5-4567-A178-1EE1B523E87F}">
-      <dgm:prSet/>
-      <dgm:spPr/>
-      <dgm:t>
-        <a:bodyPr/>
-        <a:lstStyle/>
-        <a:p>
-          <a:endParaRPr lang="en-US"/>
-        </a:p>
-      </dgm:t>
-    </dgm:pt>
-    <dgm:pt modelId="{B38776A1-77C8-4DED-92B0-A17B088DC582}" type="pres">
-      <dgm:prSet presAssocID="{082E775F-B70C-4EF8-AF34-A42A9CAADC7D}" presName="linearFlow" presStyleCnt="0">
-        <dgm:presLayoutVars>
-          <dgm:dir val="rev"/>
-          <dgm:animLvl val="lvl"/>
-          <dgm:resizeHandles val="exact"/>
-        </dgm:presLayoutVars>
-      </dgm:prSet>
-      <dgm:spPr/>
-    </dgm:pt>
-    <dgm:pt modelId="{B3CFE283-01BA-4F3C-9F6A-7706B66EF63A}" type="pres">
-      <dgm:prSet presAssocID="{123989A1-3EE9-46E3-8FB6-15670DC2A05B}" presName="composite" presStyleCnt="0"/>
-      <dgm:spPr/>
-    </dgm:pt>
-    <dgm:pt modelId="{6AB6FC97-DD66-4850-A0F2-BA45FC8F1BDB}" type="pres">
-      <dgm:prSet presAssocID="{123989A1-3EE9-46E3-8FB6-15670DC2A05B}" presName="parTx" presStyleLbl="node1" presStyleIdx="0" presStyleCnt="3">
-        <dgm:presLayoutVars>
-          <dgm:chMax val="0"/>
-          <dgm:chPref val="0"/>
-          <dgm:bulletEnabled val="1"/>
-        </dgm:presLayoutVars>
-      </dgm:prSet>
-      <dgm:spPr/>
-    </dgm:pt>
-    <dgm:pt modelId="{761C6F8B-D976-4CF9-867D-146003D3D54D}" type="pres">
-      <dgm:prSet presAssocID="{123989A1-3EE9-46E3-8FB6-15670DC2A05B}" presName="parSh" presStyleLbl="node1" presStyleIdx="0" presStyleCnt="3"/>
-      <dgm:spPr/>
-    </dgm:pt>
-    <dgm:pt modelId="{5A45E9CE-A5DB-4A5F-936A-14159818732A}" type="pres">
-      <dgm:prSet presAssocID="{123989A1-3EE9-46E3-8FB6-15670DC2A05B}" presName="desTx" presStyleLbl="fgAcc1" presStyleIdx="0" presStyleCnt="3">
-        <dgm:presLayoutVars>
-          <dgm:bulletEnabled val="1"/>
-        </dgm:presLayoutVars>
-      </dgm:prSet>
-      <dgm:spPr/>
-    </dgm:pt>
-    <dgm:pt modelId="{CD1C9813-8B8D-4618-9CA3-24061E01F87D}" type="pres">
-      <dgm:prSet presAssocID="{F1B0DD4F-D7FD-46D0-AAA6-FBFD92C591DD}" presName="sibTrans" presStyleLbl="sibTrans2D1" presStyleIdx="0" presStyleCnt="2"/>
-      <dgm:spPr/>
-    </dgm:pt>
-    <dgm:pt modelId="{7C869526-A2F8-4078-8A5D-A5BF2BC450D8}" type="pres">
-      <dgm:prSet presAssocID="{F1B0DD4F-D7FD-46D0-AAA6-FBFD92C591DD}" presName="connTx" presStyleLbl="sibTrans2D1" presStyleIdx="0" presStyleCnt="2"/>
-      <dgm:spPr/>
-    </dgm:pt>
-    <dgm:pt modelId="{B55D8734-200D-412B-AC2E-C4872D6C13EF}" type="pres">
-      <dgm:prSet presAssocID="{DF219732-930F-477F-B443-1FCB5135A4BA}" presName="composite" presStyleCnt="0"/>
-      <dgm:spPr/>
-    </dgm:pt>
-    <dgm:pt modelId="{12A130C0-1E73-4C08-8518-42FD76EA3784}" type="pres">
-      <dgm:prSet presAssocID="{DF219732-930F-477F-B443-1FCB5135A4BA}" presName="parTx" presStyleLbl="node1" presStyleIdx="0" presStyleCnt="3">
-        <dgm:presLayoutVars>
-          <dgm:chMax val="0"/>
-          <dgm:chPref val="0"/>
-          <dgm:bulletEnabled val="1"/>
-        </dgm:presLayoutVars>
-      </dgm:prSet>
-      <dgm:spPr/>
-    </dgm:pt>
-    <dgm:pt modelId="{014A0568-FE5B-4036-8E55-9365A9DF9A30}" type="pres">
-      <dgm:prSet presAssocID="{DF219732-930F-477F-B443-1FCB5135A4BA}" presName="parSh" presStyleLbl="node1" presStyleIdx="1" presStyleCnt="3"/>
-      <dgm:spPr/>
-    </dgm:pt>
-    <dgm:pt modelId="{85D8390D-9BB6-4160-99E3-E689A13C5A55}" type="pres">
-      <dgm:prSet presAssocID="{DF219732-930F-477F-B443-1FCB5135A4BA}" presName="desTx" presStyleLbl="fgAcc1" presStyleIdx="1" presStyleCnt="3">
-        <dgm:presLayoutVars>
-          <dgm:bulletEnabled val="1"/>
-        </dgm:presLayoutVars>
-      </dgm:prSet>
-      <dgm:spPr/>
-    </dgm:pt>
-    <dgm:pt modelId="{A4FEFB91-8E74-41F4-84A7-C47A120C4EBA}" type="pres">
-      <dgm:prSet presAssocID="{2A0AD5A6-5136-417E-AA0B-CE87F0C4BD62}" presName="sibTrans" presStyleLbl="sibTrans2D1" presStyleIdx="1" presStyleCnt="2"/>
-      <dgm:spPr/>
-    </dgm:pt>
-    <dgm:pt modelId="{2DF12E42-14D0-4033-8AA7-4B59FBFC88A6}" type="pres">
-      <dgm:prSet presAssocID="{2A0AD5A6-5136-417E-AA0B-CE87F0C4BD62}" presName="connTx" presStyleLbl="sibTrans2D1" presStyleIdx="1" presStyleCnt="2"/>
-      <dgm:spPr/>
-    </dgm:pt>
-    <dgm:pt modelId="{F9910D77-0C9A-4474-A986-6E761315C4B4}" type="pres">
-      <dgm:prSet presAssocID="{110D33D0-7533-47FA-906B-5071BF56B43E}" presName="composite" presStyleCnt="0"/>
-      <dgm:spPr/>
-    </dgm:pt>
-    <dgm:pt modelId="{E9C1E495-F3EA-4920-897E-270A911A58A1}" type="pres">
-      <dgm:prSet presAssocID="{110D33D0-7533-47FA-906B-5071BF56B43E}" presName="parTx" presStyleLbl="node1" presStyleIdx="1" presStyleCnt="3">
-        <dgm:presLayoutVars>
-          <dgm:chMax val="0"/>
-          <dgm:chPref val="0"/>
-          <dgm:bulletEnabled val="1"/>
-        </dgm:presLayoutVars>
-      </dgm:prSet>
-      <dgm:spPr/>
-    </dgm:pt>
-    <dgm:pt modelId="{C3CB5FD2-B531-4259-AAC0-875A1AB4982A}" type="pres">
-      <dgm:prSet presAssocID="{110D33D0-7533-47FA-906B-5071BF56B43E}" presName="parSh" presStyleLbl="node1" presStyleIdx="2" presStyleCnt="3"/>
-      <dgm:spPr/>
-    </dgm:pt>
-    <dgm:pt modelId="{18D039EA-F5BF-4FC0-83CF-C7A6821B3BB5}" type="pres">
-      <dgm:prSet presAssocID="{110D33D0-7533-47FA-906B-5071BF56B43E}" presName="desTx" presStyleLbl="fgAcc1" presStyleIdx="2" presStyleCnt="3">
-        <dgm:presLayoutVars>
-          <dgm:bulletEnabled val="1"/>
-        </dgm:presLayoutVars>
-      </dgm:prSet>
-      <dgm:spPr/>
-    </dgm:pt>
-  </dgm:ptLst>
-  <dgm:cxnLst>
-    <dgm:cxn modelId="{4B5A6302-C6C6-41FB-B13A-5F2203CBE2CF}" srcId="{DF219732-930F-477F-B443-1FCB5135A4BA}" destId="{649F668A-374E-4F8A-8DD0-C0940BC82DAF}" srcOrd="1" destOrd="0" parTransId="{369D342C-8618-4D20-8171-37E9F09A5098}" sibTransId="{2CF3636A-F00B-4320-8713-2E10D2E412D1}"/>
-    <dgm:cxn modelId="{A81B8505-1F80-4B80-8283-F0DB098DA9E1}" type="presOf" srcId="{DF219732-930F-477F-B443-1FCB5135A4BA}" destId="{12A130C0-1E73-4C08-8518-42FD76EA3784}" srcOrd="0" destOrd="0" presId="urn:microsoft.com/office/officeart/2005/8/layout/process3"/>
-    <dgm:cxn modelId="{A5FDDB06-001E-4E64-B08D-CF0572DB1F49}" type="presOf" srcId="{DF219732-930F-477F-B443-1FCB5135A4BA}" destId="{014A0568-FE5B-4036-8E55-9365A9DF9A30}" srcOrd="1" destOrd="0" presId="urn:microsoft.com/office/officeart/2005/8/layout/process3"/>
-    <dgm:cxn modelId="{1E3FE723-1585-4828-B9A2-29C48DF90D2F}" srcId="{123989A1-3EE9-46E3-8FB6-15670DC2A05B}" destId="{CE5CE3E6-897A-49E9-AFBE-A735B90744C3}" srcOrd="1" destOrd="0" parTransId="{D67541F1-11EC-4FEB-9C34-A97E7D85A1B6}" sibTransId="{C7A81B54-209F-4B5B-AE4C-4BBA7CAA2BCD}"/>
-    <dgm:cxn modelId="{012B6E24-B984-4521-B118-3DB4203806F6}" srcId="{DF219732-930F-477F-B443-1FCB5135A4BA}" destId="{A8471BAC-D934-4918-9BD6-5458D886DEFF}" srcOrd="0" destOrd="0" parTransId="{A5098594-2415-4703-9AAE-8EF6E849EE53}" sibTransId="{FD7D7978-C92A-4240-8A18-65167845D290}"/>
-    <dgm:cxn modelId="{D963E031-8B21-4198-AAC6-1C658CF95F61}" type="presOf" srcId="{CE5CE3E6-897A-49E9-AFBE-A735B90744C3}" destId="{5A45E9CE-A5DB-4A5F-936A-14159818732A}" srcOrd="0" destOrd="1" presId="urn:microsoft.com/office/officeart/2005/8/layout/process3"/>
-    <dgm:cxn modelId="{94A84936-AFD5-4567-A178-1EE1B523E87F}" srcId="{110D33D0-7533-47FA-906B-5071BF56B43E}" destId="{CDCB3EE2-6382-4F3A-981E-5A00953CA6FB}" srcOrd="1" destOrd="0" parTransId="{F6BB1C32-38B3-4D8D-BEAB-AEFAE5B67A78}" sibTransId="{C19B60F2-46B5-4541-80CE-2499E9975716}"/>
-    <dgm:cxn modelId="{39A62C5B-E39A-44AD-ACF0-BE24AA4E3991}" srcId="{082E775F-B70C-4EF8-AF34-A42A9CAADC7D}" destId="{123989A1-3EE9-46E3-8FB6-15670DC2A05B}" srcOrd="0" destOrd="0" parTransId="{B01D4389-A233-416E-961C-C1CFF442065E}" sibTransId="{F1B0DD4F-D7FD-46D0-AAA6-FBFD92C591DD}"/>
-    <dgm:cxn modelId="{6DFDC04A-B9FE-4DF3-B6C9-5A2EBB24FF8A}" type="presOf" srcId="{7D8F5CF6-97C7-46CF-8323-BCBBAF01DA95}" destId="{18D039EA-F5BF-4FC0-83CF-C7A6821B3BB5}" srcOrd="0" destOrd="2" presId="urn:microsoft.com/office/officeart/2005/8/layout/process3"/>
-    <dgm:cxn modelId="{E4DBB64B-76BA-463E-93CA-374790F04E41}" type="presOf" srcId="{2A0AD5A6-5136-417E-AA0B-CE87F0C4BD62}" destId="{A4FEFB91-8E74-41F4-84A7-C47A120C4EBA}" srcOrd="0" destOrd="0" presId="urn:microsoft.com/office/officeart/2005/8/layout/process3"/>
-    <dgm:cxn modelId="{D462876D-34F3-4228-8731-D2D3A9CE3564}" type="presOf" srcId="{9B1B0897-2E5F-494F-9137-0ACC1FE03BBB}" destId="{85D8390D-9BB6-4160-99E3-E689A13C5A55}" srcOrd="0" destOrd="2" presId="urn:microsoft.com/office/officeart/2005/8/layout/process3"/>
-    <dgm:cxn modelId="{6C018F71-1F9C-4A5C-9D71-8FD7C797B0F8}" type="presOf" srcId="{03323301-A905-4E8A-8C7E-B63BCA519220}" destId="{5A45E9CE-A5DB-4A5F-936A-14159818732A}" srcOrd="0" destOrd="2" presId="urn:microsoft.com/office/officeart/2005/8/layout/process3"/>
-    <dgm:cxn modelId="{C0CE6975-0C13-4CCD-9219-3009E210E7F5}" srcId="{110D33D0-7533-47FA-906B-5071BF56B43E}" destId="{7D8F5CF6-97C7-46CF-8323-BCBBAF01DA95}" srcOrd="2" destOrd="0" parTransId="{0F102DC8-95ED-4B58-AF31-EC2A74687085}" sibTransId="{0CBD359F-6648-4A56-B161-6CD961953F1D}"/>
-    <dgm:cxn modelId="{04C3635A-7295-48C1-B436-B026CF9E9CA5}" type="presOf" srcId="{123989A1-3EE9-46E3-8FB6-15670DC2A05B}" destId="{6AB6FC97-DD66-4850-A0F2-BA45FC8F1BDB}" srcOrd="0" destOrd="0" presId="urn:microsoft.com/office/officeart/2005/8/layout/process3"/>
-    <dgm:cxn modelId="{C7503E84-FF54-4319-9077-274A82A98CC8}" srcId="{110D33D0-7533-47FA-906B-5071BF56B43E}" destId="{0AB30AD3-D22B-41E1-9DDF-70E996D7DCCA}" srcOrd="0" destOrd="0" parTransId="{065998C9-B23A-4614-8782-9AA5747949C4}" sibTransId="{5DB1B011-580E-47EB-BF77-DB6B5A1DB554}"/>
-    <dgm:cxn modelId="{01F38E8A-6DB6-4C5D-A4D3-F2FA2080EC3E}" type="presOf" srcId="{F1B0DD4F-D7FD-46D0-AAA6-FBFD92C591DD}" destId="{7C869526-A2F8-4078-8A5D-A5BF2BC450D8}" srcOrd="1" destOrd="0" presId="urn:microsoft.com/office/officeart/2005/8/layout/process3"/>
-    <dgm:cxn modelId="{96688291-E85F-4261-A0E5-8E5565C8A139}" type="presOf" srcId="{082E775F-B70C-4EF8-AF34-A42A9CAADC7D}" destId="{B38776A1-77C8-4DED-92B0-A17B088DC582}" srcOrd="0" destOrd="0" presId="urn:microsoft.com/office/officeart/2005/8/layout/process3"/>
-    <dgm:cxn modelId="{6C0A9493-B421-4036-B8C3-6BF27F9C3FFB}" type="presOf" srcId="{F1B0DD4F-D7FD-46D0-AAA6-FBFD92C591DD}" destId="{CD1C9813-8B8D-4618-9CA3-24061E01F87D}" srcOrd="0" destOrd="0" presId="urn:microsoft.com/office/officeart/2005/8/layout/process3"/>
-    <dgm:cxn modelId="{1F22809D-8BB5-4896-8162-63E7156A7000}" srcId="{082E775F-B70C-4EF8-AF34-A42A9CAADC7D}" destId="{110D33D0-7533-47FA-906B-5071BF56B43E}" srcOrd="2" destOrd="0" parTransId="{23C22534-F760-41FE-8138-624E783EA2CF}" sibTransId="{604273C1-6D30-4EC7-839A-6BB4DA4858A7}"/>
-    <dgm:cxn modelId="{54C9CBA0-E3C8-453F-8D4E-B4ADD2061C61}" srcId="{123989A1-3EE9-46E3-8FB6-15670DC2A05B}" destId="{AB551D49-69EE-432D-8F7C-E690EDBEDD68}" srcOrd="0" destOrd="0" parTransId="{1FFFEABF-A144-4E11-BFA7-6D943E855F01}" sibTransId="{B2A9D002-B074-4DA9-A7CF-A40C873E8774}"/>
-    <dgm:cxn modelId="{0B764AB6-FF0A-4107-B6A8-FEB4E64FD6A2}" srcId="{082E775F-B70C-4EF8-AF34-A42A9CAADC7D}" destId="{DF219732-930F-477F-B443-1FCB5135A4BA}" srcOrd="1" destOrd="0" parTransId="{F4E5E2A1-3FCE-4BE1-846A-49E85DE863AD}" sibTransId="{2A0AD5A6-5136-417E-AA0B-CE87F0C4BD62}"/>
-    <dgm:cxn modelId="{F5943AB8-3E2F-487C-B11D-7C2E463E36B5}" type="presOf" srcId="{AB551D49-69EE-432D-8F7C-E690EDBEDD68}" destId="{5A45E9CE-A5DB-4A5F-936A-14159818732A}" srcOrd="0" destOrd="0" presId="urn:microsoft.com/office/officeart/2005/8/layout/process3"/>
-    <dgm:cxn modelId="{8C5726BA-0718-4B56-956C-CF52774D6334}" type="presOf" srcId="{CDCB3EE2-6382-4F3A-981E-5A00953CA6FB}" destId="{18D039EA-F5BF-4FC0-83CF-C7A6821B3BB5}" srcOrd="0" destOrd="1" presId="urn:microsoft.com/office/officeart/2005/8/layout/process3"/>
-    <dgm:cxn modelId="{C635D2BD-F6E7-43A7-9DE9-2F79C2159ECA}" type="presOf" srcId="{649F668A-374E-4F8A-8DD0-C0940BC82DAF}" destId="{85D8390D-9BB6-4160-99E3-E689A13C5A55}" srcOrd="0" destOrd="1" presId="urn:microsoft.com/office/officeart/2005/8/layout/process3"/>
-    <dgm:cxn modelId="{254F1FC1-D9BD-4936-9911-90708E08205C}" type="presOf" srcId="{A8471BAC-D934-4918-9BD6-5458D886DEFF}" destId="{85D8390D-9BB6-4160-99E3-E689A13C5A55}" srcOrd="0" destOrd="0" presId="urn:microsoft.com/office/officeart/2005/8/layout/process3"/>
-    <dgm:cxn modelId="{9FB136C3-8DC2-4F40-BF36-EA06AD87DFCF}" srcId="{DF219732-930F-477F-B443-1FCB5135A4BA}" destId="{9B1B0897-2E5F-494F-9137-0ACC1FE03BBB}" srcOrd="2" destOrd="0" parTransId="{8EC9BCD2-2FF6-46E5-8F37-4843C9B41225}" sibTransId="{DEE0B0B5-4175-4B55-897D-C5461E085CC6}"/>
-    <dgm:cxn modelId="{B3BAF0C5-5621-4908-910B-39129841CE41}" type="presOf" srcId="{2A0AD5A6-5136-417E-AA0B-CE87F0C4BD62}" destId="{2DF12E42-14D0-4033-8AA7-4B59FBFC88A6}" srcOrd="1" destOrd="0" presId="urn:microsoft.com/office/officeart/2005/8/layout/process3"/>
-    <dgm:cxn modelId="{4F5FC7D7-C0C6-47D3-BE10-76570B9C83A0}" type="presOf" srcId="{110D33D0-7533-47FA-906B-5071BF56B43E}" destId="{C3CB5FD2-B531-4259-AAC0-875A1AB4982A}" srcOrd="1" destOrd="0" presId="urn:microsoft.com/office/officeart/2005/8/layout/process3"/>
-    <dgm:cxn modelId="{4A88CBE0-0611-466C-B507-5564E70B54AC}" type="presOf" srcId="{0AB30AD3-D22B-41E1-9DDF-70E996D7DCCA}" destId="{18D039EA-F5BF-4FC0-83CF-C7A6821B3BB5}" srcOrd="0" destOrd="0" presId="urn:microsoft.com/office/officeart/2005/8/layout/process3"/>
-    <dgm:cxn modelId="{A9987FEE-3909-40A9-93AE-AF95F6F7DAD8}" type="presOf" srcId="{123989A1-3EE9-46E3-8FB6-15670DC2A05B}" destId="{761C6F8B-D976-4CF9-867D-146003D3D54D}" srcOrd="1" destOrd="0" presId="urn:microsoft.com/office/officeart/2005/8/layout/process3"/>
-    <dgm:cxn modelId="{92A57AEF-F3A9-4B40-AD19-5AD02539CAD1}" type="presOf" srcId="{110D33D0-7533-47FA-906B-5071BF56B43E}" destId="{E9C1E495-F3EA-4920-897E-270A911A58A1}" srcOrd="0" destOrd="0" presId="urn:microsoft.com/office/officeart/2005/8/layout/process3"/>
-    <dgm:cxn modelId="{8F16F7F8-13F3-4E50-B00F-03BA3167F137}" srcId="{123989A1-3EE9-46E3-8FB6-15670DC2A05B}" destId="{03323301-A905-4E8A-8C7E-B63BCA519220}" srcOrd="2" destOrd="0" parTransId="{81989D5D-7DA4-4971-BF1E-7BA3F53D6B53}" sibTransId="{DE928B89-75F1-4878-9105-6D20A7731E7C}"/>
-    <dgm:cxn modelId="{939F47A4-0C8E-4506-870D-ACBEB23A74BA}" type="presParOf" srcId="{B38776A1-77C8-4DED-92B0-A17B088DC582}" destId="{B3CFE283-01BA-4F3C-9F6A-7706B66EF63A}" srcOrd="0" destOrd="0" presId="urn:microsoft.com/office/officeart/2005/8/layout/process3"/>
-    <dgm:cxn modelId="{78B9B1D4-A399-404A-9DAC-E7EC835F813F}" type="presParOf" srcId="{B3CFE283-01BA-4F3C-9F6A-7706B66EF63A}" destId="{6AB6FC97-DD66-4850-A0F2-BA45FC8F1BDB}" srcOrd="0" destOrd="0" presId="urn:microsoft.com/office/officeart/2005/8/layout/process3"/>
-    <dgm:cxn modelId="{61C38E83-73C2-4A19-B173-34E7086B597F}" type="presParOf" srcId="{B3CFE283-01BA-4F3C-9F6A-7706B66EF63A}" destId="{761C6F8B-D976-4CF9-867D-146003D3D54D}" srcOrd="1" destOrd="0" presId="urn:microsoft.com/office/officeart/2005/8/layout/process3"/>
-    <dgm:cxn modelId="{2C167D8A-8C0E-426E-B0FA-6F8D0D6586F8}" type="presParOf" srcId="{B3CFE283-01BA-4F3C-9F6A-7706B66EF63A}" destId="{5A45E9CE-A5DB-4A5F-936A-14159818732A}" srcOrd="2" destOrd="0" presId="urn:microsoft.com/office/officeart/2005/8/layout/process3"/>
-    <dgm:cxn modelId="{5D1CF9E4-95CB-42EA-BAA5-F05945D40B62}" type="presParOf" srcId="{B38776A1-77C8-4DED-92B0-A17B088DC582}" destId="{CD1C9813-8B8D-4618-9CA3-24061E01F87D}" srcOrd="1" destOrd="0" presId="urn:microsoft.com/office/officeart/2005/8/layout/process3"/>
-    <dgm:cxn modelId="{A6EA1280-BB64-4B3A-A9C2-AE51599C056B}" type="presParOf" srcId="{CD1C9813-8B8D-4618-9CA3-24061E01F87D}" destId="{7C869526-A2F8-4078-8A5D-A5BF2BC450D8}" srcOrd="0" destOrd="0" presId="urn:microsoft.com/office/officeart/2005/8/layout/process3"/>
-    <dgm:cxn modelId="{F21315DE-FDD0-4138-AA72-90E12488F5F4}" type="presParOf" srcId="{B38776A1-77C8-4DED-92B0-A17B088DC582}" destId="{B55D8734-200D-412B-AC2E-C4872D6C13EF}" srcOrd="2" destOrd="0" presId="urn:microsoft.com/office/officeart/2005/8/layout/process3"/>
-    <dgm:cxn modelId="{426AF329-B29E-4F19-834B-BC9D95460BBB}" type="presParOf" srcId="{B55D8734-200D-412B-AC2E-C4872D6C13EF}" destId="{12A130C0-1E73-4C08-8518-42FD76EA3784}" srcOrd="0" destOrd="0" presId="urn:microsoft.com/office/officeart/2005/8/layout/process3"/>
-    <dgm:cxn modelId="{26758790-2B8C-4CB2-A82B-929F61C9A2D3}" type="presParOf" srcId="{B55D8734-200D-412B-AC2E-C4872D6C13EF}" destId="{014A0568-FE5B-4036-8E55-9365A9DF9A30}" srcOrd="1" destOrd="0" presId="urn:microsoft.com/office/officeart/2005/8/layout/process3"/>
-    <dgm:cxn modelId="{F1D7AD88-0E7E-4C41-912F-4B827C46E4AC}" type="presParOf" srcId="{B55D8734-200D-412B-AC2E-C4872D6C13EF}" destId="{85D8390D-9BB6-4160-99E3-E689A13C5A55}" srcOrd="2" destOrd="0" presId="urn:microsoft.com/office/officeart/2005/8/layout/process3"/>
-    <dgm:cxn modelId="{57D60216-EEA2-4786-AE36-5064A1ADE91E}" type="presParOf" srcId="{B38776A1-77C8-4DED-92B0-A17B088DC582}" destId="{A4FEFB91-8E74-41F4-84A7-C47A120C4EBA}" srcOrd="3" destOrd="0" presId="urn:microsoft.com/office/officeart/2005/8/layout/process3"/>
-    <dgm:cxn modelId="{DE8A2F0B-109B-483C-ABE6-54394D6AB277}" type="presParOf" srcId="{A4FEFB91-8E74-41F4-84A7-C47A120C4EBA}" destId="{2DF12E42-14D0-4033-8AA7-4B59FBFC88A6}" srcOrd="0" destOrd="0" presId="urn:microsoft.com/office/officeart/2005/8/layout/process3"/>
-    <dgm:cxn modelId="{73B44784-801F-4456-ABF6-9CF38E2A8C31}" type="presParOf" srcId="{B38776A1-77C8-4DED-92B0-A17B088DC582}" destId="{F9910D77-0C9A-4474-A986-6E761315C4B4}" srcOrd="4" destOrd="0" presId="urn:microsoft.com/office/officeart/2005/8/layout/process3"/>
-    <dgm:cxn modelId="{DF719439-F7DF-40FD-9DFD-61F4A8FBAADC}" type="presParOf" srcId="{F9910D77-0C9A-4474-A986-6E761315C4B4}" destId="{E9C1E495-F3EA-4920-897E-270A911A58A1}" srcOrd="0" destOrd="0" presId="urn:microsoft.com/office/officeart/2005/8/layout/process3"/>
-    <dgm:cxn modelId="{F75E06CE-B7B0-4762-BB95-FFEF1700FD10}" type="presParOf" srcId="{F9910D77-0C9A-4474-A986-6E761315C4B4}" destId="{C3CB5FD2-B531-4259-AAC0-875A1AB4982A}" srcOrd="1" destOrd="0" presId="urn:microsoft.com/office/officeart/2005/8/layout/process3"/>
-    <dgm:cxn modelId="{0C911F77-5ACB-4BA9-9A24-779A276BF9C1}" type="presParOf" srcId="{F9910D77-0C9A-4474-A986-6E761315C4B4}" destId="{18D039EA-F5BF-4FC0-83CF-C7A6821B3BB5}" srcOrd="2" destOrd="0" presId="urn:microsoft.com/office/officeart/2005/8/layout/process3"/>
   </dgm:cxnLst>
   <dgm:bg/>
   <dgm:whole/>
@@ -12196,1427 +9518,6 @@
       <dsp:txXfrm>
         <a:off x="54995" y="3606032"/>
         <a:ext cx="3777924" cy="1016579"/>
-      </dsp:txXfrm>
-    </dsp:sp>
-  </dsp:spTree>
-</dsp:drawing>
-</file>
-
-<file path=ppt/diagrams/drawing6.xml><?xml version="1.0" encoding="utf-8"?>
-<dsp:drawing xmlns:dgm="http://schemas.openxmlformats.org/drawingml/2006/diagram" xmlns:dsp="http://schemas.microsoft.com/office/drawing/2008/diagram" xmlns:a="http://schemas.openxmlformats.org/drawingml/2006/main">
-  <dsp:spTree>
-    <dsp:nvGrpSpPr>
-      <dsp:cNvPr id="0" name=""/>
-      <dsp:cNvGrpSpPr/>
-    </dsp:nvGrpSpPr>
-    <dsp:grpSpPr/>
-    <dsp:sp modelId="{C3910199-DAB9-4248-9A70-C226A6FE228D}">
-      <dsp:nvSpPr>
-        <dsp:cNvPr id="0" name=""/>
-        <dsp:cNvSpPr/>
-      </dsp:nvSpPr>
-      <dsp:spPr>
-        <a:xfrm>
-          <a:off x="8354153" y="972654"/>
-          <a:ext cx="2441547" cy="604800"/>
-        </a:xfrm>
-        <a:prstGeom prst="rect">
-          <a:avLst/>
-        </a:prstGeom>
-        <a:solidFill>
-          <a:schemeClr val="accent1">
-            <a:hueOff val="0"/>
-            <a:satOff val="0"/>
-            <a:lumOff val="0"/>
-            <a:alphaOff val="0"/>
-          </a:schemeClr>
-        </a:solidFill>
-        <a:ln w="25400" cap="flat" cmpd="sng" algn="ctr">
-          <a:solidFill>
-            <a:schemeClr val="accent1">
-              <a:hueOff val="0"/>
-              <a:satOff val="0"/>
-              <a:lumOff val="0"/>
-              <a:alphaOff val="0"/>
-            </a:schemeClr>
-          </a:solidFill>
-          <a:prstDash val="solid"/>
-        </a:ln>
-        <a:effectLst/>
-      </dsp:spPr>
-      <dsp:style>
-        <a:lnRef idx="2">
-          <a:scrgbClr r="0" g="0" b="0"/>
-        </a:lnRef>
-        <a:fillRef idx="1">
-          <a:scrgbClr r="0" g="0" b="0"/>
-        </a:fillRef>
-        <a:effectRef idx="0">
-          <a:scrgbClr r="0" g="0" b="0"/>
-        </a:effectRef>
-        <a:fontRef idx="minor">
-          <a:schemeClr val="lt1"/>
-        </a:fontRef>
-      </dsp:style>
-      <dsp:txBody>
-        <a:bodyPr spcFirstLastPara="0" vert="horz" wrap="square" lIns="149352" tIns="85344" rIns="149352" bIns="85344" numCol="1" spcCol="1270" anchor="ctr" anchorCtr="0">
-          <a:noAutofit/>
-        </a:bodyPr>
-        <a:lstStyle/>
-        <a:p>
-          <a:pPr marL="0" lvl="0" indent="0" algn="ctr" defTabSz="933450">
-            <a:lnSpc>
-              <a:spcPct val="90000"/>
-            </a:lnSpc>
-            <a:spcBef>
-              <a:spcPct val="0"/>
-            </a:spcBef>
-            <a:spcAft>
-              <a:spcPct val="35000"/>
-            </a:spcAft>
-            <a:buNone/>
-          </a:pPr>
-          <a:r>
-            <a:rPr lang="en-US" sz="2100" kern="1200" dirty="0"/>
-            <a:t>Production Data</a:t>
-          </a:r>
-        </a:p>
-      </dsp:txBody>
-      <dsp:txXfrm>
-        <a:off x="8354153" y="972654"/>
-        <a:ext cx="2441547" cy="604800"/>
-      </dsp:txXfrm>
-    </dsp:sp>
-    <dsp:sp modelId="{F22C8396-D058-45C8-AB74-8E52658ABC03}">
-      <dsp:nvSpPr>
-        <dsp:cNvPr id="0" name=""/>
-        <dsp:cNvSpPr/>
-      </dsp:nvSpPr>
-      <dsp:spPr>
-        <a:xfrm>
-          <a:off x="8354153" y="1577454"/>
-          <a:ext cx="2441547" cy="1634776"/>
-        </a:xfrm>
-        <a:prstGeom prst="rect">
-          <a:avLst/>
-        </a:prstGeom>
-        <a:solidFill>
-          <a:schemeClr val="accent1">
-            <a:alpha val="90000"/>
-            <a:tint val="40000"/>
-            <a:hueOff val="0"/>
-            <a:satOff val="0"/>
-            <a:lumOff val="0"/>
-            <a:alphaOff val="0"/>
-          </a:schemeClr>
-        </a:solidFill>
-        <a:ln w="25400" cap="flat" cmpd="sng" algn="ctr">
-          <a:solidFill>
-            <a:schemeClr val="accent1">
-              <a:alpha val="90000"/>
-              <a:tint val="40000"/>
-              <a:hueOff val="0"/>
-              <a:satOff val="0"/>
-              <a:lumOff val="0"/>
-              <a:alphaOff val="0"/>
-            </a:schemeClr>
-          </a:solidFill>
-          <a:prstDash val="solid"/>
-        </a:ln>
-        <a:effectLst/>
-      </dsp:spPr>
-      <dsp:style>
-        <a:lnRef idx="2">
-          <a:scrgbClr r="0" g="0" b="0"/>
-        </a:lnRef>
-        <a:fillRef idx="1">
-          <a:scrgbClr r="0" g="0" b="0"/>
-        </a:fillRef>
-        <a:effectRef idx="0">
-          <a:scrgbClr r="0" g="0" b="0"/>
-        </a:effectRef>
-        <a:fontRef idx="minor"/>
-      </dsp:style>
-      <dsp:txBody>
-        <a:bodyPr spcFirstLastPara="0" vert="horz" wrap="square" lIns="112014" tIns="112014" rIns="149352" bIns="168021" numCol="1" spcCol="1270" anchor="t" anchorCtr="0">
-          <a:noAutofit/>
-        </a:bodyPr>
-        <a:lstStyle/>
-        <a:p>
-          <a:pPr marL="228600" lvl="1" indent="-228600" algn="l" defTabSz="933450">
-            <a:lnSpc>
-              <a:spcPct val="90000"/>
-            </a:lnSpc>
-            <a:spcBef>
-              <a:spcPct val="0"/>
-            </a:spcBef>
-            <a:spcAft>
-              <a:spcPct val="15000"/>
-            </a:spcAft>
-            <a:buChar char="•"/>
-          </a:pPr>
-          <a:r>
-            <a:rPr lang="en-US" sz="2100" kern="1200" dirty="0"/>
-            <a:t>Supports the business needs</a:t>
-          </a:r>
-        </a:p>
-      </dsp:txBody>
-      <dsp:txXfrm>
-        <a:off x="8354153" y="1577454"/>
-        <a:ext cx="2441547" cy="1634776"/>
-      </dsp:txXfrm>
-    </dsp:sp>
-    <dsp:sp modelId="{9F2AFA3C-BCEA-4AA5-921C-E3D53CF66A4A}">
-      <dsp:nvSpPr>
-        <dsp:cNvPr id="0" name=""/>
-        <dsp:cNvSpPr/>
-      </dsp:nvSpPr>
-      <dsp:spPr>
-        <a:xfrm>
-          <a:off x="5570789" y="972654"/>
-          <a:ext cx="2441547" cy="604800"/>
-        </a:xfrm>
-        <a:prstGeom prst="rect">
-          <a:avLst/>
-        </a:prstGeom>
-        <a:solidFill>
-          <a:schemeClr val="accent1">
-            <a:hueOff val="0"/>
-            <a:satOff val="0"/>
-            <a:lumOff val="0"/>
-            <a:alphaOff val="0"/>
-          </a:schemeClr>
-        </a:solidFill>
-        <a:ln w="25400" cap="flat" cmpd="sng" algn="ctr">
-          <a:solidFill>
-            <a:schemeClr val="accent1">
-              <a:hueOff val="0"/>
-              <a:satOff val="0"/>
-              <a:lumOff val="0"/>
-              <a:alphaOff val="0"/>
-            </a:schemeClr>
-          </a:solidFill>
-          <a:prstDash val="solid"/>
-        </a:ln>
-        <a:effectLst/>
-      </dsp:spPr>
-      <dsp:style>
-        <a:lnRef idx="2">
-          <a:scrgbClr r="0" g="0" b="0"/>
-        </a:lnRef>
-        <a:fillRef idx="1">
-          <a:scrgbClr r="0" g="0" b="0"/>
-        </a:fillRef>
-        <a:effectRef idx="0">
-          <a:scrgbClr r="0" g="0" b="0"/>
-        </a:effectRef>
-        <a:fontRef idx="minor">
-          <a:schemeClr val="lt1"/>
-        </a:fontRef>
-      </dsp:style>
-      <dsp:txBody>
-        <a:bodyPr spcFirstLastPara="0" vert="horz" wrap="square" lIns="149352" tIns="85344" rIns="149352" bIns="85344" numCol="1" spcCol="1270" anchor="ctr" anchorCtr="0">
-          <a:noAutofit/>
-        </a:bodyPr>
-        <a:lstStyle/>
-        <a:p>
-          <a:pPr marL="0" lvl="0" indent="0" algn="ctr" defTabSz="933450">
-            <a:lnSpc>
-              <a:spcPct val="90000"/>
-            </a:lnSpc>
-            <a:spcBef>
-              <a:spcPct val="0"/>
-            </a:spcBef>
-            <a:spcAft>
-              <a:spcPct val="35000"/>
-            </a:spcAft>
-            <a:buNone/>
-          </a:pPr>
-          <a:r>
-            <a:rPr lang="en-US" sz="2100" kern="1200" dirty="0"/>
-            <a:t>Pre-Production</a:t>
-          </a:r>
-        </a:p>
-      </dsp:txBody>
-      <dsp:txXfrm>
-        <a:off x="5570789" y="972654"/>
-        <a:ext cx="2441547" cy="604800"/>
-      </dsp:txXfrm>
-    </dsp:sp>
-    <dsp:sp modelId="{24995B6E-B236-4A69-90DC-931748AE13A1}">
-      <dsp:nvSpPr>
-        <dsp:cNvPr id="0" name=""/>
-        <dsp:cNvSpPr/>
-      </dsp:nvSpPr>
-      <dsp:spPr>
-        <a:xfrm>
-          <a:off x="5570789" y="1577454"/>
-          <a:ext cx="2441547" cy="1634776"/>
-        </a:xfrm>
-        <a:prstGeom prst="rect">
-          <a:avLst/>
-        </a:prstGeom>
-        <a:solidFill>
-          <a:schemeClr val="accent1">
-            <a:alpha val="90000"/>
-            <a:tint val="40000"/>
-            <a:hueOff val="0"/>
-            <a:satOff val="0"/>
-            <a:lumOff val="0"/>
-            <a:alphaOff val="0"/>
-          </a:schemeClr>
-        </a:solidFill>
-        <a:ln w="25400" cap="flat" cmpd="sng" algn="ctr">
-          <a:solidFill>
-            <a:schemeClr val="accent1">
-              <a:alpha val="90000"/>
-              <a:tint val="40000"/>
-              <a:hueOff val="0"/>
-              <a:satOff val="0"/>
-              <a:lumOff val="0"/>
-              <a:alphaOff val="0"/>
-            </a:schemeClr>
-          </a:solidFill>
-          <a:prstDash val="solid"/>
-        </a:ln>
-        <a:effectLst/>
-      </dsp:spPr>
-      <dsp:style>
-        <a:lnRef idx="2">
-          <a:scrgbClr r="0" g="0" b="0"/>
-        </a:lnRef>
-        <a:fillRef idx="1">
-          <a:scrgbClr r="0" g="0" b="0"/>
-        </a:fillRef>
-        <a:effectRef idx="0">
-          <a:scrgbClr r="0" g="0" b="0"/>
-        </a:effectRef>
-        <a:fontRef idx="minor"/>
-      </dsp:style>
-      <dsp:txBody>
-        <a:bodyPr spcFirstLastPara="0" vert="horz" wrap="square" lIns="112014" tIns="112014" rIns="149352" bIns="168021" numCol="1" spcCol="1270" anchor="t" anchorCtr="0">
-          <a:noAutofit/>
-        </a:bodyPr>
-        <a:lstStyle/>
-        <a:p>
-          <a:pPr marL="228600" lvl="1" indent="-228600" algn="l" defTabSz="933450">
-            <a:lnSpc>
-              <a:spcPct val="90000"/>
-            </a:lnSpc>
-            <a:spcBef>
-              <a:spcPct val="0"/>
-            </a:spcBef>
-            <a:spcAft>
-              <a:spcPct val="15000"/>
-            </a:spcAft>
-            <a:buChar char="•"/>
-          </a:pPr>
-          <a:r>
-            <a:rPr lang="en-US" sz="2100" kern="1200" dirty="0"/>
-            <a:t>User Acceptance Testing and signoff</a:t>
-          </a:r>
-        </a:p>
-      </dsp:txBody>
-      <dsp:txXfrm>
-        <a:off x="5570789" y="1577454"/>
-        <a:ext cx="2441547" cy="1634776"/>
-      </dsp:txXfrm>
-    </dsp:sp>
-    <dsp:sp modelId="{71BB2AD6-1061-4CBC-97FA-86FF2F152B95}">
-      <dsp:nvSpPr>
-        <dsp:cNvPr id="0" name=""/>
-        <dsp:cNvSpPr/>
-      </dsp:nvSpPr>
-      <dsp:spPr>
-        <a:xfrm>
-          <a:off x="2787424" y="972654"/>
-          <a:ext cx="2441547" cy="604800"/>
-        </a:xfrm>
-        <a:prstGeom prst="rect">
-          <a:avLst/>
-        </a:prstGeom>
-        <a:solidFill>
-          <a:schemeClr val="accent1">
-            <a:hueOff val="0"/>
-            <a:satOff val="0"/>
-            <a:lumOff val="0"/>
-            <a:alphaOff val="0"/>
-          </a:schemeClr>
-        </a:solidFill>
-        <a:ln w="25400" cap="flat" cmpd="sng" algn="ctr">
-          <a:solidFill>
-            <a:schemeClr val="accent1">
-              <a:hueOff val="0"/>
-              <a:satOff val="0"/>
-              <a:lumOff val="0"/>
-              <a:alphaOff val="0"/>
-            </a:schemeClr>
-          </a:solidFill>
-          <a:prstDash val="solid"/>
-        </a:ln>
-        <a:effectLst/>
-      </dsp:spPr>
-      <dsp:style>
-        <a:lnRef idx="2">
-          <a:scrgbClr r="0" g="0" b="0"/>
-        </a:lnRef>
-        <a:fillRef idx="1">
-          <a:scrgbClr r="0" g="0" b="0"/>
-        </a:fillRef>
-        <a:effectRef idx="0">
-          <a:scrgbClr r="0" g="0" b="0"/>
-        </a:effectRef>
-        <a:fontRef idx="minor">
-          <a:schemeClr val="lt1"/>
-        </a:fontRef>
-      </dsp:style>
-      <dsp:txBody>
-        <a:bodyPr spcFirstLastPara="0" vert="horz" wrap="square" lIns="149352" tIns="85344" rIns="149352" bIns="85344" numCol="1" spcCol="1270" anchor="ctr" anchorCtr="0">
-          <a:noAutofit/>
-        </a:bodyPr>
-        <a:lstStyle/>
-        <a:p>
-          <a:pPr marL="0" lvl="0" indent="0" algn="ctr" defTabSz="933450">
-            <a:lnSpc>
-              <a:spcPct val="90000"/>
-            </a:lnSpc>
-            <a:spcBef>
-              <a:spcPct val="0"/>
-            </a:spcBef>
-            <a:spcAft>
-              <a:spcPct val="35000"/>
-            </a:spcAft>
-            <a:buNone/>
-          </a:pPr>
-          <a:r>
-            <a:rPr lang="en-US" sz="2100" kern="1200" dirty="0"/>
-            <a:t>Testing</a:t>
-          </a:r>
-        </a:p>
-      </dsp:txBody>
-      <dsp:txXfrm>
-        <a:off x="2787424" y="972654"/>
-        <a:ext cx="2441547" cy="604800"/>
-      </dsp:txXfrm>
-    </dsp:sp>
-    <dsp:sp modelId="{1AF36EDE-EA35-4AC5-9D84-A1A37487293A}">
-      <dsp:nvSpPr>
-        <dsp:cNvPr id="0" name=""/>
-        <dsp:cNvSpPr/>
-      </dsp:nvSpPr>
-      <dsp:spPr>
-        <a:xfrm>
-          <a:off x="2787424" y="1577454"/>
-          <a:ext cx="2441547" cy="1634776"/>
-        </a:xfrm>
-        <a:prstGeom prst="rect">
-          <a:avLst/>
-        </a:prstGeom>
-        <a:solidFill>
-          <a:schemeClr val="accent1">
-            <a:alpha val="90000"/>
-            <a:tint val="40000"/>
-            <a:hueOff val="0"/>
-            <a:satOff val="0"/>
-            <a:lumOff val="0"/>
-            <a:alphaOff val="0"/>
-          </a:schemeClr>
-        </a:solidFill>
-        <a:ln w="25400" cap="flat" cmpd="sng" algn="ctr">
-          <a:solidFill>
-            <a:schemeClr val="accent1">
-              <a:alpha val="90000"/>
-              <a:tint val="40000"/>
-              <a:hueOff val="0"/>
-              <a:satOff val="0"/>
-              <a:lumOff val="0"/>
-              <a:alphaOff val="0"/>
-            </a:schemeClr>
-          </a:solidFill>
-          <a:prstDash val="solid"/>
-        </a:ln>
-        <a:effectLst/>
-      </dsp:spPr>
-      <dsp:style>
-        <a:lnRef idx="2">
-          <a:scrgbClr r="0" g="0" b="0"/>
-        </a:lnRef>
-        <a:fillRef idx="1">
-          <a:scrgbClr r="0" g="0" b="0"/>
-        </a:fillRef>
-        <a:effectRef idx="0">
-          <a:scrgbClr r="0" g="0" b="0"/>
-        </a:effectRef>
-        <a:fontRef idx="minor"/>
-      </dsp:style>
-      <dsp:txBody>
-        <a:bodyPr spcFirstLastPara="0" vert="horz" wrap="square" lIns="112014" tIns="112014" rIns="149352" bIns="168021" numCol="1" spcCol="1270" anchor="t" anchorCtr="0">
-          <a:noAutofit/>
-        </a:bodyPr>
-        <a:lstStyle/>
-        <a:p>
-          <a:pPr marL="228600" lvl="1" indent="-228600" algn="l" defTabSz="933450">
-            <a:lnSpc>
-              <a:spcPct val="90000"/>
-            </a:lnSpc>
-            <a:spcBef>
-              <a:spcPct val="0"/>
-            </a:spcBef>
-            <a:spcAft>
-              <a:spcPct val="15000"/>
-            </a:spcAft>
-            <a:buChar char="•"/>
-          </a:pPr>
-          <a:r>
-            <a:rPr lang="en-US" sz="2100" kern="1200" dirty="0"/>
-            <a:t>Integration Testing</a:t>
-          </a:r>
-        </a:p>
-        <a:p>
-          <a:pPr marL="228600" lvl="1" indent="-228600" algn="l" defTabSz="933450">
-            <a:lnSpc>
-              <a:spcPct val="90000"/>
-            </a:lnSpc>
-            <a:spcBef>
-              <a:spcPct val="0"/>
-            </a:spcBef>
-            <a:spcAft>
-              <a:spcPct val="15000"/>
-            </a:spcAft>
-            <a:buChar char="•"/>
-          </a:pPr>
-          <a:r>
-            <a:rPr lang="en-US" sz="2100" kern="1200" dirty="0"/>
-            <a:t>Performance Testing</a:t>
-          </a:r>
-        </a:p>
-      </dsp:txBody>
-      <dsp:txXfrm>
-        <a:off x="2787424" y="1577454"/>
-        <a:ext cx="2441547" cy="1634776"/>
-      </dsp:txXfrm>
-    </dsp:sp>
-    <dsp:sp modelId="{8768BCA0-CDA5-4D3B-8C0C-9377A2B3F700}">
-      <dsp:nvSpPr>
-        <dsp:cNvPr id="0" name=""/>
-        <dsp:cNvSpPr/>
-      </dsp:nvSpPr>
-      <dsp:spPr>
-        <a:xfrm>
-          <a:off x="4060" y="972654"/>
-          <a:ext cx="2441547" cy="604800"/>
-        </a:xfrm>
-        <a:prstGeom prst="rect">
-          <a:avLst/>
-        </a:prstGeom>
-        <a:solidFill>
-          <a:schemeClr val="accent1">
-            <a:hueOff val="0"/>
-            <a:satOff val="0"/>
-            <a:lumOff val="0"/>
-            <a:alphaOff val="0"/>
-          </a:schemeClr>
-        </a:solidFill>
-        <a:ln w="25400" cap="flat" cmpd="sng" algn="ctr">
-          <a:solidFill>
-            <a:schemeClr val="accent1">
-              <a:hueOff val="0"/>
-              <a:satOff val="0"/>
-              <a:lumOff val="0"/>
-              <a:alphaOff val="0"/>
-            </a:schemeClr>
-          </a:solidFill>
-          <a:prstDash val="solid"/>
-        </a:ln>
-        <a:effectLst/>
-      </dsp:spPr>
-      <dsp:style>
-        <a:lnRef idx="2">
-          <a:scrgbClr r="0" g="0" b="0"/>
-        </a:lnRef>
-        <a:fillRef idx="1">
-          <a:scrgbClr r="0" g="0" b="0"/>
-        </a:fillRef>
-        <a:effectRef idx="0">
-          <a:scrgbClr r="0" g="0" b="0"/>
-        </a:effectRef>
-        <a:fontRef idx="minor">
-          <a:schemeClr val="lt1"/>
-        </a:fontRef>
-      </dsp:style>
-      <dsp:txBody>
-        <a:bodyPr spcFirstLastPara="0" vert="horz" wrap="square" lIns="149352" tIns="85344" rIns="149352" bIns="85344" numCol="1" spcCol="1270" anchor="ctr" anchorCtr="0">
-          <a:noAutofit/>
-        </a:bodyPr>
-        <a:lstStyle/>
-        <a:p>
-          <a:pPr marL="0" lvl="0" indent="0" algn="ctr" defTabSz="933450">
-            <a:lnSpc>
-              <a:spcPct val="90000"/>
-            </a:lnSpc>
-            <a:spcBef>
-              <a:spcPct val="0"/>
-            </a:spcBef>
-            <a:spcAft>
-              <a:spcPct val="35000"/>
-            </a:spcAft>
-            <a:buNone/>
-          </a:pPr>
-          <a:r>
-            <a:rPr lang="en-US" sz="2100" kern="1200" dirty="0"/>
-            <a:t>Development</a:t>
-          </a:r>
-        </a:p>
-      </dsp:txBody>
-      <dsp:txXfrm>
-        <a:off x="4060" y="972654"/>
-        <a:ext cx="2441547" cy="604800"/>
-      </dsp:txXfrm>
-    </dsp:sp>
-    <dsp:sp modelId="{FA21FADF-8C24-450C-906F-E14F77C95D2C}">
-      <dsp:nvSpPr>
-        <dsp:cNvPr id="0" name=""/>
-        <dsp:cNvSpPr/>
-      </dsp:nvSpPr>
-      <dsp:spPr>
-        <a:xfrm>
-          <a:off x="4060" y="1577454"/>
-          <a:ext cx="2441547" cy="1634776"/>
-        </a:xfrm>
-        <a:prstGeom prst="rect">
-          <a:avLst/>
-        </a:prstGeom>
-        <a:solidFill>
-          <a:schemeClr val="accent1">
-            <a:alpha val="90000"/>
-            <a:tint val="40000"/>
-            <a:hueOff val="0"/>
-            <a:satOff val="0"/>
-            <a:lumOff val="0"/>
-            <a:alphaOff val="0"/>
-          </a:schemeClr>
-        </a:solidFill>
-        <a:ln w="25400" cap="flat" cmpd="sng" algn="ctr">
-          <a:solidFill>
-            <a:schemeClr val="accent1">
-              <a:alpha val="90000"/>
-              <a:tint val="40000"/>
-              <a:hueOff val="0"/>
-              <a:satOff val="0"/>
-              <a:lumOff val="0"/>
-              <a:alphaOff val="0"/>
-            </a:schemeClr>
-          </a:solidFill>
-          <a:prstDash val="solid"/>
-        </a:ln>
-        <a:effectLst/>
-      </dsp:spPr>
-      <dsp:style>
-        <a:lnRef idx="2">
-          <a:scrgbClr r="0" g="0" b="0"/>
-        </a:lnRef>
-        <a:fillRef idx="1">
-          <a:scrgbClr r="0" g="0" b="0"/>
-        </a:fillRef>
-        <a:effectRef idx="0">
-          <a:scrgbClr r="0" g="0" b="0"/>
-        </a:effectRef>
-        <a:fontRef idx="minor"/>
-      </dsp:style>
-      <dsp:txBody>
-        <a:bodyPr spcFirstLastPara="0" vert="horz" wrap="square" lIns="112014" tIns="112014" rIns="149352" bIns="168021" numCol="1" spcCol="1270" anchor="t" anchorCtr="0">
-          <a:noAutofit/>
-        </a:bodyPr>
-        <a:lstStyle/>
-        <a:p>
-          <a:pPr marL="228600" lvl="1" indent="-228600" algn="l" defTabSz="933450">
-            <a:lnSpc>
-              <a:spcPct val="90000"/>
-            </a:lnSpc>
-            <a:spcBef>
-              <a:spcPct val="0"/>
-            </a:spcBef>
-            <a:spcAft>
-              <a:spcPct val="15000"/>
-            </a:spcAft>
-            <a:buChar char="•"/>
-          </a:pPr>
-          <a:r>
-            <a:rPr lang="en-US" sz="2100" kern="1200" dirty="0"/>
-            <a:t>Experimentation</a:t>
-          </a:r>
-        </a:p>
-        <a:p>
-          <a:pPr marL="228600" lvl="1" indent="-228600" algn="l" defTabSz="933450">
-            <a:lnSpc>
-              <a:spcPct val="90000"/>
-            </a:lnSpc>
-            <a:spcBef>
-              <a:spcPct val="0"/>
-            </a:spcBef>
-            <a:spcAft>
-              <a:spcPct val="15000"/>
-            </a:spcAft>
-            <a:buChar char="•"/>
-          </a:pPr>
-          <a:r>
-            <a:rPr lang="en-US" sz="2100" kern="1200" dirty="0"/>
-            <a:t>Unit Testing</a:t>
-          </a:r>
-        </a:p>
-        <a:p>
-          <a:pPr marL="228600" lvl="1" indent="-228600" algn="l" defTabSz="933450">
-            <a:lnSpc>
-              <a:spcPct val="90000"/>
-            </a:lnSpc>
-            <a:spcBef>
-              <a:spcPct val="0"/>
-            </a:spcBef>
-            <a:spcAft>
-              <a:spcPct val="15000"/>
-            </a:spcAft>
-            <a:buChar char="•"/>
-          </a:pPr>
-          <a:r>
-            <a:rPr lang="en-US" sz="2100" kern="1200" dirty="0"/>
-            <a:t>Code Work</a:t>
-          </a:r>
-        </a:p>
-      </dsp:txBody>
-      <dsp:txXfrm>
-        <a:off x="4060" y="1577454"/>
-        <a:ext cx="2441547" cy="1634776"/>
-      </dsp:txXfrm>
-    </dsp:sp>
-  </dsp:spTree>
-</dsp:drawing>
-</file>
-
-<file path=ppt/diagrams/drawing7.xml><?xml version="1.0" encoding="utf-8"?>
-<dsp:drawing xmlns:dgm="http://schemas.openxmlformats.org/drawingml/2006/diagram" xmlns:dsp="http://schemas.microsoft.com/office/drawing/2008/diagram" xmlns:a="http://schemas.openxmlformats.org/drawingml/2006/main">
-  <dsp:spTree>
-    <dsp:nvGrpSpPr>
-      <dsp:cNvPr id="0" name=""/>
-      <dsp:cNvGrpSpPr/>
-    </dsp:nvGrpSpPr>
-    <dsp:grpSpPr/>
-    <dsp:sp modelId="{761C6F8B-D976-4CF9-867D-146003D3D54D}">
-      <dsp:nvSpPr>
-        <dsp:cNvPr id="0" name=""/>
-        <dsp:cNvSpPr/>
-      </dsp:nvSpPr>
-      <dsp:spPr>
-        <a:xfrm>
-          <a:off x="8293254" y="474012"/>
-          <a:ext cx="2442286" cy="1036799"/>
-        </a:xfrm>
-        <a:prstGeom prst="roundRect">
-          <a:avLst>
-            <a:gd name="adj" fmla="val 10000"/>
-          </a:avLst>
-        </a:prstGeom>
-        <a:solidFill>
-          <a:schemeClr val="accent1">
-            <a:hueOff val="0"/>
-            <a:satOff val="0"/>
-            <a:lumOff val="0"/>
-            <a:alphaOff val="0"/>
-          </a:schemeClr>
-        </a:solidFill>
-        <a:ln w="25400" cap="flat" cmpd="sng" algn="ctr">
-          <a:solidFill>
-            <a:schemeClr val="lt1">
-              <a:hueOff val="0"/>
-              <a:satOff val="0"/>
-              <a:lumOff val="0"/>
-              <a:alphaOff val="0"/>
-            </a:schemeClr>
-          </a:solidFill>
-          <a:prstDash val="solid"/>
-        </a:ln>
-        <a:effectLst/>
-      </dsp:spPr>
-      <dsp:style>
-        <a:lnRef idx="2">
-          <a:scrgbClr r="0" g="0" b="0"/>
-        </a:lnRef>
-        <a:fillRef idx="1">
-          <a:scrgbClr r="0" g="0" b="0"/>
-        </a:fillRef>
-        <a:effectRef idx="0">
-          <a:scrgbClr r="0" g="0" b="0"/>
-        </a:effectRef>
-        <a:fontRef idx="minor">
-          <a:schemeClr val="lt1"/>
-        </a:fontRef>
-      </dsp:style>
-      <dsp:txBody>
-        <a:bodyPr spcFirstLastPara="0" vert="horz" wrap="square" lIns="170688" tIns="170688" rIns="170688" bIns="91440" numCol="1" spcCol="1270" anchor="t" anchorCtr="0">
-          <a:noAutofit/>
-        </a:bodyPr>
-        <a:lstStyle/>
-        <a:p>
-          <a:pPr marL="0" lvl="0" indent="0" algn="l" defTabSz="1066800">
-            <a:lnSpc>
-              <a:spcPct val="90000"/>
-            </a:lnSpc>
-            <a:spcBef>
-              <a:spcPct val="0"/>
-            </a:spcBef>
-            <a:spcAft>
-              <a:spcPct val="35000"/>
-            </a:spcAft>
-            <a:buNone/>
-          </a:pPr>
-          <a:r>
-            <a:rPr lang="en-US" sz="2400" kern="1200" dirty="0"/>
-            <a:t>Production Like</a:t>
-          </a:r>
-        </a:p>
-      </dsp:txBody>
-      <dsp:txXfrm>
-        <a:off x="8352104" y="474012"/>
-        <a:ext cx="2442286" cy="691200"/>
-      </dsp:txXfrm>
-    </dsp:sp>
-    <dsp:sp modelId="{5A45E9CE-A5DB-4A5F-936A-14159818732A}">
-      <dsp:nvSpPr>
-        <dsp:cNvPr id="0" name=""/>
-        <dsp:cNvSpPr/>
-      </dsp:nvSpPr>
-      <dsp:spPr>
-        <a:xfrm>
-          <a:off x="7851877" y="1165212"/>
-          <a:ext cx="2442286" cy="3207600"/>
-        </a:xfrm>
-        <a:prstGeom prst="roundRect">
-          <a:avLst>
-            <a:gd name="adj" fmla="val 10000"/>
-          </a:avLst>
-        </a:prstGeom>
-        <a:solidFill>
-          <a:schemeClr val="lt1">
-            <a:alpha val="90000"/>
-            <a:hueOff val="0"/>
-            <a:satOff val="0"/>
-            <a:lumOff val="0"/>
-            <a:alphaOff val="0"/>
-          </a:schemeClr>
-        </a:solidFill>
-        <a:ln w="25400" cap="flat" cmpd="sng" algn="ctr">
-          <a:solidFill>
-            <a:schemeClr val="accent1">
-              <a:hueOff val="0"/>
-              <a:satOff val="0"/>
-              <a:lumOff val="0"/>
-              <a:alphaOff val="0"/>
-            </a:schemeClr>
-          </a:solidFill>
-          <a:prstDash val="solid"/>
-        </a:ln>
-        <a:effectLst/>
-      </dsp:spPr>
-      <dsp:style>
-        <a:lnRef idx="2">
-          <a:scrgbClr r="0" g="0" b="0"/>
-        </a:lnRef>
-        <a:fillRef idx="1">
-          <a:scrgbClr r="0" g="0" b="0"/>
-        </a:fillRef>
-        <a:effectRef idx="0">
-          <a:scrgbClr r="0" g="0" b="0"/>
-        </a:effectRef>
-        <a:fontRef idx="minor"/>
-      </dsp:style>
-      <dsp:txBody>
-        <a:bodyPr spcFirstLastPara="0" vert="horz" wrap="square" lIns="170688" tIns="170688" rIns="170688" bIns="170688" numCol="1" spcCol="1270" anchor="t" anchorCtr="0">
-          <a:noAutofit/>
-        </a:bodyPr>
-        <a:lstStyle/>
-        <a:p>
-          <a:pPr marL="228600" lvl="1" indent="-228600" algn="l" defTabSz="1066800">
-            <a:lnSpc>
-              <a:spcPct val="90000"/>
-            </a:lnSpc>
-            <a:spcBef>
-              <a:spcPct val="0"/>
-            </a:spcBef>
-            <a:spcAft>
-              <a:spcPct val="15000"/>
-            </a:spcAft>
-            <a:buChar char="•"/>
-          </a:pPr>
-          <a:r>
-            <a:rPr lang="en-US" sz="2400" kern="1200" dirty="0"/>
-            <a:t>Full Size Dataset</a:t>
-          </a:r>
-        </a:p>
-        <a:p>
-          <a:pPr marL="228600" lvl="1" indent="-228600" algn="l" defTabSz="1066800">
-            <a:lnSpc>
-              <a:spcPct val="90000"/>
-            </a:lnSpc>
-            <a:spcBef>
-              <a:spcPct val="0"/>
-            </a:spcBef>
-            <a:spcAft>
-              <a:spcPct val="15000"/>
-            </a:spcAft>
-            <a:buChar char="•"/>
-          </a:pPr>
-          <a:r>
-            <a:rPr lang="en-US" sz="2400" kern="1200" dirty="0"/>
-            <a:t>Controlled Environment</a:t>
-          </a:r>
-        </a:p>
-        <a:p>
-          <a:pPr marL="228600" lvl="1" indent="-228600" algn="l" defTabSz="1066800">
-            <a:lnSpc>
-              <a:spcPct val="90000"/>
-            </a:lnSpc>
-            <a:spcBef>
-              <a:spcPct val="0"/>
-            </a:spcBef>
-            <a:spcAft>
-              <a:spcPct val="15000"/>
-            </a:spcAft>
-            <a:buChar char="•"/>
-          </a:pPr>
-          <a:r>
-            <a:rPr lang="en-US" sz="2400" kern="1200" dirty="0"/>
-            <a:t>Confidential Data</a:t>
-          </a:r>
-        </a:p>
-      </dsp:txBody>
-      <dsp:txXfrm>
-        <a:off x="7923409" y="1236744"/>
-        <a:ext cx="2299222" cy="3064536"/>
-      </dsp:txXfrm>
-    </dsp:sp>
-    <dsp:sp modelId="{CD1C9813-8B8D-4618-9CA3-24061E01F87D}">
-      <dsp:nvSpPr>
-        <dsp:cNvPr id="0" name=""/>
-        <dsp:cNvSpPr/>
-      </dsp:nvSpPr>
-      <dsp:spPr>
-        <a:xfrm rot="10800000">
-          <a:off x="7196950" y="515583"/>
-          <a:ext cx="784912" cy="608058"/>
-        </a:xfrm>
-        <a:prstGeom prst="rightArrow">
-          <a:avLst>
-            <a:gd name="adj1" fmla="val 60000"/>
-            <a:gd name="adj2" fmla="val 50000"/>
-          </a:avLst>
-        </a:prstGeom>
-        <a:solidFill>
-          <a:schemeClr val="accent1">
-            <a:tint val="60000"/>
-            <a:hueOff val="0"/>
-            <a:satOff val="0"/>
-            <a:lumOff val="0"/>
-            <a:alphaOff val="0"/>
-          </a:schemeClr>
-        </a:solidFill>
-        <a:ln>
-          <a:noFill/>
-        </a:ln>
-        <a:effectLst/>
-      </dsp:spPr>
-      <dsp:style>
-        <a:lnRef idx="0">
-          <a:scrgbClr r="0" g="0" b="0"/>
-        </a:lnRef>
-        <a:fillRef idx="1">
-          <a:scrgbClr r="0" g="0" b="0"/>
-        </a:fillRef>
-        <a:effectRef idx="0">
-          <a:scrgbClr r="0" g="0" b="0"/>
-        </a:effectRef>
-        <a:fontRef idx="minor">
-          <a:schemeClr val="lt1"/>
-        </a:fontRef>
-      </dsp:style>
-      <dsp:txBody>
-        <a:bodyPr spcFirstLastPara="0" vert="horz" wrap="square" lIns="0" tIns="0" rIns="0" bIns="0" numCol="1" spcCol="1270" anchor="ctr" anchorCtr="0">
-          <a:noAutofit/>
-        </a:bodyPr>
-        <a:lstStyle/>
-        <a:p>
-          <a:pPr marL="0" lvl="0" indent="0" algn="ctr" defTabSz="844550">
-            <a:lnSpc>
-              <a:spcPct val="90000"/>
-            </a:lnSpc>
-            <a:spcBef>
-              <a:spcPct val="0"/>
-            </a:spcBef>
-            <a:spcAft>
-              <a:spcPct val="35000"/>
-            </a:spcAft>
-            <a:buNone/>
-          </a:pPr>
-          <a:endParaRPr lang="en-US" sz="1900" kern="1200"/>
-        </a:p>
-      </dsp:txBody>
-      <dsp:txXfrm rot="10800000">
-        <a:off x="7379367" y="637195"/>
-        <a:ext cx="602495" cy="364834"/>
-      </dsp:txXfrm>
-    </dsp:sp>
-    <dsp:sp modelId="{014A0568-FE5B-4036-8E55-9365A9DF9A30}">
-      <dsp:nvSpPr>
-        <dsp:cNvPr id="0" name=""/>
-        <dsp:cNvSpPr/>
-      </dsp:nvSpPr>
-      <dsp:spPr>
-        <a:xfrm>
-          <a:off x="4370001" y="474012"/>
-          <a:ext cx="2442286" cy="1036799"/>
-        </a:xfrm>
-        <a:prstGeom prst="roundRect">
-          <a:avLst>
-            <a:gd name="adj" fmla="val 10000"/>
-          </a:avLst>
-        </a:prstGeom>
-        <a:solidFill>
-          <a:schemeClr val="accent1">
-            <a:hueOff val="0"/>
-            <a:satOff val="0"/>
-            <a:lumOff val="0"/>
-            <a:alphaOff val="0"/>
-          </a:schemeClr>
-        </a:solidFill>
-        <a:ln w="25400" cap="flat" cmpd="sng" algn="ctr">
-          <a:solidFill>
-            <a:schemeClr val="lt1">
-              <a:hueOff val="0"/>
-              <a:satOff val="0"/>
-              <a:lumOff val="0"/>
-              <a:alphaOff val="0"/>
-            </a:schemeClr>
-          </a:solidFill>
-          <a:prstDash val="solid"/>
-        </a:ln>
-        <a:effectLst/>
-      </dsp:spPr>
-      <dsp:style>
-        <a:lnRef idx="2">
-          <a:scrgbClr r="0" g="0" b="0"/>
-        </a:lnRef>
-        <a:fillRef idx="1">
-          <a:scrgbClr r="0" g="0" b="0"/>
-        </a:fillRef>
-        <a:effectRef idx="0">
-          <a:scrgbClr r="0" g="0" b="0"/>
-        </a:effectRef>
-        <a:fontRef idx="minor">
-          <a:schemeClr val="lt1"/>
-        </a:fontRef>
-      </dsp:style>
-      <dsp:txBody>
-        <a:bodyPr spcFirstLastPara="0" vert="horz" wrap="square" lIns="170688" tIns="170688" rIns="170688" bIns="91440" numCol="1" spcCol="1270" anchor="t" anchorCtr="0">
-          <a:noAutofit/>
-        </a:bodyPr>
-        <a:lstStyle/>
-        <a:p>
-          <a:pPr marL="0" lvl="0" indent="0" algn="l" defTabSz="1066800">
-            <a:lnSpc>
-              <a:spcPct val="90000"/>
-            </a:lnSpc>
-            <a:spcBef>
-              <a:spcPct val="0"/>
-            </a:spcBef>
-            <a:spcAft>
-              <a:spcPct val="35000"/>
-            </a:spcAft>
-            <a:buNone/>
-          </a:pPr>
-          <a:r>
-            <a:rPr lang="en-US" sz="2400" kern="1200" dirty="0"/>
-            <a:t>Testing</a:t>
-          </a:r>
-        </a:p>
-      </dsp:txBody>
-      <dsp:txXfrm>
-        <a:off x="4428851" y="474012"/>
-        <a:ext cx="2442286" cy="691200"/>
-      </dsp:txXfrm>
-    </dsp:sp>
-    <dsp:sp modelId="{85D8390D-9BB6-4160-99E3-E689A13C5A55}">
-      <dsp:nvSpPr>
-        <dsp:cNvPr id="0" name=""/>
-        <dsp:cNvSpPr/>
-      </dsp:nvSpPr>
-      <dsp:spPr>
-        <a:xfrm>
-          <a:off x="3928624" y="1165212"/>
-          <a:ext cx="2442286" cy="3207600"/>
-        </a:xfrm>
-        <a:prstGeom prst="roundRect">
-          <a:avLst>
-            <a:gd name="adj" fmla="val 10000"/>
-          </a:avLst>
-        </a:prstGeom>
-        <a:solidFill>
-          <a:schemeClr val="lt1">
-            <a:alpha val="90000"/>
-            <a:hueOff val="0"/>
-            <a:satOff val="0"/>
-            <a:lumOff val="0"/>
-            <a:alphaOff val="0"/>
-          </a:schemeClr>
-        </a:solidFill>
-        <a:ln w="25400" cap="flat" cmpd="sng" algn="ctr">
-          <a:solidFill>
-            <a:schemeClr val="accent1">
-              <a:hueOff val="0"/>
-              <a:satOff val="0"/>
-              <a:lumOff val="0"/>
-              <a:alphaOff val="0"/>
-            </a:schemeClr>
-          </a:solidFill>
-          <a:prstDash val="solid"/>
-        </a:ln>
-        <a:effectLst/>
-      </dsp:spPr>
-      <dsp:style>
-        <a:lnRef idx="2">
-          <a:scrgbClr r="0" g="0" b="0"/>
-        </a:lnRef>
-        <a:fillRef idx="1">
-          <a:scrgbClr r="0" g="0" b="0"/>
-        </a:fillRef>
-        <a:effectRef idx="0">
-          <a:scrgbClr r="0" g="0" b="0"/>
-        </a:effectRef>
-        <a:fontRef idx="minor"/>
-      </dsp:style>
-      <dsp:txBody>
-        <a:bodyPr spcFirstLastPara="0" vert="horz" wrap="square" lIns="170688" tIns="170688" rIns="170688" bIns="170688" numCol="1" spcCol="1270" anchor="t" anchorCtr="0">
-          <a:noAutofit/>
-        </a:bodyPr>
-        <a:lstStyle/>
-        <a:p>
-          <a:pPr marL="228600" lvl="1" indent="-228600" algn="l" defTabSz="1066800">
-            <a:lnSpc>
-              <a:spcPct val="90000"/>
-            </a:lnSpc>
-            <a:spcBef>
-              <a:spcPct val="0"/>
-            </a:spcBef>
-            <a:spcAft>
-              <a:spcPct val="15000"/>
-            </a:spcAft>
-            <a:buChar char="•"/>
-          </a:pPr>
-          <a:r>
-            <a:rPr lang="en-US" sz="2400" kern="1200" dirty="0"/>
-            <a:t>Full Size Dataset</a:t>
-          </a:r>
-        </a:p>
-        <a:p>
-          <a:pPr marL="228600" lvl="1" indent="-228600" algn="l" defTabSz="1066800">
-            <a:lnSpc>
-              <a:spcPct val="90000"/>
-            </a:lnSpc>
-            <a:spcBef>
-              <a:spcPct val="0"/>
-            </a:spcBef>
-            <a:spcAft>
-              <a:spcPct val="15000"/>
-            </a:spcAft>
-            <a:buChar char="•"/>
-          </a:pPr>
-          <a:r>
-            <a:rPr lang="en-US" sz="2400" kern="1200" dirty="0"/>
-            <a:t>Less Controls</a:t>
-          </a:r>
-        </a:p>
-        <a:p>
-          <a:pPr marL="228600" lvl="1" indent="-228600" algn="l" defTabSz="1066800">
-            <a:lnSpc>
-              <a:spcPct val="90000"/>
-            </a:lnSpc>
-            <a:spcBef>
-              <a:spcPct val="0"/>
-            </a:spcBef>
-            <a:spcAft>
-              <a:spcPct val="15000"/>
-            </a:spcAft>
-            <a:buChar char="•"/>
-          </a:pPr>
-          <a:r>
-            <a:rPr lang="en-US" sz="2400" kern="1200" dirty="0"/>
-            <a:t>No Confidential Data</a:t>
-          </a:r>
-        </a:p>
-      </dsp:txBody>
-      <dsp:txXfrm>
-        <a:off x="4000156" y="1236744"/>
-        <a:ext cx="2299222" cy="3064536"/>
-      </dsp:txXfrm>
-    </dsp:sp>
-    <dsp:sp modelId="{A4FEFB91-8E74-41F4-84A7-C47A120C4EBA}">
-      <dsp:nvSpPr>
-        <dsp:cNvPr id="0" name=""/>
-        <dsp:cNvSpPr/>
-      </dsp:nvSpPr>
-      <dsp:spPr>
-        <a:xfrm rot="10800000">
-          <a:off x="3273697" y="515583"/>
-          <a:ext cx="784912" cy="608058"/>
-        </a:xfrm>
-        <a:prstGeom prst="rightArrow">
-          <a:avLst>
-            <a:gd name="adj1" fmla="val 60000"/>
-            <a:gd name="adj2" fmla="val 50000"/>
-          </a:avLst>
-        </a:prstGeom>
-        <a:solidFill>
-          <a:schemeClr val="accent1">
-            <a:tint val="60000"/>
-            <a:hueOff val="0"/>
-            <a:satOff val="0"/>
-            <a:lumOff val="0"/>
-            <a:alphaOff val="0"/>
-          </a:schemeClr>
-        </a:solidFill>
-        <a:ln>
-          <a:noFill/>
-        </a:ln>
-        <a:effectLst/>
-      </dsp:spPr>
-      <dsp:style>
-        <a:lnRef idx="0">
-          <a:scrgbClr r="0" g="0" b="0"/>
-        </a:lnRef>
-        <a:fillRef idx="1">
-          <a:scrgbClr r="0" g="0" b="0"/>
-        </a:fillRef>
-        <a:effectRef idx="0">
-          <a:scrgbClr r="0" g="0" b="0"/>
-        </a:effectRef>
-        <a:fontRef idx="minor">
-          <a:schemeClr val="lt1"/>
-        </a:fontRef>
-      </dsp:style>
-      <dsp:txBody>
-        <a:bodyPr spcFirstLastPara="0" vert="horz" wrap="square" lIns="0" tIns="0" rIns="0" bIns="0" numCol="1" spcCol="1270" anchor="ctr" anchorCtr="0">
-          <a:noAutofit/>
-        </a:bodyPr>
-        <a:lstStyle/>
-        <a:p>
-          <a:pPr marL="0" lvl="0" indent="0" algn="ctr" defTabSz="844550">
-            <a:lnSpc>
-              <a:spcPct val="90000"/>
-            </a:lnSpc>
-            <a:spcBef>
-              <a:spcPct val="0"/>
-            </a:spcBef>
-            <a:spcAft>
-              <a:spcPct val="35000"/>
-            </a:spcAft>
-            <a:buNone/>
-          </a:pPr>
-          <a:endParaRPr lang="en-US" sz="1900" kern="1200"/>
-        </a:p>
-      </dsp:txBody>
-      <dsp:txXfrm rot="10800000">
-        <a:off x="3456114" y="637195"/>
-        <a:ext cx="602495" cy="364834"/>
-      </dsp:txXfrm>
-    </dsp:sp>
-    <dsp:sp modelId="{C3CB5FD2-B531-4259-AAC0-875A1AB4982A}">
-      <dsp:nvSpPr>
-        <dsp:cNvPr id="0" name=""/>
-        <dsp:cNvSpPr/>
-      </dsp:nvSpPr>
-      <dsp:spPr>
-        <a:xfrm>
-          <a:off x="446748" y="474012"/>
-          <a:ext cx="2442286" cy="1036799"/>
-        </a:xfrm>
-        <a:prstGeom prst="roundRect">
-          <a:avLst>
-            <a:gd name="adj" fmla="val 10000"/>
-          </a:avLst>
-        </a:prstGeom>
-        <a:solidFill>
-          <a:schemeClr val="accent1">
-            <a:hueOff val="0"/>
-            <a:satOff val="0"/>
-            <a:lumOff val="0"/>
-            <a:alphaOff val="0"/>
-          </a:schemeClr>
-        </a:solidFill>
-        <a:ln w="25400" cap="flat" cmpd="sng" algn="ctr">
-          <a:solidFill>
-            <a:schemeClr val="lt1">
-              <a:hueOff val="0"/>
-              <a:satOff val="0"/>
-              <a:lumOff val="0"/>
-              <a:alphaOff val="0"/>
-            </a:schemeClr>
-          </a:solidFill>
-          <a:prstDash val="solid"/>
-        </a:ln>
-        <a:effectLst/>
-      </dsp:spPr>
-      <dsp:style>
-        <a:lnRef idx="2">
-          <a:scrgbClr r="0" g="0" b="0"/>
-        </a:lnRef>
-        <a:fillRef idx="1">
-          <a:scrgbClr r="0" g="0" b="0"/>
-        </a:fillRef>
-        <a:effectRef idx="0">
-          <a:scrgbClr r="0" g="0" b="0"/>
-        </a:effectRef>
-        <a:fontRef idx="minor">
-          <a:schemeClr val="lt1"/>
-        </a:fontRef>
-      </dsp:style>
-      <dsp:txBody>
-        <a:bodyPr spcFirstLastPara="0" vert="horz" wrap="square" lIns="170688" tIns="170688" rIns="170688" bIns="91440" numCol="1" spcCol="1270" anchor="t" anchorCtr="0">
-          <a:noAutofit/>
-        </a:bodyPr>
-        <a:lstStyle/>
-        <a:p>
-          <a:pPr marL="0" lvl="0" indent="0" algn="l" defTabSz="1066800">
-            <a:lnSpc>
-              <a:spcPct val="90000"/>
-            </a:lnSpc>
-            <a:spcBef>
-              <a:spcPct val="0"/>
-            </a:spcBef>
-            <a:spcAft>
-              <a:spcPct val="35000"/>
-            </a:spcAft>
-            <a:buNone/>
-          </a:pPr>
-          <a:r>
-            <a:rPr lang="en-US" sz="2400" kern="1200" dirty="0"/>
-            <a:t>Dev</a:t>
-          </a:r>
-        </a:p>
-      </dsp:txBody>
-      <dsp:txXfrm>
-        <a:off x="505598" y="474012"/>
-        <a:ext cx="2442286" cy="691200"/>
-      </dsp:txXfrm>
-    </dsp:sp>
-    <dsp:sp modelId="{18D039EA-F5BF-4FC0-83CF-C7A6821B3BB5}">
-      <dsp:nvSpPr>
-        <dsp:cNvPr id="0" name=""/>
-        <dsp:cNvSpPr/>
-      </dsp:nvSpPr>
-      <dsp:spPr>
-        <a:xfrm>
-          <a:off x="5371" y="1165212"/>
-          <a:ext cx="2442286" cy="3207600"/>
-        </a:xfrm>
-        <a:prstGeom prst="roundRect">
-          <a:avLst>
-            <a:gd name="adj" fmla="val 10000"/>
-          </a:avLst>
-        </a:prstGeom>
-        <a:solidFill>
-          <a:schemeClr val="lt1">
-            <a:alpha val="90000"/>
-            <a:hueOff val="0"/>
-            <a:satOff val="0"/>
-            <a:lumOff val="0"/>
-            <a:alphaOff val="0"/>
-          </a:schemeClr>
-        </a:solidFill>
-        <a:ln w="25400" cap="flat" cmpd="sng" algn="ctr">
-          <a:solidFill>
-            <a:schemeClr val="accent1">
-              <a:hueOff val="0"/>
-              <a:satOff val="0"/>
-              <a:lumOff val="0"/>
-              <a:alphaOff val="0"/>
-            </a:schemeClr>
-          </a:solidFill>
-          <a:prstDash val="solid"/>
-        </a:ln>
-        <a:effectLst/>
-      </dsp:spPr>
-      <dsp:style>
-        <a:lnRef idx="2">
-          <a:scrgbClr r="0" g="0" b="0"/>
-        </a:lnRef>
-        <a:fillRef idx="1">
-          <a:scrgbClr r="0" g="0" b="0"/>
-        </a:fillRef>
-        <a:effectRef idx="0">
-          <a:scrgbClr r="0" g="0" b="0"/>
-        </a:effectRef>
-        <a:fontRef idx="minor"/>
-      </dsp:style>
-      <dsp:txBody>
-        <a:bodyPr spcFirstLastPara="0" vert="horz" wrap="square" lIns="170688" tIns="170688" rIns="170688" bIns="170688" numCol="1" spcCol="1270" anchor="t" anchorCtr="0">
-          <a:noAutofit/>
-        </a:bodyPr>
-        <a:lstStyle/>
-        <a:p>
-          <a:pPr marL="228600" lvl="1" indent="-228600" algn="l" defTabSz="1066800">
-            <a:lnSpc>
-              <a:spcPct val="90000"/>
-            </a:lnSpc>
-            <a:spcBef>
-              <a:spcPct val="0"/>
-            </a:spcBef>
-            <a:spcAft>
-              <a:spcPct val="15000"/>
-            </a:spcAft>
-            <a:buChar char="•"/>
-          </a:pPr>
-          <a:r>
-            <a:rPr lang="en-US" sz="2400" kern="1200" dirty="0"/>
-            <a:t>Small Dataset</a:t>
-          </a:r>
-        </a:p>
-        <a:p>
-          <a:pPr marL="228600" lvl="1" indent="-228600" algn="l" defTabSz="1066800">
-            <a:lnSpc>
-              <a:spcPct val="90000"/>
-            </a:lnSpc>
-            <a:spcBef>
-              <a:spcPct val="0"/>
-            </a:spcBef>
-            <a:spcAft>
-              <a:spcPct val="15000"/>
-            </a:spcAft>
-            <a:buChar char="•"/>
-          </a:pPr>
-          <a:r>
-            <a:rPr lang="en-US" sz="2400" kern="1200" dirty="0"/>
-            <a:t>Little to no Controls</a:t>
-          </a:r>
-        </a:p>
-        <a:p>
-          <a:pPr marL="228600" lvl="1" indent="-228600" algn="l" defTabSz="1066800">
-            <a:lnSpc>
-              <a:spcPct val="90000"/>
-            </a:lnSpc>
-            <a:spcBef>
-              <a:spcPct val="0"/>
-            </a:spcBef>
-            <a:spcAft>
-              <a:spcPct val="15000"/>
-            </a:spcAft>
-            <a:buChar char="•"/>
-          </a:pPr>
-          <a:r>
-            <a:rPr lang="en-US" sz="2400" kern="1200" dirty="0"/>
-            <a:t>No Confidential Data</a:t>
-          </a:r>
-        </a:p>
-      </dsp:txBody>
-      <dsp:txXfrm>
-        <a:off x="76903" y="1236744"/>
-        <a:ext cx="2299222" cy="3064536"/>
       </dsp:txXfrm>
     </dsp:sp>
   </dsp:spTree>
@@ -17294,524 +13195,6 @@
 </dgm:layoutDef>
 </file>
 
-<file path=ppt/diagrams/layout6.xml><?xml version="1.0" encoding="utf-8"?>
-<dgm:layoutDef xmlns:dgm="http://schemas.openxmlformats.org/drawingml/2006/diagram" xmlns:a="http://schemas.openxmlformats.org/drawingml/2006/main" uniqueId="urn:microsoft.com/office/officeart/2005/8/layout/hList1">
-  <dgm:title val=""/>
-  <dgm:desc val=""/>
-  <dgm:catLst>
-    <dgm:cat type="list" pri="5000"/>
-    <dgm:cat type="convert" pri="5000"/>
-  </dgm:catLst>
-  <dgm:sampData>
-    <dgm:dataModel>
-      <dgm:ptLst>
-        <dgm:pt modelId="0" type="doc"/>
-        <dgm:pt modelId="1">
-          <dgm:prSet phldr="1"/>
-        </dgm:pt>
-        <dgm:pt modelId="11">
-          <dgm:prSet phldr="1"/>
-        </dgm:pt>
-        <dgm:pt modelId="12">
-          <dgm:prSet phldr="1"/>
-        </dgm:pt>
-        <dgm:pt modelId="2">
-          <dgm:prSet phldr="1"/>
-        </dgm:pt>
-        <dgm:pt modelId="21">
-          <dgm:prSet phldr="1"/>
-        </dgm:pt>
-        <dgm:pt modelId="22">
-          <dgm:prSet phldr="1"/>
-        </dgm:pt>
-        <dgm:pt modelId="3">
-          <dgm:prSet phldr="1"/>
-        </dgm:pt>
-        <dgm:pt modelId="31">
-          <dgm:prSet phldr="1"/>
-        </dgm:pt>
-        <dgm:pt modelId="32">
-          <dgm:prSet phldr="1"/>
-        </dgm:pt>
-      </dgm:ptLst>
-      <dgm:cxnLst>
-        <dgm:cxn modelId="4" srcId="0" destId="1" srcOrd="0" destOrd="0"/>
-        <dgm:cxn modelId="5" srcId="0" destId="2" srcOrd="1" destOrd="0"/>
-        <dgm:cxn modelId="6" srcId="0" destId="3" srcOrd="2" destOrd="0"/>
-        <dgm:cxn modelId="13" srcId="1" destId="11" srcOrd="0" destOrd="0"/>
-        <dgm:cxn modelId="14" srcId="1" destId="12" srcOrd="1" destOrd="0"/>
-        <dgm:cxn modelId="23" srcId="2" destId="21" srcOrd="0" destOrd="0"/>
-        <dgm:cxn modelId="24" srcId="2" destId="22" srcOrd="1" destOrd="0"/>
-        <dgm:cxn modelId="33" srcId="3" destId="31" srcOrd="0" destOrd="0"/>
-        <dgm:cxn modelId="34" srcId="3" destId="32" srcOrd="1" destOrd="0"/>
-      </dgm:cxnLst>
-      <dgm:bg/>
-      <dgm:whole/>
-    </dgm:dataModel>
-  </dgm:sampData>
-  <dgm:styleData>
-    <dgm:dataModel>
-      <dgm:ptLst>
-        <dgm:pt modelId="0" type="doc"/>
-        <dgm:pt modelId="1">
-          <dgm:prSet phldr="1"/>
-        </dgm:pt>
-        <dgm:pt modelId="2">
-          <dgm:prSet phldr="1"/>
-        </dgm:pt>
-      </dgm:ptLst>
-      <dgm:cxnLst>
-        <dgm:cxn modelId="3" srcId="0" destId="1" srcOrd="0" destOrd="0"/>
-        <dgm:cxn modelId="4" srcId="0" destId="2" srcOrd="1" destOrd="0"/>
-      </dgm:cxnLst>
-      <dgm:bg/>
-      <dgm:whole/>
-    </dgm:dataModel>
-  </dgm:styleData>
-  <dgm:clrData>
-    <dgm:dataModel>
-      <dgm:ptLst>
-        <dgm:pt modelId="0" type="doc"/>
-        <dgm:pt modelId="1">
-          <dgm:prSet phldr="1"/>
-        </dgm:pt>
-        <dgm:pt modelId="2">
-          <dgm:prSet phldr="1"/>
-        </dgm:pt>
-        <dgm:pt modelId="3">
-          <dgm:prSet phldr="1"/>
-        </dgm:pt>
-        <dgm:pt modelId="4">
-          <dgm:prSet phldr="1"/>
-        </dgm:pt>
-      </dgm:ptLst>
-      <dgm:cxnLst>
-        <dgm:cxn modelId="5" srcId="0" destId="1" srcOrd="0" destOrd="0"/>
-        <dgm:cxn modelId="6" srcId="0" destId="2" srcOrd="1" destOrd="0"/>
-        <dgm:cxn modelId="7" srcId="0" destId="3" srcOrd="2" destOrd="0"/>
-        <dgm:cxn modelId="8" srcId="0" destId="4" srcOrd="3" destOrd="0"/>
-      </dgm:cxnLst>
-      <dgm:bg/>
-      <dgm:whole/>
-    </dgm:dataModel>
-  </dgm:clrData>
-  <dgm:layoutNode name="Name0">
-    <dgm:varLst>
-      <dgm:dir/>
-      <dgm:animLvl val="lvl"/>
-      <dgm:resizeHandles val="exact"/>
-    </dgm:varLst>
-    <dgm:choose name="Name1">
-      <dgm:if name="Name2" func="var" arg="dir" op="equ" val="norm">
-        <dgm:alg type="lin"/>
-      </dgm:if>
-      <dgm:else name="Name3">
-        <dgm:alg type="lin">
-          <dgm:param type="linDir" val="fromR"/>
-        </dgm:alg>
-      </dgm:else>
-    </dgm:choose>
-    <dgm:shape xmlns:r="http://schemas.openxmlformats.org/officeDocument/2006/relationships" r:blip="">
-      <dgm:adjLst/>
-    </dgm:shape>
-    <dgm:presOf/>
-    <dgm:constrLst>
-      <dgm:constr type="h" for="ch" forName="composite" refType="h"/>
-      <dgm:constr type="w" for="ch" forName="composite" refType="w"/>
-      <dgm:constr type="w" for="des" forName="parTx"/>
-      <dgm:constr type="h" for="des" forName="parTx" op="equ"/>
-      <dgm:constr type="w" for="des" forName="desTx"/>
-      <dgm:constr type="h" for="des" forName="desTx" op="equ"/>
-      <dgm:constr type="primFontSz" for="des" forName="parTx" val="65"/>
-      <dgm:constr type="secFontSz" for="des" forName="desTx" refType="primFontSz" refFor="des" refForName="parTx" op="equ"/>
-      <dgm:constr type="h" for="des" forName="parTx" refType="primFontSz" refFor="des" refForName="parTx" fact="0.8"/>
-      <dgm:constr type="h" for="des" forName="desTx" refType="primFontSz" refFor="des" refForName="parTx" fact="1.22"/>
-      <dgm:constr type="w" for="ch" forName="space" refType="w" refFor="ch" refForName="composite" op="equ" fact="0.14"/>
-    </dgm:constrLst>
-    <dgm:ruleLst>
-      <dgm:rule type="w" for="ch" forName="composite" val="0" fact="NaN" max="NaN"/>
-      <dgm:rule type="primFontSz" for="des" forName="parTx" val="5" fact="NaN" max="NaN"/>
-    </dgm:ruleLst>
-    <dgm:forEach name="Name4" axis="ch" ptType="node">
-      <dgm:layoutNode name="composite">
-        <dgm:alg type="composite"/>
-        <dgm:shape xmlns:r="http://schemas.openxmlformats.org/officeDocument/2006/relationships" r:blip="">
-          <dgm:adjLst/>
-        </dgm:shape>
-        <dgm:presOf/>
-        <dgm:constrLst>
-          <dgm:constr type="l" for="ch" forName="parTx"/>
-          <dgm:constr type="w" for="ch" forName="parTx" refType="w"/>
-          <dgm:constr type="t" for="ch" forName="parTx"/>
-          <dgm:constr type="l" for="ch" forName="desTx"/>
-          <dgm:constr type="w" for="ch" forName="desTx" refType="w" refFor="ch" refForName="parTx"/>
-          <dgm:constr type="t" for="ch" forName="desTx" refType="h" refFor="ch" refForName="parTx"/>
-        </dgm:constrLst>
-        <dgm:ruleLst>
-          <dgm:rule type="h" val="INF" fact="NaN" max="NaN"/>
-        </dgm:ruleLst>
-        <dgm:layoutNode name="parTx" styleLbl="alignNode1">
-          <dgm:varLst>
-            <dgm:chMax val="0"/>
-            <dgm:chPref val="0"/>
-            <dgm:bulletEnabled val="1"/>
-          </dgm:varLst>
-          <dgm:alg type="tx"/>
-          <dgm:shape xmlns:r="http://schemas.openxmlformats.org/officeDocument/2006/relationships" type="rect" r:blip="">
-            <dgm:adjLst/>
-          </dgm:shape>
-          <dgm:presOf axis="self" ptType="node"/>
-          <dgm:constrLst>
-            <dgm:constr type="h" refType="w" op="lte" fact="0.4"/>
-            <dgm:constr type="h"/>
-            <dgm:constr type="tMarg" refType="primFontSz" fact="0.32"/>
-            <dgm:constr type="bMarg" refType="primFontSz" fact="0.32"/>
-          </dgm:constrLst>
-          <dgm:ruleLst>
-            <dgm:rule type="h" val="INF" fact="NaN" max="NaN"/>
-          </dgm:ruleLst>
-        </dgm:layoutNode>
-        <dgm:layoutNode name="desTx" styleLbl="alignAccFollowNode1">
-          <dgm:varLst>
-            <dgm:bulletEnabled val="1"/>
-          </dgm:varLst>
-          <dgm:alg type="tx">
-            <dgm:param type="stBulletLvl" val="1"/>
-          </dgm:alg>
-          <dgm:shape xmlns:r="http://schemas.openxmlformats.org/officeDocument/2006/relationships" type="rect" r:blip="">
-            <dgm:adjLst/>
-          </dgm:shape>
-          <dgm:presOf axis="des" ptType="node"/>
-          <dgm:constrLst>
-            <dgm:constr type="secFontSz" val="65"/>
-            <dgm:constr type="primFontSz" refType="secFontSz"/>
-            <dgm:constr type="h"/>
-            <dgm:constr type="lMarg" refType="primFontSz" fact="0.42"/>
-            <dgm:constr type="tMarg" refType="primFontSz" fact="0.42"/>
-            <dgm:constr type="bMarg" refType="primFontSz" fact="0.63"/>
-          </dgm:constrLst>
-          <dgm:ruleLst>
-            <dgm:rule type="h" val="INF" fact="NaN" max="NaN"/>
-          </dgm:ruleLst>
-        </dgm:layoutNode>
-      </dgm:layoutNode>
-      <dgm:forEach name="Name5" axis="followSib" ptType="sibTrans" cnt="1">
-        <dgm:layoutNode name="space">
-          <dgm:alg type="sp"/>
-          <dgm:shape xmlns:r="http://schemas.openxmlformats.org/officeDocument/2006/relationships" r:blip="">
-            <dgm:adjLst/>
-          </dgm:shape>
-          <dgm:presOf/>
-          <dgm:constrLst/>
-          <dgm:ruleLst/>
-        </dgm:layoutNode>
-      </dgm:forEach>
-    </dgm:forEach>
-  </dgm:layoutNode>
-</dgm:layoutDef>
-</file>
-
-<file path=ppt/diagrams/layout7.xml><?xml version="1.0" encoding="utf-8"?>
-<dgm:layoutDef xmlns:dgm="http://schemas.openxmlformats.org/drawingml/2006/diagram" xmlns:a="http://schemas.openxmlformats.org/drawingml/2006/main" uniqueId="urn:microsoft.com/office/officeart/2005/8/layout/process3">
-  <dgm:title val=""/>
-  <dgm:desc val=""/>
-  <dgm:catLst>
-    <dgm:cat type="process" pri="2000"/>
-  </dgm:catLst>
-  <dgm:sampData>
-    <dgm:dataModel>
-      <dgm:ptLst>
-        <dgm:pt modelId="0" type="doc"/>
-        <dgm:pt modelId="1">
-          <dgm:prSet phldr="1"/>
-        </dgm:pt>
-        <dgm:pt modelId="11">
-          <dgm:prSet phldr="1"/>
-        </dgm:pt>
-        <dgm:pt modelId="2">
-          <dgm:prSet phldr="1"/>
-        </dgm:pt>
-        <dgm:pt modelId="21">
-          <dgm:prSet phldr="1"/>
-        </dgm:pt>
-        <dgm:pt modelId="3">
-          <dgm:prSet phldr="1"/>
-        </dgm:pt>
-        <dgm:pt modelId="31">
-          <dgm:prSet phldr="1"/>
-        </dgm:pt>
-      </dgm:ptLst>
-      <dgm:cxnLst>
-        <dgm:cxn modelId="4" srcId="0" destId="1" srcOrd="0" destOrd="0"/>
-        <dgm:cxn modelId="5" srcId="0" destId="2" srcOrd="1" destOrd="0"/>
-        <dgm:cxn modelId="6" srcId="0" destId="3" srcOrd="3" destOrd="0"/>
-        <dgm:cxn modelId="12" srcId="1" destId="11" srcOrd="0" destOrd="0"/>
-        <dgm:cxn modelId="23" srcId="2" destId="21" srcOrd="0" destOrd="0"/>
-        <dgm:cxn modelId="34" srcId="3" destId="31" srcOrd="0" destOrd="0"/>
-      </dgm:cxnLst>
-      <dgm:bg/>
-      <dgm:whole/>
-    </dgm:dataModel>
-  </dgm:sampData>
-  <dgm:styleData>
-    <dgm:dataModel>
-      <dgm:ptLst>
-        <dgm:pt modelId="0" type="doc"/>
-        <dgm:pt modelId="1">
-          <dgm:prSet phldr="1"/>
-        </dgm:pt>
-        <dgm:pt modelId="11">
-          <dgm:prSet phldr="1"/>
-        </dgm:pt>
-        <dgm:pt modelId="2">
-          <dgm:prSet phldr="1"/>
-        </dgm:pt>
-        <dgm:pt modelId="21">
-          <dgm:prSet phldr="1"/>
-        </dgm:pt>
-      </dgm:ptLst>
-      <dgm:cxnLst>
-        <dgm:cxn modelId="4" srcId="0" destId="1" srcOrd="0" destOrd="0"/>
-        <dgm:cxn modelId="5" srcId="0" destId="2" srcOrd="1" destOrd="0"/>
-        <dgm:cxn modelId="13" srcId="1" destId="11" srcOrd="0" destOrd="0"/>
-        <dgm:cxn modelId="23" srcId="2" destId="21" srcOrd="0" destOrd="0"/>
-      </dgm:cxnLst>
-      <dgm:bg/>
-      <dgm:whole/>
-    </dgm:dataModel>
-  </dgm:styleData>
-  <dgm:clrData>
-    <dgm:dataModel>
-      <dgm:ptLst>
-        <dgm:pt modelId="0" type="doc"/>
-        <dgm:pt modelId="1">
-          <dgm:prSet phldr="1"/>
-        </dgm:pt>
-        <dgm:pt modelId="11">
-          <dgm:prSet phldr="1"/>
-        </dgm:pt>
-        <dgm:pt modelId="2">
-          <dgm:prSet phldr="1"/>
-        </dgm:pt>
-        <dgm:pt modelId="21">
-          <dgm:prSet phldr="1"/>
-        </dgm:pt>
-        <dgm:pt modelId="3">
-          <dgm:prSet phldr="1"/>
-        </dgm:pt>
-        <dgm:pt modelId="31">
-          <dgm:prSet phldr="1"/>
-        </dgm:pt>
-        <dgm:pt modelId="4">
-          <dgm:prSet phldr="1"/>
-        </dgm:pt>
-        <dgm:pt modelId="41">
-          <dgm:prSet phldr="1"/>
-        </dgm:pt>
-      </dgm:ptLst>
-      <dgm:cxnLst>
-        <dgm:cxn modelId="5" srcId="0" destId="1" srcOrd="0" destOrd="0"/>
-        <dgm:cxn modelId="6" srcId="0" destId="2" srcOrd="1" destOrd="0"/>
-        <dgm:cxn modelId="7" srcId="0" destId="3" srcOrd="2" destOrd="0"/>
-        <dgm:cxn modelId="8" srcId="0" destId="4" srcOrd="3" destOrd="0"/>
-        <dgm:cxn modelId="13" srcId="1" destId="11" srcOrd="0" destOrd="0"/>
-        <dgm:cxn modelId="23" srcId="2" destId="21" srcOrd="0" destOrd="0"/>
-        <dgm:cxn modelId="33" srcId="3" destId="31" srcOrd="0" destOrd="0"/>
-        <dgm:cxn modelId="43" srcId="4" destId="41" srcOrd="0" destOrd="0"/>
-      </dgm:cxnLst>
-      <dgm:bg/>
-      <dgm:whole/>
-    </dgm:dataModel>
-  </dgm:clrData>
-  <dgm:layoutNode name="linearFlow">
-    <dgm:varLst>
-      <dgm:dir/>
-      <dgm:animLvl val="lvl"/>
-      <dgm:resizeHandles val="exact"/>
-    </dgm:varLst>
-    <dgm:choose name="Name0">
-      <dgm:if name="Name1" func="var" arg="dir" op="equ" val="norm">
-        <dgm:alg type="lin"/>
-      </dgm:if>
-      <dgm:else name="Name2">
-        <dgm:alg type="lin">
-          <dgm:param type="linDir" val="fromR"/>
-        </dgm:alg>
-      </dgm:else>
-    </dgm:choose>
-    <dgm:shape xmlns:r="http://schemas.openxmlformats.org/officeDocument/2006/relationships" r:blip="">
-      <dgm:adjLst/>
-    </dgm:shape>
-    <dgm:presOf/>
-    <dgm:constrLst>
-      <dgm:constr type="w" for="ch" forName="composite" refType="w"/>
-      <dgm:constr type="w" for="ch" ptType="sibTrans" refType="w" refFor="ch" refForName="composite" fact="0.3333"/>
-      <dgm:constr type="w" for="des" forName="parTx"/>
-      <dgm:constr type="h" for="des" forName="parTx" op="equ"/>
-      <dgm:constr type="h" for="des" forName="parSh" op="equ"/>
-      <dgm:constr type="w" for="des" forName="desTx"/>
-      <dgm:constr type="h" for="des" forName="desTx" op="equ"/>
-      <dgm:constr type="w" for="des" forName="parSh"/>
-      <dgm:constr type="primFontSz" for="des" forName="parTx" val="65"/>
-      <dgm:constr type="secFontSz" for="des" forName="desTx" refType="primFontSz" refFor="des" refForName="parTx" op="equ"/>
-      <dgm:constr type="primFontSz" for="des" forName="connTx" refType="primFontSz" refFor="des" refForName="parTx" fact="0.8"/>
-      <dgm:constr type="primFontSz" for="des" forName="connTx" refType="primFontSz" refFor="des" refForName="parTx" op="lte" fact="0.8"/>
-      <dgm:constr type="h" for="des" forName="parTx" refType="primFontSz" refFor="des" refForName="parTx" fact="0.8"/>
-      <dgm:constr type="h" for="des" forName="parSh" refType="primFontSz" refFor="des" refForName="parTx" fact="1.2"/>
-      <dgm:constr type="h" for="des" forName="desTx" refType="primFontSz" refFor="des" refForName="parTx" fact="1.6"/>
-      <dgm:constr type="h" for="des" forName="parSh" refType="h" refFor="des" refForName="parTx" op="lte" fact="1.5"/>
-      <dgm:constr type="h" for="des" forName="parSh" refType="h" refFor="des" refForName="parTx" op="gte" fact="1.5"/>
-    </dgm:constrLst>
-    <dgm:ruleLst>
-      <dgm:rule type="w" for="ch" forName="composite" val="0" fact="NaN" max="NaN"/>
-      <dgm:rule type="primFontSz" for="des" forName="parTx" val="5" fact="NaN" max="NaN"/>
-    </dgm:ruleLst>
-    <dgm:forEach name="Name3" axis="ch" ptType="node">
-      <dgm:layoutNode name="composite">
-        <dgm:alg type="composite"/>
-        <dgm:shape xmlns:r="http://schemas.openxmlformats.org/officeDocument/2006/relationships" r:blip="">
-          <dgm:adjLst/>
-        </dgm:shape>
-        <dgm:presOf/>
-        <dgm:choose name="Name4">
-          <dgm:if name="Name5" func="var" arg="dir" op="equ" val="norm">
-            <dgm:constrLst>
-              <dgm:constr type="h" refType="w" fact="1000"/>
-              <dgm:constr type="l" for="ch" forName="parTx"/>
-              <dgm:constr type="w" for="ch" forName="parTx" refType="w" fact="0.83"/>
-              <dgm:constr type="t" for="ch" forName="parTx"/>
-              <dgm:constr type="l" for="ch" forName="parSh"/>
-              <dgm:constr type="w" for="ch" forName="parSh" refType="w" refFor="ch" refForName="parTx"/>
-              <dgm:constr type="t" for="ch" forName="parSh"/>
-              <dgm:constr type="l" for="ch" forName="desTx" refType="w" fact="0.17"/>
-              <dgm:constr type="w" for="ch" forName="desTx" refType="w" refFor="ch" refForName="parTx"/>
-              <dgm:constr type="t" for="ch" forName="desTx" refType="h" refFor="ch" refForName="parTx"/>
-            </dgm:constrLst>
-          </dgm:if>
-          <dgm:else name="Name6">
-            <dgm:constrLst>
-              <dgm:constr type="h" refType="w" fact="1000"/>
-              <dgm:constr type="l" for="ch" forName="parTx" refType="w" fact="0.17"/>
-              <dgm:constr type="w" for="ch" forName="parTx" refType="w" fact="0.83"/>
-              <dgm:constr type="t" for="ch" forName="parTx"/>
-              <dgm:constr type="l" for="ch" forName="parSh" refType="w" fact="0.15"/>
-              <dgm:constr type="w" for="ch" forName="parSh" refType="w" refFor="ch" refForName="parTx"/>
-              <dgm:constr type="t" for="ch" forName="parSh"/>
-              <dgm:constr type="l" for="ch" forName="desTx"/>
-              <dgm:constr type="w" for="ch" forName="desTx" refType="w" refFor="ch" refForName="parTx"/>
-              <dgm:constr type="t" for="ch" forName="desTx" refType="h" refFor="ch" refForName="parTx"/>
-            </dgm:constrLst>
-          </dgm:else>
-        </dgm:choose>
-        <dgm:ruleLst>
-          <dgm:rule type="h" val="INF" fact="NaN" max="NaN"/>
-        </dgm:ruleLst>
-        <dgm:layoutNode name="parTx">
-          <dgm:varLst>
-            <dgm:chMax val="0"/>
-            <dgm:chPref val="0"/>
-            <dgm:bulletEnabled val="1"/>
-          </dgm:varLst>
-          <dgm:alg type="tx">
-            <dgm:param type="parTxLTRAlign" val="l"/>
-            <dgm:param type="parTxRTLAlign" val="r"/>
-            <dgm:param type="txAnchorVert" val="t"/>
-          </dgm:alg>
-          <dgm:shape xmlns:r="http://schemas.openxmlformats.org/officeDocument/2006/relationships" type="rect" r:blip="" zOrderOff="1" hideGeom="1">
-            <dgm:adjLst>
-              <dgm:adj idx="1" val="0.1"/>
-            </dgm:adjLst>
-          </dgm:shape>
-          <dgm:presOf axis="self" ptType="node"/>
-          <dgm:constrLst>
-            <dgm:constr type="h" refType="w" op="lte" fact="0.4"/>
-            <dgm:constr type="bMarg" refType="primFontSz" fact="0.3"/>
-            <dgm:constr type="h"/>
-          </dgm:constrLst>
-          <dgm:ruleLst>
-            <dgm:rule type="h" val="INF" fact="NaN" max="NaN"/>
-          </dgm:ruleLst>
-        </dgm:layoutNode>
-        <dgm:layoutNode name="parSh">
-          <dgm:alg type="sp"/>
-          <dgm:shape xmlns:r="http://schemas.openxmlformats.org/officeDocument/2006/relationships" type="roundRect" r:blip="">
-            <dgm:adjLst>
-              <dgm:adj idx="1" val="0.1"/>
-            </dgm:adjLst>
-          </dgm:shape>
-          <dgm:presOf axis="self" ptType="node"/>
-          <dgm:constrLst>
-            <dgm:constr type="h"/>
-          </dgm:constrLst>
-          <dgm:ruleLst/>
-        </dgm:layoutNode>
-        <dgm:layoutNode name="desTx" styleLbl="fgAcc1">
-          <dgm:varLst>
-            <dgm:bulletEnabled val="1"/>
-          </dgm:varLst>
-          <dgm:alg type="tx">
-            <dgm:param type="stBulletLvl" val="1"/>
-          </dgm:alg>
-          <dgm:shape xmlns:r="http://schemas.openxmlformats.org/officeDocument/2006/relationships" type="roundRect" r:blip="">
-            <dgm:adjLst>
-              <dgm:adj idx="1" val="0.1"/>
-            </dgm:adjLst>
-          </dgm:shape>
-          <dgm:presOf axis="des" ptType="node"/>
-          <dgm:constrLst>
-            <dgm:constr type="secFontSz" val="65"/>
-            <dgm:constr type="primFontSz" refType="secFontSz"/>
-            <dgm:constr type="h"/>
-          </dgm:constrLst>
-          <dgm:ruleLst>
-            <dgm:rule type="h" val="INF" fact="NaN" max="NaN"/>
-          </dgm:ruleLst>
-        </dgm:layoutNode>
-      </dgm:layoutNode>
-      <dgm:forEach name="sibTransForEach" axis="followSib" ptType="sibTrans" cnt="1">
-        <dgm:layoutNode name="sibTrans">
-          <dgm:alg type="conn">
-            <dgm:param type="begPts" val="auto"/>
-            <dgm:param type="endPts" val="auto"/>
-            <dgm:param type="srcNode" val="parTx"/>
-            <dgm:param type="dstNode" val="parTx"/>
-          </dgm:alg>
-          <dgm:shape xmlns:r="http://schemas.openxmlformats.org/officeDocument/2006/relationships" type="conn" r:blip="">
-            <dgm:adjLst/>
-          </dgm:shape>
-          <dgm:presOf axis="self"/>
-          <dgm:constrLst>
-            <dgm:constr type="h" refType="w" fact="0.62"/>
-            <dgm:constr type="connDist"/>
-            <dgm:constr type="begPad" refType="connDist" fact="0.25"/>
-            <dgm:constr type="endPad" refType="connDist" fact="0.22"/>
-          </dgm:constrLst>
-          <dgm:ruleLst/>
-          <dgm:layoutNode name="connTx">
-            <dgm:alg type="tx">
-              <dgm:param type="autoTxRot" val="grav"/>
-            </dgm:alg>
-            <dgm:shape xmlns:r="http://schemas.openxmlformats.org/officeDocument/2006/relationships" type="conn" r:blip="" hideGeom="1">
-              <dgm:adjLst/>
-            </dgm:shape>
-            <dgm:presOf axis="self"/>
-            <dgm:constrLst>
-              <dgm:constr type="lMarg"/>
-              <dgm:constr type="rMarg"/>
-              <dgm:constr type="tMarg"/>
-              <dgm:constr type="bMarg"/>
-            </dgm:constrLst>
-            <dgm:ruleLst>
-              <dgm:rule type="primFontSz" val="5" fact="NaN" max="NaN"/>
-            </dgm:ruleLst>
-          </dgm:layoutNode>
-        </dgm:layoutNode>
-      </dgm:forEach>
-    </dgm:forEach>
-  </dgm:layoutNode>
-</dgm:layoutDef>
-</file>
-
 <file path=ppt/diagrams/quickStyle1.xml><?xml version="1.0" encoding="utf-8"?>
 <dgm:styleDef xmlns:dgm="http://schemas.openxmlformats.org/drawingml/2006/diagram" xmlns:a="http://schemas.openxmlformats.org/drawingml/2006/main" uniqueId="urn:microsoft.com/office/officeart/2005/8/quickstyle/simple3">
   <dgm:title val=""/>
@@ -22431,2074 +17814,6 @@
 </file>
 
 <file path=ppt/diagrams/quickStyle5.xml><?xml version="1.0" encoding="utf-8"?>
-<dgm:styleDef xmlns:dgm="http://schemas.openxmlformats.org/drawingml/2006/diagram" xmlns:a="http://schemas.openxmlformats.org/drawingml/2006/main" uniqueId="urn:microsoft.com/office/officeart/2005/8/quickstyle/simple1">
-  <dgm:title val=""/>
-  <dgm:desc val=""/>
-  <dgm:catLst>
-    <dgm:cat type="simple" pri="10100"/>
-  </dgm:catLst>
-  <dgm:scene3d>
-    <a:camera prst="orthographicFront"/>
-    <a:lightRig rig="threePt" dir="t"/>
-  </dgm:scene3d>
-  <dgm:styleLbl name="node0">
-    <dgm:scene3d>
-      <a:camera prst="orthographicFront"/>
-      <a:lightRig rig="threePt" dir="t"/>
-    </dgm:scene3d>
-    <dgm:sp3d/>
-    <dgm:txPr/>
-    <dgm:style>
-      <a:lnRef idx="2">
-        <a:scrgbClr r="0" g="0" b="0"/>
-      </a:lnRef>
-      <a:fillRef idx="1">
-        <a:scrgbClr r="0" g="0" b="0"/>
-      </a:fillRef>
-      <a:effectRef idx="0">
-        <a:scrgbClr r="0" g="0" b="0"/>
-      </a:effectRef>
-      <a:fontRef idx="minor">
-        <a:schemeClr val="lt1"/>
-      </a:fontRef>
-    </dgm:style>
-  </dgm:styleLbl>
-  <dgm:styleLbl name="lnNode1">
-    <dgm:scene3d>
-      <a:camera prst="orthographicFront"/>
-      <a:lightRig rig="threePt" dir="t"/>
-    </dgm:scene3d>
-    <dgm:sp3d/>
-    <dgm:txPr/>
-    <dgm:style>
-      <a:lnRef idx="2">
-        <a:scrgbClr r="0" g="0" b="0"/>
-      </a:lnRef>
-      <a:fillRef idx="1">
-        <a:scrgbClr r="0" g="0" b="0"/>
-      </a:fillRef>
-      <a:effectRef idx="0">
-        <a:scrgbClr r="0" g="0" b="0"/>
-      </a:effectRef>
-      <a:fontRef idx="minor">
-        <a:schemeClr val="lt1"/>
-      </a:fontRef>
-    </dgm:style>
-  </dgm:styleLbl>
-  <dgm:styleLbl name="vennNode1">
-    <dgm:scene3d>
-      <a:camera prst="orthographicFront"/>
-      <a:lightRig rig="threePt" dir="t"/>
-    </dgm:scene3d>
-    <dgm:sp3d/>
-    <dgm:txPr/>
-    <dgm:style>
-      <a:lnRef idx="2">
-        <a:scrgbClr r="0" g="0" b="0"/>
-      </a:lnRef>
-      <a:fillRef idx="1">
-        <a:scrgbClr r="0" g="0" b="0"/>
-      </a:fillRef>
-      <a:effectRef idx="0">
-        <a:scrgbClr r="0" g="0" b="0"/>
-      </a:effectRef>
-      <a:fontRef idx="minor">
-        <a:schemeClr val="tx1"/>
-      </a:fontRef>
-    </dgm:style>
-  </dgm:styleLbl>
-  <dgm:styleLbl name="alignNode1">
-    <dgm:scene3d>
-      <a:camera prst="orthographicFront"/>
-      <a:lightRig rig="threePt" dir="t"/>
-    </dgm:scene3d>
-    <dgm:sp3d/>
-    <dgm:txPr/>
-    <dgm:style>
-      <a:lnRef idx="2">
-        <a:scrgbClr r="0" g="0" b="0"/>
-      </a:lnRef>
-      <a:fillRef idx="1">
-        <a:scrgbClr r="0" g="0" b="0"/>
-      </a:fillRef>
-      <a:effectRef idx="0">
-        <a:scrgbClr r="0" g="0" b="0"/>
-      </a:effectRef>
-      <a:fontRef idx="minor">
-        <a:schemeClr val="lt1"/>
-      </a:fontRef>
-    </dgm:style>
-  </dgm:styleLbl>
-  <dgm:styleLbl name="node1">
-    <dgm:scene3d>
-      <a:camera prst="orthographicFront"/>
-      <a:lightRig rig="threePt" dir="t"/>
-    </dgm:scene3d>
-    <dgm:sp3d/>
-    <dgm:txPr/>
-    <dgm:style>
-      <a:lnRef idx="2">
-        <a:scrgbClr r="0" g="0" b="0"/>
-      </a:lnRef>
-      <a:fillRef idx="1">
-        <a:scrgbClr r="0" g="0" b="0"/>
-      </a:fillRef>
-      <a:effectRef idx="0">
-        <a:scrgbClr r="0" g="0" b="0"/>
-      </a:effectRef>
-      <a:fontRef idx="minor">
-        <a:schemeClr val="lt1"/>
-      </a:fontRef>
-    </dgm:style>
-  </dgm:styleLbl>
-  <dgm:styleLbl name="node2">
-    <dgm:scene3d>
-      <a:camera prst="orthographicFront"/>
-      <a:lightRig rig="threePt" dir="t"/>
-    </dgm:scene3d>
-    <dgm:sp3d/>
-    <dgm:txPr/>
-    <dgm:style>
-      <a:lnRef idx="2">
-        <a:scrgbClr r="0" g="0" b="0"/>
-      </a:lnRef>
-      <a:fillRef idx="1">
-        <a:scrgbClr r="0" g="0" b="0"/>
-      </a:fillRef>
-      <a:effectRef idx="0">
-        <a:scrgbClr r="0" g="0" b="0"/>
-      </a:effectRef>
-      <a:fontRef idx="minor">
-        <a:schemeClr val="lt1"/>
-      </a:fontRef>
-    </dgm:style>
-  </dgm:styleLbl>
-  <dgm:styleLbl name="node3">
-    <dgm:scene3d>
-      <a:camera prst="orthographicFront"/>
-      <a:lightRig rig="threePt" dir="t"/>
-    </dgm:scene3d>
-    <dgm:sp3d/>
-    <dgm:txPr/>
-    <dgm:style>
-      <a:lnRef idx="2">
-        <a:scrgbClr r="0" g="0" b="0"/>
-      </a:lnRef>
-      <a:fillRef idx="1">
-        <a:scrgbClr r="0" g="0" b="0"/>
-      </a:fillRef>
-      <a:effectRef idx="0">
-        <a:scrgbClr r="0" g="0" b="0"/>
-      </a:effectRef>
-      <a:fontRef idx="minor">
-        <a:schemeClr val="lt1"/>
-      </a:fontRef>
-    </dgm:style>
-  </dgm:styleLbl>
-  <dgm:styleLbl name="node4">
-    <dgm:scene3d>
-      <a:camera prst="orthographicFront"/>
-      <a:lightRig rig="threePt" dir="t"/>
-    </dgm:scene3d>
-    <dgm:sp3d/>
-    <dgm:txPr/>
-    <dgm:style>
-      <a:lnRef idx="2">
-        <a:scrgbClr r="0" g="0" b="0"/>
-      </a:lnRef>
-      <a:fillRef idx="1">
-        <a:scrgbClr r="0" g="0" b="0"/>
-      </a:fillRef>
-      <a:effectRef idx="0">
-        <a:scrgbClr r="0" g="0" b="0"/>
-      </a:effectRef>
-      <a:fontRef idx="minor">
-        <a:schemeClr val="lt1"/>
-      </a:fontRef>
-    </dgm:style>
-  </dgm:styleLbl>
-  <dgm:styleLbl name="fgImgPlace1">
-    <dgm:scene3d>
-      <a:camera prst="orthographicFront"/>
-      <a:lightRig rig="threePt" dir="t"/>
-    </dgm:scene3d>
-    <dgm:sp3d/>
-    <dgm:txPr/>
-    <dgm:style>
-      <a:lnRef idx="2">
-        <a:scrgbClr r="0" g="0" b="0"/>
-      </a:lnRef>
-      <a:fillRef idx="1">
-        <a:scrgbClr r="0" g="0" b="0"/>
-      </a:fillRef>
-      <a:effectRef idx="0">
-        <a:scrgbClr r="0" g="0" b="0"/>
-      </a:effectRef>
-      <a:fontRef idx="minor"/>
-    </dgm:style>
-  </dgm:styleLbl>
-  <dgm:styleLbl name="alignImgPlace1">
-    <dgm:scene3d>
-      <a:camera prst="orthographicFront"/>
-      <a:lightRig rig="threePt" dir="t"/>
-    </dgm:scene3d>
-    <dgm:sp3d/>
-    <dgm:txPr/>
-    <dgm:style>
-      <a:lnRef idx="2">
-        <a:scrgbClr r="0" g="0" b="0"/>
-      </a:lnRef>
-      <a:fillRef idx="1">
-        <a:scrgbClr r="0" g="0" b="0"/>
-      </a:fillRef>
-      <a:effectRef idx="0">
-        <a:scrgbClr r="0" g="0" b="0"/>
-      </a:effectRef>
-      <a:fontRef idx="minor"/>
-    </dgm:style>
-  </dgm:styleLbl>
-  <dgm:styleLbl name="bgImgPlace1">
-    <dgm:scene3d>
-      <a:camera prst="orthographicFront"/>
-      <a:lightRig rig="threePt" dir="t"/>
-    </dgm:scene3d>
-    <dgm:sp3d/>
-    <dgm:txPr/>
-    <dgm:style>
-      <a:lnRef idx="2">
-        <a:scrgbClr r="0" g="0" b="0"/>
-      </a:lnRef>
-      <a:fillRef idx="1">
-        <a:scrgbClr r="0" g="0" b="0"/>
-      </a:fillRef>
-      <a:effectRef idx="0">
-        <a:scrgbClr r="0" g="0" b="0"/>
-      </a:effectRef>
-      <a:fontRef idx="minor"/>
-    </dgm:style>
-  </dgm:styleLbl>
-  <dgm:styleLbl name="sibTrans2D1">
-    <dgm:scene3d>
-      <a:camera prst="orthographicFront"/>
-      <a:lightRig rig="threePt" dir="t"/>
-    </dgm:scene3d>
-    <dgm:sp3d/>
-    <dgm:txPr/>
-    <dgm:style>
-      <a:lnRef idx="0">
-        <a:scrgbClr r="0" g="0" b="0"/>
-      </a:lnRef>
-      <a:fillRef idx="1">
-        <a:scrgbClr r="0" g="0" b="0"/>
-      </a:fillRef>
-      <a:effectRef idx="0">
-        <a:scrgbClr r="0" g="0" b="0"/>
-      </a:effectRef>
-      <a:fontRef idx="minor">
-        <a:schemeClr val="lt1"/>
-      </a:fontRef>
-    </dgm:style>
-  </dgm:styleLbl>
-  <dgm:styleLbl name="fgSibTrans2D1">
-    <dgm:scene3d>
-      <a:camera prst="orthographicFront"/>
-      <a:lightRig rig="threePt" dir="t"/>
-    </dgm:scene3d>
-    <dgm:sp3d/>
-    <dgm:txPr/>
-    <dgm:style>
-      <a:lnRef idx="0">
-        <a:scrgbClr r="0" g="0" b="0"/>
-      </a:lnRef>
-      <a:fillRef idx="1">
-        <a:scrgbClr r="0" g="0" b="0"/>
-      </a:fillRef>
-      <a:effectRef idx="0">
-        <a:scrgbClr r="0" g="0" b="0"/>
-      </a:effectRef>
-      <a:fontRef idx="minor">
-        <a:schemeClr val="lt1"/>
-      </a:fontRef>
-    </dgm:style>
-  </dgm:styleLbl>
-  <dgm:styleLbl name="bgSibTrans2D1">
-    <dgm:scene3d>
-      <a:camera prst="orthographicFront"/>
-      <a:lightRig rig="threePt" dir="t"/>
-    </dgm:scene3d>
-    <dgm:sp3d/>
-    <dgm:txPr/>
-    <dgm:style>
-      <a:lnRef idx="0">
-        <a:scrgbClr r="0" g="0" b="0"/>
-      </a:lnRef>
-      <a:fillRef idx="1">
-        <a:scrgbClr r="0" g="0" b="0"/>
-      </a:fillRef>
-      <a:effectRef idx="0">
-        <a:scrgbClr r="0" g="0" b="0"/>
-      </a:effectRef>
-      <a:fontRef idx="minor">
-        <a:schemeClr val="lt1"/>
-      </a:fontRef>
-    </dgm:style>
-  </dgm:styleLbl>
-  <dgm:styleLbl name="sibTrans1D1">
-    <dgm:scene3d>
-      <a:camera prst="orthographicFront"/>
-      <a:lightRig rig="threePt" dir="t"/>
-    </dgm:scene3d>
-    <dgm:sp3d/>
-    <dgm:txPr/>
-    <dgm:style>
-      <a:lnRef idx="1">
-        <a:scrgbClr r="0" g="0" b="0"/>
-      </a:lnRef>
-      <a:fillRef idx="0">
-        <a:scrgbClr r="0" g="0" b="0"/>
-      </a:fillRef>
-      <a:effectRef idx="0">
-        <a:scrgbClr r="0" g="0" b="0"/>
-      </a:effectRef>
-      <a:fontRef idx="minor"/>
-    </dgm:style>
-  </dgm:styleLbl>
-  <dgm:styleLbl name="callout">
-    <dgm:scene3d>
-      <a:camera prst="orthographicFront"/>
-      <a:lightRig rig="threePt" dir="t"/>
-    </dgm:scene3d>
-    <dgm:sp3d/>
-    <dgm:txPr/>
-    <dgm:style>
-      <a:lnRef idx="2">
-        <a:scrgbClr r="0" g="0" b="0"/>
-      </a:lnRef>
-      <a:fillRef idx="1">
-        <a:scrgbClr r="0" g="0" b="0"/>
-      </a:fillRef>
-      <a:effectRef idx="0">
-        <a:scrgbClr r="0" g="0" b="0"/>
-      </a:effectRef>
-      <a:fontRef idx="minor"/>
-    </dgm:style>
-  </dgm:styleLbl>
-  <dgm:styleLbl name="asst0">
-    <dgm:scene3d>
-      <a:camera prst="orthographicFront"/>
-      <a:lightRig rig="threePt" dir="t"/>
-    </dgm:scene3d>
-    <dgm:sp3d/>
-    <dgm:txPr/>
-    <dgm:style>
-      <a:lnRef idx="2">
-        <a:scrgbClr r="0" g="0" b="0"/>
-      </a:lnRef>
-      <a:fillRef idx="1">
-        <a:scrgbClr r="0" g="0" b="0"/>
-      </a:fillRef>
-      <a:effectRef idx="0">
-        <a:scrgbClr r="0" g="0" b="0"/>
-      </a:effectRef>
-      <a:fontRef idx="minor">
-        <a:schemeClr val="lt1"/>
-      </a:fontRef>
-    </dgm:style>
-  </dgm:styleLbl>
-  <dgm:styleLbl name="asst1">
-    <dgm:scene3d>
-      <a:camera prst="orthographicFront"/>
-      <a:lightRig rig="threePt" dir="t"/>
-    </dgm:scene3d>
-    <dgm:sp3d/>
-    <dgm:txPr/>
-    <dgm:style>
-      <a:lnRef idx="2">
-        <a:scrgbClr r="0" g="0" b="0"/>
-      </a:lnRef>
-      <a:fillRef idx="1">
-        <a:scrgbClr r="0" g="0" b="0"/>
-      </a:fillRef>
-      <a:effectRef idx="0">
-        <a:scrgbClr r="0" g="0" b="0"/>
-      </a:effectRef>
-      <a:fontRef idx="minor">
-        <a:schemeClr val="lt1"/>
-      </a:fontRef>
-    </dgm:style>
-  </dgm:styleLbl>
-  <dgm:styleLbl name="asst2">
-    <dgm:scene3d>
-      <a:camera prst="orthographicFront"/>
-      <a:lightRig rig="threePt" dir="t"/>
-    </dgm:scene3d>
-    <dgm:sp3d/>
-    <dgm:txPr/>
-    <dgm:style>
-      <a:lnRef idx="2">
-        <a:scrgbClr r="0" g="0" b="0"/>
-      </a:lnRef>
-      <a:fillRef idx="1">
-        <a:scrgbClr r="0" g="0" b="0"/>
-      </a:fillRef>
-      <a:effectRef idx="0">
-        <a:scrgbClr r="0" g="0" b="0"/>
-      </a:effectRef>
-      <a:fontRef idx="minor">
-        <a:schemeClr val="lt1"/>
-      </a:fontRef>
-    </dgm:style>
-  </dgm:styleLbl>
-  <dgm:styleLbl name="asst3">
-    <dgm:scene3d>
-      <a:camera prst="orthographicFront"/>
-      <a:lightRig rig="threePt" dir="t"/>
-    </dgm:scene3d>
-    <dgm:sp3d/>
-    <dgm:txPr/>
-    <dgm:style>
-      <a:lnRef idx="2">
-        <a:scrgbClr r="0" g="0" b="0"/>
-      </a:lnRef>
-      <a:fillRef idx="1">
-        <a:scrgbClr r="0" g="0" b="0"/>
-      </a:fillRef>
-      <a:effectRef idx="0">
-        <a:scrgbClr r="0" g="0" b="0"/>
-      </a:effectRef>
-      <a:fontRef idx="minor">
-        <a:schemeClr val="lt1"/>
-      </a:fontRef>
-    </dgm:style>
-  </dgm:styleLbl>
-  <dgm:styleLbl name="asst4">
-    <dgm:scene3d>
-      <a:camera prst="orthographicFront"/>
-      <a:lightRig rig="threePt" dir="t"/>
-    </dgm:scene3d>
-    <dgm:sp3d/>
-    <dgm:txPr/>
-    <dgm:style>
-      <a:lnRef idx="2">
-        <a:scrgbClr r="0" g="0" b="0"/>
-      </a:lnRef>
-      <a:fillRef idx="1">
-        <a:scrgbClr r="0" g="0" b="0"/>
-      </a:fillRef>
-      <a:effectRef idx="0">
-        <a:scrgbClr r="0" g="0" b="0"/>
-      </a:effectRef>
-      <a:fontRef idx="minor">
-        <a:schemeClr val="lt1"/>
-      </a:fontRef>
-    </dgm:style>
-  </dgm:styleLbl>
-  <dgm:styleLbl name="parChTrans2D1">
-    <dgm:scene3d>
-      <a:camera prst="orthographicFront"/>
-      <a:lightRig rig="threePt" dir="t"/>
-    </dgm:scene3d>
-    <dgm:sp3d/>
-    <dgm:txPr/>
-    <dgm:style>
-      <a:lnRef idx="2">
-        <a:scrgbClr r="0" g="0" b="0"/>
-      </a:lnRef>
-      <a:fillRef idx="1">
-        <a:scrgbClr r="0" g="0" b="0"/>
-      </a:fillRef>
-      <a:effectRef idx="0">
-        <a:scrgbClr r="0" g="0" b="0"/>
-      </a:effectRef>
-      <a:fontRef idx="minor">
-        <a:schemeClr val="lt1"/>
-      </a:fontRef>
-    </dgm:style>
-  </dgm:styleLbl>
-  <dgm:styleLbl name="parChTrans2D2">
-    <dgm:scene3d>
-      <a:camera prst="orthographicFront"/>
-      <a:lightRig rig="threePt" dir="t"/>
-    </dgm:scene3d>
-    <dgm:sp3d/>
-    <dgm:txPr/>
-    <dgm:style>
-      <a:lnRef idx="2">
-        <a:scrgbClr r="0" g="0" b="0"/>
-      </a:lnRef>
-      <a:fillRef idx="1">
-        <a:scrgbClr r="0" g="0" b="0"/>
-      </a:fillRef>
-      <a:effectRef idx="0">
-        <a:scrgbClr r="0" g="0" b="0"/>
-      </a:effectRef>
-      <a:fontRef idx="minor">
-        <a:schemeClr val="lt1"/>
-      </a:fontRef>
-    </dgm:style>
-  </dgm:styleLbl>
-  <dgm:styleLbl name="parChTrans2D3">
-    <dgm:scene3d>
-      <a:camera prst="orthographicFront"/>
-      <a:lightRig rig="threePt" dir="t"/>
-    </dgm:scene3d>
-    <dgm:sp3d/>
-    <dgm:txPr/>
-    <dgm:style>
-      <a:lnRef idx="2">
-        <a:scrgbClr r="0" g="0" b="0"/>
-      </a:lnRef>
-      <a:fillRef idx="1">
-        <a:scrgbClr r="0" g="0" b="0"/>
-      </a:fillRef>
-      <a:effectRef idx="0">
-        <a:scrgbClr r="0" g="0" b="0"/>
-      </a:effectRef>
-      <a:fontRef idx="minor">
-        <a:schemeClr val="lt1"/>
-      </a:fontRef>
-    </dgm:style>
-  </dgm:styleLbl>
-  <dgm:styleLbl name="parChTrans2D4">
-    <dgm:scene3d>
-      <a:camera prst="orthographicFront"/>
-      <a:lightRig rig="threePt" dir="t"/>
-    </dgm:scene3d>
-    <dgm:sp3d/>
-    <dgm:txPr/>
-    <dgm:style>
-      <a:lnRef idx="2">
-        <a:scrgbClr r="0" g="0" b="0"/>
-      </a:lnRef>
-      <a:fillRef idx="1">
-        <a:scrgbClr r="0" g="0" b="0"/>
-      </a:fillRef>
-      <a:effectRef idx="0">
-        <a:scrgbClr r="0" g="0" b="0"/>
-      </a:effectRef>
-      <a:fontRef idx="minor">
-        <a:schemeClr val="lt1"/>
-      </a:fontRef>
-    </dgm:style>
-  </dgm:styleLbl>
-  <dgm:styleLbl name="parChTrans1D1">
-    <dgm:scene3d>
-      <a:camera prst="orthographicFront"/>
-      <a:lightRig rig="threePt" dir="t"/>
-    </dgm:scene3d>
-    <dgm:sp3d/>
-    <dgm:txPr/>
-    <dgm:style>
-      <a:lnRef idx="2">
-        <a:scrgbClr r="0" g="0" b="0"/>
-      </a:lnRef>
-      <a:fillRef idx="0">
-        <a:scrgbClr r="0" g="0" b="0"/>
-      </a:fillRef>
-      <a:effectRef idx="0">
-        <a:scrgbClr r="0" g="0" b="0"/>
-      </a:effectRef>
-      <a:fontRef idx="minor"/>
-    </dgm:style>
-  </dgm:styleLbl>
-  <dgm:styleLbl name="parChTrans1D2">
-    <dgm:scene3d>
-      <a:camera prst="orthographicFront"/>
-      <a:lightRig rig="threePt" dir="t"/>
-    </dgm:scene3d>
-    <dgm:sp3d/>
-    <dgm:txPr/>
-    <dgm:style>
-      <a:lnRef idx="2">
-        <a:scrgbClr r="0" g="0" b="0"/>
-      </a:lnRef>
-      <a:fillRef idx="0">
-        <a:scrgbClr r="0" g="0" b="0"/>
-      </a:fillRef>
-      <a:effectRef idx="0">
-        <a:scrgbClr r="0" g="0" b="0"/>
-      </a:effectRef>
-      <a:fontRef idx="minor"/>
-    </dgm:style>
-  </dgm:styleLbl>
-  <dgm:styleLbl name="parChTrans1D3">
-    <dgm:scene3d>
-      <a:camera prst="orthographicFront"/>
-      <a:lightRig rig="threePt" dir="t"/>
-    </dgm:scene3d>
-    <dgm:sp3d/>
-    <dgm:txPr/>
-    <dgm:style>
-      <a:lnRef idx="2">
-        <a:scrgbClr r="0" g="0" b="0"/>
-      </a:lnRef>
-      <a:fillRef idx="0">
-        <a:scrgbClr r="0" g="0" b="0"/>
-      </a:fillRef>
-      <a:effectRef idx="0">
-        <a:scrgbClr r="0" g="0" b="0"/>
-      </a:effectRef>
-      <a:fontRef idx="minor"/>
-    </dgm:style>
-  </dgm:styleLbl>
-  <dgm:styleLbl name="parChTrans1D4">
-    <dgm:scene3d>
-      <a:camera prst="orthographicFront"/>
-      <a:lightRig rig="threePt" dir="t"/>
-    </dgm:scene3d>
-    <dgm:sp3d/>
-    <dgm:txPr/>
-    <dgm:style>
-      <a:lnRef idx="2">
-        <a:scrgbClr r="0" g="0" b="0"/>
-      </a:lnRef>
-      <a:fillRef idx="0">
-        <a:scrgbClr r="0" g="0" b="0"/>
-      </a:fillRef>
-      <a:effectRef idx="0">
-        <a:scrgbClr r="0" g="0" b="0"/>
-      </a:effectRef>
-      <a:fontRef idx="minor"/>
-    </dgm:style>
-  </dgm:styleLbl>
-  <dgm:styleLbl name="fgAcc1">
-    <dgm:scene3d>
-      <a:camera prst="orthographicFront"/>
-      <a:lightRig rig="threePt" dir="t"/>
-    </dgm:scene3d>
-    <dgm:sp3d/>
-    <dgm:txPr/>
-    <dgm:style>
-      <a:lnRef idx="2">
-        <a:scrgbClr r="0" g="0" b="0"/>
-      </a:lnRef>
-      <a:fillRef idx="1">
-        <a:scrgbClr r="0" g="0" b="0"/>
-      </a:fillRef>
-      <a:effectRef idx="0">
-        <a:scrgbClr r="0" g="0" b="0"/>
-      </a:effectRef>
-      <a:fontRef idx="minor"/>
-    </dgm:style>
-  </dgm:styleLbl>
-  <dgm:styleLbl name="conFgAcc1">
-    <dgm:scene3d>
-      <a:camera prst="orthographicFront"/>
-      <a:lightRig rig="threePt" dir="t"/>
-    </dgm:scene3d>
-    <dgm:sp3d/>
-    <dgm:txPr/>
-    <dgm:style>
-      <a:lnRef idx="2">
-        <a:scrgbClr r="0" g="0" b="0"/>
-      </a:lnRef>
-      <a:fillRef idx="1">
-        <a:scrgbClr r="0" g="0" b="0"/>
-      </a:fillRef>
-      <a:effectRef idx="0">
-        <a:scrgbClr r="0" g="0" b="0"/>
-      </a:effectRef>
-      <a:fontRef idx="minor"/>
-    </dgm:style>
-  </dgm:styleLbl>
-  <dgm:styleLbl name="alignAcc1">
-    <dgm:scene3d>
-      <a:camera prst="orthographicFront"/>
-      <a:lightRig rig="threePt" dir="t"/>
-    </dgm:scene3d>
-    <dgm:sp3d/>
-    <dgm:txPr/>
-    <dgm:style>
-      <a:lnRef idx="2">
-        <a:scrgbClr r="0" g="0" b="0"/>
-      </a:lnRef>
-      <a:fillRef idx="1">
-        <a:scrgbClr r="0" g="0" b="0"/>
-      </a:fillRef>
-      <a:effectRef idx="0">
-        <a:scrgbClr r="0" g="0" b="0"/>
-      </a:effectRef>
-      <a:fontRef idx="minor"/>
-    </dgm:style>
-  </dgm:styleLbl>
-  <dgm:styleLbl name="trAlignAcc1">
-    <dgm:scene3d>
-      <a:camera prst="orthographicFront"/>
-      <a:lightRig rig="threePt" dir="t"/>
-    </dgm:scene3d>
-    <dgm:sp3d/>
-    <dgm:txPr/>
-    <dgm:style>
-      <a:lnRef idx="1">
-        <a:scrgbClr r="0" g="0" b="0"/>
-      </a:lnRef>
-      <a:fillRef idx="1">
-        <a:scrgbClr r="0" g="0" b="0"/>
-      </a:fillRef>
-      <a:effectRef idx="0">
-        <a:scrgbClr r="0" g="0" b="0"/>
-      </a:effectRef>
-      <a:fontRef idx="minor"/>
-    </dgm:style>
-  </dgm:styleLbl>
-  <dgm:styleLbl name="bgAcc1">
-    <dgm:scene3d>
-      <a:camera prst="orthographicFront"/>
-      <a:lightRig rig="threePt" dir="t"/>
-    </dgm:scene3d>
-    <dgm:sp3d/>
-    <dgm:txPr/>
-    <dgm:style>
-      <a:lnRef idx="2">
-        <a:scrgbClr r="0" g="0" b="0"/>
-      </a:lnRef>
-      <a:fillRef idx="1">
-        <a:scrgbClr r="0" g="0" b="0"/>
-      </a:fillRef>
-      <a:effectRef idx="0">
-        <a:scrgbClr r="0" g="0" b="0"/>
-      </a:effectRef>
-      <a:fontRef idx="minor"/>
-    </dgm:style>
-  </dgm:styleLbl>
-  <dgm:styleLbl name="solidFgAcc1">
-    <dgm:scene3d>
-      <a:camera prst="orthographicFront"/>
-      <a:lightRig rig="threePt" dir="t"/>
-    </dgm:scene3d>
-    <dgm:sp3d/>
-    <dgm:txPr/>
-    <dgm:style>
-      <a:lnRef idx="2">
-        <a:scrgbClr r="0" g="0" b="0"/>
-      </a:lnRef>
-      <a:fillRef idx="1">
-        <a:scrgbClr r="0" g="0" b="0"/>
-      </a:fillRef>
-      <a:effectRef idx="0">
-        <a:scrgbClr r="0" g="0" b="0"/>
-      </a:effectRef>
-      <a:fontRef idx="minor"/>
-    </dgm:style>
-  </dgm:styleLbl>
-  <dgm:styleLbl name="solidAlignAcc1">
-    <dgm:scene3d>
-      <a:camera prst="orthographicFront"/>
-      <a:lightRig rig="threePt" dir="t"/>
-    </dgm:scene3d>
-    <dgm:sp3d/>
-    <dgm:txPr/>
-    <dgm:style>
-      <a:lnRef idx="2">
-        <a:scrgbClr r="0" g="0" b="0"/>
-      </a:lnRef>
-      <a:fillRef idx="1">
-        <a:scrgbClr r="0" g="0" b="0"/>
-      </a:fillRef>
-      <a:effectRef idx="0">
-        <a:scrgbClr r="0" g="0" b="0"/>
-      </a:effectRef>
-      <a:fontRef idx="minor"/>
-    </dgm:style>
-  </dgm:styleLbl>
-  <dgm:styleLbl name="solidBgAcc1">
-    <dgm:scene3d>
-      <a:camera prst="orthographicFront"/>
-      <a:lightRig rig="threePt" dir="t"/>
-    </dgm:scene3d>
-    <dgm:sp3d/>
-    <dgm:txPr/>
-    <dgm:style>
-      <a:lnRef idx="2">
-        <a:scrgbClr r="0" g="0" b="0"/>
-      </a:lnRef>
-      <a:fillRef idx="1">
-        <a:scrgbClr r="0" g="0" b="0"/>
-      </a:fillRef>
-      <a:effectRef idx="0">
-        <a:scrgbClr r="0" g="0" b="0"/>
-      </a:effectRef>
-      <a:fontRef idx="minor"/>
-    </dgm:style>
-  </dgm:styleLbl>
-  <dgm:styleLbl name="fgAccFollowNode1">
-    <dgm:scene3d>
-      <a:camera prst="orthographicFront"/>
-      <a:lightRig rig="threePt" dir="t"/>
-    </dgm:scene3d>
-    <dgm:sp3d/>
-    <dgm:txPr/>
-    <dgm:style>
-      <a:lnRef idx="2">
-        <a:scrgbClr r="0" g="0" b="0"/>
-      </a:lnRef>
-      <a:fillRef idx="1">
-        <a:scrgbClr r="0" g="0" b="0"/>
-      </a:fillRef>
-      <a:effectRef idx="0">
-        <a:scrgbClr r="0" g="0" b="0"/>
-      </a:effectRef>
-      <a:fontRef idx="minor"/>
-    </dgm:style>
-  </dgm:styleLbl>
-  <dgm:styleLbl name="alignAccFollowNode1">
-    <dgm:scene3d>
-      <a:camera prst="orthographicFront"/>
-      <a:lightRig rig="threePt" dir="t"/>
-    </dgm:scene3d>
-    <dgm:sp3d/>
-    <dgm:txPr/>
-    <dgm:style>
-      <a:lnRef idx="2">
-        <a:scrgbClr r="0" g="0" b="0"/>
-      </a:lnRef>
-      <a:fillRef idx="1">
-        <a:scrgbClr r="0" g="0" b="0"/>
-      </a:fillRef>
-      <a:effectRef idx="0">
-        <a:scrgbClr r="0" g="0" b="0"/>
-      </a:effectRef>
-      <a:fontRef idx="minor"/>
-    </dgm:style>
-  </dgm:styleLbl>
-  <dgm:styleLbl name="bgAccFollowNode1">
-    <dgm:scene3d>
-      <a:camera prst="orthographicFront"/>
-      <a:lightRig rig="threePt" dir="t"/>
-    </dgm:scene3d>
-    <dgm:sp3d/>
-    <dgm:txPr/>
-    <dgm:style>
-      <a:lnRef idx="2">
-        <a:scrgbClr r="0" g="0" b="0"/>
-      </a:lnRef>
-      <a:fillRef idx="1">
-        <a:scrgbClr r="0" g="0" b="0"/>
-      </a:fillRef>
-      <a:effectRef idx="0">
-        <a:scrgbClr r="0" g="0" b="0"/>
-      </a:effectRef>
-      <a:fontRef idx="minor"/>
-    </dgm:style>
-  </dgm:styleLbl>
-  <dgm:styleLbl name="fgAcc0">
-    <dgm:scene3d>
-      <a:camera prst="orthographicFront"/>
-      <a:lightRig rig="threePt" dir="t"/>
-    </dgm:scene3d>
-    <dgm:sp3d/>
-    <dgm:txPr/>
-    <dgm:style>
-      <a:lnRef idx="2">
-        <a:scrgbClr r="0" g="0" b="0"/>
-      </a:lnRef>
-      <a:fillRef idx="1">
-        <a:scrgbClr r="0" g="0" b="0"/>
-      </a:fillRef>
-      <a:effectRef idx="0">
-        <a:scrgbClr r="0" g="0" b="0"/>
-      </a:effectRef>
-      <a:fontRef idx="minor"/>
-    </dgm:style>
-  </dgm:styleLbl>
-  <dgm:styleLbl name="fgAcc2">
-    <dgm:scene3d>
-      <a:camera prst="orthographicFront"/>
-      <a:lightRig rig="threePt" dir="t"/>
-    </dgm:scene3d>
-    <dgm:sp3d/>
-    <dgm:txPr/>
-    <dgm:style>
-      <a:lnRef idx="2">
-        <a:scrgbClr r="0" g="0" b="0"/>
-      </a:lnRef>
-      <a:fillRef idx="1">
-        <a:scrgbClr r="0" g="0" b="0"/>
-      </a:fillRef>
-      <a:effectRef idx="0">
-        <a:scrgbClr r="0" g="0" b="0"/>
-      </a:effectRef>
-      <a:fontRef idx="minor"/>
-    </dgm:style>
-  </dgm:styleLbl>
-  <dgm:styleLbl name="fgAcc3">
-    <dgm:scene3d>
-      <a:camera prst="orthographicFront"/>
-      <a:lightRig rig="threePt" dir="t"/>
-    </dgm:scene3d>
-    <dgm:sp3d/>
-    <dgm:txPr/>
-    <dgm:style>
-      <a:lnRef idx="2">
-        <a:scrgbClr r="0" g="0" b="0"/>
-      </a:lnRef>
-      <a:fillRef idx="1">
-        <a:scrgbClr r="0" g="0" b="0"/>
-      </a:fillRef>
-      <a:effectRef idx="0">
-        <a:scrgbClr r="0" g="0" b="0"/>
-      </a:effectRef>
-      <a:fontRef idx="minor"/>
-    </dgm:style>
-  </dgm:styleLbl>
-  <dgm:styleLbl name="fgAcc4">
-    <dgm:scene3d>
-      <a:camera prst="orthographicFront"/>
-      <a:lightRig rig="threePt" dir="t"/>
-    </dgm:scene3d>
-    <dgm:sp3d/>
-    <dgm:txPr/>
-    <dgm:style>
-      <a:lnRef idx="2">
-        <a:scrgbClr r="0" g="0" b="0"/>
-      </a:lnRef>
-      <a:fillRef idx="1">
-        <a:scrgbClr r="0" g="0" b="0"/>
-      </a:fillRef>
-      <a:effectRef idx="0">
-        <a:scrgbClr r="0" g="0" b="0"/>
-      </a:effectRef>
-      <a:fontRef idx="minor"/>
-    </dgm:style>
-  </dgm:styleLbl>
-  <dgm:styleLbl name="bgShp">
-    <dgm:scene3d>
-      <a:camera prst="orthographicFront"/>
-      <a:lightRig rig="threePt" dir="t"/>
-    </dgm:scene3d>
-    <dgm:sp3d/>
-    <dgm:txPr/>
-    <dgm:style>
-      <a:lnRef idx="0">
-        <a:scrgbClr r="0" g="0" b="0"/>
-      </a:lnRef>
-      <a:fillRef idx="1">
-        <a:scrgbClr r="0" g="0" b="0"/>
-      </a:fillRef>
-      <a:effectRef idx="0">
-        <a:scrgbClr r="0" g="0" b="0"/>
-      </a:effectRef>
-      <a:fontRef idx="minor"/>
-    </dgm:style>
-  </dgm:styleLbl>
-  <dgm:styleLbl name="dkBgShp">
-    <dgm:scene3d>
-      <a:camera prst="orthographicFront"/>
-      <a:lightRig rig="threePt" dir="t"/>
-    </dgm:scene3d>
-    <dgm:sp3d/>
-    <dgm:txPr/>
-    <dgm:style>
-      <a:lnRef idx="0">
-        <a:scrgbClr r="0" g="0" b="0"/>
-      </a:lnRef>
-      <a:fillRef idx="1">
-        <a:scrgbClr r="0" g="0" b="0"/>
-      </a:fillRef>
-      <a:effectRef idx="0">
-        <a:scrgbClr r="0" g="0" b="0"/>
-      </a:effectRef>
-      <a:fontRef idx="minor"/>
-    </dgm:style>
-  </dgm:styleLbl>
-  <dgm:styleLbl name="trBgShp">
-    <dgm:scene3d>
-      <a:camera prst="orthographicFront"/>
-      <a:lightRig rig="threePt" dir="t"/>
-    </dgm:scene3d>
-    <dgm:sp3d/>
-    <dgm:txPr/>
-    <dgm:style>
-      <a:lnRef idx="0">
-        <a:scrgbClr r="0" g="0" b="0"/>
-      </a:lnRef>
-      <a:fillRef idx="1">
-        <a:scrgbClr r="0" g="0" b="0"/>
-      </a:fillRef>
-      <a:effectRef idx="0">
-        <a:scrgbClr r="0" g="0" b="0"/>
-      </a:effectRef>
-      <a:fontRef idx="minor"/>
-    </dgm:style>
-  </dgm:styleLbl>
-  <dgm:styleLbl name="fgShp">
-    <dgm:scene3d>
-      <a:camera prst="orthographicFront"/>
-      <a:lightRig rig="threePt" dir="t"/>
-    </dgm:scene3d>
-    <dgm:sp3d/>
-    <dgm:txPr/>
-    <dgm:style>
-      <a:lnRef idx="2">
-        <a:scrgbClr r="0" g="0" b="0"/>
-      </a:lnRef>
-      <a:fillRef idx="1">
-        <a:scrgbClr r="0" g="0" b="0"/>
-      </a:fillRef>
-      <a:effectRef idx="0">
-        <a:scrgbClr r="0" g="0" b="0"/>
-      </a:effectRef>
-      <a:fontRef idx="minor"/>
-    </dgm:style>
-  </dgm:styleLbl>
-  <dgm:styleLbl name="revTx">
-    <dgm:scene3d>
-      <a:camera prst="orthographicFront"/>
-      <a:lightRig rig="threePt" dir="t"/>
-    </dgm:scene3d>
-    <dgm:sp3d/>
-    <dgm:txPr/>
-    <dgm:style>
-      <a:lnRef idx="0">
-        <a:scrgbClr r="0" g="0" b="0"/>
-      </a:lnRef>
-      <a:fillRef idx="0">
-        <a:scrgbClr r="0" g="0" b="0"/>
-      </a:fillRef>
-      <a:effectRef idx="0">
-        <a:scrgbClr r="0" g="0" b="0"/>
-      </a:effectRef>
-      <a:fontRef idx="minor"/>
-    </dgm:style>
-  </dgm:styleLbl>
-</dgm:styleDef>
-</file>
-
-<file path=ppt/diagrams/quickStyle6.xml><?xml version="1.0" encoding="utf-8"?>
-<dgm:styleDef xmlns:dgm="http://schemas.openxmlformats.org/drawingml/2006/diagram" xmlns:a="http://schemas.openxmlformats.org/drawingml/2006/main" uniqueId="urn:microsoft.com/office/officeart/2005/8/quickstyle/simple1">
-  <dgm:title val=""/>
-  <dgm:desc val=""/>
-  <dgm:catLst>
-    <dgm:cat type="simple" pri="10100"/>
-  </dgm:catLst>
-  <dgm:scene3d>
-    <a:camera prst="orthographicFront"/>
-    <a:lightRig rig="threePt" dir="t"/>
-  </dgm:scene3d>
-  <dgm:styleLbl name="node0">
-    <dgm:scene3d>
-      <a:camera prst="orthographicFront"/>
-      <a:lightRig rig="threePt" dir="t"/>
-    </dgm:scene3d>
-    <dgm:sp3d/>
-    <dgm:txPr/>
-    <dgm:style>
-      <a:lnRef idx="2">
-        <a:scrgbClr r="0" g="0" b="0"/>
-      </a:lnRef>
-      <a:fillRef idx="1">
-        <a:scrgbClr r="0" g="0" b="0"/>
-      </a:fillRef>
-      <a:effectRef idx="0">
-        <a:scrgbClr r="0" g="0" b="0"/>
-      </a:effectRef>
-      <a:fontRef idx="minor">
-        <a:schemeClr val="lt1"/>
-      </a:fontRef>
-    </dgm:style>
-  </dgm:styleLbl>
-  <dgm:styleLbl name="lnNode1">
-    <dgm:scene3d>
-      <a:camera prst="orthographicFront"/>
-      <a:lightRig rig="threePt" dir="t"/>
-    </dgm:scene3d>
-    <dgm:sp3d/>
-    <dgm:txPr/>
-    <dgm:style>
-      <a:lnRef idx="2">
-        <a:scrgbClr r="0" g="0" b="0"/>
-      </a:lnRef>
-      <a:fillRef idx="1">
-        <a:scrgbClr r="0" g="0" b="0"/>
-      </a:fillRef>
-      <a:effectRef idx="0">
-        <a:scrgbClr r="0" g="0" b="0"/>
-      </a:effectRef>
-      <a:fontRef idx="minor">
-        <a:schemeClr val="lt1"/>
-      </a:fontRef>
-    </dgm:style>
-  </dgm:styleLbl>
-  <dgm:styleLbl name="vennNode1">
-    <dgm:scene3d>
-      <a:camera prst="orthographicFront"/>
-      <a:lightRig rig="threePt" dir="t"/>
-    </dgm:scene3d>
-    <dgm:sp3d/>
-    <dgm:txPr/>
-    <dgm:style>
-      <a:lnRef idx="2">
-        <a:scrgbClr r="0" g="0" b="0"/>
-      </a:lnRef>
-      <a:fillRef idx="1">
-        <a:scrgbClr r="0" g="0" b="0"/>
-      </a:fillRef>
-      <a:effectRef idx="0">
-        <a:scrgbClr r="0" g="0" b="0"/>
-      </a:effectRef>
-      <a:fontRef idx="minor">
-        <a:schemeClr val="tx1"/>
-      </a:fontRef>
-    </dgm:style>
-  </dgm:styleLbl>
-  <dgm:styleLbl name="alignNode1">
-    <dgm:scene3d>
-      <a:camera prst="orthographicFront"/>
-      <a:lightRig rig="threePt" dir="t"/>
-    </dgm:scene3d>
-    <dgm:sp3d/>
-    <dgm:txPr/>
-    <dgm:style>
-      <a:lnRef idx="2">
-        <a:scrgbClr r="0" g="0" b="0"/>
-      </a:lnRef>
-      <a:fillRef idx="1">
-        <a:scrgbClr r="0" g="0" b="0"/>
-      </a:fillRef>
-      <a:effectRef idx="0">
-        <a:scrgbClr r="0" g="0" b="0"/>
-      </a:effectRef>
-      <a:fontRef idx="minor">
-        <a:schemeClr val="lt1"/>
-      </a:fontRef>
-    </dgm:style>
-  </dgm:styleLbl>
-  <dgm:styleLbl name="node1">
-    <dgm:scene3d>
-      <a:camera prst="orthographicFront"/>
-      <a:lightRig rig="threePt" dir="t"/>
-    </dgm:scene3d>
-    <dgm:sp3d/>
-    <dgm:txPr/>
-    <dgm:style>
-      <a:lnRef idx="2">
-        <a:scrgbClr r="0" g="0" b="0"/>
-      </a:lnRef>
-      <a:fillRef idx="1">
-        <a:scrgbClr r="0" g="0" b="0"/>
-      </a:fillRef>
-      <a:effectRef idx="0">
-        <a:scrgbClr r="0" g="0" b="0"/>
-      </a:effectRef>
-      <a:fontRef idx="minor">
-        <a:schemeClr val="lt1"/>
-      </a:fontRef>
-    </dgm:style>
-  </dgm:styleLbl>
-  <dgm:styleLbl name="node2">
-    <dgm:scene3d>
-      <a:camera prst="orthographicFront"/>
-      <a:lightRig rig="threePt" dir="t"/>
-    </dgm:scene3d>
-    <dgm:sp3d/>
-    <dgm:txPr/>
-    <dgm:style>
-      <a:lnRef idx="2">
-        <a:scrgbClr r="0" g="0" b="0"/>
-      </a:lnRef>
-      <a:fillRef idx="1">
-        <a:scrgbClr r="0" g="0" b="0"/>
-      </a:fillRef>
-      <a:effectRef idx="0">
-        <a:scrgbClr r="0" g="0" b="0"/>
-      </a:effectRef>
-      <a:fontRef idx="minor">
-        <a:schemeClr val="lt1"/>
-      </a:fontRef>
-    </dgm:style>
-  </dgm:styleLbl>
-  <dgm:styleLbl name="node3">
-    <dgm:scene3d>
-      <a:camera prst="orthographicFront"/>
-      <a:lightRig rig="threePt" dir="t"/>
-    </dgm:scene3d>
-    <dgm:sp3d/>
-    <dgm:txPr/>
-    <dgm:style>
-      <a:lnRef idx="2">
-        <a:scrgbClr r="0" g="0" b="0"/>
-      </a:lnRef>
-      <a:fillRef idx="1">
-        <a:scrgbClr r="0" g="0" b="0"/>
-      </a:fillRef>
-      <a:effectRef idx="0">
-        <a:scrgbClr r="0" g="0" b="0"/>
-      </a:effectRef>
-      <a:fontRef idx="minor">
-        <a:schemeClr val="lt1"/>
-      </a:fontRef>
-    </dgm:style>
-  </dgm:styleLbl>
-  <dgm:styleLbl name="node4">
-    <dgm:scene3d>
-      <a:camera prst="orthographicFront"/>
-      <a:lightRig rig="threePt" dir="t"/>
-    </dgm:scene3d>
-    <dgm:sp3d/>
-    <dgm:txPr/>
-    <dgm:style>
-      <a:lnRef idx="2">
-        <a:scrgbClr r="0" g="0" b="0"/>
-      </a:lnRef>
-      <a:fillRef idx="1">
-        <a:scrgbClr r="0" g="0" b="0"/>
-      </a:fillRef>
-      <a:effectRef idx="0">
-        <a:scrgbClr r="0" g="0" b="0"/>
-      </a:effectRef>
-      <a:fontRef idx="minor">
-        <a:schemeClr val="lt1"/>
-      </a:fontRef>
-    </dgm:style>
-  </dgm:styleLbl>
-  <dgm:styleLbl name="fgImgPlace1">
-    <dgm:scene3d>
-      <a:camera prst="orthographicFront"/>
-      <a:lightRig rig="threePt" dir="t"/>
-    </dgm:scene3d>
-    <dgm:sp3d/>
-    <dgm:txPr/>
-    <dgm:style>
-      <a:lnRef idx="2">
-        <a:scrgbClr r="0" g="0" b="0"/>
-      </a:lnRef>
-      <a:fillRef idx="1">
-        <a:scrgbClr r="0" g="0" b="0"/>
-      </a:fillRef>
-      <a:effectRef idx="0">
-        <a:scrgbClr r="0" g="0" b="0"/>
-      </a:effectRef>
-      <a:fontRef idx="minor"/>
-    </dgm:style>
-  </dgm:styleLbl>
-  <dgm:styleLbl name="alignImgPlace1">
-    <dgm:scene3d>
-      <a:camera prst="orthographicFront"/>
-      <a:lightRig rig="threePt" dir="t"/>
-    </dgm:scene3d>
-    <dgm:sp3d/>
-    <dgm:txPr/>
-    <dgm:style>
-      <a:lnRef idx="2">
-        <a:scrgbClr r="0" g="0" b="0"/>
-      </a:lnRef>
-      <a:fillRef idx="1">
-        <a:scrgbClr r="0" g="0" b="0"/>
-      </a:fillRef>
-      <a:effectRef idx="0">
-        <a:scrgbClr r="0" g="0" b="0"/>
-      </a:effectRef>
-      <a:fontRef idx="minor"/>
-    </dgm:style>
-  </dgm:styleLbl>
-  <dgm:styleLbl name="bgImgPlace1">
-    <dgm:scene3d>
-      <a:camera prst="orthographicFront"/>
-      <a:lightRig rig="threePt" dir="t"/>
-    </dgm:scene3d>
-    <dgm:sp3d/>
-    <dgm:txPr/>
-    <dgm:style>
-      <a:lnRef idx="2">
-        <a:scrgbClr r="0" g="0" b="0"/>
-      </a:lnRef>
-      <a:fillRef idx="1">
-        <a:scrgbClr r="0" g="0" b="0"/>
-      </a:fillRef>
-      <a:effectRef idx="0">
-        <a:scrgbClr r="0" g="0" b="0"/>
-      </a:effectRef>
-      <a:fontRef idx="minor"/>
-    </dgm:style>
-  </dgm:styleLbl>
-  <dgm:styleLbl name="sibTrans2D1">
-    <dgm:scene3d>
-      <a:camera prst="orthographicFront"/>
-      <a:lightRig rig="threePt" dir="t"/>
-    </dgm:scene3d>
-    <dgm:sp3d/>
-    <dgm:txPr/>
-    <dgm:style>
-      <a:lnRef idx="0">
-        <a:scrgbClr r="0" g="0" b="0"/>
-      </a:lnRef>
-      <a:fillRef idx="1">
-        <a:scrgbClr r="0" g="0" b="0"/>
-      </a:fillRef>
-      <a:effectRef idx="0">
-        <a:scrgbClr r="0" g="0" b="0"/>
-      </a:effectRef>
-      <a:fontRef idx="minor">
-        <a:schemeClr val="lt1"/>
-      </a:fontRef>
-    </dgm:style>
-  </dgm:styleLbl>
-  <dgm:styleLbl name="fgSibTrans2D1">
-    <dgm:scene3d>
-      <a:camera prst="orthographicFront"/>
-      <a:lightRig rig="threePt" dir="t"/>
-    </dgm:scene3d>
-    <dgm:sp3d/>
-    <dgm:txPr/>
-    <dgm:style>
-      <a:lnRef idx="0">
-        <a:scrgbClr r="0" g="0" b="0"/>
-      </a:lnRef>
-      <a:fillRef idx="1">
-        <a:scrgbClr r="0" g="0" b="0"/>
-      </a:fillRef>
-      <a:effectRef idx="0">
-        <a:scrgbClr r="0" g="0" b="0"/>
-      </a:effectRef>
-      <a:fontRef idx="minor">
-        <a:schemeClr val="lt1"/>
-      </a:fontRef>
-    </dgm:style>
-  </dgm:styleLbl>
-  <dgm:styleLbl name="bgSibTrans2D1">
-    <dgm:scene3d>
-      <a:camera prst="orthographicFront"/>
-      <a:lightRig rig="threePt" dir="t"/>
-    </dgm:scene3d>
-    <dgm:sp3d/>
-    <dgm:txPr/>
-    <dgm:style>
-      <a:lnRef idx="0">
-        <a:scrgbClr r="0" g="0" b="0"/>
-      </a:lnRef>
-      <a:fillRef idx="1">
-        <a:scrgbClr r="0" g="0" b="0"/>
-      </a:fillRef>
-      <a:effectRef idx="0">
-        <a:scrgbClr r="0" g="0" b="0"/>
-      </a:effectRef>
-      <a:fontRef idx="minor">
-        <a:schemeClr val="lt1"/>
-      </a:fontRef>
-    </dgm:style>
-  </dgm:styleLbl>
-  <dgm:styleLbl name="sibTrans1D1">
-    <dgm:scene3d>
-      <a:camera prst="orthographicFront"/>
-      <a:lightRig rig="threePt" dir="t"/>
-    </dgm:scene3d>
-    <dgm:sp3d/>
-    <dgm:txPr/>
-    <dgm:style>
-      <a:lnRef idx="1">
-        <a:scrgbClr r="0" g="0" b="0"/>
-      </a:lnRef>
-      <a:fillRef idx="0">
-        <a:scrgbClr r="0" g="0" b="0"/>
-      </a:fillRef>
-      <a:effectRef idx="0">
-        <a:scrgbClr r="0" g="0" b="0"/>
-      </a:effectRef>
-      <a:fontRef idx="minor"/>
-    </dgm:style>
-  </dgm:styleLbl>
-  <dgm:styleLbl name="callout">
-    <dgm:scene3d>
-      <a:camera prst="orthographicFront"/>
-      <a:lightRig rig="threePt" dir="t"/>
-    </dgm:scene3d>
-    <dgm:sp3d/>
-    <dgm:txPr/>
-    <dgm:style>
-      <a:lnRef idx="2">
-        <a:scrgbClr r="0" g="0" b="0"/>
-      </a:lnRef>
-      <a:fillRef idx="1">
-        <a:scrgbClr r="0" g="0" b="0"/>
-      </a:fillRef>
-      <a:effectRef idx="0">
-        <a:scrgbClr r="0" g="0" b="0"/>
-      </a:effectRef>
-      <a:fontRef idx="minor"/>
-    </dgm:style>
-  </dgm:styleLbl>
-  <dgm:styleLbl name="asst0">
-    <dgm:scene3d>
-      <a:camera prst="orthographicFront"/>
-      <a:lightRig rig="threePt" dir="t"/>
-    </dgm:scene3d>
-    <dgm:sp3d/>
-    <dgm:txPr/>
-    <dgm:style>
-      <a:lnRef idx="2">
-        <a:scrgbClr r="0" g="0" b="0"/>
-      </a:lnRef>
-      <a:fillRef idx="1">
-        <a:scrgbClr r="0" g="0" b="0"/>
-      </a:fillRef>
-      <a:effectRef idx="0">
-        <a:scrgbClr r="0" g="0" b="0"/>
-      </a:effectRef>
-      <a:fontRef idx="minor">
-        <a:schemeClr val="lt1"/>
-      </a:fontRef>
-    </dgm:style>
-  </dgm:styleLbl>
-  <dgm:styleLbl name="asst1">
-    <dgm:scene3d>
-      <a:camera prst="orthographicFront"/>
-      <a:lightRig rig="threePt" dir="t"/>
-    </dgm:scene3d>
-    <dgm:sp3d/>
-    <dgm:txPr/>
-    <dgm:style>
-      <a:lnRef idx="2">
-        <a:scrgbClr r="0" g="0" b="0"/>
-      </a:lnRef>
-      <a:fillRef idx="1">
-        <a:scrgbClr r="0" g="0" b="0"/>
-      </a:fillRef>
-      <a:effectRef idx="0">
-        <a:scrgbClr r="0" g="0" b="0"/>
-      </a:effectRef>
-      <a:fontRef idx="minor">
-        <a:schemeClr val="lt1"/>
-      </a:fontRef>
-    </dgm:style>
-  </dgm:styleLbl>
-  <dgm:styleLbl name="asst2">
-    <dgm:scene3d>
-      <a:camera prst="orthographicFront"/>
-      <a:lightRig rig="threePt" dir="t"/>
-    </dgm:scene3d>
-    <dgm:sp3d/>
-    <dgm:txPr/>
-    <dgm:style>
-      <a:lnRef idx="2">
-        <a:scrgbClr r="0" g="0" b="0"/>
-      </a:lnRef>
-      <a:fillRef idx="1">
-        <a:scrgbClr r="0" g="0" b="0"/>
-      </a:fillRef>
-      <a:effectRef idx="0">
-        <a:scrgbClr r="0" g="0" b="0"/>
-      </a:effectRef>
-      <a:fontRef idx="minor">
-        <a:schemeClr val="lt1"/>
-      </a:fontRef>
-    </dgm:style>
-  </dgm:styleLbl>
-  <dgm:styleLbl name="asst3">
-    <dgm:scene3d>
-      <a:camera prst="orthographicFront"/>
-      <a:lightRig rig="threePt" dir="t"/>
-    </dgm:scene3d>
-    <dgm:sp3d/>
-    <dgm:txPr/>
-    <dgm:style>
-      <a:lnRef idx="2">
-        <a:scrgbClr r="0" g="0" b="0"/>
-      </a:lnRef>
-      <a:fillRef idx="1">
-        <a:scrgbClr r="0" g="0" b="0"/>
-      </a:fillRef>
-      <a:effectRef idx="0">
-        <a:scrgbClr r="0" g="0" b="0"/>
-      </a:effectRef>
-      <a:fontRef idx="minor">
-        <a:schemeClr val="lt1"/>
-      </a:fontRef>
-    </dgm:style>
-  </dgm:styleLbl>
-  <dgm:styleLbl name="asst4">
-    <dgm:scene3d>
-      <a:camera prst="orthographicFront"/>
-      <a:lightRig rig="threePt" dir="t"/>
-    </dgm:scene3d>
-    <dgm:sp3d/>
-    <dgm:txPr/>
-    <dgm:style>
-      <a:lnRef idx="2">
-        <a:scrgbClr r="0" g="0" b="0"/>
-      </a:lnRef>
-      <a:fillRef idx="1">
-        <a:scrgbClr r="0" g="0" b="0"/>
-      </a:fillRef>
-      <a:effectRef idx="0">
-        <a:scrgbClr r="0" g="0" b="0"/>
-      </a:effectRef>
-      <a:fontRef idx="minor">
-        <a:schemeClr val="lt1"/>
-      </a:fontRef>
-    </dgm:style>
-  </dgm:styleLbl>
-  <dgm:styleLbl name="parChTrans2D1">
-    <dgm:scene3d>
-      <a:camera prst="orthographicFront"/>
-      <a:lightRig rig="threePt" dir="t"/>
-    </dgm:scene3d>
-    <dgm:sp3d/>
-    <dgm:txPr/>
-    <dgm:style>
-      <a:lnRef idx="2">
-        <a:scrgbClr r="0" g="0" b="0"/>
-      </a:lnRef>
-      <a:fillRef idx="1">
-        <a:scrgbClr r="0" g="0" b="0"/>
-      </a:fillRef>
-      <a:effectRef idx="0">
-        <a:scrgbClr r="0" g="0" b="0"/>
-      </a:effectRef>
-      <a:fontRef idx="minor">
-        <a:schemeClr val="lt1"/>
-      </a:fontRef>
-    </dgm:style>
-  </dgm:styleLbl>
-  <dgm:styleLbl name="parChTrans2D2">
-    <dgm:scene3d>
-      <a:camera prst="orthographicFront"/>
-      <a:lightRig rig="threePt" dir="t"/>
-    </dgm:scene3d>
-    <dgm:sp3d/>
-    <dgm:txPr/>
-    <dgm:style>
-      <a:lnRef idx="2">
-        <a:scrgbClr r="0" g="0" b="0"/>
-      </a:lnRef>
-      <a:fillRef idx="1">
-        <a:scrgbClr r="0" g="0" b="0"/>
-      </a:fillRef>
-      <a:effectRef idx="0">
-        <a:scrgbClr r="0" g="0" b="0"/>
-      </a:effectRef>
-      <a:fontRef idx="minor">
-        <a:schemeClr val="lt1"/>
-      </a:fontRef>
-    </dgm:style>
-  </dgm:styleLbl>
-  <dgm:styleLbl name="parChTrans2D3">
-    <dgm:scene3d>
-      <a:camera prst="orthographicFront"/>
-      <a:lightRig rig="threePt" dir="t"/>
-    </dgm:scene3d>
-    <dgm:sp3d/>
-    <dgm:txPr/>
-    <dgm:style>
-      <a:lnRef idx="2">
-        <a:scrgbClr r="0" g="0" b="0"/>
-      </a:lnRef>
-      <a:fillRef idx="1">
-        <a:scrgbClr r="0" g="0" b="0"/>
-      </a:fillRef>
-      <a:effectRef idx="0">
-        <a:scrgbClr r="0" g="0" b="0"/>
-      </a:effectRef>
-      <a:fontRef idx="minor">
-        <a:schemeClr val="lt1"/>
-      </a:fontRef>
-    </dgm:style>
-  </dgm:styleLbl>
-  <dgm:styleLbl name="parChTrans2D4">
-    <dgm:scene3d>
-      <a:camera prst="orthographicFront"/>
-      <a:lightRig rig="threePt" dir="t"/>
-    </dgm:scene3d>
-    <dgm:sp3d/>
-    <dgm:txPr/>
-    <dgm:style>
-      <a:lnRef idx="2">
-        <a:scrgbClr r="0" g="0" b="0"/>
-      </a:lnRef>
-      <a:fillRef idx="1">
-        <a:scrgbClr r="0" g="0" b="0"/>
-      </a:fillRef>
-      <a:effectRef idx="0">
-        <a:scrgbClr r="0" g="0" b="0"/>
-      </a:effectRef>
-      <a:fontRef idx="minor">
-        <a:schemeClr val="lt1"/>
-      </a:fontRef>
-    </dgm:style>
-  </dgm:styleLbl>
-  <dgm:styleLbl name="parChTrans1D1">
-    <dgm:scene3d>
-      <a:camera prst="orthographicFront"/>
-      <a:lightRig rig="threePt" dir="t"/>
-    </dgm:scene3d>
-    <dgm:sp3d/>
-    <dgm:txPr/>
-    <dgm:style>
-      <a:lnRef idx="2">
-        <a:scrgbClr r="0" g="0" b="0"/>
-      </a:lnRef>
-      <a:fillRef idx="0">
-        <a:scrgbClr r="0" g="0" b="0"/>
-      </a:fillRef>
-      <a:effectRef idx="0">
-        <a:scrgbClr r="0" g="0" b="0"/>
-      </a:effectRef>
-      <a:fontRef idx="minor"/>
-    </dgm:style>
-  </dgm:styleLbl>
-  <dgm:styleLbl name="parChTrans1D2">
-    <dgm:scene3d>
-      <a:camera prst="orthographicFront"/>
-      <a:lightRig rig="threePt" dir="t"/>
-    </dgm:scene3d>
-    <dgm:sp3d/>
-    <dgm:txPr/>
-    <dgm:style>
-      <a:lnRef idx="2">
-        <a:scrgbClr r="0" g="0" b="0"/>
-      </a:lnRef>
-      <a:fillRef idx="0">
-        <a:scrgbClr r="0" g="0" b="0"/>
-      </a:fillRef>
-      <a:effectRef idx="0">
-        <a:scrgbClr r="0" g="0" b="0"/>
-      </a:effectRef>
-      <a:fontRef idx="minor"/>
-    </dgm:style>
-  </dgm:styleLbl>
-  <dgm:styleLbl name="parChTrans1D3">
-    <dgm:scene3d>
-      <a:camera prst="orthographicFront"/>
-      <a:lightRig rig="threePt" dir="t"/>
-    </dgm:scene3d>
-    <dgm:sp3d/>
-    <dgm:txPr/>
-    <dgm:style>
-      <a:lnRef idx="2">
-        <a:scrgbClr r="0" g="0" b="0"/>
-      </a:lnRef>
-      <a:fillRef idx="0">
-        <a:scrgbClr r="0" g="0" b="0"/>
-      </a:fillRef>
-      <a:effectRef idx="0">
-        <a:scrgbClr r="0" g="0" b="0"/>
-      </a:effectRef>
-      <a:fontRef idx="minor"/>
-    </dgm:style>
-  </dgm:styleLbl>
-  <dgm:styleLbl name="parChTrans1D4">
-    <dgm:scene3d>
-      <a:camera prst="orthographicFront"/>
-      <a:lightRig rig="threePt" dir="t"/>
-    </dgm:scene3d>
-    <dgm:sp3d/>
-    <dgm:txPr/>
-    <dgm:style>
-      <a:lnRef idx="2">
-        <a:scrgbClr r="0" g="0" b="0"/>
-      </a:lnRef>
-      <a:fillRef idx="0">
-        <a:scrgbClr r="0" g="0" b="0"/>
-      </a:fillRef>
-      <a:effectRef idx="0">
-        <a:scrgbClr r="0" g="0" b="0"/>
-      </a:effectRef>
-      <a:fontRef idx="minor"/>
-    </dgm:style>
-  </dgm:styleLbl>
-  <dgm:styleLbl name="fgAcc1">
-    <dgm:scene3d>
-      <a:camera prst="orthographicFront"/>
-      <a:lightRig rig="threePt" dir="t"/>
-    </dgm:scene3d>
-    <dgm:sp3d/>
-    <dgm:txPr/>
-    <dgm:style>
-      <a:lnRef idx="2">
-        <a:scrgbClr r="0" g="0" b="0"/>
-      </a:lnRef>
-      <a:fillRef idx="1">
-        <a:scrgbClr r="0" g="0" b="0"/>
-      </a:fillRef>
-      <a:effectRef idx="0">
-        <a:scrgbClr r="0" g="0" b="0"/>
-      </a:effectRef>
-      <a:fontRef idx="minor"/>
-    </dgm:style>
-  </dgm:styleLbl>
-  <dgm:styleLbl name="conFgAcc1">
-    <dgm:scene3d>
-      <a:camera prst="orthographicFront"/>
-      <a:lightRig rig="threePt" dir="t"/>
-    </dgm:scene3d>
-    <dgm:sp3d/>
-    <dgm:txPr/>
-    <dgm:style>
-      <a:lnRef idx="2">
-        <a:scrgbClr r="0" g="0" b="0"/>
-      </a:lnRef>
-      <a:fillRef idx="1">
-        <a:scrgbClr r="0" g="0" b="0"/>
-      </a:fillRef>
-      <a:effectRef idx="0">
-        <a:scrgbClr r="0" g="0" b="0"/>
-      </a:effectRef>
-      <a:fontRef idx="minor"/>
-    </dgm:style>
-  </dgm:styleLbl>
-  <dgm:styleLbl name="alignAcc1">
-    <dgm:scene3d>
-      <a:camera prst="orthographicFront"/>
-      <a:lightRig rig="threePt" dir="t"/>
-    </dgm:scene3d>
-    <dgm:sp3d/>
-    <dgm:txPr/>
-    <dgm:style>
-      <a:lnRef idx="2">
-        <a:scrgbClr r="0" g="0" b="0"/>
-      </a:lnRef>
-      <a:fillRef idx="1">
-        <a:scrgbClr r="0" g="0" b="0"/>
-      </a:fillRef>
-      <a:effectRef idx="0">
-        <a:scrgbClr r="0" g="0" b="0"/>
-      </a:effectRef>
-      <a:fontRef idx="minor"/>
-    </dgm:style>
-  </dgm:styleLbl>
-  <dgm:styleLbl name="trAlignAcc1">
-    <dgm:scene3d>
-      <a:camera prst="orthographicFront"/>
-      <a:lightRig rig="threePt" dir="t"/>
-    </dgm:scene3d>
-    <dgm:sp3d/>
-    <dgm:txPr/>
-    <dgm:style>
-      <a:lnRef idx="1">
-        <a:scrgbClr r="0" g="0" b="0"/>
-      </a:lnRef>
-      <a:fillRef idx="1">
-        <a:scrgbClr r="0" g="0" b="0"/>
-      </a:fillRef>
-      <a:effectRef idx="0">
-        <a:scrgbClr r="0" g="0" b="0"/>
-      </a:effectRef>
-      <a:fontRef idx="minor"/>
-    </dgm:style>
-  </dgm:styleLbl>
-  <dgm:styleLbl name="bgAcc1">
-    <dgm:scene3d>
-      <a:camera prst="orthographicFront"/>
-      <a:lightRig rig="threePt" dir="t"/>
-    </dgm:scene3d>
-    <dgm:sp3d/>
-    <dgm:txPr/>
-    <dgm:style>
-      <a:lnRef idx="2">
-        <a:scrgbClr r="0" g="0" b="0"/>
-      </a:lnRef>
-      <a:fillRef idx="1">
-        <a:scrgbClr r="0" g="0" b="0"/>
-      </a:fillRef>
-      <a:effectRef idx="0">
-        <a:scrgbClr r="0" g="0" b="0"/>
-      </a:effectRef>
-      <a:fontRef idx="minor"/>
-    </dgm:style>
-  </dgm:styleLbl>
-  <dgm:styleLbl name="solidFgAcc1">
-    <dgm:scene3d>
-      <a:camera prst="orthographicFront"/>
-      <a:lightRig rig="threePt" dir="t"/>
-    </dgm:scene3d>
-    <dgm:sp3d/>
-    <dgm:txPr/>
-    <dgm:style>
-      <a:lnRef idx="2">
-        <a:scrgbClr r="0" g="0" b="0"/>
-      </a:lnRef>
-      <a:fillRef idx="1">
-        <a:scrgbClr r="0" g="0" b="0"/>
-      </a:fillRef>
-      <a:effectRef idx="0">
-        <a:scrgbClr r="0" g="0" b="0"/>
-      </a:effectRef>
-      <a:fontRef idx="minor"/>
-    </dgm:style>
-  </dgm:styleLbl>
-  <dgm:styleLbl name="solidAlignAcc1">
-    <dgm:scene3d>
-      <a:camera prst="orthographicFront"/>
-      <a:lightRig rig="threePt" dir="t"/>
-    </dgm:scene3d>
-    <dgm:sp3d/>
-    <dgm:txPr/>
-    <dgm:style>
-      <a:lnRef idx="2">
-        <a:scrgbClr r="0" g="0" b="0"/>
-      </a:lnRef>
-      <a:fillRef idx="1">
-        <a:scrgbClr r="0" g="0" b="0"/>
-      </a:fillRef>
-      <a:effectRef idx="0">
-        <a:scrgbClr r="0" g="0" b="0"/>
-      </a:effectRef>
-      <a:fontRef idx="minor"/>
-    </dgm:style>
-  </dgm:styleLbl>
-  <dgm:styleLbl name="solidBgAcc1">
-    <dgm:scene3d>
-      <a:camera prst="orthographicFront"/>
-      <a:lightRig rig="threePt" dir="t"/>
-    </dgm:scene3d>
-    <dgm:sp3d/>
-    <dgm:txPr/>
-    <dgm:style>
-      <a:lnRef idx="2">
-        <a:scrgbClr r="0" g="0" b="0"/>
-      </a:lnRef>
-      <a:fillRef idx="1">
-        <a:scrgbClr r="0" g="0" b="0"/>
-      </a:fillRef>
-      <a:effectRef idx="0">
-        <a:scrgbClr r="0" g="0" b="0"/>
-      </a:effectRef>
-      <a:fontRef idx="minor"/>
-    </dgm:style>
-  </dgm:styleLbl>
-  <dgm:styleLbl name="fgAccFollowNode1">
-    <dgm:scene3d>
-      <a:camera prst="orthographicFront"/>
-      <a:lightRig rig="threePt" dir="t"/>
-    </dgm:scene3d>
-    <dgm:sp3d/>
-    <dgm:txPr/>
-    <dgm:style>
-      <a:lnRef idx="2">
-        <a:scrgbClr r="0" g="0" b="0"/>
-      </a:lnRef>
-      <a:fillRef idx="1">
-        <a:scrgbClr r="0" g="0" b="0"/>
-      </a:fillRef>
-      <a:effectRef idx="0">
-        <a:scrgbClr r="0" g="0" b="0"/>
-      </a:effectRef>
-      <a:fontRef idx="minor"/>
-    </dgm:style>
-  </dgm:styleLbl>
-  <dgm:styleLbl name="alignAccFollowNode1">
-    <dgm:scene3d>
-      <a:camera prst="orthographicFront"/>
-      <a:lightRig rig="threePt" dir="t"/>
-    </dgm:scene3d>
-    <dgm:sp3d/>
-    <dgm:txPr/>
-    <dgm:style>
-      <a:lnRef idx="2">
-        <a:scrgbClr r="0" g="0" b="0"/>
-      </a:lnRef>
-      <a:fillRef idx="1">
-        <a:scrgbClr r="0" g="0" b="0"/>
-      </a:fillRef>
-      <a:effectRef idx="0">
-        <a:scrgbClr r="0" g="0" b="0"/>
-      </a:effectRef>
-      <a:fontRef idx="minor"/>
-    </dgm:style>
-  </dgm:styleLbl>
-  <dgm:styleLbl name="bgAccFollowNode1">
-    <dgm:scene3d>
-      <a:camera prst="orthographicFront"/>
-      <a:lightRig rig="threePt" dir="t"/>
-    </dgm:scene3d>
-    <dgm:sp3d/>
-    <dgm:txPr/>
-    <dgm:style>
-      <a:lnRef idx="2">
-        <a:scrgbClr r="0" g="0" b="0"/>
-      </a:lnRef>
-      <a:fillRef idx="1">
-        <a:scrgbClr r="0" g="0" b="0"/>
-      </a:fillRef>
-      <a:effectRef idx="0">
-        <a:scrgbClr r="0" g="0" b="0"/>
-      </a:effectRef>
-      <a:fontRef idx="minor"/>
-    </dgm:style>
-  </dgm:styleLbl>
-  <dgm:styleLbl name="fgAcc0">
-    <dgm:scene3d>
-      <a:camera prst="orthographicFront"/>
-      <a:lightRig rig="threePt" dir="t"/>
-    </dgm:scene3d>
-    <dgm:sp3d/>
-    <dgm:txPr/>
-    <dgm:style>
-      <a:lnRef idx="2">
-        <a:scrgbClr r="0" g="0" b="0"/>
-      </a:lnRef>
-      <a:fillRef idx="1">
-        <a:scrgbClr r="0" g="0" b="0"/>
-      </a:fillRef>
-      <a:effectRef idx="0">
-        <a:scrgbClr r="0" g="0" b="0"/>
-      </a:effectRef>
-      <a:fontRef idx="minor"/>
-    </dgm:style>
-  </dgm:styleLbl>
-  <dgm:styleLbl name="fgAcc2">
-    <dgm:scene3d>
-      <a:camera prst="orthographicFront"/>
-      <a:lightRig rig="threePt" dir="t"/>
-    </dgm:scene3d>
-    <dgm:sp3d/>
-    <dgm:txPr/>
-    <dgm:style>
-      <a:lnRef idx="2">
-        <a:scrgbClr r="0" g="0" b="0"/>
-      </a:lnRef>
-      <a:fillRef idx="1">
-        <a:scrgbClr r="0" g="0" b="0"/>
-      </a:fillRef>
-      <a:effectRef idx="0">
-        <a:scrgbClr r="0" g="0" b="0"/>
-      </a:effectRef>
-      <a:fontRef idx="minor"/>
-    </dgm:style>
-  </dgm:styleLbl>
-  <dgm:styleLbl name="fgAcc3">
-    <dgm:scene3d>
-      <a:camera prst="orthographicFront"/>
-      <a:lightRig rig="threePt" dir="t"/>
-    </dgm:scene3d>
-    <dgm:sp3d/>
-    <dgm:txPr/>
-    <dgm:style>
-      <a:lnRef idx="2">
-        <a:scrgbClr r="0" g="0" b="0"/>
-      </a:lnRef>
-      <a:fillRef idx="1">
-        <a:scrgbClr r="0" g="0" b="0"/>
-      </a:fillRef>
-      <a:effectRef idx="0">
-        <a:scrgbClr r="0" g="0" b="0"/>
-      </a:effectRef>
-      <a:fontRef idx="minor"/>
-    </dgm:style>
-  </dgm:styleLbl>
-  <dgm:styleLbl name="fgAcc4">
-    <dgm:scene3d>
-      <a:camera prst="orthographicFront"/>
-      <a:lightRig rig="threePt" dir="t"/>
-    </dgm:scene3d>
-    <dgm:sp3d/>
-    <dgm:txPr/>
-    <dgm:style>
-      <a:lnRef idx="2">
-        <a:scrgbClr r="0" g="0" b="0"/>
-      </a:lnRef>
-      <a:fillRef idx="1">
-        <a:scrgbClr r="0" g="0" b="0"/>
-      </a:fillRef>
-      <a:effectRef idx="0">
-        <a:scrgbClr r="0" g="0" b="0"/>
-      </a:effectRef>
-      <a:fontRef idx="minor"/>
-    </dgm:style>
-  </dgm:styleLbl>
-  <dgm:styleLbl name="bgShp">
-    <dgm:scene3d>
-      <a:camera prst="orthographicFront"/>
-      <a:lightRig rig="threePt" dir="t"/>
-    </dgm:scene3d>
-    <dgm:sp3d/>
-    <dgm:txPr/>
-    <dgm:style>
-      <a:lnRef idx="0">
-        <a:scrgbClr r="0" g="0" b="0"/>
-      </a:lnRef>
-      <a:fillRef idx="1">
-        <a:scrgbClr r="0" g="0" b="0"/>
-      </a:fillRef>
-      <a:effectRef idx="0">
-        <a:scrgbClr r="0" g="0" b="0"/>
-      </a:effectRef>
-      <a:fontRef idx="minor"/>
-    </dgm:style>
-  </dgm:styleLbl>
-  <dgm:styleLbl name="dkBgShp">
-    <dgm:scene3d>
-      <a:camera prst="orthographicFront"/>
-      <a:lightRig rig="threePt" dir="t"/>
-    </dgm:scene3d>
-    <dgm:sp3d/>
-    <dgm:txPr/>
-    <dgm:style>
-      <a:lnRef idx="0">
-        <a:scrgbClr r="0" g="0" b="0"/>
-      </a:lnRef>
-      <a:fillRef idx="1">
-        <a:scrgbClr r="0" g="0" b="0"/>
-      </a:fillRef>
-      <a:effectRef idx="0">
-        <a:scrgbClr r="0" g="0" b="0"/>
-      </a:effectRef>
-      <a:fontRef idx="minor"/>
-    </dgm:style>
-  </dgm:styleLbl>
-  <dgm:styleLbl name="trBgShp">
-    <dgm:scene3d>
-      <a:camera prst="orthographicFront"/>
-      <a:lightRig rig="threePt" dir="t"/>
-    </dgm:scene3d>
-    <dgm:sp3d/>
-    <dgm:txPr/>
-    <dgm:style>
-      <a:lnRef idx="0">
-        <a:scrgbClr r="0" g="0" b="0"/>
-      </a:lnRef>
-      <a:fillRef idx="1">
-        <a:scrgbClr r="0" g="0" b="0"/>
-      </a:fillRef>
-      <a:effectRef idx="0">
-        <a:scrgbClr r="0" g="0" b="0"/>
-      </a:effectRef>
-      <a:fontRef idx="minor"/>
-    </dgm:style>
-  </dgm:styleLbl>
-  <dgm:styleLbl name="fgShp">
-    <dgm:scene3d>
-      <a:camera prst="orthographicFront"/>
-      <a:lightRig rig="threePt" dir="t"/>
-    </dgm:scene3d>
-    <dgm:sp3d/>
-    <dgm:txPr/>
-    <dgm:style>
-      <a:lnRef idx="2">
-        <a:scrgbClr r="0" g="0" b="0"/>
-      </a:lnRef>
-      <a:fillRef idx="1">
-        <a:scrgbClr r="0" g="0" b="0"/>
-      </a:fillRef>
-      <a:effectRef idx="0">
-        <a:scrgbClr r="0" g="0" b="0"/>
-      </a:effectRef>
-      <a:fontRef idx="minor"/>
-    </dgm:style>
-  </dgm:styleLbl>
-  <dgm:styleLbl name="revTx">
-    <dgm:scene3d>
-      <a:camera prst="orthographicFront"/>
-      <a:lightRig rig="threePt" dir="t"/>
-    </dgm:scene3d>
-    <dgm:sp3d/>
-    <dgm:txPr/>
-    <dgm:style>
-      <a:lnRef idx="0">
-        <a:scrgbClr r="0" g="0" b="0"/>
-      </a:lnRef>
-      <a:fillRef idx="0">
-        <a:scrgbClr r="0" g="0" b="0"/>
-      </a:fillRef>
-      <a:effectRef idx="0">
-        <a:scrgbClr r="0" g="0" b="0"/>
-      </a:effectRef>
-      <a:fontRef idx="minor"/>
-    </dgm:style>
-  </dgm:styleLbl>
-</dgm:styleDef>
-</file>
-
-<file path=ppt/diagrams/quickStyle7.xml><?xml version="1.0" encoding="utf-8"?>
 <dgm:styleDef xmlns:dgm="http://schemas.openxmlformats.org/drawingml/2006/diagram" xmlns:a="http://schemas.openxmlformats.org/drawingml/2006/main" uniqueId="urn:microsoft.com/office/officeart/2005/8/quickstyle/simple1">
   <dgm:title val=""/>
   <dgm:desc val=""/>
@@ -25614,7 +18929,7 @@
           <a:p>
             <a:fld id="{AF914A1E-46E5-4184-BEBF-7A52F35B4545}" type="datetimeFigureOut">
               <a:rPr lang="en-US" smtClean="0"/>
-              <a:t>8/15/2019</a:t>
+              <a:t>8/16/2019</a:t>
             </a:fld>
             <a:endParaRPr lang="en-US" dirty="0"/>
           </a:p>
@@ -26225,7 +19540,7 @@
           <a:p>
             <a:fld id="{12D1A968-C0E8-4160-9441-EB3EE2D578CC}" type="slidenum">
               <a:rPr lang="en-US" smtClean="0"/>
-              <a:t>14</a:t>
+              <a:t>12</a:t>
             </a:fld>
             <a:endParaRPr lang="en-US" dirty="0"/>
           </a:p>
@@ -27258,7 +20573,7 @@
           <a:graphicData uri="http://schemas.openxmlformats.org/presentationml/2006/ole">
             <mc:AlternateContent xmlns:mc="http://schemas.openxmlformats.org/markup-compatibility/2006">
               <mc:Choice xmlns:v="urn:schemas-microsoft-com:vml" Requires="v">
-                <p:oleObj spid="_x0000_s1102" name="Image" r:id="rId10" imgW="2279520" imgH="1310400" progId="Photoshop.Image.18">
+                <p:oleObj spid="_x0000_s1103" name="Image" r:id="rId10" imgW="2279520" imgH="1310400" progId="Photoshop.Image.18">
                   <p:embed/>
                 </p:oleObj>
               </mc:Choice>
@@ -27840,527 +21155,6 @@
 </file>
 
 <file path=ppt/slides/slide12.xml><?xml version="1.0" encoding="utf-8"?>
-<p:sld xmlns:a="http://schemas.openxmlformats.org/drawingml/2006/main" xmlns:r="http://schemas.openxmlformats.org/officeDocument/2006/relationships" xmlns:p="http://schemas.openxmlformats.org/presentationml/2006/main">
-  <p:cSld>
-    <p:spTree>
-      <p:nvGrpSpPr>
-        <p:cNvPr id="1" name=""/>
-        <p:cNvGrpSpPr/>
-        <p:nvPr/>
-      </p:nvGrpSpPr>
-      <p:grpSpPr>
-        <a:xfrm>
-          <a:off x="0" y="0"/>
-          <a:ext cx="0" cy="0"/>
-          <a:chOff x="0" y="0"/>
-          <a:chExt cx="0" cy="0"/>
-        </a:xfrm>
-      </p:grpSpPr>
-      <p:sp>
-        <p:nvSpPr>
-          <p:cNvPr id="2" name="Title 1">
-            <a:extLst>
-              <a:ext uri="{FF2B5EF4-FFF2-40B4-BE49-F238E27FC236}">
-                <a16:creationId xmlns:a16="http://schemas.microsoft.com/office/drawing/2014/main" id="{33CC4F43-9DAF-463C-A3D7-D46C24A5A21C}"/>
-              </a:ext>
-            </a:extLst>
-          </p:cNvPr>
-          <p:cNvSpPr>
-            <a:spLocks noGrp="1"/>
-          </p:cNvSpPr>
-          <p:nvPr>
-            <p:ph type="title"/>
-          </p:nvPr>
-        </p:nvSpPr>
-        <p:spPr/>
-        <p:txBody>
-          <a:bodyPr/>
-          <a:lstStyle/>
-          <a:p>
-            <a:r>
-              <a:rPr lang="en-US" dirty="0"/>
-              <a:t>Data Story</a:t>
-            </a:r>
-          </a:p>
-        </p:txBody>
-      </p:sp>
-      <p:graphicFrame>
-        <p:nvGraphicFramePr>
-          <p:cNvPr id="4" name="Content Placeholder 3">
-            <a:extLst>
-              <a:ext uri="{FF2B5EF4-FFF2-40B4-BE49-F238E27FC236}">
-                <a16:creationId xmlns:a16="http://schemas.microsoft.com/office/drawing/2014/main" id="{3912C1B0-1937-4F8F-AC18-C34F28E06672}"/>
-              </a:ext>
-            </a:extLst>
-          </p:cNvPr>
-          <p:cNvGraphicFramePr>
-            <a:graphicFrameLocks noGrp="1"/>
-          </p:cNvGraphicFramePr>
-          <p:nvPr>
-            <p:ph idx="1"/>
-            <p:extLst>
-              <p:ext uri="{D42A27DB-BD31-4B8C-83A1-F6EECF244321}">
-                <p14:modId xmlns:p14="http://schemas.microsoft.com/office/powerpoint/2010/main" val="2902580714"/>
-              </p:ext>
-            </p:extLst>
-          </p:nvPr>
-        </p:nvGraphicFramePr>
-        <p:xfrm>
-          <a:off x="360363" y="1550896"/>
-          <a:ext cx="10799762" cy="4184886"/>
-        </p:xfrm>
-        <a:graphic>
-          <a:graphicData uri="http://schemas.openxmlformats.org/drawingml/2006/diagram">
-            <dgm:relIds xmlns:dgm="http://schemas.openxmlformats.org/drawingml/2006/diagram" xmlns:r="http://schemas.openxmlformats.org/officeDocument/2006/relationships" r:dm="rId2" r:lo="rId3" r:qs="rId4" r:cs="rId5"/>
-          </a:graphicData>
-        </a:graphic>
-      </p:graphicFrame>
-      <p:sp>
-        <p:nvSpPr>
-          <p:cNvPr id="6" name="Arrow: Left 5">
-            <a:extLst>
-              <a:ext uri="{FF2B5EF4-FFF2-40B4-BE49-F238E27FC236}">
-                <a16:creationId xmlns:a16="http://schemas.microsoft.com/office/drawing/2014/main" id="{ACAE66B2-F546-4B9D-93FD-874B24395A9E}"/>
-              </a:ext>
-            </a:extLst>
-          </p:cNvPr>
-          <p:cNvSpPr/>
-          <p:nvPr/>
-        </p:nvSpPr>
-        <p:spPr>
-          <a:xfrm>
-            <a:off x="2660073" y="1378434"/>
-            <a:ext cx="5763491" cy="733663"/>
-          </a:xfrm>
-          <a:prstGeom prst="leftArrow">
-            <a:avLst/>
-          </a:prstGeom>
-        </p:spPr>
-        <p:style>
-          <a:lnRef idx="2">
-            <a:schemeClr val="accent1"/>
-          </a:lnRef>
-          <a:fillRef idx="1">
-            <a:schemeClr val="lt1"/>
-          </a:fillRef>
-          <a:effectRef idx="0">
-            <a:schemeClr val="accent1"/>
-          </a:effectRef>
-          <a:fontRef idx="minor">
-            <a:schemeClr val="dk1"/>
-          </a:fontRef>
-        </p:style>
-        <p:txBody>
-          <a:bodyPr lIns="0" tIns="0" rIns="0" bIns="0" rtlCol="0" anchor="ctr">
-            <a:spAutoFit/>
-          </a:bodyPr>
-          <a:lstStyle/>
-          <a:p>
-            <a:pPr algn="ctr"/>
-            <a:r>
-              <a:rPr lang="en-US" sz="2400" dirty="0">
-                <a:solidFill>
-                  <a:schemeClr val="accent1"/>
-                </a:solidFill>
-              </a:rPr>
-              <a:t>Data Setup </a:t>
-            </a:r>
-          </a:p>
-        </p:txBody>
-      </p:sp>
-      <p:sp>
-        <p:nvSpPr>
-          <p:cNvPr id="7" name="Arrow: Right 6">
-            <a:extLst>
-              <a:ext uri="{FF2B5EF4-FFF2-40B4-BE49-F238E27FC236}">
-                <a16:creationId xmlns:a16="http://schemas.microsoft.com/office/drawing/2014/main" id="{64F718D5-01C3-4267-A946-9145C38C7A4D}"/>
-              </a:ext>
-            </a:extLst>
-          </p:cNvPr>
-          <p:cNvSpPr/>
-          <p:nvPr/>
-        </p:nvSpPr>
-        <p:spPr>
-          <a:xfrm>
-            <a:off x="595745" y="4911751"/>
-            <a:ext cx="10117855" cy="733663"/>
-          </a:xfrm>
-          <a:prstGeom prst="rightArrow">
-            <a:avLst/>
-          </a:prstGeom>
-        </p:spPr>
-        <p:style>
-          <a:lnRef idx="2">
-            <a:schemeClr val="accent1"/>
-          </a:lnRef>
-          <a:fillRef idx="1">
-            <a:schemeClr val="lt1"/>
-          </a:fillRef>
-          <a:effectRef idx="0">
-            <a:schemeClr val="accent1"/>
-          </a:effectRef>
-          <a:fontRef idx="minor">
-            <a:schemeClr val="dk1"/>
-          </a:fontRef>
-        </p:style>
-        <p:txBody>
-          <a:bodyPr lIns="0" tIns="0" rIns="0" bIns="0" rtlCol="0" anchor="ctr">
-            <a:spAutoFit/>
-          </a:bodyPr>
-          <a:lstStyle/>
-          <a:p>
-            <a:pPr algn="ctr"/>
-            <a:r>
-              <a:rPr lang="en-US" sz="2400" dirty="0">
-                <a:solidFill>
-                  <a:schemeClr val="accent1"/>
-                </a:solidFill>
-              </a:rPr>
-              <a:t>Security Increases</a:t>
-            </a:r>
-          </a:p>
-        </p:txBody>
-      </p:sp>
-    </p:spTree>
-    <p:extLst>
-      <p:ext uri="{BB962C8B-B14F-4D97-AF65-F5344CB8AC3E}">
-        <p14:creationId xmlns:p14="http://schemas.microsoft.com/office/powerpoint/2010/main" val="727567753"/>
-      </p:ext>
-    </p:extLst>
-  </p:cSld>
-  <p:clrMapOvr>
-    <a:masterClrMapping/>
-  </p:clrMapOvr>
-  <p:timing>
-    <p:tnLst>
-      <p:par>
-        <p:cTn id="1" dur="indefinite" restart="never" nodeType="tmRoot">
-          <p:childTnLst>
-            <p:seq concurrent="1" nextAc="seek">
-              <p:cTn id="2" dur="indefinite" nodeType="mainSeq">
-                <p:childTnLst>
-                  <p:par>
-                    <p:cTn id="3" fill="hold">
-                      <p:stCondLst>
-                        <p:cond delay="indefinite"/>
-                      </p:stCondLst>
-                      <p:childTnLst>
-                        <p:par>
-                          <p:cTn id="4" fill="hold">
-                            <p:stCondLst>
-                              <p:cond delay="0"/>
-                            </p:stCondLst>
-                            <p:childTnLst>
-                              <p:par>
-                                <p:cTn id="5" presetID="2" presetClass="entr" presetSubtype="2" fill="hold" grpId="0" nodeType="clickEffect">
-                                  <p:stCondLst>
-                                    <p:cond delay="0"/>
-                                  </p:stCondLst>
-                                  <p:childTnLst>
-                                    <p:set>
-                                      <p:cBhvr>
-                                        <p:cTn id="6" dur="1" fill="hold">
-                                          <p:stCondLst>
-                                            <p:cond delay="0"/>
-                                          </p:stCondLst>
-                                        </p:cTn>
-                                        <p:tgtEl>
-                                          <p:spTgt spid="6"/>
-                                        </p:tgtEl>
-                                        <p:attrNameLst>
-                                          <p:attrName>style.visibility</p:attrName>
-                                        </p:attrNameLst>
-                                      </p:cBhvr>
-                                      <p:to>
-                                        <p:strVal val="visible"/>
-                                      </p:to>
-                                    </p:set>
-                                    <p:anim calcmode="lin" valueType="num">
-                                      <p:cBhvr additive="base">
-                                        <p:cTn id="7" dur="500" fill="hold"/>
-                                        <p:tgtEl>
-                                          <p:spTgt spid="6"/>
-                                        </p:tgtEl>
-                                        <p:attrNameLst>
-                                          <p:attrName>ppt_x</p:attrName>
-                                        </p:attrNameLst>
-                                      </p:cBhvr>
-                                      <p:tavLst>
-                                        <p:tav tm="0">
-                                          <p:val>
-                                            <p:strVal val="1+#ppt_w/2"/>
-                                          </p:val>
-                                        </p:tav>
-                                        <p:tav tm="100000">
-                                          <p:val>
-                                            <p:strVal val="#ppt_x"/>
-                                          </p:val>
-                                        </p:tav>
-                                      </p:tavLst>
-                                    </p:anim>
-                                    <p:anim calcmode="lin" valueType="num">
-                                      <p:cBhvr additive="base">
-                                        <p:cTn id="8" dur="500" fill="hold"/>
-                                        <p:tgtEl>
-                                          <p:spTgt spid="6"/>
-                                        </p:tgtEl>
-                                        <p:attrNameLst>
-                                          <p:attrName>ppt_y</p:attrName>
-                                        </p:attrNameLst>
-                                      </p:cBhvr>
-                                      <p:tavLst>
-                                        <p:tav tm="0">
-                                          <p:val>
-                                            <p:strVal val="#ppt_y"/>
-                                          </p:val>
-                                        </p:tav>
-                                        <p:tav tm="100000">
-                                          <p:val>
-                                            <p:strVal val="#ppt_y"/>
-                                          </p:val>
-                                        </p:tav>
-                                      </p:tavLst>
-                                    </p:anim>
-                                  </p:childTnLst>
-                                </p:cTn>
-                              </p:par>
-                            </p:childTnLst>
-                          </p:cTn>
-                        </p:par>
-                      </p:childTnLst>
-                    </p:cTn>
-                  </p:par>
-                  <p:par>
-                    <p:cTn id="9" fill="hold">
-                      <p:stCondLst>
-                        <p:cond delay="indefinite"/>
-                      </p:stCondLst>
-                      <p:childTnLst>
-                        <p:par>
-                          <p:cTn id="10" fill="hold">
-                            <p:stCondLst>
-                              <p:cond delay="0"/>
-                            </p:stCondLst>
-                            <p:childTnLst>
-                              <p:par>
-                                <p:cTn id="11" presetID="2" presetClass="entr" presetSubtype="8" fill="hold" grpId="0" nodeType="clickEffect">
-                                  <p:stCondLst>
-                                    <p:cond delay="0"/>
-                                  </p:stCondLst>
-                                  <p:childTnLst>
-                                    <p:set>
-                                      <p:cBhvr>
-                                        <p:cTn id="12" dur="1" fill="hold">
-                                          <p:stCondLst>
-                                            <p:cond delay="0"/>
-                                          </p:stCondLst>
-                                        </p:cTn>
-                                        <p:tgtEl>
-                                          <p:spTgt spid="7"/>
-                                        </p:tgtEl>
-                                        <p:attrNameLst>
-                                          <p:attrName>style.visibility</p:attrName>
-                                        </p:attrNameLst>
-                                      </p:cBhvr>
-                                      <p:to>
-                                        <p:strVal val="visible"/>
-                                      </p:to>
-                                    </p:set>
-                                    <p:anim calcmode="lin" valueType="num">
-                                      <p:cBhvr additive="base">
-                                        <p:cTn id="13" dur="500" fill="hold"/>
-                                        <p:tgtEl>
-                                          <p:spTgt spid="7"/>
-                                        </p:tgtEl>
-                                        <p:attrNameLst>
-                                          <p:attrName>ppt_x</p:attrName>
-                                        </p:attrNameLst>
-                                      </p:cBhvr>
-                                      <p:tavLst>
-                                        <p:tav tm="0">
-                                          <p:val>
-                                            <p:strVal val="0-#ppt_w/2"/>
-                                          </p:val>
-                                        </p:tav>
-                                        <p:tav tm="100000">
-                                          <p:val>
-                                            <p:strVal val="#ppt_x"/>
-                                          </p:val>
-                                        </p:tav>
-                                      </p:tavLst>
-                                    </p:anim>
-                                    <p:anim calcmode="lin" valueType="num">
-                                      <p:cBhvr additive="base">
-                                        <p:cTn id="14" dur="500" fill="hold"/>
-                                        <p:tgtEl>
-                                          <p:spTgt spid="7"/>
-                                        </p:tgtEl>
-                                        <p:attrNameLst>
-                                          <p:attrName>ppt_y</p:attrName>
-                                        </p:attrNameLst>
-                                      </p:cBhvr>
-                                      <p:tavLst>
-                                        <p:tav tm="0">
-                                          <p:val>
-                                            <p:strVal val="#ppt_y"/>
-                                          </p:val>
-                                        </p:tav>
-                                        <p:tav tm="100000">
-                                          <p:val>
-                                            <p:strVal val="#ppt_y"/>
-                                          </p:val>
-                                        </p:tav>
-                                      </p:tavLst>
-                                    </p:anim>
-                                  </p:childTnLst>
-                                </p:cTn>
-                              </p:par>
-                            </p:childTnLst>
-                          </p:cTn>
-                        </p:par>
-                      </p:childTnLst>
-                    </p:cTn>
-                  </p:par>
-                </p:childTnLst>
-              </p:cTn>
-              <p:prevCondLst>
-                <p:cond evt="onPrev" delay="0">
-                  <p:tgtEl>
-                    <p:sldTgt/>
-                  </p:tgtEl>
-                </p:cond>
-              </p:prevCondLst>
-              <p:nextCondLst>
-                <p:cond evt="onNext" delay="0">
-                  <p:tgtEl>
-                    <p:sldTgt/>
-                  </p:tgtEl>
-                </p:cond>
-              </p:nextCondLst>
-            </p:seq>
-          </p:childTnLst>
-        </p:cTn>
-      </p:par>
-    </p:tnLst>
-    <p:bldLst>
-      <p:bldP spid="6" grpId="0" animBg="1"/>
-      <p:bldP spid="7" grpId="0" animBg="1"/>
-    </p:bldLst>
-  </p:timing>
-</p:sld>
-</file>
-
-<file path=ppt/slides/slide13.xml><?xml version="1.0" encoding="utf-8"?>
-<p:sld xmlns:a="http://schemas.openxmlformats.org/drawingml/2006/main" xmlns:r="http://schemas.openxmlformats.org/officeDocument/2006/relationships" xmlns:p="http://schemas.openxmlformats.org/presentationml/2006/main">
-  <p:cSld>
-    <p:spTree>
-      <p:nvGrpSpPr>
-        <p:cNvPr id="1" name=""/>
-        <p:cNvGrpSpPr/>
-        <p:nvPr/>
-      </p:nvGrpSpPr>
-      <p:grpSpPr>
-        <a:xfrm>
-          <a:off x="0" y="0"/>
-          <a:ext cx="0" cy="0"/>
-          <a:chOff x="0" y="0"/>
-          <a:chExt cx="0" cy="0"/>
-        </a:xfrm>
-      </p:grpSpPr>
-      <p:graphicFrame>
-        <p:nvGraphicFramePr>
-          <p:cNvPr id="3" name="Content Placeholder 2">
-            <a:extLst>
-              <a:ext uri="{FF2B5EF4-FFF2-40B4-BE49-F238E27FC236}">
-                <a16:creationId xmlns:a16="http://schemas.microsoft.com/office/drawing/2014/main" id="{1C1A7313-527F-499C-90D0-3CD8BAF5B973}"/>
-              </a:ext>
-            </a:extLst>
-          </p:cNvPr>
-          <p:cNvGraphicFramePr>
-            <a:graphicFrameLocks noGrp="1"/>
-          </p:cNvGraphicFramePr>
-          <p:nvPr>
-            <p:ph idx="1"/>
-            <p:extLst>
-              <p:ext uri="{D42A27DB-BD31-4B8C-83A1-F6EECF244321}">
-                <p14:modId xmlns:p14="http://schemas.microsoft.com/office/powerpoint/2010/main" val="2047168392"/>
-              </p:ext>
-            </p:extLst>
-          </p:nvPr>
-        </p:nvGraphicFramePr>
-        <p:xfrm>
-          <a:off x="360363" y="1272987"/>
-          <a:ext cx="10799762" cy="4846825"/>
-        </p:xfrm>
-        <a:graphic>
-          <a:graphicData uri="http://schemas.openxmlformats.org/drawingml/2006/diagram">
-            <dgm:relIds xmlns:dgm="http://schemas.openxmlformats.org/drawingml/2006/diagram" xmlns:r="http://schemas.openxmlformats.org/officeDocument/2006/relationships" r:dm="rId2" r:lo="rId3" r:qs="rId4" r:cs="rId5"/>
-          </a:graphicData>
-        </a:graphic>
-      </p:graphicFrame>
-      <p:sp>
-        <p:nvSpPr>
-          <p:cNvPr id="5" name="Title 1">
-            <a:extLst>
-              <a:ext uri="{FF2B5EF4-FFF2-40B4-BE49-F238E27FC236}">
-                <a16:creationId xmlns:a16="http://schemas.microsoft.com/office/drawing/2014/main" id="{279E4CFF-A02C-4E3B-A6B0-D24FB8491965}"/>
-              </a:ext>
-            </a:extLst>
-          </p:cNvPr>
-          <p:cNvSpPr txBox="1">
-            <a:spLocks/>
-          </p:cNvSpPr>
-          <p:nvPr/>
-        </p:nvSpPr>
-        <p:spPr>
-          <a:xfrm>
-            <a:off x="361038" y="360363"/>
-            <a:ext cx="10800000" cy="720000"/>
-          </a:xfrm>
-          <a:prstGeom prst="rect">
-            <a:avLst/>
-          </a:prstGeom>
-        </p:spPr>
-        <p:txBody>
-          <a:bodyPr/>
-          <a:lstStyle>
-            <a:lvl1pPr algn="l" defTabSz="576026" rtl="0" eaLnBrk="1" latinLnBrk="0" hangingPunct="1">
-              <a:spcBef>
-                <a:spcPct val="0"/>
-              </a:spcBef>
-              <a:buNone/>
-              <a:defRPr sz="4400" kern="1200">
-                <a:solidFill>
-                  <a:schemeClr val="accent1"/>
-                </a:solidFill>
-                <a:latin typeface="+mj-lt"/>
-                <a:ea typeface="+mj-ea"/>
-                <a:cs typeface="+mj-cs"/>
-              </a:defRPr>
-            </a:lvl1pPr>
-          </a:lstStyle>
-          <a:p>
-            <a:r>
-              <a:rPr lang="en-US" dirty="0"/>
-              <a:t>Environment Use Case Requirements</a:t>
-            </a:r>
-          </a:p>
-        </p:txBody>
-      </p:sp>
-    </p:spTree>
-    <p:extLst>
-      <p:ext uri="{BB962C8B-B14F-4D97-AF65-F5344CB8AC3E}">
-        <p14:creationId xmlns:p14="http://schemas.microsoft.com/office/powerpoint/2010/main" val="4288488383"/>
-      </p:ext>
-    </p:extLst>
-  </p:cSld>
-  <p:clrMapOvr>
-    <a:masterClrMapping/>
-  </p:clrMapOvr>
-</p:sld>
-</file>
-
-<file path=ppt/slides/slide14.xml><?xml version="1.0" encoding="utf-8"?>
 <p:sld xmlns:a="http://schemas.openxmlformats.org/drawingml/2006/main" xmlns:r="http://schemas.openxmlformats.org/officeDocument/2006/relationships" xmlns:p="http://schemas.openxmlformats.org/presentationml/2006/main">
   <p:cSld>
     <p:spTree>
